--- a/notebook/Tobacco.pptx
+++ b/notebook/Tobacco.pptx
@@ -5,10 +5,10 @@
     <p:sldMasterId id="2147483684" r:id="rId4"/>
   </p:sldMasterIdLst>
   <p:notesMasterIdLst>
-    <p:notesMasterId r:id="rId18"/>
+    <p:notesMasterId r:id="rId19"/>
   </p:notesMasterIdLst>
   <p:handoutMasterIdLst>
-    <p:handoutMasterId r:id="rId19"/>
+    <p:handoutMasterId r:id="rId20"/>
   </p:handoutMasterIdLst>
   <p:sldIdLst>
     <p:sldId id="257" r:id="rId5"/>
@@ -20,10 +20,11 @@
     <p:sldId id="279" r:id="rId11"/>
     <p:sldId id="268" r:id="rId12"/>
     <p:sldId id="272" r:id="rId13"/>
-    <p:sldId id="270" r:id="rId14"/>
-    <p:sldId id="281" r:id="rId15"/>
-    <p:sldId id="321" r:id="rId16"/>
-    <p:sldId id="391" r:id="rId17"/>
+    <p:sldId id="392" r:id="rId14"/>
+    <p:sldId id="270" r:id="rId15"/>
+    <p:sldId id="281" r:id="rId16"/>
+    <p:sldId id="321" r:id="rId17"/>
+    <p:sldId id="391" r:id="rId18"/>
   </p:sldIdLst>
   <p:sldSz cx="12192000" cy="6858000"/>
   <p:notesSz cx="6858000" cy="9144000"/>
@@ -4612,7 +4613,7 @@
           <a:p>
             <a:fld id="{C17F2C1D-F243-42AB-ADF2-E7CB4E04900E}" type="datetimeFigureOut">
               <a:rPr lang="en-US" smtClean="0"/>
-              <a:t>12/13/2022</a:t>
+              <a:t>12/15/2022</a:t>
             </a:fld>
             <a:endParaRPr lang="en-US"/>
           </a:p>
@@ -4789,7 +4790,7 @@
           <a:p>
             <a:fld id="{020CE34E-5667-4A32-A6BA-10C7A552BC63}" type="datetimeFigureOut">
               <a:rPr lang="en-US" smtClean="0"/>
-              <a:t>12/13/2022</a:t>
+              <a:t>12/15/2022</a:t>
             </a:fld>
             <a:endParaRPr lang="en-US"/>
           </a:p>
@@ -5550,7 +5551,7 @@
     </p:spTree>
     <p:extLst>
       <p:ext uri="{BB962C8B-B14F-4D97-AF65-F5344CB8AC3E}">
-        <p14:creationId xmlns:p14="http://schemas.microsoft.com/office/powerpoint/2010/main" val="404304175"/>
+        <p14:creationId xmlns:p14="http://schemas.microsoft.com/office/powerpoint/2010/main" val="1222275886"/>
       </p:ext>
     </p:extLst>
   </p:cSld>
@@ -5625,7 +5626,91 @@
           <a:p>
             <a:fld id="{1983A999-5E0E-42CA-8400-604AE921FF7C}" type="slidenum">
               <a:rPr lang="en-US" smtClean="0"/>
-              <a:t>12</a:t>
+              <a:t>11</a:t>
+            </a:fld>
+            <a:endParaRPr lang="en-US"/>
+          </a:p>
+        </p:txBody>
+      </p:sp>
+    </p:spTree>
+    <p:extLst>
+      <p:ext uri="{BB962C8B-B14F-4D97-AF65-F5344CB8AC3E}">
+        <p14:creationId xmlns:p14="http://schemas.microsoft.com/office/powerpoint/2010/main" val="404304175"/>
+      </p:ext>
+    </p:extLst>
+  </p:cSld>
+  <p:clrMapOvr>
+    <a:masterClrMapping/>
+  </p:clrMapOvr>
+</p:notes>
+</file>
+
+<file path=ppt/notesSlides/notesSlide8.xml><?xml version="1.0" encoding="utf-8"?>
+<p:notes xmlns:a="http://schemas.openxmlformats.org/drawingml/2006/main" xmlns:r="http://schemas.openxmlformats.org/officeDocument/2006/relationships" xmlns:p="http://schemas.openxmlformats.org/presentationml/2006/main">
+  <p:cSld>
+    <p:spTree>
+      <p:nvGrpSpPr>
+        <p:cNvPr id="1" name=""/>
+        <p:cNvGrpSpPr/>
+        <p:nvPr/>
+      </p:nvGrpSpPr>
+      <p:grpSpPr>
+        <a:xfrm>
+          <a:off x="0" y="0"/>
+          <a:ext cx="0" cy="0"/>
+          <a:chOff x="0" y="0"/>
+          <a:chExt cx="0" cy="0"/>
+        </a:xfrm>
+      </p:grpSpPr>
+      <p:sp>
+        <p:nvSpPr>
+          <p:cNvPr id="2" name="Slide Image Placeholder 1"/>
+          <p:cNvSpPr>
+            <a:spLocks noGrp="1" noRot="1" noChangeAspect="1"/>
+          </p:cNvSpPr>
+          <p:nvPr>
+            <p:ph type="sldImg"/>
+          </p:nvPr>
+        </p:nvSpPr>
+        <p:spPr/>
+      </p:sp>
+      <p:sp>
+        <p:nvSpPr>
+          <p:cNvPr id="3" name="Notes Placeholder 2"/>
+          <p:cNvSpPr>
+            <a:spLocks noGrp="1"/>
+          </p:cNvSpPr>
+          <p:nvPr>
+            <p:ph type="body" idx="1"/>
+          </p:nvPr>
+        </p:nvSpPr>
+        <p:spPr/>
+        <p:txBody>
+          <a:bodyPr/>
+          <a:lstStyle/>
+          <a:p>
+            <a:endParaRPr lang="en-US" dirty="0"/>
+          </a:p>
+        </p:txBody>
+      </p:sp>
+      <p:sp>
+        <p:nvSpPr>
+          <p:cNvPr id="4" name="Slide Number Placeholder 3"/>
+          <p:cNvSpPr>
+            <a:spLocks noGrp="1"/>
+          </p:cNvSpPr>
+          <p:nvPr>
+            <p:ph type="sldNum" sz="quarter" idx="5"/>
+          </p:nvPr>
+        </p:nvSpPr>
+        <p:spPr/>
+        <p:txBody>
+          <a:bodyPr/>
+          <a:lstStyle/>
+          <a:p>
+            <a:fld id="{1983A999-5E0E-42CA-8400-604AE921FF7C}" type="slidenum">
+              <a:rPr lang="en-US" smtClean="0"/>
+              <a:t>13</a:t>
             </a:fld>
             <a:endParaRPr lang="en-US"/>
           </a:p>
@@ -17838,6 +17923,244 @@
           <a:chExt cx="0" cy="0"/>
         </a:xfrm>
       </p:grpSpPr>
+      <p:pic>
+        <p:nvPicPr>
+          <p:cNvPr id="8" name="Picture Placeholder 7" descr="Data Points Digital background">
+            <a:extLst>
+              <a:ext uri="{FF2B5EF4-FFF2-40B4-BE49-F238E27FC236}">
+                <a16:creationId xmlns:a16="http://schemas.microsoft.com/office/drawing/2014/main" id="{5FED7C55-F545-49A1-90FD-D853A25AB453}"/>
+              </a:ext>
+            </a:extLst>
+          </p:cNvPr>
+          <p:cNvPicPr>
+            <a:picLocks noGrp="1" noChangeAspect="1"/>
+          </p:cNvPicPr>
+          <p:nvPr>
+            <p:ph type="pic" sz="quarter" idx="13"/>
+          </p:nvPr>
+        </p:nvPicPr>
+        <p:blipFill>
+          <a:blip r:embed="rId3">
+            <a:extLst>
+              <a:ext uri="{28A0092B-C50C-407E-A947-70E740481C1C}">
+                <a14:useLocalDpi xmlns:a14="http://schemas.microsoft.com/office/drawing/2010/main" val="0"/>
+              </a:ext>
+            </a:extLst>
+          </a:blip>
+          <a:srcRect/>
+          <a:stretch>
+            <a:fillRect/>
+          </a:stretch>
+        </p:blipFill>
+        <p:spPr/>
+      </p:pic>
+      <p:sp>
+        <p:nvSpPr>
+          <p:cNvPr id="15" name="Title 14">
+            <a:extLst>
+              <a:ext uri="{FF2B5EF4-FFF2-40B4-BE49-F238E27FC236}">
+                <a16:creationId xmlns:a16="http://schemas.microsoft.com/office/drawing/2014/main" id="{40F1DF5B-353A-4270-8C10-6A1509441174}"/>
+              </a:ext>
+            </a:extLst>
+          </p:cNvPr>
+          <p:cNvSpPr>
+            <a:spLocks noGrp="1"/>
+          </p:cNvSpPr>
+          <p:nvPr>
+            <p:ph type="ctrTitle"/>
+          </p:nvPr>
+        </p:nvSpPr>
+        <p:spPr>
+          <a:xfrm>
+            <a:off x="550863" y="549275"/>
+            <a:ext cx="5437187" cy="2986234"/>
+          </a:xfrm>
+        </p:spPr>
+        <p:txBody>
+          <a:bodyPr vert="horz" wrap="square" lIns="0" tIns="0" rIns="0" bIns="0" rtlCol="0" anchor="b" anchorCtr="0">
+            <a:normAutofit/>
+          </a:bodyPr>
+          <a:lstStyle/>
+          <a:p>
+            <a:pPr>
+              <a:lnSpc>
+                <a:spcPct val="100000"/>
+              </a:lnSpc>
+            </a:pPr>
+            <a:r>
+              <a:rPr lang="en-US" sz="6400" kern="1200" dirty="0">
+                <a:solidFill>
+                  <a:schemeClr val="tx1"/>
+                </a:solidFill>
+                <a:latin typeface="+mj-lt"/>
+                <a:ea typeface="+mj-ea"/>
+                <a:cs typeface="+mj-cs"/>
+              </a:rPr>
+              <a:t>Tobacco use International</a:t>
+            </a:r>
+          </a:p>
+        </p:txBody>
+      </p:sp>
+      <p:sp>
+        <p:nvSpPr>
+          <p:cNvPr id="16" name="Subtitle 15">
+            <a:extLst>
+              <a:ext uri="{FF2B5EF4-FFF2-40B4-BE49-F238E27FC236}">
+                <a16:creationId xmlns:a16="http://schemas.microsoft.com/office/drawing/2014/main" id="{4BDCF583-1D5D-4235-97C2-39272B80A0B1}"/>
+              </a:ext>
+            </a:extLst>
+          </p:cNvPr>
+          <p:cNvSpPr>
+            <a:spLocks noGrp="1"/>
+          </p:cNvSpPr>
+          <p:nvPr>
+            <p:ph type="subTitle" idx="1"/>
+          </p:nvPr>
+        </p:nvSpPr>
+        <p:spPr>
+          <a:xfrm>
+            <a:off x="550863" y="3827610"/>
+            <a:ext cx="5437187" cy="2265216"/>
+          </a:xfrm>
+        </p:spPr>
+        <p:txBody>
+          <a:bodyPr vert="horz" wrap="square" lIns="0" tIns="0" rIns="0" bIns="0" rtlCol="0">
+            <a:normAutofit/>
+          </a:bodyPr>
+          <a:lstStyle/>
+          <a:p>
+            <a:pPr marL="0" indent="0">
+              <a:lnSpc>
+                <a:spcPct val="100000"/>
+              </a:lnSpc>
+              <a:buNone/>
+            </a:pPr>
+            <a:r>
+              <a:rPr lang="en-US" kern="1200" dirty="0">
+                <a:latin typeface="+mn-lt"/>
+                <a:ea typeface="+mn-ea"/>
+                <a:cs typeface="+mn-cs"/>
+              </a:rPr>
+              <a:t>Subtitle</a:t>
+            </a:r>
+          </a:p>
+        </p:txBody>
+      </p:sp>
+      <p:sp>
+        <p:nvSpPr>
+          <p:cNvPr id="2" name="Date Placeholder 1">
+            <a:extLst>
+              <a:ext uri="{FF2B5EF4-FFF2-40B4-BE49-F238E27FC236}">
+                <a16:creationId xmlns:a16="http://schemas.microsoft.com/office/drawing/2014/main" id="{2910D835-B454-4270-BB35-86A187307E6F}"/>
+              </a:ext>
+            </a:extLst>
+          </p:cNvPr>
+          <p:cNvSpPr>
+            <a:spLocks noGrp="1"/>
+          </p:cNvSpPr>
+          <p:nvPr>
+            <p:ph type="dt" sz="half" idx="10"/>
+          </p:nvPr>
+        </p:nvSpPr>
+        <p:spPr/>
+        <p:txBody>
+          <a:bodyPr/>
+          <a:lstStyle/>
+          <a:p>
+            <a:r>
+              <a:rPr lang="en-US"/>
+              <a:t>Tuesday, February 2, 20XX</a:t>
+            </a:r>
+          </a:p>
+        </p:txBody>
+      </p:sp>
+      <p:sp>
+        <p:nvSpPr>
+          <p:cNvPr id="3" name="Footer Placeholder 2">
+            <a:extLst>
+              <a:ext uri="{FF2B5EF4-FFF2-40B4-BE49-F238E27FC236}">
+                <a16:creationId xmlns:a16="http://schemas.microsoft.com/office/drawing/2014/main" id="{7F7F653B-90B5-4F47-A33F-93DCB2EF68C2}"/>
+              </a:ext>
+            </a:extLst>
+          </p:cNvPr>
+          <p:cNvSpPr>
+            <a:spLocks noGrp="1"/>
+          </p:cNvSpPr>
+          <p:nvPr>
+            <p:ph type="ftr" sz="quarter" idx="11"/>
+          </p:nvPr>
+        </p:nvSpPr>
+        <p:spPr/>
+        <p:txBody>
+          <a:bodyPr/>
+          <a:lstStyle/>
+          <a:p>
+            <a:r>
+              <a:rPr lang="en-US"/>
+              <a:t>Sample Footer Text</a:t>
+            </a:r>
+          </a:p>
+        </p:txBody>
+      </p:sp>
+      <p:sp>
+        <p:nvSpPr>
+          <p:cNvPr id="4" name="Slide Number Placeholder 3">
+            <a:extLst>
+              <a:ext uri="{FF2B5EF4-FFF2-40B4-BE49-F238E27FC236}">
+                <a16:creationId xmlns:a16="http://schemas.microsoft.com/office/drawing/2014/main" id="{E1E7D98D-6710-41D2-B258-E1A1059D29F8}"/>
+              </a:ext>
+            </a:extLst>
+          </p:cNvPr>
+          <p:cNvSpPr>
+            <a:spLocks noGrp="1"/>
+          </p:cNvSpPr>
+          <p:nvPr>
+            <p:ph type="sldNum" sz="quarter" idx="12"/>
+          </p:nvPr>
+        </p:nvSpPr>
+        <p:spPr/>
+        <p:txBody>
+          <a:bodyPr/>
+          <a:lstStyle/>
+          <a:p>
+            <a:fld id="{DBA1B0FB-D917-4C8C-928F-313BD683BF39}" type="slidenum">
+              <a:rPr lang="en-US" smtClean="0"/>
+              <a:t>10</a:t>
+            </a:fld>
+            <a:endParaRPr lang="en-US"/>
+          </a:p>
+        </p:txBody>
+      </p:sp>
+    </p:spTree>
+    <p:extLst>
+      <p:ext uri="{BB962C8B-B14F-4D97-AF65-F5344CB8AC3E}">
+        <p14:creationId xmlns:p14="http://schemas.microsoft.com/office/powerpoint/2010/main" val="1046374787"/>
+      </p:ext>
+    </p:extLst>
+  </p:cSld>
+  <p:clrMapOvr>
+    <a:masterClrMapping/>
+  </p:clrMapOvr>
+</p:sld>
+</file>
+
+<file path=ppt/slides/slide11.xml><?xml version="1.0" encoding="utf-8"?>
+<p:sld xmlns:a="http://schemas.openxmlformats.org/drawingml/2006/main" xmlns:r="http://schemas.openxmlformats.org/officeDocument/2006/relationships" xmlns:p="http://schemas.openxmlformats.org/presentationml/2006/main">
+  <p:cSld>
+    <p:spTree>
+      <p:nvGrpSpPr>
+        <p:cNvPr id="1" name=""/>
+        <p:cNvGrpSpPr/>
+        <p:nvPr/>
+      </p:nvGrpSpPr>
+      <p:grpSpPr>
+        <a:xfrm>
+          <a:off x="0" y="0"/>
+          <a:ext cx="0" cy="0"/>
+          <a:chOff x="0" y="0"/>
+          <a:chExt cx="0" cy="0"/>
+        </a:xfrm>
+      </p:grpSpPr>
       <p:grpSp>
         <p:nvGrpSpPr>
           <p:cNvPr id="25" name="Group 24">
@@ -18196,42 +18519,8 @@
           <a:p>
             <a:r>
               <a:rPr lang="en-US" dirty="0"/>
-              <a:t>Content </a:t>
+              <a:t>WHO Overall Score 2014-2020</a:t>
             </a:r>
-          </a:p>
-        </p:txBody>
-      </p:sp>
-      <p:sp>
-        <p:nvSpPr>
-          <p:cNvPr id="9" name="Text Placeholder 8">
-            <a:extLst>
-              <a:ext uri="{FF2B5EF4-FFF2-40B4-BE49-F238E27FC236}">
-                <a16:creationId xmlns:a16="http://schemas.microsoft.com/office/drawing/2014/main" id="{0D098C43-2F2A-4100-89BC-5931039293FA}"/>
-              </a:ext>
-            </a:extLst>
-          </p:cNvPr>
-          <p:cNvSpPr>
-            <a:spLocks noGrp="1"/>
-          </p:cNvSpPr>
-          <p:nvPr>
-            <p:ph type="body" idx="1"/>
-          </p:nvPr>
-        </p:nvSpPr>
-        <p:spPr>
-          <a:xfrm>
-            <a:off x="550864" y="1731375"/>
-            <a:ext cx="5437186" cy="535354"/>
-          </a:xfrm>
-        </p:spPr>
-        <p:txBody>
-          <a:bodyPr/>
-          <a:lstStyle/>
-          <a:p>
-            <a:r>
-              <a:rPr lang="en-US"/>
-              <a:t>Subtitle</a:t>
-            </a:r>
-            <a:endParaRPr lang="en-US" dirty="0"/>
           </a:p>
         </p:txBody>
       </p:sp>
@@ -18253,8 +18542,8 @@
         </p:nvSpPr>
         <p:spPr>
           <a:xfrm>
-            <a:off x="550863" y="2427370"/>
-            <a:ext cx="5429114" cy="3515555"/>
+            <a:off x="8087485" y="2436466"/>
+            <a:ext cx="3849373" cy="4070746"/>
           </a:xfrm>
         </p:spPr>
         <p:txBody>
@@ -18263,95 +18552,28 @@
           <a:p>
             <a:r>
               <a:rPr lang="en-US" dirty="0"/>
-              <a:t>Add text, images, art, and videos. </a:t>
+              <a:t>Scale being from 1-5</a:t>
             </a:r>
           </a:p>
           <a:p>
             <a:r>
               <a:rPr lang="en-US" dirty="0"/>
-              <a:t>Add transitions, animations, and motion. </a:t>
+              <a:t>Based on Price, Tax Share, Tax Structure, and Affordability Change </a:t>
             </a:r>
           </a:p>
           <a:p>
             <a:r>
               <a:rPr lang="en-US" dirty="0"/>
-              <a:t>Save to OneDrive, to get to your presentations from your computer, tablet, or phone. </a:t>
+              <a:t>United States ranks 90</a:t>
             </a:r>
-          </a:p>
-        </p:txBody>
-      </p:sp>
-      <p:sp>
-        <p:nvSpPr>
-          <p:cNvPr id="11" name="Text Placeholder 10">
-            <a:extLst>
-              <a:ext uri="{FF2B5EF4-FFF2-40B4-BE49-F238E27FC236}">
-                <a16:creationId xmlns:a16="http://schemas.microsoft.com/office/drawing/2014/main" id="{60726BA7-44D6-4116-90E3-38325026EAAD}"/>
-              </a:ext>
-            </a:extLst>
-          </p:cNvPr>
-          <p:cNvSpPr>
-            <a:spLocks noGrp="1"/>
-          </p:cNvSpPr>
-          <p:nvPr>
-            <p:ph type="body" sz="quarter" idx="3"/>
-          </p:nvPr>
-        </p:nvSpPr>
-        <p:spPr>
-          <a:xfrm>
-            <a:off x="6212024" y="1731375"/>
-            <a:ext cx="5436392" cy="535354"/>
-          </a:xfrm>
-        </p:spPr>
-        <p:txBody>
-          <a:bodyPr/>
-          <a:lstStyle/>
-          <a:p>
+            <a:r>
+              <a:rPr lang="en-US" baseline="30000" dirty="0"/>
+              <a:t>th</a:t>
+            </a:r>
             <a:r>
               <a:rPr lang="en-US" dirty="0"/>
-              <a:t>Subtitle</a:t>
+              <a:t> worldwide</a:t>
             </a:r>
-          </a:p>
-        </p:txBody>
-      </p:sp>
-      <p:sp>
-        <p:nvSpPr>
-          <p:cNvPr id="12" name="Content Placeholder 11">
-            <a:extLst>
-              <a:ext uri="{FF2B5EF4-FFF2-40B4-BE49-F238E27FC236}">
-                <a16:creationId xmlns:a16="http://schemas.microsoft.com/office/drawing/2014/main" id="{7FB7F30B-2A84-4C44-BC5A-E826ED6E74A2}"/>
-              </a:ext>
-            </a:extLst>
-          </p:cNvPr>
-          <p:cNvSpPr>
-            <a:spLocks noGrp="1"/>
-          </p:cNvSpPr>
-          <p:nvPr>
-            <p:ph sz="quarter" idx="4"/>
-          </p:nvPr>
-        </p:nvSpPr>
-        <p:spPr>
-          <a:xfrm>
-            <a:off x="6212023" y="2427370"/>
-            <a:ext cx="5436391" cy="3515555"/>
-          </a:xfrm>
-        </p:spPr>
-        <p:txBody>
-          <a:bodyPr/>
-          <a:lstStyle/>
-          <a:p>
-            <a:r>
-              <a:rPr lang="en-US" dirty="0"/>
-              <a:t>Open the Design Ideas pane for instant slide makeovers. </a:t>
-            </a:r>
-          </a:p>
-          <a:p>
-            <a:r>
-              <a:rPr lang="en-US" dirty="0"/>
-              <a:t>When we have design ideas, we’ll show them to you right there. </a:t>
-            </a:r>
-          </a:p>
-          <a:p>
-            <a:endParaRPr lang="en-US" dirty="0"/>
           </a:p>
         </p:txBody>
       </p:sp>
@@ -18422,6 +18644,36 @@
           </a:p>
         </p:txBody>
       </p:sp>
+      <p:pic>
+        <p:nvPicPr>
+          <p:cNvPr id="3" name="Picture 2">
+            <a:extLst>
+              <a:ext uri="{FF2B5EF4-FFF2-40B4-BE49-F238E27FC236}">
+                <a16:creationId xmlns:a16="http://schemas.microsoft.com/office/drawing/2014/main" id="{4F716C6D-AF02-66F8-A8EA-49D31657DBFD}"/>
+              </a:ext>
+            </a:extLst>
+          </p:cNvPr>
+          <p:cNvPicPr>
+            <a:picLocks noChangeAspect="1"/>
+          </p:cNvPicPr>
+          <p:nvPr/>
+        </p:nvPicPr>
+        <p:blipFill>
+          <a:blip r:embed="rId3"/>
+          <a:stretch>
+            <a:fillRect/>
+          </a:stretch>
+        </p:blipFill>
+        <p:spPr>
+          <a:xfrm>
+            <a:off x="0" y="1969495"/>
+            <a:ext cx="7908099" cy="4192484"/>
+          </a:xfrm>
+          <a:prstGeom prst="rect">
+            <a:avLst/>
+          </a:prstGeom>
+        </p:spPr>
+      </p:pic>
       <p:sp>
         <p:nvSpPr>
           <p:cNvPr id="6" name="Slide Number Placeholder 5">
@@ -18451,7 +18703,7 @@
             <a:fld id="{DBA1B0FB-D917-4C8C-928F-313BD683BF39}" type="slidenum">
               <a:rPr lang="en-US" smtClean="0"/>
               <a:pPr/>
-              <a:t>10</a:t>
+              <a:t>11</a:t>
             </a:fld>
             <a:endParaRPr lang="en-US"/>
           </a:p>
@@ -18631,7 +18883,7 @@
 </p:sld>
 </file>
 
-<file path=ppt/slides/slide11.xml><?xml version="1.0" encoding="utf-8"?>
+<file path=ppt/slides/slide12.xml><?xml version="1.0" encoding="utf-8"?>
 <p:sld xmlns:a="http://schemas.openxmlformats.org/drawingml/2006/main" xmlns:r="http://schemas.openxmlformats.org/officeDocument/2006/relationships" xmlns:p="http://schemas.openxmlformats.org/presentationml/2006/main">
   <p:cSld>
     <p:spTree>
@@ -18683,39 +18935,6 @@
       </p:sp>
       <p:sp>
         <p:nvSpPr>
-          <p:cNvPr id="8" name="Text Placeholder 7">
-            <a:extLst>
-              <a:ext uri="{FF2B5EF4-FFF2-40B4-BE49-F238E27FC236}">
-                <a16:creationId xmlns:a16="http://schemas.microsoft.com/office/drawing/2014/main" id="{ABA415A0-3B77-43FB-A408-5F1DA4B0AAFA}"/>
-              </a:ext>
-            </a:extLst>
-          </p:cNvPr>
-          <p:cNvSpPr>
-            <a:spLocks noGrp="1"/>
-          </p:cNvSpPr>
-          <p:nvPr>
-            <p:ph type="body" idx="1"/>
-          </p:nvPr>
-        </p:nvSpPr>
-        <p:spPr>
-          <a:xfrm>
-            <a:off x="550864" y="1731375"/>
-            <a:ext cx="3563936" cy="535354"/>
-          </a:xfrm>
-        </p:spPr>
-        <p:txBody>
-          <a:bodyPr/>
-          <a:lstStyle/>
-          <a:p>
-            <a:r>
-              <a:rPr lang="en-US" dirty="0"/>
-              <a:t>Subtitle</a:t>
-            </a:r>
-          </a:p>
-        </p:txBody>
-      </p:sp>
-      <p:sp>
-        <p:nvSpPr>
           <p:cNvPr id="9" name="Content Placeholder 8">
             <a:extLst>
               <a:ext uri="{FF2B5EF4-FFF2-40B4-BE49-F238E27FC236}">
@@ -19070,8 +19289,33 @@
             <a:fld id="{DBA1B0FB-D917-4C8C-928F-313BD683BF39}" type="slidenum">
               <a:rPr lang="en-US" smtClean="0"/>
               <a:pPr/>
-              <a:t>11</a:t>
+              <a:t>12</a:t>
             </a:fld>
+            <a:endParaRPr lang="en-US"/>
+          </a:p>
+        </p:txBody>
+      </p:sp>
+      <p:sp>
+        <p:nvSpPr>
+          <p:cNvPr id="3" name="Text Placeholder 2">
+            <a:extLst>
+              <a:ext uri="{FF2B5EF4-FFF2-40B4-BE49-F238E27FC236}">
+                <a16:creationId xmlns:a16="http://schemas.microsoft.com/office/drawing/2014/main" id="{A38BABB7-F9DF-F505-2371-5818960ECAF4}"/>
+              </a:ext>
+            </a:extLst>
+          </p:cNvPr>
+          <p:cNvSpPr>
+            <a:spLocks noGrp="1"/>
+          </p:cNvSpPr>
+          <p:nvPr>
+            <p:ph type="body" idx="1"/>
+          </p:nvPr>
+        </p:nvSpPr>
+        <p:spPr/>
+        <p:txBody>
+          <a:bodyPr/>
+          <a:lstStyle/>
+          <a:p>
             <a:endParaRPr lang="en-US"/>
           </a:p>
         </p:txBody>
@@ -19080,240 +19324,6 @@
     <p:extLst>
       <p:ext uri="{BB962C8B-B14F-4D97-AF65-F5344CB8AC3E}">
         <p14:creationId xmlns:p14="http://schemas.microsoft.com/office/powerpoint/2010/main" val="1420547054"/>
-      </p:ext>
-    </p:extLst>
-  </p:cSld>
-  <p:clrMapOvr>
-    <a:masterClrMapping/>
-  </p:clrMapOvr>
-</p:sld>
-</file>
-
-<file path=ppt/slides/slide12.xml><?xml version="1.0" encoding="utf-8"?>
-<p:sld xmlns:a="http://schemas.openxmlformats.org/drawingml/2006/main" xmlns:r="http://schemas.openxmlformats.org/officeDocument/2006/relationships" xmlns:p="http://schemas.openxmlformats.org/presentationml/2006/main">
-  <p:cSld>
-    <p:spTree>
-      <p:nvGrpSpPr>
-        <p:cNvPr id="1" name=""/>
-        <p:cNvGrpSpPr/>
-        <p:nvPr/>
-      </p:nvGrpSpPr>
-      <p:grpSpPr>
-        <a:xfrm>
-          <a:off x="0" y="0"/>
-          <a:ext cx="0" cy="0"/>
-          <a:chOff x="0" y="0"/>
-          <a:chExt cx="0" cy="0"/>
-        </a:xfrm>
-      </p:grpSpPr>
-      <p:sp>
-        <p:nvSpPr>
-          <p:cNvPr id="11" name="Title 10">
-            <a:extLst>
-              <a:ext uri="{FF2B5EF4-FFF2-40B4-BE49-F238E27FC236}">
-                <a16:creationId xmlns:a16="http://schemas.microsoft.com/office/drawing/2014/main" id="{581E8936-2270-47FE-94A4-398CB123EF90}"/>
-              </a:ext>
-            </a:extLst>
-          </p:cNvPr>
-          <p:cNvSpPr>
-            <a:spLocks noGrp="1"/>
-          </p:cNvSpPr>
-          <p:nvPr>
-            <p:ph type="title"/>
-          </p:nvPr>
-        </p:nvSpPr>
-        <p:spPr>
-          <a:xfrm>
-            <a:off x="550863" y="4508500"/>
-            <a:ext cx="4500562" cy="1562959"/>
-          </a:xfrm>
-        </p:spPr>
-        <p:txBody>
-          <a:bodyPr/>
-          <a:lstStyle/>
-          <a:p>
-            <a:r>
-              <a:rPr lang="en-US" dirty="0"/>
-              <a:t>Summary</a:t>
-            </a:r>
-          </a:p>
-        </p:txBody>
-      </p:sp>
-      <p:pic>
-        <p:nvPicPr>
-          <p:cNvPr id="16" name="Picture Placeholder 15" descr="Data Points Digital background">
-            <a:extLst>
-              <a:ext uri="{FF2B5EF4-FFF2-40B4-BE49-F238E27FC236}">
-                <a16:creationId xmlns:a16="http://schemas.microsoft.com/office/drawing/2014/main" id="{361E9ADB-7377-4CF1-9AE4-AEFBDEBEEEEC}"/>
-              </a:ext>
-            </a:extLst>
-          </p:cNvPr>
-          <p:cNvPicPr>
-            <a:picLocks noGrp="1" noChangeAspect="1"/>
-          </p:cNvPicPr>
-          <p:nvPr>
-            <p:ph type="pic" sz="quarter" idx="13"/>
-          </p:nvPr>
-        </p:nvPicPr>
-        <p:blipFill rotWithShape="1">
-          <a:blip r:embed="rId3" cstate="screen">
-            <a:extLst>
-              <a:ext uri="{28A0092B-C50C-407E-A947-70E740481C1C}">
-                <a14:useLocalDpi xmlns:a14="http://schemas.microsoft.com/office/drawing/2010/main" val="0"/>
-              </a:ext>
-            </a:extLst>
-          </a:blip>
-          <a:srcRect/>
-          <a:stretch/>
-        </p:blipFill>
-        <p:spPr>
-          <a:xfrm>
-            <a:off x="0" y="0"/>
-            <a:ext cx="12192000" cy="3776472"/>
-          </a:xfrm>
-        </p:spPr>
-      </p:pic>
-      <p:sp>
-        <p:nvSpPr>
-          <p:cNvPr id="13" name="Content Placeholder 12">
-            <a:extLst>
-              <a:ext uri="{FF2B5EF4-FFF2-40B4-BE49-F238E27FC236}">
-                <a16:creationId xmlns:a16="http://schemas.microsoft.com/office/drawing/2014/main" id="{C0287FEC-3826-4868-8D93-52429C6156F5}"/>
-              </a:ext>
-            </a:extLst>
-          </p:cNvPr>
-          <p:cNvSpPr>
-            <a:spLocks noGrp="1"/>
-          </p:cNvSpPr>
-          <p:nvPr>
-            <p:ph sz="quarter" idx="15"/>
-          </p:nvPr>
-        </p:nvSpPr>
-        <p:spPr>
-          <a:xfrm>
-            <a:off x="5262411" y="4508500"/>
-            <a:ext cx="6221412" cy="1563688"/>
-          </a:xfrm>
-        </p:spPr>
-        <p:txBody>
-          <a:bodyPr>
-            <a:normAutofit lnSpcReduction="10000"/>
-          </a:bodyPr>
-          <a:lstStyle/>
-          <a:p>
-            <a:r>
-              <a:rPr lang="en-US" dirty="0"/>
-              <a:t>With PowerPoint, you can create presentations and share your work with others, wherever they are. Type the text you want here to get started. You can also add images, art, and videos on this template. Save to OneDrive and access your presentations from your computer, tablet, or phone. </a:t>
-            </a:r>
-          </a:p>
-        </p:txBody>
-      </p:sp>
-      <p:sp>
-        <p:nvSpPr>
-          <p:cNvPr id="4" name="Date Placeholder 3">
-            <a:extLst>
-              <a:ext uri="{FF2B5EF4-FFF2-40B4-BE49-F238E27FC236}">
-                <a16:creationId xmlns:a16="http://schemas.microsoft.com/office/drawing/2014/main" id="{0C329F70-04F7-4C70-BCF8-D4371F54EF2F}"/>
-              </a:ext>
-            </a:extLst>
-          </p:cNvPr>
-          <p:cNvSpPr>
-            <a:spLocks noGrp="1"/>
-          </p:cNvSpPr>
-          <p:nvPr>
-            <p:ph type="dt" sz="half" idx="10"/>
-          </p:nvPr>
-        </p:nvSpPr>
-        <p:spPr>
-          <a:xfrm>
-            <a:off x="550863" y="6507212"/>
-            <a:ext cx="2628900" cy="153888"/>
-          </a:xfrm>
-        </p:spPr>
-        <p:txBody>
-          <a:bodyPr/>
-          <a:lstStyle/>
-          <a:p>
-            <a:r>
-              <a:rPr lang="en-US"/>
-              <a:t>Tuesday, February 2, 20XX</a:t>
-            </a:r>
-            <a:endParaRPr lang="en-US" dirty="0"/>
-          </a:p>
-        </p:txBody>
-      </p:sp>
-      <p:sp>
-        <p:nvSpPr>
-          <p:cNvPr id="5" name="Footer Placeholder 4">
-            <a:extLst>
-              <a:ext uri="{FF2B5EF4-FFF2-40B4-BE49-F238E27FC236}">
-                <a16:creationId xmlns:a16="http://schemas.microsoft.com/office/drawing/2014/main" id="{06A3302E-502D-4151-81C9-5FD6AF9596D6}"/>
-              </a:ext>
-            </a:extLst>
-          </p:cNvPr>
-          <p:cNvSpPr>
-            <a:spLocks noGrp="1"/>
-          </p:cNvSpPr>
-          <p:nvPr>
-            <p:ph type="ftr" sz="quarter" idx="11"/>
-          </p:nvPr>
-        </p:nvSpPr>
-        <p:spPr>
-          <a:xfrm>
-            <a:off x="3359150" y="6507212"/>
-            <a:ext cx="6379210" cy="153888"/>
-          </a:xfrm>
-        </p:spPr>
-        <p:txBody>
-          <a:bodyPr/>
-          <a:lstStyle/>
-          <a:p>
-            <a:r>
-              <a:rPr lang="en-US"/>
-              <a:t>Sample Footer Text</a:t>
-            </a:r>
-          </a:p>
-        </p:txBody>
-      </p:sp>
-      <p:sp>
-        <p:nvSpPr>
-          <p:cNvPr id="6" name="Slide Number Placeholder 5">
-            <a:extLst>
-              <a:ext uri="{FF2B5EF4-FFF2-40B4-BE49-F238E27FC236}">
-                <a16:creationId xmlns:a16="http://schemas.microsoft.com/office/drawing/2014/main" id="{9ED907F8-C614-4D59-A03F-BF9CD5E35703}"/>
-              </a:ext>
-            </a:extLst>
-          </p:cNvPr>
-          <p:cNvSpPr>
-            <a:spLocks noGrp="1"/>
-          </p:cNvSpPr>
-          <p:nvPr>
-            <p:ph type="sldNum" sz="quarter" idx="12"/>
-          </p:nvPr>
-        </p:nvSpPr>
-        <p:spPr>
-          <a:xfrm>
-            <a:off x="9948863" y="6507212"/>
-            <a:ext cx="1692274" cy="153888"/>
-          </a:xfrm>
-        </p:spPr>
-        <p:txBody>
-          <a:bodyPr/>
-          <a:lstStyle/>
-          <a:p>
-            <a:fld id="{DBA1B0FB-D917-4C8C-928F-313BD683BF39}" type="slidenum">
-              <a:rPr lang="en-US" smtClean="0"/>
-              <a:pPr/>
-              <a:t>12</a:t>
-            </a:fld>
-            <a:endParaRPr lang="en-US"/>
-          </a:p>
-        </p:txBody>
-      </p:sp>
-    </p:spTree>
-    <p:extLst>
-      <p:ext uri="{BB962C8B-B14F-4D97-AF65-F5344CB8AC3E}">
-        <p14:creationId xmlns:p14="http://schemas.microsoft.com/office/powerpoint/2010/main" val="3521561301"/>
       </p:ext>
     </p:extLst>
   </p:cSld>
@@ -19342,6 +19352,240 @@
       </p:grpSpPr>
       <p:sp>
         <p:nvSpPr>
+          <p:cNvPr id="11" name="Title 10">
+            <a:extLst>
+              <a:ext uri="{FF2B5EF4-FFF2-40B4-BE49-F238E27FC236}">
+                <a16:creationId xmlns:a16="http://schemas.microsoft.com/office/drawing/2014/main" id="{581E8936-2270-47FE-94A4-398CB123EF90}"/>
+              </a:ext>
+            </a:extLst>
+          </p:cNvPr>
+          <p:cNvSpPr>
+            <a:spLocks noGrp="1"/>
+          </p:cNvSpPr>
+          <p:nvPr>
+            <p:ph type="title"/>
+          </p:nvPr>
+        </p:nvSpPr>
+        <p:spPr>
+          <a:xfrm>
+            <a:off x="550863" y="4508500"/>
+            <a:ext cx="4500562" cy="1562959"/>
+          </a:xfrm>
+        </p:spPr>
+        <p:txBody>
+          <a:bodyPr/>
+          <a:lstStyle/>
+          <a:p>
+            <a:r>
+              <a:rPr lang="en-US" dirty="0"/>
+              <a:t>Summary</a:t>
+            </a:r>
+          </a:p>
+        </p:txBody>
+      </p:sp>
+      <p:pic>
+        <p:nvPicPr>
+          <p:cNvPr id="16" name="Picture Placeholder 15" descr="Data Points Digital background">
+            <a:extLst>
+              <a:ext uri="{FF2B5EF4-FFF2-40B4-BE49-F238E27FC236}">
+                <a16:creationId xmlns:a16="http://schemas.microsoft.com/office/drawing/2014/main" id="{361E9ADB-7377-4CF1-9AE4-AEFBDEBEEEEC}"/>
+              </a:ext>
+            </a:extLst>
+          </p:cNvPr>
+          <p:cNvPicPr>
+            <a:picLocks noGrp="1" noChangeAspect="1"/>
+          </p:cNvPicPr>
+          <p:nvPr>
+            <p:ph type="pic" sz="quarter" idx="13"/>
+          </p:nvPr>
+        </p:nvPicPr>
+        <p:blipFill rotWithShape="1">
+          <a:blip r:embed="rId3" cstate="screen">
+            <a:extLst>
+              <a:ext uri="{28A0092B-C50C-407E-A947-70E740481C1C}">
+                <a14:useLocalDpi xmlns:a14="http://schemas.microsoft.com/office/drawing/2010/main" val="0"/>
+              </a:ext>
+            </a:extLst>
+          </a:blip>
+          <a:srcRect/>
+          <a:stretch/>
+        </p:blipFill>
+        <p:spPr>
+          <a:xfrm>
+            <a:off x="0" y="0"/>
+            <a:ext cx="12192000" cy="3776472"/>
+          </a:xfrm>
+        </p:spPr>
+      </p:pic>
+      <p:sp>
+        <p:nvSpPr>
+          <p:cNvPr id="13" name="Content Placeholder 12">
+            <a:extLst>
+              <a:ext uri="{FF2B5EF4-FFF2-40B4-BE49-F238E27FC236}">
+                <a16:creationId xmlns:a16="http://schemas.microsoft.com/office/drawing/2014/main" id="{C0287FEC-3826-4868-8D93-52429C6156F5}"/>
+              </a:ext>
+            </a:extLst>
+          </p:cNvPr>
+          <p:cNvSpPr>
+            <a:spLocks noGrp="1"/>
+          </p:cNvSpPr>
+          <p:nvPr>
+            <p:ph sz="quarter" idx="15"/>
+          </p:nvPr>
+        </p:nvSpPr>
+        <p:spPr>
+          <a:xfrm>
+            <a:off x="5262411" y="4508500"/>
+            <a:ext cx="6221412" cy="1563688"/>
+          </a:xfrm>
+        </p:spPr>
+        <p:txBody>
+          <a:bodyPr>
+            <a:normAutofit lnSpcReduction="10000"/>
+          </a:bodyPr>
+          <a:lstStyle/>
+          <a:p>
+            <a:r>
+              <a:rPr lang="en-US" dirty="0"/>
+              <a:t>With PowerPoint, you can create presentations and share your work with others, wherever they are. Type the text you want here to get started. You can also add images, art, and videos on this template. Save to OneDrive and access your presentations from your computer, tablet, or phone. </a:t>
+            </a:r>
+          </a:p>
+        </p:txBody>
+      </p:sp>
+      <p:sp>
+        <p:nvSpPr>
+          <p:cNvPr id="4" name="Date Placeholder 3">
+            <a:extLst>
+              <a:ext uri="{FF2B5EF4-FFF2-40B4-BE49-F238E27FC236}">
+                <a16:creationId xmlns:a16="http://schemas.microsoft.com/office/drawing/2014/main" id="{0C329F70-04F7-4C70-BCF8-D4371F54EF2F}"/>
+              </a:ext>
+            </a:extLst>
+          </p:cNvPr>
+          <p:cNvSpPr>
+            <a:spLocks noGrp="1"/>
+          </p:cNvSpPr>
+          <p:nvPr>
+            <p:ph type="dt" sz="half" idx="10"/>
+          </p:nvPr>
+        </p:nvSpPr>
+        <p:spPr>
+          <a:xfrm>
+            <a:off x="550863" y="6507212"/>
+            <a:ext cx="2628900" cy="153888"/>
+          </a:xfrm>
+        </p:spPr>
+        <p:txBody>
+          <a:bodyPr/>
+          <a:lstStyle/>
+          <a:p>
+            <a:r>
+              <a:rPr lang="en-US"/>
+              <a:t>Tuesday, February 2, 20XX</a:t>
+            </a:r>
+            <a:endParaRPr lang="en-US" dirty="0"/>
+          </a:p>
+        </p:txBody>
+      </p:sp>
+      <p:sp>
+        <p:nvSpPr>
+          <p:cNvPr id="5" name="Footer Placeholder 4">
+            <a:extLst>
+              <a:ext uri="{FF2B5EF4-FFF2-40B4-BE49-F238E27FC236}">
+                <a16:creationId xmlns:a16="http://schemas.microsoft.com/office/drawing/2014/main" id="{06A3302E-502D-4151-81C9-5FD6AF9596D6}"/>
+              </a:ext>
+            </a:extLst>
+          </p:cNvPr>
+          <p:cNvSpPr>
+            <a:spLocks noGrp="1"/>
+          </p:cNvSpPr>
+          <p:nvPr>
+            <p:ph type="ftr" sz="quarter" idx="11"/>
+          </p:nvPr>
+        </p:nvSpPr>
+        <p:spPr>
+          <a:xfrm>
+            <a:off x="3359150" y="6507212"/>
+            <a:ext cx="6379210" cy="153888"/>
+          </a:xfrm>
+        </p:spPr>
+        <p:txBody>
+          <a:bodyPr/>
+          <a:lstStyle/>
+          <a:p>
+            <a:r>
+              <a:rPr lang="en-US"/>
+              <a:t>Sample Footer Text</a:t>
+            </a:r>
+          </a:p>
+        </p:txBody>
+      </p:sp>
+      <p:sp>
+        <p:nvSpPr>
+          <p:cNvPr id="6" name="Slide Number Placeholder 5">
+            <a:extLst>
+              <a:ext uri="{FF2B5EF4-FFF2-40B4-BE49-F238E27FC236}">
+                <a16:creationId xmlns:a16="http://schemas.microsoft.com/office/drawing/2014/main" id="{9ED907F8-C614-4D59-A03F-BF9CD5E35703}"/>
+              </a:ext>
+            </a:extLst>
+          </p:cNvPr>
+          <p:cNvSpPr>
+            <a:spLocks noGrp="1"/>
+          </p:cNvSpPr>
+          <p:nvPr>
+            <p:ph type="sldNum" sz="quarter" idx="12"/>
+          </p:nvPr>
+        </p:nvSpPr>
+        <p:spPr>
+          <a:xfrm>
+            <a:off x="9948863" y="6507212"/>
+            <a:ext cx="1692274" cy="153888"/>
+          </a:xfrm>
+        </p:spPr>
+        <p:txBody>
+          <a:bodyPr/>
+          <a:lstStyle/>
+          <a:p>
+            <a:fld id="{DBA1B0FB-D917-4C8C-928F-313BD683BF39}" type="slidenum">
+              <a:rPr lang="en-US" smtClean="0"/>
+              <a:pPr/>
+              <a:t>13</a:t>
+            </a:fld>
+            <a:endParaRPr lang="en-US"/>
+          </a:p>
+        </p:txBody>
+      </p:sp>
+    </p:spTree>
+    <p:extLst>
+      <p:ext uri="{BB962C8B-B14F-4D97-AF65-F5344CB8AC3E}">
+        <p14:creationId xmlns:p14="http://schemas.microsoft.com/office/powerpoint/2010/main" val="3521561301"/>
+      </p:ext>
+    </p:extLst>
+  </p:cSld>
+  <p:clrMapOvr>
+    <a:masterClrMapping/>
+  </p:clrMapOvr>
+</p:sld>
+</file>
+
+<file path=ppt/slides/slide14.xml><?xml version="1.0" encoding="utf-8"?>
+<p:sld xmlns:a="http://schemas.openxmlformats.org/drawingml/2006/main" xmlns:r="http://schemas.openxmlformats.org/officeDocument/2006/relationships" xmlns:p="http://schemas.openxmlformats.org/presentationml/2006/main">
+  <p:cSld>
+    <p:spTree>
+      <p:nvGrpSpPr>
+        <p:cNvPr id="1" name=""/>
+        <p:cNvGrpSpPr/>
+        <p:nvPr/>
+      </p:nvGrpSpPr>
+      <p:grpSpPr>
+        <a:xfrm>
+          <a:off x="0" y="0"/>
+          <a:ext cx="0" cy="0"/>
+          <a:chOff x="0" y="0"/>
+          <a:chExt cx="0" cy="0"/>
+        </a:xfrm>
+      </p:grpSpPr>
+      <p:sp>
+        <p:nvSpPr>
           <p:cNvPr id="22" name="Title 21">
             <a:extLst>
               <a:ext uri="{FF2B5EF4-FFF2-40B4-BE49-F238E27FC236}">
@@ -19581,7 +19825,7 @@
             <a:fld id="{DBA1B0FB-D917-4C8C-928F-313BD683BF39}" type="slidenum">
               <a:rPr lang="en-US" smtClean="0"/>
               <a:pPr/>
-              <a:t>13</a:t>
+              <a:t>14</a:t>
             </a:fld>
             <a:endParaRPr lang="en-US"/>
           </a:p>
@@ -19970,10 +20214,9 @@
           <a:lstStyle/>
           <a:p>
             <a:r>
-              <a:rPr lang="en-US"/>
+              <a:rPr lang="en-US" dirty="0"/>
               <a:t>Introduction</a:t>
             </a:r>
-            <a:endParaRPr lang="en-US" dirty="0"/>
           </a:p>
         </p:txBody>
       </p:sp>
@@ -20240,14 +20483,28 @@
         </p:spPr>
         <p:txBody>
           <a:bodyPr>
-            <a:normAutofit lnSpcReduction="10000"/>
+            <a:normAutofit/>
           </a:bodyPr>
           <a:lstStyle/>
           <a:p>
+            <a:pPr marL="0" indent="0">
+              <a:buNone/>
+            </a:pPr>
             <a:r>
-              <a:rPr lang="en-US" dirty="0"/>
-              <a:t>With PowerPoint, you can create presentations and share your work with others, wherever they are. Type the text you want here to get started. You can also add images, art, and videos on this template. Save to OneDrive and access your presentations from your computer, tablet, or phone. </a:t>
+              <a:rPr lang="en-US" sz="1600" b="1" i="0" dirty="0">
+                <a:solidFill>
+                  <a:schemeClr val="tx1"/>
+                </a:solidFill>
+                <a:effectLst/>
+                <a:latin typeface="Open Sans" panose="020B0604020202020204" pitchFamily="34" charset="0"/>
+              </a:rPr>
+              <a:t>In 2019, the largest tobacco companies spent $8.2 billion marketing cigarettes and smokeless tobacco in the United States. This amount translates to about $22.5 million each day, or nearly $1 million every hour.</a:t>
             </a:r>
+            <a:endParaRPr lang="en-US" sz="1600" dirty="0">
+              <a:solidFill>
+                <a:schemeClr val="tx1"/>
+              </a:solidFill>
+            </a:endParaRPr>
           </a:p>
         </p:txBody>
       </p:sp>
@@ -21701,31 +21958,6 @@
           </a:p>
         </p:txBody>
       </p:sp>
-      <p:sp>
-        <p:nvSpPr>
-          <p:cNvPr id="3" name="Content Placeholder 2">
-            <a:extLst>
-              <a:ext uri="{FF2B5EF4-FFF2-40B4-BE49-F238E27FC236}">
-                <a16:creationId xmlns:a16="http://schemas.microsoft.com/office/drawing/2014/main" id="{05D3BB3E-9A07-0094-F5C7-22DA10437698}"/>
-              </a:ext>
-            </a:extLst>
-          </p:cNvPr>
-          <p:cNvSpPr>
-            <a:spLocks noGrp="1"/>
-          </p:cNvSpPr>
-          <p:nvPr>
-            <p:ph idx="1"/>
-          </p:nvPr>
-        </p:nvSpPr>
-        <p:spPr/>
-        <p:txBody>
-          <a:bodyPr/>
-          <a:lstStyle/>
-          <a:p>
-            <a:endParaRPr lang="en-US"/>
-          </a:p>
-        </p:txBody>
-      </p:sp>
       <p:pic>
         <p:nvPicPr>
           <p:cNvPr id="9" name="Picture 8">
@@ -21816,6 +22048,91 @@
           <a:chExt cx="0" cy="0"/>
         </a:xfrm>
       </p:grpSpPr>
+      <p:pic>
+        <p:nvPicPr>
+          <p:cNvPr id="6" name="Picture 5">
+            <a:extLst>
+              <a:ext uri="{FF2B5EF4-FFF2-40B4-BE49-F238E27FC236}">
+                <a16:creationId xmlns:a16="http://schemas.microsoft.com/office/drawing/2014/main" id="{B4BEBDA1-5766-C3DE-16E0-FF58889B8305}"/>
+              </a:ext>
+            </a:extLst>
+          </p:cNvPr>
+          <p:cNvPicPr>
+            <a:picLocks noChangeAspect="1"/>
+          </p:cNvPicPr>
+          <p:nvPr/>
+        </p:nvPicPr>
+        <p:blipFill>
+          <a:blip r:embed="rId2"/>
+          <a:stretch>
+            <a:fillRect/>
+          </a:stretch>
+        </p:blipFill>
+        <p:spPr>
+          <a:xfrm>
+            <a:off x="357315" y="549276"/>
+            <a:ext cx="11477370" cy="6243074"/>
+          </a:xfrm>
+          <a:prstGeom prst="rect">
+            <a:avLst/>
+          </a:prstGeom>
+        </p:spPr>
+      </p:pic>
+      <p:sp>
+        <p:nvSpPr>
+          <p:cNvPr id="3" name="Rectangle 2">
+            <a:extLst>
+              <a:ext uri="{FF2B5EF4-FFF2-40B4-BE49-F238E27FC236}">
+                <a16:creationId xmlns:a16="http://schemas.microsoft.com/office/drawing/2014/main" id="{999DB238-BBE3-E586-52D8-8D4EE72441A2}"/>
+              </a:ext>
+            </a:extLst>
+          </p:cNvPr>
+          <p:cNvSpPr/>
+          <p:nvPr/>
+        </p:nvSpPr>
+        <p:spPr>
+          <a:xfrm>
+            <a:off x="9683575" y="622713"/>
+            <a:ext cx="1947713" cy="429209"/>
+          </a:xfrm>
+          <a:prstGeom prst="rect">
+            <a:avLst/>
+          </a:prstGeom>
+          <a:solidFill>
+            <a:schemeClr val="bg1">
+              <a:lumMod val="65000"/>
+              <a:lumOff val="35000"/>
+            </a:schemeClr>
+          </a:solidFill>
+          <a:ln>
+            <a:noFill/>
+          </a:ln>
+        </p:spPr>
+        <p:style>
+          <a:lnRef idx="2">
+            <a:schemeClr val="accent1">
+              <a:shade val="50000"/>
+            </a:schemeClr>
+          </a:lnRef>
+          <a:fillRef idx="1">
+            <a:schemeClr val="accent1"/>
+          </a:fillRef>
+          <a:effectRef idx="0">
+            <a:schemeClr val="accent1"/>
+          </a:effectRef>
+          <a:fontRef idx="minor">
+            <a:schemeClr val="lt1"/>
+          </a:fontRef>
+        </p:style>
+        <p:txBody>
+          <a:bodyPr rtlCol="0" anchor="ctr"/>
+          <a:lstStyle/>
+          <a:p>
+            <a:pPr algn="ctr"/>
+            <a:endParaRPr lang="en-US"/>
+          </a:p>
+        </p:txBody>
+      </p:sp>
       <p:sp>
         <p:nvSpPr>
           <p:cNvPr id="2" name="Title 1">
@@ -21842,1569 +22159,10 @@
           <a:bodyPr/>
           <a:lstStyle/>
           <a:p>
+            <a:pPr algn="ctr"/>
             <a:r>
               <a:rPr lang="en-US" dirty="0"/>
-              <a:t>Table</a:t>
-            </a:r>
-          </a:p>
-        </p:txBody>
-      </p:sp>
-      <p:graphicFrame>
-        <p:nvGraphicFramePr>
-          <p:cNvPr id="13" name="Table 13">
-            <a:extLst>
-              <a:ext uri="{FF2B5EF4-FFF2-40B4-BE49-F238E27FC236}">
-                <a16:creationId xmlns:a16="http://schemas.microsoft.com/office/drawing/2014/main" id="{914D6EE3-4782-45C1-A75C-003483879C97}"/>
-              </a:ext>
-            </a:extLst>
-          </p:cNvPr>
-          <p:cNvGraphicFramePr>
-            <a:graphicFrameLocks noGrp="1"/>
-          </p:cNvGraphicFramePr>
-          <p:nvPr>
-            <p:ph idx="1"/>
-            <p:extLst>
-              <p:ext uri="{D42A27DB-BD31-4B8C-83A1-F6EECF244321}">
-                <p14:modId xmlns:p14="http://schemas.microsoft.com/office/powerpoint/2010/main" val="2331562790"/>
-              </p:ext>
-            </p:extLst>
-          </p:nvPr>
-        </p:nvGraphicFramePr>
-        <p:xfrm>
-          <a:off x="550863" y="2112963"/>
-          <a:ext cx="11090275" cy="2466720"/>
-        </p:xfrm>
-        <a:graphic>
-          <a:graphicData uri="http://schemas.openxmlformats.org/drawingml/2006/table">
-            <a:tbl>
-              <a:tblPr firstRow="1" bandRow="1">
-                <a:tableStyleId>{7DF18680-E054-41AD-8BC1-D1AEF772440D}</a:tableStyleId>
-              </a:tblPr>
-              <a:tblGrid>
-                <a:gridCol w="2218055">
-                  <a:extLst>
-                    <a:ext uri="{9D8B030D-6E8A-4147-A177-3AD203B41FA5}">
-                      <a16:colId xmlns:a16="http://schemas.microsoft.com/office/drawing/2014/main" val="562691606"/>
-                    </a:ext>
-                  </a:extLst>
-                </a:gridCol>
-                <a:gridCol w="2218055">
-                  <a:extLst>
-                    <a:ext uri="{9D8B030D-6E8A-4147-A177-3AD203B41FA5}">
-                      <a16:colId xmlns:a16="http://schemas.microsoft.com/office/drawing/2014/main" val="3970149589"/>
-                    </a:ext>
-                  </a:extLst>
-                </a:gridCol>
-                <a:gridCol w="2218055">
-                  <a:extLst>
-                    <a:ext uri="{9D8B030D-6E8A-4147-A177-3AD203B41FA5}">
-                      <a16:colId xmlns:a16="http://schemas.microsoft.com/office/drawing/2014/main" val="1552287268"/>
-                    </a:ext>
-                  </a:extLst>
-                </a:gridCol>
-                <a:gridCol w="2218055">
-                  <a:extLst>
-                    <a:ext uri="{9D8B030D-6E8A-4147-A177-3AD203B41FA5}">
-                      <a16:colId xmlns:a16="http://schemas.microsoft.com/office/drawing/2014/main" val="3637583548"/>
-                    </a:ext>
-                  </a:extLst>
-                </a:gridCol>
-                <a:gridCol w="2218055">
-                  <a:extLst>
-                    <a:ext uri="{9D8B030D-6E8A-4147-A177-3AD203B41FA5}">
-                      <a16:colId xmlns:a16="http://schemas.microsoft.com/office/drawing/2014/main" val="1751413396"/>
-                    </a:ext>
-                  </a:extLst>
-                </a:gridCol>
-              </a:tblGrid>
-              <a:tr h="493344">
-                <a:tc>
-                  <a:txBody>
-                    <a:bodyPr/>
-                    <a:lstStyle/>
-                    <a:p>
-                      <a:pPr algn="ctr"/>
-                      <a:endParaRPr lang="en-US" dirty="0"/>
-                    </a:p>
-                  </a:txBody>
-                  <a:tcPr anchor="ctr">
-                    <a:lnL w="9525" cap="flat" cmpd="sng" algn="ctr">
-                      <a:solidFill>
-                        <a:schemeClr val="tx1"/>
-                      </a:solidFill>
-                      <a:prstDash val="solid"/>
-                      <a:round/>
-                      <a:headEnd type="none" w="med" len="med"/>
-                      <a:tailEnd type="none" w="med" len="med"/>
-                    </a:lnL>
-                    <a:lnR w="9525" cap="flat" cmpd="sng" algn="ctr">
-                      <a:solidFill>
-                        <a:schemeClr val="tx1"/>
-                      </a:solidFill>
-                      <a:prstDash val="solid"/>
-                      <a:round/>
-                      <a:headEnd type="none" w="med" len="med"/>
-                      <a:tailEnd type="none" w="med" len="med"/>
-                    </a:lnR>
-                    <a:lnT w="9525" cap="flat" cmpd="sng" algn="ctr">
-                      <a:solidFill>
-                        <a:schemeClr val="tx1"/>
-                      </a:solidFill>
-                      <a:prstDash val="solid"/>
-                      <a:round/>
-                      <a:headEnd type="none" w="med" len="med"/>
-                      <a:tailEnd type="none" w="med" len="med"/>
-                    </a:lnT>
-                    <a:lnB w="9525" cap="flat" cmpd="sng" algn="ctr">
-                      <a:solidFill>
-                        <a:schemeClr val="tx1"/>
-                      </a:solidFill>
-                      <a:prstDash val="solid"/>
-                      <a:round/>
-                      <a:headEnd type="none" w="med" len="med"/>
-                      <a:tailEnd type="none" w="med" len="med"/>
-                    </a:lnB>
-                    <a:solidFill>
-                      <a:schemeClr val="accent2"/>
-                    </a:solidFill>
-                  </a:tcPr>
-                </a:tc>
-                <a:tc>
-                  <a:txBody>
-                    <a:bodyPr/>
-                    <a:lstStyle/>
-                    <a:p>
-                      <a:pPr algn="ctr"/>
-                      <a:r>
-                        <a:rPr lang="en-US" dirty="0"/>
-                        <a:t>Category 1</a:t>
-                      </a:r>
-                    </a:p>
-                  </a:txBody>
-                  <a:tcPr anchor="ctr">
-                    <a:lnL w="9525" cap="flat" cmpd="sng" algn="ctr">
-                      <a:solidFill>
-                        <a:schemeClr val="tx1"/>
-                      </a:solidFill>
-                      <a:prstDash val="solid"/>
-                      <a:round/>
-                      <a:headEnd type="none" w="med" len="med"/>
-                      <a:tailEnd type="none" w="med" len="med"/>
-                    </a:lnL>
-                    <a:lnR w="9525" cap="flat" cmpd="sng" algn="ctr">
-                      <a:solidFill>
-                        <a:schemeClr val="tx1"/>
-                      </a:solidFill>
-                      <a:prstDash val="solid"/>
-                      <a:round/>
-                      <a:headEnd type="none" w="med" len="med"/>
-                      <a:tailEnd type="none" w="med" len="med"/>
-                    </a:lnR>
-                    <a:lnT w="9525" cap="flat" cmpd="sng" algn="ctr">
-                      <a:solidFill>
-                        <a:schemeClr val="tx1"/>
-                      </a:solidFill>
-                      <a:prstDash val="solid"/>
-                      <a:round/>
-                      <a:headEnd type="none" w="med" len="med"/>
-                      <a:tailEnd type="none" w="med" len="med"/>
-                    </a:lnT>
-                    <a:lnB w="9525" cap="flat" cmpd="sng" algn="ctr">
-                      <a:solidFill>
-                        <a:schemeClr val="tx1"/>
-                      </a:solidFill>
-                      <a:prstDash val="solid"/>
-                      <a:round/>
-                      <a:headEnd type="none" w="med" len="med"/>
-                      <a:tailEnd type="none" w="med" len="med"/>
-                    </a:lnB>
-                    <a:solidFill>
-                      <a:schemeClr val="accent2"/>
-                    </a:solidFill>
-                  </a:tcPr>
-                </a:tc>
-                <a:tc>
-                  <a:txBody>
-                    <a:bodyPr/>
-                    <a:lstStyle/>
-                    <a:p>
-                      <a:pPr algn="ctr"/>
-                      <a:r>
-                        <a:rPr lang="en-US" dirty="0"/>
-                        <a:t>Category 2</a:t>
-                      </a:r>
-                    </a:p>
-                  </a:txBody>
-                  <a:tcPr anchor="ctr">
-                    <a:lnL w="9525" cap="flat" cmpd="sng" algn="ctr">
-                      <a:solidFill>
-                        <a:schemeClr val="tx1"/>
-                      </a:solidFill>
-                      <a:prstDash val="solid"/>
-                      <a:round/>
-                      <a:headEnd type="none" w="med" len="med"/>
-                      <a:tailEnd type="none" w="med" len="med"/>
-                    </a:lnL>
-                    <a:lnR w="9525" cap="flat" cmpd="sng" algn="ctr">
-                      <a:solidFill>
-                        <a:schemeClr val="tx1"/>
-                      </a:solidFill>
-                      <a:prstDash val="solid"/>
-                      <a:round/>
-                      <a:headEnd type="none" w="med" len="med"/>
-                      <a:tailEnd type="none" w="med" len="med"/>
-                    </a:lnR>
-                    <a:lnT w="9525" cap="flat" cmpd="sng" algn="ctr">
-                      <a:solidFill>
-                        <a:schemeClr val="tx1"/>
-                      </a:solidFill>
-                      <a:prstDash val="solid"/>
-                      <a:round/>
-                      <a:headEnd type="none" w="med" len="med"/>
-                      <a:tailEnd type="none" w="med" len="med"/>
-                    </a:lnT>
-                    <a:lnB w="9525" cap="flat" cmpd="sng" algn="ctr">
-                      <a:solidFill>
-                        <a:schemeClr val="tx1"/>
-                      </a:solidFill>
-                      <a:prstDash val="solid"/>
-                      <a:round/>
-                      <a:headEnd type="none" w="med" len="med"/>
-                      <a:tailEnd type="none" w="med" len="med"/>
-                    </a:lnB>
-                    <a:solidFill>
-                      <a:schemeClr val="accent2"/>
-                    </a:solidFill>
-                  </a:tcPr>
-                </a:tc>
-                <a:tc>
-                  <a:txBody>
-                    <a:bodyPr/>
-                    <a:lstStyle/>
-                    <a:p>
-                      <a:pPr algn="ctr"/>
-                      <a:r>
-                        <a:rPr lang="en-US" dirty="0"/>
-                        <a:t>Category 3</a:t>
-                      </a:r>
-                    </a:p>
-                  </a:txBody>
-                  <a:tcPr anchor="ctr">
-                    <a:lnL w="9525" cap="flat" cmpd="sng" algn="ctr">
-                      <a:solidFill>
-                        <a:schemeClr val="tx1"/>
-                      </a:solidFill>
-                      <a:prstDash val="solid"/>
-                      <a:round/>
-                      <a:headEnd type="none" w="med" len="med"/>
-                      <a:tailEnd type="none" w="med" len="med"/>
-                    </a:lnL>
-                    <a:lnR w="9525" cap="flat" cmpd="sng" algn="ctr">
-                      <a:solidFill>
-                        <a:schemeClr val="tx1"/>
-                      </a:solidFill>
-                      <a:prstDash val="solid"/>
-                      <a:round/>
-                      <a:headEnd type="none" w="med" len="med"/>
-                      <a:tailEnd type="none" w="med" len="med"/>
-                    </a:lnR>
-                    <a:lnT w="9525" cap="flat" cmpd="sng" algn="ctr">
-                      <a:solidFill>
-                        <a:schemeClr val="tx1"/>
-                      </a:solidFill>
-                      <a:prstDash val="solid"/>
-                      <a:round/>
-                      <a:headEnd type="none" w="med" len="med"/>
-                      <a:tailEnd type="none" w="med" len="med"/>
-                    </a:lnT>
-                    <a:lnB w="9525" cap="flat" cmpd="sng" algn="ctr">
-                      <a:solidFill>
-                        <a:schemeClr val="tx1"/>
-                      </a:solidFill>
-                      <a:prstDash val="solid"/>
-                      <a:round/>
-                      <a:headEnd type="none" w="med" len="med"/>
-                      <a:tailEnd type="none" w="med" len="med"/>
-                    </a:lnB>
-                    <a:solidFill>
-                      <a:schemeClr val="accent2"/>
-                    </a:solidFill>
-                  </a:tcPr>
-                </a:tc>
-                <a:tc>
-                  <a:txBody>
-                    <a:bodyPr/>
-                    <a:lstStyle/>
-                    <a:p>
-                      <a:pPr algn="ctr"/>
-                      <a:r>
-                        <a:rPr lang="en-US" dirty="0"/>
-                        <a:t>Category 4</a:t>
-                      </a:r>
-                    </a:p>
-                  </a:txBody>
-                  <a:tcPr anchor="ctr">
-                    <a:lnL w="9525" cap="flat" cmpd="sng" algn="ctr">
-                      <a:solidFill>
-                        <a:schemeClr val="tx1"/>
-                      </a:solidFill>
-                      <a:prstDash val="solid"/>
-                      <a:round/>
-                      <a:headEnd type="none" w="med" len="med"/>
-                      <a:tailEnd type="none" w="med" len="med"/>
-                    </a:lnL>
-                    <a:lnR w="9525" cap="flat" cmpd="sng" algn="ctr">
-                      <a:solidFill>
-                        <a:schemeClr val="tx1"/>
-                      </a:solidFill>
-                      <a:prstDash val="solid"/>
-                      <a:round/>
-                      <a:headEnd type="none" w="med" len="med"/>
-                      <a:tailEnd type="none" w="med" len="med"/>
-                    </a:lnR>
-                    <a:lnT w="9525" cap="flat" cmpd="sng" algn="ctr">
-                      <a:solidFill>
-                        <a:schemeClr val="tx1"/>
-                      </a:solidFill>
-                      <a:prstDash val="solid"/>
-                      <a:round/>
-                      <a:headEnd type="none" w="med" len="med"/>
-                      <a:tailEnd type="none" w="med" len="med"/>
-                    </a:lnT>
-                    <a:lnB w="9525" cap="flat" cmpd="sng" algn="ctr">
-                      <a:solidFill>
-                        <a:schemeClr val="tx1"/>
-                      </a:solidFill>
-                      <a:prstDash val="solid"/>
-                      <a:round/>
-                      <a:headEnd type="none" w="med" len="med"/>
-                      <a:tailEnd type="none" w="med" len="med"/>
-                    </a:lnB>
-                    <a:solidFill>
-                      <a:schemeClr val="accent2"/>
-                    </a:solidFill>
-                  </a:tcPr>
-                </a:tc>
-                <a:extLst>
-                  <a:ext uri="{0D108BD9-81ED-4DB2-BD59-A6C34878D82A}">
-                    <a16:rowId xmlns:a16="http://schemas.microsoft.com/office/drawing/2014/main" val="2193002138"/>
-                  </a:ext>
-                </a:extLst>
-              </a:tr>
-              <a:tr h="493344">
-                <a:tc>
-                  <a:txBody>
-                    <a:bodyPr/>
-                    <a:lstStyle/>
-                    <a:p>
-                      <a:pPr algn="ctr"/>
-                      <a:r>
-                        <a:rPr lang="en-US" dirty="0">
-                          <a:solidFill>
-                            <a:schemeClr val="tx1"/>
-                          </a:solidFill>
-                        </a:rPr>
-                        <a:t>Item 1</a:t>
-                      </a:r>
-                    </a:p>
-                  </a:txBody>
-                  <a:tcPr anchor="ctr">
-                    <a:lnL w="9525" cap="flat" cmpd="sng" algn="ctr">
-                      <a:solidFill>
-                        <a:schemeClr val="tx1"/>
-                      </a:solidFill>
-                      <a:prstDash val="solid"/>
-                      <a:round/>
-                      <a:headEnd type="none" w="med" len="med"/>
-                      <a:tailEnd type="none" w="med" len="med"/>
-                    </a:lnL>
-                    <a:lnR w="9525" cap="flat" cmpd="sng" algn="ctr">
-                      <a:solidFill>
-                        <a:schemeClr val="tx1"/>
-                      </a:solidFill>
-                      <a:prstDash val="solid"/>
-                      <a:round/>
-                      <a:headEnd type="none" w="med" len="med"/>
-                      <a:tailEnd type="none" w="med" len="med"/>
-                    </a:lnR>
-                    <a:lnT w="9525" cap="flat" cmpd="sng" algn="ctr">
-                      <a:solidFill>
-                        <a:schemeClr val="tx1"/>
-                      </a:solidFill>
-                      <a:prstDash val="solid"/>
-                      <a:round/>
-                      <a:headEnd type="none" w="med" len="med"/>
-                      <a:tailEnd type="none" w="med" len="med"/>
-                    </a:lnT>
-                    <a:lnB w="9525" cap="flat" cmpd="sng" algn="ctr">
-                      <a:solidFill>
-                        <a:schemeClr val="tx1"/>
-                      </a:solidFill>
-                      <a:prstDash val="solid"/>
-                      <a:round/>
-                      <a:headEnd type="none" w="med" len="med"/>
-                      <a:tailEnd type="none" w="med" len="med"/>
-                    </a:lnB>
-                    <a:noFill/>
-                  </a:tcPr>
-                </a:tc>
-                <a:tc>
-                  <a:txBody>
-                    <a:bodyPr/>
-                    <a:lstStyle/>
-                    <a:p>
-                      <a:pPr algn="ctr"/>
-                      <a:r>
-                        <a:rPr lang="en-US" dirty="0">
-                          <a:solidFill>
-                            <a:schemeClr val="tx1"/>
-                          </a:solidFill>
-                        </a:rPr>
-                        <a:t>4.5</a:t>
-                      </a:r>
-                    </a:p>
-                  </a:txBody>
-                  <a:tcPr anchor="ctr">
-                    <a:lnL w="9525" cap="flat" cmpd="sng" algn="ctr">
-                      <a:solidFill>
-                        <a:schemeClr val="tx1"/>
-                      </a:solidFill>
-                      <a:prstDash val="solid"/>
-                      <a:round/>
-                      <a:headEnd type="none" w="med" len="med"/>
-                      <a:tailEnd type="none" w="med" len="med"/>
-                    </a:lnL>
-                    <a:lnR w="9525" cap="flat" cmpd="sng" algn="ctr">
-                      <a:solidFill>
-                        <a:schemeClr val="tx1"/>
-                      </a:solidFill>
-                      <a:prstDash val="solid"/>
-                      <a:round/>
-                      <a:headEnd type="none" w="med" len="med"/>
-                      <a:tailEnd type="none" w="med" len="med"/>
-                    </a:lnR>
-                    <a:lnT w="9525" cap="flat" cmpd="sng" algn="ctr">
-                      <a:solidFill>
-                        <a:schemeClr val="tx1"/>
-                      </a:solidFill>
-                      <a:prstDash val="solid"/>
-                      <a:round/>
-                      <a:headEnd type="none" w="med" len="med"/>
-                      <a:tailEnd type="none" w="med" len="med"/>
-                    </a:lnT>
-                    <a:lnB w="9525" cap="flat" cmpd="sng" algn="ctr">
-                      <a:solidFill>
-                        <a:schemeClr val="tx1"/>
-                      </a:solidFill>
-                      <a:prstDash val="solid"/>
-                      <a:round/>
-                      <a:headEnd type="none" w="med" len="med"/>
-                      <a:tailEnd type="none" w="med" len="med"/>
-                    </a:lnB>
-                    <a:noFill/>
-                  </a:tcPr>
-                </a:tc>
-                <a:tc>
-                  <a:txBody>
-                    <a:bodyPr/>
-                    <a:lstStyle/>
-                    <a:p>
-                      <a:pPr algn="ctr"/>
-                      <a:r>
-                        <a:rPr lang="en-US" dirty="0">
-                          <a:solidFill>
-                            <a:schemeClr val="tx1"/>
-                          </a:solidFill>
-                        </a:rPr>
-                        <a:t>2.3</a:t>
-                      </a:r>
-                    </a:p>
-                  </a:txBody>
-                  <a:tcPr anchor="ctr">
-                    <a:lnL w="9525" cap="flat" cmpd="sng" algn="ctr">
-                      <a:solidFill>
-                        <a:schemeClr val="tx1"/>
-                      </a:solidFill>
-                      <a:prstDash val="solid"/>
-                      <a:round/>
-                      <a:headEnd type="none" w="med" len="med"/>
-                      <a:tailEnd type="none" w="med" len="med"/>
-                    </a:lnL>
-                    <a:lnR w="9525" cap="flat" cmpd="sng" algn="ctr">
-                      <a:solidFill>
-                        <a:schemeClr val="tx1"/>
-                      </a:solidFill>
-                      <a:prstDash val="solid"/>
-                      <a:round/>
-                      <a:headEnd type="none" w="med" len="med"/>
-                      <a:tailEnd type="none" w="med" len="med"/>
-                    </a:lnR>
-                    <a:lnT w="9525" cap="flat" cmpd="sng" algn="ctr">
-                      <a:solidFill>
-                        <a:schemeClr val="tx1"/>
-                      </a:solidFill>
-                      <a:prstDash val="solid"/>
-                      <a:round/>
-                      <a:headEnd type="none" w="med" len="med"/>
-                      <a:tailEnd type="none" w="med" len="med"/>
-                    </a:lnT>
-                    <a:lnB w="9525" cap="flat" cmpd="sng" algn="ctr">
-                      <a:solidFill>
-                        <a:schemeClr val="tx1"/>
-                      </a:solidFill>
-                      <a:prstDash val="solid"/>
-                      <a:round/>
-                      <a:headEnd type="none" w="med" len="med"/>
-                      <a:tailEnd type="none" w="med" len="med"/>
-                    </a:lnB>
-                    <a:noFill/>
-                  </a:tcPr>
-                </a:tc>
-                <a:tc>
-                  <a:txBody>
-                    <a:bodyPr/>
-                    <a:lstStyle/>
-                    <a:p>
-                      <a:pPr algn="ctr"/>
-                      <a:r>
-                        <a:rPr lang="en-US" dirty="0">
-                          <a:solidFill>
-                            <a:schemeClr val="tx1"/>
-                          </a:solidFill>
-                        </a:rPr>
-                        <a:t>1.7</a:t>
-                      </a:r>
-                    </a:p>
-                  </a:txBody>
-                  <a:tcPr anchor="ctr">
-                    <a:lnL w="9525" cap="flat" cmpd="sng" algn="ctr">
-                      <a:solidFill>
-                        <a:schemeClr val="tx1"/>
-                      </a:solidFill>
-                      <a:prstDash val="solid"/>
-                      <a:round/>
-                      <a:headEnd type="none" w="med" len="med"/>
-                      <a:tailEnd type="none" w="med" len="med"/>
-                    </a:lnL>
-                    <a:lnR w="9525" cap="flat" cmpd="sng" algn="ctr">
-                      <a:solidFill>
-                        <a:schemeClr val="tx1"/>
-                      </a:solidFill>
-                      <a:prstDash val="solid"/>
-                      <a:round/>
-                      <a:headEnd type="none" w="med" len="med"/>
-                      <a:tailEnd type="none" w="med" len="med"/>
-                    </a:lnR>
-                    <a:lnT w="9525" cap="flat" cmpd="sng" algn="ctr">
-                      <a:solidFill>
-                        <a:schemeClr val="tx1"/>
-                      </a:solidFill>
-                      <a:prstDash val="solid"/>
-                      <a:round/>
-                      <a:headEnd type="none" w="med" len="med"/>
-                      <a:tailEnd type="none" w="med" len="med"/>
-                    </a:lnT>
-                    <a:lnB w="9525" cap="flat" cmpd="sng" algn="ctr">
-                      <a:solidFill>
-                        <a:schemeClr val="tx1"/>
-                      </a:solidFill>
-                      <a:prstDash val="solid"/>
-                      <a:round/>
-                      <a:headEnd type="none" w="med" len="med"/>
-                      <a:tailEnd type="none" w="med" len="med"/>
-                    </a:lnB>
-                    <a:noFill/>
-                  </a:tcPr>
-                </a:tc>
-                <a:tc>
-                  <a:txBody>
-                    <a:bodyPr/>
-                    <a:lstStyle/>
-                    <a:p>
-                      <a:pPr algn="ctr"/>
-                      <a:r>
-                        <a:rPr lang="en-US" dirty="0">
-                          <a:solidFill>
-                            <a:schemeClr val="tx1"/>
-                          </a:solidFill>
-                        </a:rPr>
-                        <a:t>5</a:t>
-                      </a:r>
-                    </a:p>
-                  </a:txBody>
-                  <a:tcPr anchor="ctr">
-                    <a:lnL w="9525" cap="flat" cmpd="sng" algn="ctr">
-                      <a:solidFill>
-                        <a:schemeClr val="tx1"/>
-                      </a:solidFill>
-                      <a:prstDash val="solid"/>
-                      <a:round/>
-                      <a:headEnd type="none" w="med" len="med"/>
-                      <a:tailEnd type="none" w="med" len="med"/>
-                    </a:lnL>
-                    <a:lnR w="9525" cap="flat" cmpd="sng" algn="ctr">
-                      <a:solidFill>
-                        <a:schemeClr val="tx1"/>
-                      </a:solidFill>
-                      <a:prstDash val="solid"/>
-                      <a:round/>
-                      <a:headEnd type="none" w="med" len="med"/>
-                      <a:tailEnd type="none" w="med" len="med"/>
-                    </a:lnR>
-                    <a:lnT w="9525" cap="flat" cmpd="sng" algn="ctr">
-                      <a:solidFill>
-                        <a:schemeClr val="tx1"/>
-                      </a:solidFill>
-                      <a:prstDash val="solid"/>
-                      <a:round/>
-                      <a:headEnd type="none" w="med" len="med"/>
-                      <a:tailEnd type="none" w="med" len="med"/>
-                    </a:lnT>
-                    <a:lnB w="9525" cap="flat" cmpd="sng" algn="ctr">
-                      <a:solidFill>
-                        <a:schemeClr val="tx1"/>
-                      </a:solidFill>
-                      <a:prstDash val="solid"/>
-                      <a:round/>
-                      <a:headEnd type="none" w="med" len="med"/>
-                      <a:tailEnd type="none" w="med" len="med"/>
-                    </a:lnB>
-                    <a:noFill/>
-                  </a:tcPr>
-                </a:tc>
-                <a:extLst>
-                  <a:ext uri="{0D108BD9-81ED-4DB2-BD59-A6C34878D82A}">
-                    <a16:rowId xmlns:a16="http://schemas.microsoft.com/office/drawing/2014/main" val="3922611538"/>
-                  </a:ext>
-                </a:extLst>
-              </a:tr>
-              <a:tr h="493344">
-                <a:tc>
-                  <a:txBody>
-                    <a:bodyPr/>
-                    <a:lstStyle/>
-                    <a:p>
-                      <a:pPr algn="ctr"/>
-                      <a:r>
-                        <a:rPr lang="en-US" dirty="0">
-                          <a:solidFill>
-                            <a:schemeClr val="tx1"/>
-                          </a:solidFill>
-                        </a:rPr>
-                        <a:t>Item 2</a:t>
-                      </a:r>
-                    </a:p>
-                  </a:txBody>
-                  <a:tcPr anchor="ctr">
-                    <a:lnL w="9525" cap="flat" cmpd="sng" algn="ctr">
-                      <a:solidFill>
-                        <a:schemeClr val="tx1"/>
-                      </a:solidFill>
-                      <a:prstDash val="solid"/>
-                      <a:round/>
-                      <a:headEnd type="none" w="med" len="med"/>
-                      <a:tailEnd type="none" w="med" len="med"/>
-                    </a:lnL>
-                    <a:lnR w="9525" cap="flat" cmpd="sng" algn="ctr">
-                      <a:solidFill>
-                        <a:schemeClr val="tx1"/>
-                      </a:solidFill>
-                      <a:prstDash val="solid"/>
-                      <a:round/>
-                      <a:headEnd type="none" w="med" len="med"/>
-                      <a:tailEnd type="none" w="med" len="med"/>
-                    </a:lnR>
-                    <a:lnT w="9525" cap="flat" cmpd="sng" algn="ctr">
-                      <a:solidFill>
-                        <a:schemeClr val="tx1"/>
-                      </a:solidFill>
-                      <a:prstDash val="solid"/>
-                      <a:round/>
-                      <a:headEnd type="none" w="med" len="med"/>
-                      <a:tailEnd type="none" w="med" len="med"/>
-                    </a:lnT>
-                    <a:lnB w="9525" cap="flat" cmpd="sng" algn="ctr">
-                      <a:solidFill>
-                        <a:schemeClr val="tx1"/>
-                      </a:solidFill>
-                      <a:prstDash val="solid"/>
-                      <a:round/>
-                      <a:headEnd type="none" w="med" len="med"/>
-                      <a:tailEnd type="none" w="med" len="med"/>
-                    </a:lnB>
-                    <a:noFill/>
-                  </a:tcPr>
-                </a:tc>
-                <a:tc>
-                  <a:txBody>
-                    <a:bodyPr/>
-                    <a:lstStyle/>
-                    <a:p>
-                      <a:pPr algn="ctr"/>
-                      <a:r>
-                        <a:rPr lang="en-US" dirty="0">
-                          <a:solidFill>
-                            <a:schemeClr val="tx1"/>
-                          </a:solidFill>
-                        </a:rPr>
-                        <a:t>3.2</a:t>
-                      </a:r>
-                    </a:p>
-                  </a:txBody>
-                  <a:tcPr anchor="ctr">
-                    <a:lnL w="9525" cap="flat" cmpd="sng" algn="ctr">
-                      <a:solidFill>
-                        <a:schemeClr val="tx1"/>
-                      </a:solidFill>
-                      <a:prstDash val="solid"/>
-                      <a:round/>
-                      <a:headEnd type="none" w="med" len="med"/>
-                      <a:tailEnd type="none" w="med" len="med"/>
-                    </a:lnL>
-                    <a:lnR w="9525" cap="flat" cmpd="sng" algn="ctr">
-                      <a:solidFill>
-                        <a:schemeClr val="tx1"/>
-                      </a:solidFill>
-                      <a:prstDash val="solid"/>
-                      <a:round/>
-                      <a:headEnd type="none" w="med" len="med"/>
-                      <a:tailEnd type="none" w="med" len="med"/>
-                    </a:lnR>
-                    <a:lnT w="9525" cap="flat" cmpd="sng" algn="ctr">
-                      <a:solidFill>
-                        <a:schemeClr val="tx1"/>
-                      </a:solidFill>
-                      <a:prstDash val="solid"/>
-                      <a:round/>
-                      <a:headEnd type="none" w="med" len="med"/>
-                      <a:tailEnd type="none" w="med" len="med"/>
-                    </a:lnT>
-                    <a:lnB w="9525" cap="flat" cmpd="sng" algn="ctr">
-                      <a:solidFill>
-                        <a:schemeClr val="tx1"/>
-                      </a:solidFill>
-                      <a:prstDash val="solid"/>
-                      <a:round/>
-                      <a:headEnd type="none" w="med" len="med"/>
-                      <a:tailEnd type="none" w="med" len="med"/>
-                    </a:lnB>
-                    <a:noFill/>
-                  </a:tcPr>
-                </a:tc>
-                <a:tc>
-                  <a:txBody>
-                    <a:bodyPr/>
-                    <a:lstStyle/>
-                    <a:p>
-                      <a:pPr algn="ctr"/>
-                      <a:r>
-                        <a:rPr lang="en-US" dirty="0">
-                          <a:solidFill>
-                            <a:schemeClr val="tx1"/>
-                          </a:solidFill>
-                        </a:rPr>
-                        <a:t>5.1</a:t>
-                      </a:r>
-                    </a:p>
-                  </a:txBody>
-                  <a:tcPr anchor="ctr">
-                    <a:lnL w="9525" cap="flat" cmpd="sng" algn="ctr">
-                      <a:solidFill>
-                        <a:schemeClr val="tx1"/>
-                      </a:solidFill>
-                      <a:prstDash val="solid"/>
-                      <a:round/>
-                      <a:headEnd type="none" w="med" len="med"/>
-                      <a:tailEnd type="none" w="med" len="med"/>
-                    </a:lnL>
-                    <a:lnR w="9525" cap="flat" cmpd="sng" algn="ctr">
-                      <a:solidFill>
-                        <a:schemeClr val="tx1"/>
-                      </a:solidFill>
-                      <a:prstDash val="solid"/>
-                      <a:round/>
-                      <a:headEnd type="none" w="med" len="med"/>
-                      <a:tailEnd type="none" w="med" len="med"/>
-                    </a:lnR>
-                    <a:lnT w="9525" cap="flat" cmpd="sng" algn="ctr">
-                      <a:solidFill>
-                        <a:schemeClr val="tx1"/>
-                      </a:solidFill>
-                      <a:prstDash val="solid"/>
-                      <a:round/>
-                      <a:headEnd type="none" w="med" len="med"/>
-                      <a:tailEnd type="none" w="med" len="med"/>
-                    </a:lnT>
-                    <a:lnB w="9525" cap="flat" cmpd="sng" algn="ctr">
-                      <a:solidFill>
-                        <a:schemeClr val="tx1"/>
-                      </a:solidFill>
-                      <a:prstDash val="solid"/>
-                      <a:round/>
-                      <a:headEnd type="none" w="med" len="med"/>
-                      <a:tailEnd type="none" w="med" len="med"/>
-                    </a:lnB>
-                    <a:noFill/>
-                  </a:tcPr>
-                </a:tc>
-                <a:tc>
-                  <a:txBody>
-                    <a:bodyPr/>
-                    <a:lstStyle/>
-                    <a:p>
-                      <a:pPr algn="ctr"/>
-                      <a:r>
-                        <a:rPr lang="en-US" dirty="0">
-                          <a:solidFill>
-                            <a:schemeClr val="tx1"/>
-                          </a:solidFill>
-                        </a:rPr>
-                        <a:t>4.4</a:t>
-                      </a:r>
-                    </a:p>
-                  </a:txBody>
-                  <a:tcPr anchor="ctr">
-                    <a:lnL w="9525" cap="flat" cmpd="sng" algn="ctr">
-                      <a:solidFill>
-                        <a:schemeClr val="tx1"/>
-                      </a:solidFill>
-                      <a:prstDash val="solid"/>
-                      <a:round/>
-                      <a:headEnd type="none" w="med" len="med"/>
-                      <a:tailEnd type="none" w="med" len="med"/>
-                    </a:lnL>
-                    <a:lnR w="9525" cap="flat" cmpd="sng" algn="ctr">
-                      <a:solidFill>
-                        <a:schemeClr val="tx1"/>
-                      </a:solidFill>
-                      <a:prstDash val="solid"/>
-                      <a:round/>
-                      <a:headEnd type="none" w="med" len="med"/>
-                      <a:tailEnd type="none" w="med" len="med"/>
-                    </a:lnR>
-                    <a:lnT w="9525" cap="flat" cmpd="sng" algn="ctr">
-                      <a:solidFill>
-                        <a:schemeClr val="tx1"/>
-                      </a:solidFill>
-                      <a:prstDash val="solid"/>
-                      <a:round/>
-                      <a:headEnd type="none" w="med" len="med"/>
-                      <a:tailEnd type="none" w="med" len="med"/>
-                    </a:lnT>
-                    <a:lnB w="9525" cap="flat" cmpd="sng" algn="ctr">
-                      <a:solidFill>
-                        <a:schemeClr val="tx1"/>
-                      </a:solidFill>
-                      <a:prstDash val="solid"/>
-                      <a:round/>
-                      <a:headEnd type="none" w="med" len="med"/>
-                      <a:tailEnd type="none" w="med" len="med"/>
-                    </a:lnB>
-                    <a:noFill/>
-                  </a:tcPr>
-                </a:tc>
-                <a:tc>
-                  <a:txBody>
-                    <a:bodyPr/>
-                    <a:lstStyle/>
-                    <a:p>
-                      <a:pPr algn="ctr"/>
-                      <a:r>
-                        <a:rPr lang="en-US" dirty="0">
-                          <a:solidFill>
-                            <a:schemeClr val="tx1"/>
-                          </a:solidFill>
-                        </a:rPr>
-                        <a:t>3</a:t>
-                      </a:r>
-                    </a:p>
-                  </a:txBody>
-                  <a:tcPr anchor="ctr">
-                    <a:lnL w="9525" cap="flat" cmpd="sng" algn="ctr">
-                      <a:solidFill>
-                        <a:schemeClr val="tx1"/>
-                      </a:solidFill>
-                      <a:prstDash val="solid"/>
-                      <a:round/>
-                      <a:headEnd type="none" w="med" len="med"/>
-                      <a:tailEnd type="none" w="med" len="med"/>
-                    </a:lnL>
-                    <a:lnR w="9525" cap="flat" cmpd="sng" algn="ctr">
-                      <a:solidFill>
-                        <a:schemeClr val="tx1"/>
-                      </a:solidFill>
-                      <a:prstDash val="solid"/>
-                      <a:round/>
-                      <a:headEnd type="none" w="med" len="med"/>
-                      <a:tailEnd type="none" w="med" len="med"/>
-                    </a:lnR>
-                    <a:lnT w="9525" cap="flat" cmpd="sng" algn="ctr">
-                      <a:solidFill>
-                        <a:schemeClr val="tx1"/>
-                      </a:solidFill>
-                      <a:prstDash val="solid"/>
-                      <a:round/>
-                      <a:headEnd type="none" w="med" len="med"/>
-                      <a:tailEnd type="none" w="med" len="med"/>
-                    </a:lnT>
-                    <a:lnB w="9525" cap="flat" cmpd="sng" algn="ctr">
-                      <a:solidFill>
-                        <a:schemeClr val="tx1"/>
-                      </a:solidFill>
-                      <a:prstDash val="solid"/>
-                      <a:round/>
-                      <a:headEnd type="none" w="med" len="med"/>
-                      <a:tailEnd type="none" w="med" len="med"/>
-                    </a:lnB>
-                    <a:noFill/>
-                  </a:tcPr>
-                </a:tc>
-                <a:extLst>
-                  <a:ext uri="{0D108BD9-81ED-4DB2-BD59-A6C34878D82A}">
-                    <a16:rowId xmlns:a16="http://schemas.microsoft.com/office/drawing/2014/main" val="1580915798"/>
-                  </a:ext>
-                </a:extLst>
-              </a:tr>
-              <a:tr h="493344">
-                <a:tc>
-                  <a:txBody>
-                    <a:bodyPr/>
-                    <a:lstStyle/>
-                    <a:p>
-                      <a:pPr algn="ctr"/>
-                      <a:r>
-                        <a:rPr lang="en-US" dirty="0">
-                          <a:solidFill>
-                            <a:schemeClr val="tx1"/>
-                          </a:solidFill>
-                        </a:rPr>
-                        <a:t>Item 3</a:t>
-                      </a:r>
-                    </a:p>
-                  </a:txBody>
-                  <a:tcPr anchor="ctr">
-                    <a:lnL w="9525" cap="flat" cmpd="sng" algn="ctr">
-                      <a:solidFill>
-                        <a:schemeClr val="tx1"/>
-                      </a:solidFill>
-                      <a:prstDash val="solid"/>
-                      <a:round/>
-                      <a:headEnd type="none" w="med" len="med"/>
-                      <a:tailEnd type="none" w="med" len="med"/>
-                    </a:lnL>
-                    <a:lnR w="9525" cap="flat" cmpd="sng" algn="ctr">
-                      <a:solidFill>
-                        <a:schemeClr val="tx1"/>
-                      </a:solidFill>
-                      <a:prstDash val="solid"/>
-                      <a:round/>
-                      <a:headEnd type="none" w="med" len="med"/>
-                      <a:tailEnd type="none" w="med" len="med"/>
-                    </a:lnR>
-                    <a:lnT w="9525" cap="flat" cmpd="sng" algn="ctr">
-                      <a:solidFill>
-                        <a:schemeClr val="tx1"/>
-                      </a:solidFill>
-                      <a:prstDash val="solid"/>
-                      <a:round/>
-                      <a:headEnd type="none" w="med" len="med"/>
-                      <a:tailEnd type="none" w="med" len="med"/>
-                    </a:lnT>
-                    <a:lnB w="9525" cap="flat" cmpd="sng" algn="ctr">
-                      <a:solidFill>
-                        <a:schemeClr val="tx1"/>
-                      </a:solidFill>
-                      <a:prstDash val="solid"/>
-                      <a:round/>
-                      <a:headEnd type="none" w="med" len="med"/>
-                      <a:tailEnd type="none" w="med" len="med"/>
-                    </a:lnB>
-                    <a:noFill/>
-                  </a:tcPr>
-                </a:tc>
-                <a:tc>
-                  <a:txBody>
-                    <a:bodyPr/>
-                    <a:lstStyle/>
-                    <a:p>
-                      <a:pPr algn="ctr"/>
-                      <a:r>
-                        <a:rPr lang="en-US" dirty="0">
-                          <a:solidFill>
-                            <a:schemeClr val="tx1"/>
-                          </a:solidFill>
-                        </a:rPr>
-                        <a:t>2.1</a:t>
-                      </a:r>
-                    </a:p>
-                  </a:txBody>
-                  <a:tcPr anchor="ctr">
-                    <a:lnL w="9525" cap="flat" cmpd="sng" algn="ctr">
-                      <a:solidFill>
-                        <a:schemeClr val="tx1"/>
-                      </a:solidFill>
-                      <a:prstDash val="solid"/>
-                      <a:round/>
-                      <a:headEnd type="none" w="med" len="med"/>
-                      <a:tailEnd type="none" w="med" len="med"/>
-                    </a:lnL>
-                    <a:lnR w="9525" cap="flat" cmpd="sng" algn="ctr">
-                      <a:solidFill>
-                        <a:schemeClr val="tx1"/>
-                      </a:solidFill>
-                      <a:prstDash val="solid"/>
-                      <a:round/>
-                      <a:headEnd type="none" w="med" len="med"/>
-                      <a:tailEnd type="none" w="med" len="med"/>
-                    </a:lnR>
-                    <a:lnT w="9525" cap="flat" cmpd="sng" algn="ctr">
-                      <a:solidFill>
-                        <a:schemeClr val="tx1"/>
-                      </a:solidFill>
-                      <a:prstDash val="solid"/>
-                      <a:round/>
-                      <a:headEnd type="none" w="med" len="med"/>
-                      <a:tailEnd type="none" w="med" len="med"/>
-                    </a:lnT>
-                    <a:lnB w="9525" cap="flat" cmpd="sng" algn="ctr">
-                      <a:solidFill>
-                        <a:schemeClr val="tx1"/>
-                      </a:solidFill>
-                      <a:prstDash val="solid"/>
-                      <a:round/>
-                      <a:headEnd type="none" w="med" len="med"/>
-                      <a:tailEnd type="none" w="med" len="med"/>
-                    </a:lnB>
-                    <a:noFill/>
-                  </a:tcPr>
-                </a:tc>
-                <a:tc>
-                  <a:txBody>
-                    <a:bodyPr/>
-                    <a:lstStyle/>
-                    <a:p>
-                      <a:pPr algn="ctr"/>
-                      <a:r>
-                        <a:rPr lang="en-US" dirty="0">
-                          <a:solidFill>
-                            <a:schemeClr val="tx1"/>
-                          </a:solidFill>
-                        </a:rPr>
-                        <a:t>1.7</a:t>
-                      </a:r>
-                    </a:p>
-                  </a:txBody>
-                  <a:tcPr anchor="ctr">
-                    <a:lnL w="9525" cap="flat" cmpd="sng" algn="ctr">
-                      <a:solidFill>
-                        <a:schemeClr val="tx1"/>
-                      </a:solidFill>
-                      <a:prstDash val="solid"/>
-                      <a:round/>
-                      <a:headEnd type="none" w="med" len="med"/>
-                      <a:tailEnd type="none" w="med" len="med"/>
-                    </a:lnL>
-                    <a:lnR w="9525" cap="flat" cmpd="sng" algn="ctr">
-                      <a:solidFill>
-                        <a:schemeClr val="tx1"/>
-                      </a:solidFill>
-                      <a:prstDash val="solid"/>
-                      <a:round/>
-                      <a:headEnd type="none" w="med" len="med"/>
-                      <a:tailEnd type="none" w="med" len="med"/>
-                    </a:lnR>
-                    <a:lnT w="9525" cap="flat" cmpd="sng" algn="ctr">
-                      <a:solidFill>
-                        <a:schemeClr val="tx1"/>
-                      </a:solidFill>
-                      <a:prstDash val="solid"/>
-                      <a:round/>
-                      <a:headEnd type="none" w="med" len="med"/>
-                      <a:tailEnd type="none" w="med" len="med"/>
-                    </a:lnT>
-                    <a:lnB w="9525" cap="flat" cmpd="sng" algn="ctr">
-                      <a:solidFill>
-                        <a:schemeClr val="tx1"/>
-                      </a:solidFill>
-                      <a:prstDash val="solid"/>
-                      <a:round/>
-                      <a:headEnd type="none" w="med" len="med"/>
-                      <a:tailEnd type="none" w="med" len="med"/>
-                    </a:lnB>
-                    <a:noFill/>
-                  </a:tcPr>
-                </a:tc>
-                <a:tc>
-                  <a:txBody>
-                    <a:bodyPr/>
-                    <a:lstStyle/>
-                    <a:p>
-                      <a:pPr algn="ctr"/>
-                      <a:r>
-                        <a:rPr lang="en-US" dirty="0">
-                          <a:solidFill>
-                            <a:schemeClr val="tx1"/>
-                          </a:solidFill>
-                        </a:rPr>
-                        <a:t>2.5</a:t>
-                      </a:r>
-                    </a:p>
-                  </a:txBody>
-                  <a:tcPr anchor="ctr">
-                    <a:lnL w="9525" cap="flat" cmpd="sng" algn="ctr">
-                      <a:solidFill>
-                        <a:schemeClr val="tx1"/>
-                      </a:solidFill>
-                      <a:prstDash val="solid"/>
-                      <a:round/>
-                      <a:headEnd type="none" w="med" len="med"/>
-                      <a:tailEnd type="none" w="med" len="med"/>
-                    </a:lnL>
-                    <a:lnR w="9525" cap="flat" cmpd="sng" algn="ctr">
-                      <a:solidFill>
-                        <a:schemeClr val="tx1"/>
-                      </a:solidFill>
-                      <a:prstDash val="solid"/>
-                      <a:round/>
-                      <a:headEnd type="none" w="med" len="med"/>
-                      <a:tailEnd type="none" w="med" len="med"/>
-                    </a:lnR>
-                    <a:lnT w="9525" cap="flat" cmpd="sng" algn="ctr">
-                      <a:solidFill>
-                        <a:schemeClr val="tx1"/>
-                      </a:solidFill>
-                      <a:prstDash val="solid"/>
-                      <a:round/>
-                      <a:headEnd type="none" w="med" len="med"/>
-                      <a:tailEnd type="none" w="med" len="med"/>
-                    </a:lnT>
-                    <a:lnB w="9525" cap="flat" cmpd="sng" algn="ctr">
-                      <a:solidFill>
-                        <a:schemeClr val="tx1"/>
-                      </a:solidFill>
-                      <a:prstDash val="solid"/>
-                      <a:round/>
-                      <a:headEnd type="none" w="med" len="med"/>
-                      <a:tailEnd type="none" w="med" len="med"/>
-                    </a:lnB>
-                    <a:noFill/>
-                  </a:tcPr>
-                </a:tc>
-                <a:tc>
-                  <a:txBody>
-                    <a:bodyPr/>
-                    <a:lstStyle/>
-                    <a:p>
-                      <a:pPr algn="ctr"/>
-                      <a:r>
-                        <a:rPr lang="en-US" dirty="0">
-                          <a:solidFill>
-                            <a:schemeClr val="tx1"/>
-                          </a:solidFill>
-                        </a:rPr>
-                        <a:t>2.8</a:t>
-                      </a:r>
-                    </a:p>
-                  </a:txBody>
-                  <a:tcPr anchor="ctr">
-                    <a:lnL w="9525" cap="flat" cmpd="sng" algn="ctr">
-                      <a:solidFill>
-                        <a:schemeClr val="tx1"/>
-                      </a:solidFill>
-                      <a:prstDash val="solid"/>
-                      <a:round/>
-                      <a:headEnd type="none" w="med" len="med"/>
-                      <a:tailEnd type="none" w="med" len="med"/>
-                    </a:lnL>
-                    <a:lnR w="9525" cap="flat" cmpd="sng" algn="ctr">
-                      <a:solidFill>
-                        <a:schemeClr val="tx1"/>
-                      </a:solidFill>
-                      <a:prstDash val="solid"/>
-                      <a:round/>
-                      <a:headEnd type="none" w="med" len="med"/>
-                      <a:tailEnd type="none" w="med" len="med"/>
-                    </a:lnR>
-                    <a:lnT w="9525" cap="flat" cmpd="sng" algn="ctr">
-                      <a:solidFill>
-                        <a:schemeClr val="tx1"/>
-                      </a:solidFill>
-                      <a:prstDash val="solid"/>
-                      <a:round/>
-                      <a:headEnd type="none" w="med" len="med"/>
-                      <a:tailEnd type="none" w="med" len="med"/>
-                    </a:lnT>
-                    <a:lnB w="9525" cap="flat" cmpd="sng" algn="ctr">
-                      <a:solidFill>
-                        <a:schemeClr val="tx1"/>
-                      </a:solidFill>
-                      <a:prstDash val="solid"/>
-                      <a:round/>
-                      <a:headEnd type="none" w="med" len="med"/>
-                      <a:tailEnd type="none" w="med" len="med"/>
-                    </a:lnB>
-                    <a:noFill/>
-                  </a:tcPr>
-                </a:tc>
-                <a:extLst>
-                  <a:ext uri="{0D108BD9-81ED-4DB2-BD59-A6C34878D82A}">
-                    <a16:rowId xmlns:a16="http://schemas.microsoft.com/office/drawing/2014/main" val="3796691047"/>
-                  </a:ext>
-                </a:extLst>
-              </a:tr>
-              <a:tr h="493344">
-                <a:tc>
-                  <a:txBody>
-                    <a:bodyPr/>
-                    <a:lstStyle/>
-                    <a:p>
-                      <a:pPr algn="ctr"/>
-                      <a:r>
-                        <a:rPr lang="en-US" dirty="0">
-                          <a:solidFill>
-                            <a:schemeClr val="tx1"/>
-                          </a:solidFill>
-                        </a:rPr>
-                        <a:t>Item 4</a:t>
-                      </a:r>
-                    </a:p>
-                  </a:txBody>
-                  <a:tcPr anchor="ctr">
-                    <a:lnL w="9525" cap="flat" cmpd="sng" algn="ctr">
-                      <a:solidFill>
-                        <a:schemeClr val="tx1"/>
-                      </a:solidFill>
-                      <a:prstDash val="solid"/>
-                      <a:round/>
-                      <a:headEnd type="none" w="med" len="med"/>
-                      <a:tailEnd type="none" w="med" len="med"/>
-                    </a:lnL>
-                    <a:lnR w="9525" cap="flat" cmpd="sng" algn="ctr">
-                      <a:solidFill>
-                        <a:schemeClr val="tx1"/>
-                      </a:solidFill>
-                      <a:prstDash val="solid"/>
-                      <a:round/>
-                      <a:headEnd type="none" w="med" len="med"/>
-                      <a:tailEnd type="none" w="med" len="med"/>
-                    </a:lnR>
-                    <a:lnT w="9525" cap="flat" cmpd="sng" algn="ctr">
-                      <a:solidFill>
-                        <a:schemeClr val="tx1"/>
-                      </a:solidFill>
-                      <a:prstDash val="solid"/>
-                      <a:round/>
-                      <a:headEnd type="none" w="med" len="med"/>
-                      <a:tailEnd type="none" w="med" len="med"/>
-                    </a:lnT>
-                    <a:lnB w="9525" cap="flat" cmpd="sng" algn="ctr">
-                      <a:solidFill>
-                        <a:schemeClr val="tx1"/>
-                      </a:solidFill>
-                      <a:prstDash val="solid"/>
-                      <a:round/>
-                      <a:headEnd type="none" w="med" len="med"/>
-                      <a:tailEnd type="none" w="med" len="med"/>
-                    </a:lnB>
-                    <a:noFill/>
-                  </a:tcPr>
-                </a:tc>
-                <a:tc>
-                  <a:txBody>
-                    <a:bodyPr/>
-                    <a:lstStyle/>
-                    <a:p>
-                      <a:pPr algn="ctr"/>
-                      <a:r>
-                        <a:rPr lang="en-US" dirty="0">
-                          <a:solidFill>
-                            <a:schemeClr val="tx1"/>
-                          </a:solidFill>
-                        </a:rPr>
-                        <a:t>4.5</a:t>
-                      </a:r>
-                    </a:p>
-                  </a:txBody>
-                  <a:tcPr anchor="ctr">
-                    <a:lnL w="9525" cap="flat" cmpd="sng" algn="ctr">
-                      <a:solidFill>
-                        <a:schemeClr val="tx1"/>
-                      </a:solidFill>
-                      <a:prstDash val="solid"/>
-                      <a:round/>
-                      <a:headEnd type="none" w="med" len="med"/>
-                      <a:tailEnd type="none" w="med" len="med"/>
-                    </a:lnL>
-                    <a:lnR w="9525" cap="flat" cmpd="sng" algn="ctr">
-                      <a:solidFill>
-                        <a:schemeClr val="tx1"/>
-                      </a:solidFill>
-                      <a:prstDash val="solid"/>
-                      <a:round/>
-                      <a:headEnd type="none" w="med" len="med"/>
-                      <a:tailEnd type="none" w="med" len="med"/>
-                    </a:lnR>
-                    <a:lnT w="9525" cap="flat" cmpd="sng" algn="ctr">
-                      <a:solidFill>
-                        <a:schemeClr val="tx1"/>
-                      </a:solidFill>
-                      <a:prstDash val="solid"/>
-                      <a:round/>
-                      <a:headEnd type="none" w="med" len="med"/>
-                      <a:tailEnd type="none" w="med" len="med"/>
-                    </a:lnT>
-                    <a:lnB w="9525" cap="flat" cmpd="sng" algn="ctr">
-                      <a:solidFill>
-                        <a:schemeClr val="tx1"/>
-                      </a:solidFill>
-                      <a:prstDash val="solid"/>
-                      <a:round/>
-                      <a:headEnd type="none" w="med" len="med"/>
-                      <a:tailEnd type="none" w="med" len="med"/>
-                    </a:lnB>
-                    <a:noFill/>
-                  </a:tcPr>
-                </a:tc>
-                <a:tc>
-                  <a:txBody>
-                    <a:bodyPr/>
-                    <a:lstStyle/>
-                    <a:p>
-                      <a:pPr algn="ctr"/>
-                      <a:r>
-                        <a:rPr lang="en-US" dirty="0">
-                          <a:solidFill>
-                            <a:schemeClr val="tx1"/>
-                          </a:solidFill>
-                        </a:rPr>
-                        <a:t>2.2</a:t>
-                      </a:r>
-                    </a:p>
-                  </a:txBody>
-                  <a:tcPr anchor="ctr">
-                    <a:lnL w="9525" cap="flat" cmpd="sng" algn="ctr">
-                      <a:solidFill>
-                        <a:schemeClr val="tx1"/>
-                      </a:solidFill>
-                      <a:prstDash val="solid"/>
-                      <a:round/>
-                      <a:headEnd type="none" w="med" len="med"/>
-                      <a:tailEnd type="none" w="med" len="med"/>
-                    </a:lnL>
-                    <a:lnR w="9525" cap="flat" cmpd="sng" algn="ctr">
-                      <a:solidFill>
-                        <a:schemeClr val="tx1"/>
-                      </a:solidFill>
-                      <a:prstDash val="solid"/>
-                      <a:round/>
-                      <a:headEnd type="none" w="med" len="med"/>
-                      <a:tailEnd type="none" w="med" len="med"/>
-                    </a:lnR>
-                    <a:lnT w="9525" cap="flat" cmpd="sng" algn="ctr">
-                      <a:solidFill>
-                        <a:schemeClr val="tx1"/>
-                      </a:solidFill>
-                      <a:prstDash val="solid"/>
-                      <a:round/>
-                      <a:headEnd type="none" w="med" len="med"/>
-                      <a:tailEnd type="none" w="med" len="med"/>
-                    </a:lnT>
-                    <a:lnB w="9525" cap="flat" cmpd="sng" algn="ctr">
-                      <a:solidFill>
-                        <a:schemeClr val="tx1"/>
-                      </a:solidFill>
-                      <a:prstDash val="solid"/>
-                      <a:round/>
-                      <a:headEnd type="none" w="med" len="med"/>
-                      <a:tailEnd type="none" w="med" len="med"/>
-                    </a:lnB>
-                    <a:noFill/>
-                  </a:tcPr>
-                </a:tc>
-                <a:tc>
-                  <a:txBody>
-                    <a:bodyPr/>
-                    <a:lstStyle/>
-                    <a:p>
-                      <a:pPr algn="ctr"/>
-                      <a:r>
-                        <a:rPr lang="en-US" dirty="0">
-                          <a:solidFill>
-                            <a:schemeClr val="tx1"/>
-                          </a:solidFill>
-                        </a:rPr>
-                        <a:t>1.7</a:t>
-                      </a:r>
-                    </a:p>
-                  </a:txBody>
-                  <a:tcPr anchor="ctr">
-                    <a:lnL w="9525" cap="flat" cmpd="sng" algn="ctr">
-                      <a:solidFill>
-                        <a:schemeClr val="tx1"/>
-                      </a:solidFill>
-                      <a:prstDash val="solid"/>
-                      <a:round/>
-                      <a:headEnd type="none" w="med" len="med"/>
-                      <a:tailEnd type="none" w="med" len="med"/>
-                    </a:lnL>
-                    <a:lnR w="9525" cap="flat" cmpd="sng" algn="ctr">
-                      <a:solidFill>
-                        <a:schemeClr val="tx1"/>
-                      </a:solidFill>
-                      <a:prstDash val="solid"/>
-                      <a:round/>
-                      <a:headEnd type="none" w="med" len="med"/>
-                      <a:tailEnd type="none" w="med" len="med"/>
-                    </a:lnR>
-                    <a:lnT w="9525" cap="flat" cmpd="sng" algn="ctr">
-                      <a:solidFill>
-                        <a:schemeClr val="tx1"/>
-                      </a:solidFill>
-                      <a:prstDash val="solid"/>
-                      <a:round/>
-                      <a:headEnd type="none" w="med" len="med"/>
-                      <a:tailEnd type="none" w="med" len="med"/>
-                    </a:lnT>
-                    <a:lnB w="9525" cap="flat" cmpd="sng" algn="ctr">
-                      <a:solidFill>
-                        <a:schemeClr val="tx1"/>
-                      </a:solidFill>
-                      <a:prstDash val="solid"/>
-                      <a:round/>
-                      <a:headEnd type="none" w="med" len="med"/>
-                      <a:tailEnd type="none" w="med" len="med"/>
-                    </a:lnB>
-                    <a:noFill/>
-                  </a:tcPr>
-                </a:tc>
-                <a:tc>
-                  <a:txBody>
-                    <a:bodyPr/>
-                    <a:lstStyle/>
-                    <a:p>
-                      <a:pPr algn="ctr"/>
-                      <a:r>
-                        <a:rPr lang="en-US" dirty="0">
-                          <a:solidFill>
-                            <a:schemeClr val="tx1"/>
-                          </a:solidFill>
-                        </a:rPr>
-                        <a:t>7</a:t>
-                      </a:r>
-                    </a:p>
-                  </a:txBody>
-                  <a:tcPr anchor="ctr">
-                    <a:lnL w="9525" cap="flat" cmpd="sng" algn="ctr">
-                      <a:solidFill>
-                        <a:schemeClr val="tx1"/>
-                      </a:solidFill>
-                      <a:prstDash val="solid"/>
-                      <a:round/>
-                      <a:headEnd type="none" w="med" len="med"/>
-                      <a:tailEnd type="none" w="med" len="med"/>
-                    </a:lnL>
-                    <a:lnR w="9525" cap="flat" cmpd="sng" algn="ctr">
-                      <a:solidFill>
-                        <a:schemeClr val="tx1"/>
-                      </a:solidFill>
-                      <a:prstDash val="solid"/>
-                      <a:round/>
-                      <a:headEnd type="none" w="med" len="med"/>
-                      <a:tailEnd type="none" w="med" len="med"/>
-                    </a:lnR>
-                    <a:lnT w="9525" cap="flat" cmpd="sng" algn="ctr">
-                      <a:solidFill>
-                        <a:schemeClr val="tx1"/>
-                      </a:solidFill>
-                      <a:prstDash val="solid"/>
-                      <a:round/>
-                      <a:headEnd type="none" w="med" len="med"/>
-                      <a:tailEnd type="none" w="med" len="med"/>
-                    </a:lnT>
-                    <a:lnB w="9525" cap="flat" cmpd="sng" algn="ctr">
-                      <a:solidFill>
-                        <a:schemeClr val="tx1"/>
-                      </a:solidFill>
-                      <a:prstDash val="solid"/>
-                      <a:round/>
-                      <a:headEnd type="none" w="med" len="med"/>
-                      <a:tailEnd type="none" w="med" len="med"/>
-                    </a:lnB>
-                    <a:noFill/>
-                  </a:tcPr>
-                </a:tc>
-                <a:extLst>
-                  <a:ext uri="{0D108BD9-81ED-4DB2-BD59-A6C34878D82A}">
-                    <a16:rowId xmlns:a16="http://schemas.microsoft.com/office/drawing/2014/main" val="3721269701"/>
-                  </a:ext>
-                </a:extLst>
-              </a:tr>
-            </a:tbl>
-          </a:graphicData>
-        </a:graphic>
-      </p:graphicFrame>
-      <p:sp>
-        <p:nvSpPr>
-          <p:cNvPr id="14" name="Date Placeholder 13">
-            <a:extLst>
-              <a:ext uri="{FF2B5EF4-FFF2-40B4-BE49-F238E27FC236}">
-                <a16:creationId xmlns:a16="http://schemas.microsoft.com/office/drawing/2014/main" id="{DC738669-5750-45EA-9715-A0041D4C569B}"/>
-              </a:ext>
-            </a:extLst>
-          </p:cNvPr>
-          <p:cNvSpPr>
-            <a:spLocks noGrp="1"/>
-          </p:cNvSpPr>
-          <p:nvPr>
-            <p:ph type="dt" sz="half" idx="10"/>
-          </p:nvPr>
-        </p:nvSpPr>
-        <p:spPr>
-          <a:xfrm>
-            <a:off x="550863" y="6507212"/>
-            <a:ext cx="2628900" cy="153888"/>
-          </a:xfrm>
-        </p:spPr>
-        <p:txBody>
-          <a:bodyPr/>
-          <a:lstStyle/>
-          <a:p>
-            <a:r>
-              <a:rPr lang="en-US"/>
-              <a:t>Tuesday, February 2, 20XX</a:t>
-            </a:r>
-          </a:p>
-        </p:txBody>
-      </p:sp>
-      <p:sp>
-        <p:nvSpPr>
-          <p:cNvPr id="15" name="Footer Placeholder 14">
-            <a:extLst>
-              <a:ext uri="{FF2B5EF4-FFF2-40B4-BE49-F238E27FC236}">
-                <a16:creationId xmlns:a16="http://schemas.microsoft.com/office/drawing/2014/main" id="{CD05A243-8080-4F6D-8538-65CDDF891BA6}"/>
-              </a:ext>
-            </a:extLst>
-          </p:cNvPr>
-          <p:cNvSpPr>
-            <a:spLocks noGrp="1"/>
-          </p:cNvSpPr>
-          <p:nvPr>
-            <p:ph type="ftr" sz="quarter" idx="11"/>
-          </p:nvPr>
-        </p:nvSpPr>
-        <p:spPr>
-          <a:xfrm>
-            <a:off x="3359150" y="6507212"/>
-            <a:ext cx="6379210" cy="153888"/>
-          </a:xfrm>
-        </p:spPr>
-        <p:txBody>
-          <a:bodyPr/>
-          <a:lstStyle/>
-          <a:p>
-            <a:r>
-              <a:rPr lang="en-US"/>
-              <a:t>Sample Footer Text</a:t>
+              <a:t>Percent of tobacco users per day</a:t>
             </a:r>
           </a:p>
         </p:txBody>
@@ -23440,6 +22198,61 @@
               <a:pPr/>
               <a:t>6</a:t>
             </a:fld>
+            <a:endParaRPr lang="en-US" dirty="0"/>
+          </a:p>
+        </p:txBody>
+      </p:sp>
+      <p:sp>
+        <p:nvSpPr>
+          <p:cNvPr id="4" name="Rectangle 3">
+            <a:extLst>
+              <a:ext uri="{FF2B5EF4-FFF2-40B4-BE49-F238E27FC236}">
+                <a16:creationId xmlns:a16="http://schemas.microsoft.com/office/drawing/2014/main" id="{A5827A08-1186-53FC-2AFC-A2153E4C1799}"/>
+              </a:ext>
+            </a:extLst>
+          </p:cNvPr>
+          <p:cNvSpPr/>
+          <p:nvPr/>
+        </p:nvSpPr>
+        <p:spPr>
+          <a:xfrm>
+            <a:off x="7847045" y="6410130"/>
+            <a:ext cx="2247803" cy="269381"/>
+          </a:xfrm>
+          <a:prstGeom prst="rect">
+            <a:avLst/>
+          </a:prstGeom>
+          <a:solidFill>
+            <a:schemeClr val="bg1">
+              <a:lumMod val="65000"/>
+              <a:lumOff val="35000"/>
+            </a:schemeClr>
+          </a:solidFill>
+          <a:ln>
+            <a:noFill/>
+          </a:ln>
+        </p:spPr>
+        <p:style>
+          <a:lnRef idx="2">
+            <a:schemeClr val="accent1">
+              <a:shade val="50000"/>
+            </a:schemeClr>
+          </a:lnRef>
+          <a:fillRef idx="1">
+            <a:schemeClr val="accent1"/>
+          </a:fillRef>
+          <a:effectRef idx="0">
+            <a:schemeClr val="accent1"/>
+          </a:effectRef>
+          <a:fontRef idx="minor">
+            <a:schemeClr val="lt1"/>
+          </a:fontRef>
+        </p:style>
+        <p:txBody>
+          <a:bodyPr rtlCol="0" anchor="ctr"/>
+          <a:lstStyle/>
+          <a:p>
+            <a:pPr algn="ctr"/>
             <a:endParaRPr lang="en-US"/>
           </a:p>
         </p:txBody>
@@ -23460,6 +22273,14 @@
 <file path=ppt/slides/slide7.xml><?xml version="1.0" encoding="utf-8"?>
 <p:sld xmlns:a="http://schemas.openxmlformats.org/drawingml/2006/main" xmlns:r="http://schemas.openxmlformats.org/officeDocument/2006/relationships" xmlns:p="http://schemas.openxmlformats.org/presentationml/2006/main">
   <p:cSld>
+    <p:bg>
+      <p:bgPr>
+        <a:solidFill>
+          <a:schemeClr val="bg2"/>
+        </a:solidFill>
+        <a:effectLst/>
+      </p:bgPr>
+    </p:bg>
     <p:spTree>
       <p:nvGrpSpPr>
         <p:cNvPr id="1" name=""/>
@@ -23474,6 +22295,570 @@
           <a:chExt cx="0" cy="0"/>
         </a:xfrm>
       </p:grpSpPr>
+      <p:grpSp>
+        <p:nvGrpSpPr>
+          <p:cNvPr id="26" name="Group 25">
+            <a:extLst>
+              <a:ext uri="{FF2B5EF4-FFF2-40B4-BE49-F238E27FC236}">
+                <a16:creationId xmlns:a16="http://schemas.microsoft.com/office/drawing/2014/main" id="{3BDBC526-6DCD-4FF6-8395-D8C22E46E527}"/>
+              </a:ext>
+              <a:ext uri="{C183D7F6-B498-43B3-948B-1728B52AA6E4}">
+                <adec:decorative xmlns:adec="http://schemas.microsoft.com/office/drawing/2017/decorative" val="1"/>
+              </a:ext>
+            </a:extLst>
+          </p:cNvPr>
+          <p:cNvGrpSpPr>
+            <a:grpSpLocks noGrp="1" noUngrp="1" noRot="1" noChangeAspect="1" noMove="1" noResize="1"/>
+          </p:cNvGrpSpPr>
+          <p:nvPr>
+            <p:extLst>
+              <p:ext uri="{386F3935-93C4-4BCD-93E2-E3B085C9AB24}">
+                <p16:designElem xmlns:p16="http://schemas.microsoft.com/office/powerpoint/2015/main" val="1"/>
+              </p:ext>
+            </p:extLst>
+          </p:nvPr>
+        </p:nvGrpSpPr>
+        <p:grpSpPr>
+          <a:xfrm>
+            <a:off x="613998" y="5334748"/>
+            <a:ext cx="678135" cy="990000"/>
+            <a:chOff x="10490969" y="1448827"/>
+            <a:chExt cx="678135" cy="990000"/>
+          </a:xfrm>
+        </p:grpSpPr>
+        <p:sp>
+          <p:nvSpPr>
+            <p:cNvPr id="27" name="Freeform: Shape 26">
+              <a:extLst>
+                <a:ext uri="{FF2B5EF4-FFF2-40B4-BE49-F238E27FC236}">
+                  <a16:creationId xmlns:a16="http://schemas.microsoft.com/office/drawing/2014/main" id="{02ECB475-568C-47AC-B16D-2E202DEB2DE0}"/>
+                </a:ext>
+                <a:ext uri="{C183D7F6-B498-43B3-948B-1728B52AA6E4}">
+                  <adec:decorative xmlns:adec="http://schemas.microsoft.com/office/drawing/2017/decorative" val="1"/>
+                </a:ext>
+              </a:extLst>
+            </p:cNvPr>
+            <p:cNvSpPr>
+              <a:spLocks noChangeAspect="1"/>
+            </p:cNvSpPr>
+            <p:nvPr>
+              <p:extLst>
+                <p:ext uri="{386F3935-93C4-4BCD-93E2-E3B085C9AB24}">
+                  <p16:designElem xmlns:p16="http://schemas.microsoft.com/office/powerpoint/2015/main" val="1"/>
+                </p:ext>
+              </p:extLst>
+            </p:nvPr>
+          </p:nvSpPr>
+          <p:spPr>
+            <a:xfrm rot="2700000" flipH="1" flipV="1">
+              <a:off x="10268976" y="1743588"/>
+              <a:ext cx="926985" cy="463493"/>
+            </a:xfrm>
+            <a:custGeom>
+              <a:avLst/>
+              <a:gdLst>
+                <a:gd name="connsiteX0" fmla="*/ 1329373 w 2658746"/>
+                <a:gd name="connsiteY0" fmla="*/ 0 h 1329373"/>
+                <a:gd name="connsiteX1" fmla="*/ 2658746 w 2658746"/>
+                <a:gd name="connsiteY1" fmla="*/ 1329373 h 1329373"/>
+                <a:gd name="connsiteX2" fmla="*/ 1994059 w 2658746"/>
+                <a:gd name="connsiteY2" fmla="*/ 1329373 h 1329373"/>
+                <a:gd name="connsiteX3" fmla="*/ 1329373 w 2658746"/>
+                <a:gd name="connsiteY3" fmla="*/ 664687 h 1329373"/>
+                <a:gd name="connsiteX4" fmla="*/ 664687 w 2658746"/>
+                <a:gd name="connsiteY4" fmla="*/ 1329373 h 1329373"/>
+                <a:gd name="connsiteX5" fmla="*/ 0 w 2658746"/>
+                <a:gd name="connsiteY5" fmla="*/ 1329373 h 1329373"/>
+                <a:gd name="connsiteX6" fmla="*/ 1329373 w 2658746"/>
+                <a:gd name="connsiteY6" fmla="*/ 0 h 1329373"/>
+              </a:gdLst>
+              <a:ahLst/>
+              <a:cxnLst>
+                <a:cxn ang="0">
+                  <a:pos x="connsiteX0" y="connsiteY0"/>
+                </a:cxn>
+                <a:cxn ang="0">
+                  <a:pos x="connsiteX1" y="connsiteY1"/>
+                </a:cxn>
+                <a:cxn ang="0">
+                  <a:pos x="connsiteX2" y="connsiteY2"/>
+                </a:cxn>
+                <a:cxn ang="0">
+                  <a:pos x="connsiteX3" y="connsiteY3"/>
+                </a:cxn>
+                <a:cxn ang="0">
+                  <a:pos x="connsiteX4" y="connsiteY4"/>
+                </a:cxn>
+                <a:cxn ang="0">
+                  <a:pos x="connsiteX5" y="connsiteY5"/>
+                </a:cxn>
+                <a:cxn ang="0">
+                  <a:pos x="connsiteX6" y="connsiteY6"/>
+                </a:cxn>
+              </a:cxnLst>
+              <a:rect l="l" t="t" r="r" b="b"/>
+              <a:pathLst>
+                <a:path w="2658746" h="1329373">
+                  <a:moveTo>
+                    <a:pt x="1329373" y="0"/>
+                  </a:moveTo>
+                  <a:cubicBezTo>
+                    <a:pt x="2063565" y="0"/>
+                    <a:pt x="2658746" y="595181"/>
+                    <a:pt x="2658746" y="1329373"/>
+                  </a:cubicBezTo>
+                  <a:lnTo>
+                    <a:pt x="1994059" y="1329373"/>
+                  </a:lnTo>
+                  <a:cubicBezTo>
+                    <a:pt x="1994059" y="962277"/>
+                    <a:pt x="1696469" y="664687"/>
+                    <a:pt x="1329373" y="664687"/>
+                  </a:cubicBezTo>
+                  <a:cubicBezTo>
+                    <a:pt x="962277" y="664687"/>
+                    <a:pt x="664687" y="962277"/>
+                    <a:pt x="664687" y="1329373"/>
+                  </a:cubicBezTo>
+                  <a:lnTo>
+                    <a:pt x="0" y="1329373"/>
+                  </a:lnTo>
+                  <a:cubicBezTo>
+                    <a:pt x="0" y="595181"/>
+                    <a:pt x="595181" y="0"/>
+                    <a:pt x="1329373" y="0"/>
+                  </a:cubicBezTo>
+                  <a:close/>
+                </a:path>
+              </a:pathLst>
+            </a:custGeom>
+            <a:solidFill>
+              <a:schemeClr val="bg2"/>
+            </a:solidFill>
+            <a:ln>
+              <a:noFill/>
+            </a:ln>
+            <a:effectLst>
+              <a:innerShdw blurRad="127000" dist="50800" dir="13500000">
+                <a:schemeClr val="accent1">
+                  <a:lumMod val="40000"/>
+                  <a:lumOff val="60000"/>
+                  <a:alpha val="20000"/>
+                </a:schemeClr>
+              </a:innerShdw>
+            </a:effectLst>
+          </p:spPr>
+          <p:style>
+            <a:lnRef idx="2">
+              <a:schemeClr val="accent1">
+                <a:shade val="50000"/>
+              </a:schemeClr>
+            </a:lnRef>
+            <a:fillRef idx="1">
+              <a:schemeClr val="accent1"/>
+            </a:fillRef>
+            <a:effectRef idx="0">
+              <a:schemeClr val="accent1"/>
+            </a:effectRef>
+            <a:fontRef idx="minor">
+              <a:schemeClr val="lt1"/>
+            </a:fontRef>
+          </p:style>
+          <p:txBody>
+            <a:bodyPr rtlCol="0" anchor="ctr"/>
+            <a:lstStyle/>
+            <a:p>
+              <a:pPr algn="ctr"/>
+              <a:endParaRPr lang="en-US" dirty="0">
+                <a:solidFill>
+                  <a:schemeClr val="tx1"/>
+                </a:solidFill>
+              </a:endParaRPr>
+            </a:p>
+          </p:txBody>
+        </p:sp>
+        <p:sp>
+          <p:nvSpPr>
+            <p:cNvPr id="28" name="Oval 27">
+              <a:extLst>
+                <a:ext uri="{FF2B5EF4-FFF2-40B4-BE49-F238E27FC236}">
+                  <a16:creationId xmlns:a16="http://schemas.microsoft.com/office/drawing/2014/main" id="{080D8764-525A-441E-B58F-068E82F09714}"/>
+                </a:ext>
+                <a:ext uri="{C183D7F6-B498-43B3-948B-1728B52AA6E4}">
+                  <adec:decorative xmlns:adec="http://schemas.microsoft.com/office/drawing/2017/decorative" val="1"/>
+                </a:ext>
+              </a:extLst>
+            </p:cNvPr>
+            <p:cNvSpPr/>
+            <p:nvPr>
+              <p:extLst>
+                <p:ext uri="{386F3935-93C4-4BCD-93E2-E3B085C9AB24}">
+                  <p16:designElem xmlns:p16="http://schemas.microsoft.com/office/powerpoint/2015/main" val="1"/>
+                </p:ext>
+              </p:extLst>
+            </p:nvPr>
+          </p:nvSpPr>
+          <p:spPr>
+            <a:xfrm rot="8100000" flipH="1" flipV="1">
+              <a:off x="11115555" y="1939340"/>
+              <a:ext cx="53549" cy="233295"/>
+            </a:xfrm>
+            <a:prstGeom prst="ellipse">
+              <a:avLst/>
+            </a:prstGeom>
+            <a:solidFill>
+              <a:schemeClr val="bg2">
+                <a:lumMod val="90000"/>
+                <a:lumOff val="10000"/>
+              </a:schemeClr>
+            </a:solidFill>
+            <a:ln>
+              <a:noFill/>
+            </a:ln>
+            <a:effectLst>
+              <a:innerShdw blurRad="63500" dist="2540000">
+                <a:schemeClr val="accent1">
+                  <a:lumMod val="60000"/>
+                  <a:lumOff val="40000"/>
+                  <a:alpha val="0"/>
+                </a:schemeClr>
+              </a:innerShdw>
+            </a:effectLst>
+          </p:spPr>
+          <p:style>
+            <a:lnRef idx="2">
+              <a:schemeClr val="accent1">
+                <a:shade val="50000"/>
+              </a:schemeClr>
+            </a:lnRef>
+            <a:fillRef idx="1">
+              <a:schemeClr val="accent1"/>
+            </a:fillRef>
+            <a:effectRef idx="0">
+              <a:schemeClr val="accent1"/>
+            </a:effectRef>
+            <a:fontRef idx="minor">
+              <a:schemeClr val="lt1"/>
+            </a:fontRef>
+          </p:style>
+          <p:txBody>
+            <a:bodyPr rot="0" spcFirstLastPara="0" vertOverflow="overflow" horzOverflow="overflow" vert="horz" wrap="square" lIns="91440" tIns="45720" rIns="91440" bIns="45720" numCol="1" spcCol="0" rtlCol="0" fromWordArt="0" anchor="ctr" anchorCtr="0" forceAA="0" compatLnSpc="1">
+              <a:prstTxWarp prst="textNoShape">
+                <a:avLst/>
+              </a:prstTxWarp>
+              <a:noAutofit/>
+            </a:bodyPr>
+            <a:lstStyle/>
+            <a:p>
+              <a:pPr algn="ctr"/>
+              <a:endParaRPr lang="en-US"/>
+            </a:p>
+          </p:txBody>
+        </p:sp>
+        <p:sp>
+          <p:nvSpPr>
+            <p:cNvPr id="29" name="Oval 28">
+              <a:extLst>
+                <a:ext uri="{FF2B5EF4-FFF2-40B4-BE49-F238E27FC236}">
+                  <a16:creationId xmlns:a16="http://schemas.microsoft.com/office/drawing/2014/main" id="{11196109-6F2B-4738-B2FC-2CCC753AABD4}"/>
+                </a:ext>
+                <a:ext uri="{C183D7F6-B498-43B3-948B-1728B52AA6E4}">
+                  <adec:decorative xmlns:adec="http://schemas.microsoft.com/office/drawing/2017/decorative" val="1"/>
+                </a:ext>
+              </a:extLst>
+            </p:cNvPr>
+            <p:cNvSpPr/>
+            <p:nvPr>
+              <p:extLst>
+                <p:ext uri="{386F3935-93C4-4BCD-93E2-E3B085C9AB24}">
+                  <p16:designElem xmlns:p16="http://schemas.microsoft.com/office/powerpoint/2015/main" val="1"/>
+                </p:ext>
+              </p:extLst>
+            </p:nvPr>
+          </p:nvSpPr>
+          <p:spPr>
+            <a:xfrm rot="8100000" flipH="1" flipV="1">
+              <a:off x="10625042" y="1448827"/>
+              <a:ext cx="53549" cy="233295"/>
+            </a:xfrm>
+            <a:prstGeom prst="ellipse">
+              <a:avLst/>
+            </a:prstGeom>
+            <a:solidFill>
+              <a:schemeClr val="bg2">
+                <a:lumMod val="90000"/>
+                <a:lumOff val="10000"/>
+              </a:schemeClr>
+            </a:solidFill>
+            <a:ln>
+              <a:noFill/>
+            </a:ln>
+            <a:effectLst>
+              <a:innerShdw blurRad="63500" dist="2540000">
+                <a:schemeClr val="accent1">
+                  <a:lumMod val="60000"/>
+                  <a:lumOff val="40000"/>
+                  <a:alpha val="0"/>
+                </a:schemeClr>
+              </a:innerShdw>
+            </a:effectLst>
+          </p:spPr>
+          <p:style>
+            <a:lnRef idx="2">
+              <a:schemeClr val="accent1">
+                <a:shade val="50000"/>
+              </a:schemeClr>
+            </a:lnRef>
+            <a:fillRef idx="1">
+              <a:schemeClr val="accent1"/>
+            </a:fillRef>
+            <a:effectRef idx="0">
+              <a:schemeClr val="accent1"/>
+            </a:effectRef>
+            <a:fontRef idx="minor">
+              <a:schemeClr val="lt1"/>
+            </a:fontRef>
+          </p:style>
+          <p:txBody>
+            <a:bodyPr rot="0" spcFirstLastPara="0" vertOverflow="overflow" horzOverflow="overflow" vert="horz" wrap="square" lIns="91440" tIns="45720" rIns="91440" bIns="45720" numCol="1" spcCol="0" rtlCol="0" fromWordArt="0" anchor="ctr" anchorCtr="0" forceAA="0" compatLnSpc="1">
+              <a:prstTxWarp prst="textNoShape">
+                <a:avLst/>
+              </a:prstTxWarp>
+              <a:noAutofit/>
+            </a:bodyPr>
+            <a:lstStyle/>
+            <a:p>
+              <a:pPr algn="ctr"/>
+              <a:endParaRPr lang="en-US"/>
+            </a:p>
+          </p:txBody>
+        </p:sp>
+        <p:sp>
+          <p:nvSpPr>
+            <p:cNvPr id="30" name="Freeform: Shape 29">
+              <a:extLst>
+                <a:ext uri="{FF2B5EF4-FFF2-40B4-BE49-F238E27FC236}">
+                  <a16:creationId xmlns:a16="http://schemas.microsoft.com/office/drawing/2014/main" id="{F7E468C2-69B8-470B-85E3-801A3CB1D7E2}"/>
+                </a:ext>
+                <a:ext uri="{C183D7F6-B498-43B3-948B-1728B52AA6E4}">
+                  <adec:decorative xmlns:adec="http://schemas.microsoft.com/office/drawing/2017/decorative" val="1"/>
+                </a:ext>
+              </a:extLst>
+            </p:cNvPr>
+            <p:cNvSpPr>
+              <a:spLocks noChangeAspect="1"/>
+            </p:cNvSpPr>
+            <p:nvPr>
+              <p:extLst>
+                <p:ext uri="{386F3935-93C4-4BCD-93E2-E3B085C9AB24}">
+                  <p16:designElem xmlns:p16="http://schemas.microsoft.com/office/powerpoint/2015/main" val="1"/>
+                </p:ext>
+              </p:extLst>
+            </p:nvPr>
+          </p:nvSpPr>
+          <p:spPr>
+            <a:xfrm rot="2700000" flipH="1" flipV="1">
+              <a:off x="10292519" y="1686748"/>
+              <a:ext cx="926985" cy="530086"/>
+            </a:xfrm>
+            <a:custGeom>
+              <a:avLst/>
+              <a:gdLst>
+                <a:gd name="connsiteX0" fmla="*/ 1329373 w 2658746"/>
+                <a:gd name="connsiteY0" fmla="*/ 0 h 1329373"/>
+                <a:gd name="connsiteX1" fmla="*/ 2658746 w 2658746"/>
+                <a:gd name="connsiteY1" fmla="*/ 1329373 h 1329373"/>
+                <a:gd name="connsiteX2" fmla="*/ 1994059 w 2658746"/>
+                <a:gd name="connsiteY2" fmla="*/ 1329373 h 1329373"/>
+                <a:gd name="connsiteX3" fmla="*/ 1329373 w 2658746"/>
+                <a:gd name="connsiteY3" fmla="*/ 664687 h 1329373"/>
+                <a:gd name="connsiteX4" fmla="*/ 664687 w 2658746"/>
+                <a:gd name="connsiteY4" fmla="*/ 1329373 h 1329373"/>
+                <a:gd name="connsiteX5" fmla="*/ 0 w 2658746"/>
+                <a:gd name="connsiteY5" fmla="*/ 1329373 h 1329373"/>
+                <a:gd name="connsiteX6" fmla="*/ 1329373 w 2658746"/>
+                <a:gd name="connsiteY6" fmla="*/ 0 h 1329373"/>
+              </a:gdLst>
+              <a:ahLst/>
+              <a:cxnLst>
+                <a:cxn ang="0">
+                  <a:pos x="connsiteX0" y="connsiteY0"/>
+                </a:cxn>
+                <a:cxn ang="0">
+                  <a:pos x="connsiteX1" y="connsiteY1"/>
+                </a:cxn>
+                <a:cxn ang="0">
+                  <a:pos x="connsiteX2" y="connsiteY2"/>
+                </a:cxn>
+                <a:cxn ang="0">
+                  <a:pos x="connsiteX3" y="connsiteY3"/>
+                </a:cxn>
+                <a:cxn ang="0">
+                  <a:pos x="connsiteX4" y="connsiteY4"/>
+                </a:cxn>
+                <a:cxn ang="0">
+                  <a:pos x="connsiteX5" y="connsiteY5"/>
+                </a:cxn>
+                <a:cxn ang="0">
+                  <a:pos x="connsiteX6" y="connsiteY6"/>
+                </a:cxn>
+              </a:cxnLst>
+              <a:rect l="l" t="t" r="r" b="b"/>
+              <a:pathLst>
+                <a:path w="2658746" h="1329373">
+                  <a:moveTo>
+                    <a:pt x="1329373" y="0"/>
+                  </a:moveTo>
+                  <a:cubicBezTo>
+                    <a:pt x="2063565" y="0"/>
+                    <a:pt x="2658746" y="595181"/>
+                    <a:pt x="2658746" y="1329373"/>
+                  </a:cubicBezTo>
+                  <a:lnTo>
+                    <a:pt x="1994059" y="1329373"/>
+                  </a:lnTo>
+                  <a:cubicBezTo>
+                    <a:pt x="1994059" y="962277"/>
+                    <a:pt x="1696469" y="664687"/>
+                    <a:pt x="1329373" y="664687"/>
+                  </a:cubicBezTo>
+                  <a:cubicBezTo>
+                    <a:pt x="962277" y="664687"/>
+                    <a:pt x="664687" y="962277"/>
+                    <a:pt x="664687" y="1329373"/>
+                  </a:cubicBezTo>
+                  <a:lnTo>
+                    <a:pt x="0" y="1329373"/>
+                  </a:lnTo>
+                  <a:cubicBezTo>
+                    <a:pt x="0" y="595181"/>
+                    <a:pt x="595181" y="0"/>
+                    <a:pt x="1329373" y="0"/>
+                  </a:cubicBezTo>
+                  <a:close/>
+                </a:path>
+              </a:pathLst>
+            </a:custGeom>
+            <a:solidFill>
+              <a:schemeClr val="bg2">
+                <a:lumMod val="50000"/>
+                <a:lumOff val="50000"/>
+                <a:alpha val="20000"/>
+              </a:schemeClr>
+            </a:solidFill>
+            <a:ln>
+              <a:noFill/>
+            </a:ln>
+            <a:effectLst>
+              <a:softEdge rad="101600"/>
+            </a:effectLst>
+          </p:spPr>
+          <p:style>
+            <a:lnRef idx="2">
+              <a:schemeClr val="accent1">
+                <a:shade val="50000"/>
+              </a:schemeClr>
+            </a:lnRef>
+            <a:fillRef idx="1">
+              <a:schemeClr val="accent1"/>
+            </a:fillRef>
+            <a:effectRef idx="0">
+              <a:schemeClr val="accent1"/>
+            </a:effectRef>
+            <a:fontRef idx="minor">
+              <a:schemeClr val="lt1"/>
+            </a:fontRef>
+          </p:style>
+          <p:txBody>
+            <a:bodyPr rtlCol="0" anchor="ctr"/>
+            <a:lstStyle/>
+            <a:p>
+              <a:pPr algn="ctr"/>
+              <a:endParaRPr lang="en-US" dirty="0">
+                <a:solidFill>
+                  <a:schemeClr val="tx1"/>
+                </a:solidFill>
+              </a:endParaRPr>
+            </a:p>
+          </p:txBody>
+        </p:sp>
+      </p:grpSp>
+      <p:sp useBgFill="1">
+        <p:nvSpPr>
+          <p:cNvPr id="32" name="Rectangle 31">
+            <a:extLst>
+              <a:ext uri="{FF2B5EF4-FFF2-40B4-BE49-F238E27FC236}">
+                <a16:creationId xmlns:a16="http://schemas.microsoft.com/office/drawing/2014/main" id="{A5931BE0-4B93-4D6C-878E-ACC59D6B4587}"/>
+              </a:ext>
+              <a:ext uri="{C183D7F6-B498-43B3-948B-1728B52AA6E4}">
+                <adec:decorative xmlns:adec="http://schemas.microsoft.com/office/drawing/2017/decorative" val="1"/>
+              </a:ext>
+            </a:extLst>
+          </p:cNvPr>
+          <p:cNvSpPr>
+            <a:spLocks noGrp="1" noRot="1" noChangeAspect="1" noMove="1" noResize="1" noEditPoints="1" noAdjustHandles="1" noChangeArrowheads="1" noChangeShapeType="1" noTextEdit="1"/>
+          </p:cNvSpPr>
+          <p:nvPr>
+            <p:extLst>
+              <p:ext uri="{386F3935-93C4-4BCD-93E2-E3B085C9AB24}">
+                <p16:designElem xmlns:p16="http://schemas.microsoft.com/office/powerpoint/2015/main" val="1"/>
+              </p:ext>
+            </p:extLst>
+          </p:nvPr>
+        </p:nvSpPr>
+        <p:spPr>
+          <a:xfrm>
+            <a:off x="0" y="0"/>
+            <a:ext cx="12192000" cy="6858000"/>
+          </a:xfrm>
+          <a:prstGeom prst="rect">
+            <a:avLst/>
+          </a:prstGeom>
+          <a:ln w="12700" cap="flat" cmpd="sng" algn="ctr">
+            <a:noFill/>
+            <a:prstDash val="solid"/>
+            <a:miter lim="800000"/>
+          </a:ln>
+          <a:effectLst/>
+          <a:extLst>
+            <a:ext uri="{91240B29-F687-4F45-9708-019B960494DF}">
+              <a14:hiddenLine xmlns:a14="http://schemas.microsoft.com/office/drawing/2010/main" w="12700" cap="flat" cmpd="sng" algn="ctr">
+                <a:solidFill>
+                  <a:schemeClr val="accent1">
+                    <a:shade val="50000"/>
+                  </a:schemeClr>
+                </a:solidFill>
+                <a:prstDash val="solid"/>
+                <a:miter lim="800000"/>
+              </a14:hiddenLine>
+            </a:ext>
+          </a:extLst>
+        </p:spPr>
+        <p:style>
+          <a:lnRef idx="2">
+            <a:schemeClr val="accent1">
+              <a:shade val="50000"/>
+            </a:schemeClr>
+          </a:lnRef>
+          <a:fillRef idx="1">
+            <a:schemeClr val="accent1"/>
+          </a:fillRef>
+          <a:effectRef idx="0">
+            <a:schemeClr val="accent1"/>
+          </a:effectRef>
+          <a:fontRef idx="minor">
+            <a:schemeClr val="lt1"/>
+          </a:fontRef>
+        </p:style>
+        <p:txBody>
+          <a:bodyPr rtlCol="0" anchor="ctr"/>
+          <a:lstStyle/>
+          <a:p>
+            <a:pPr algn="ctr"/>
+            <a:endParaRPr lang="en-US"/>
+          </a:p>
+        </p:txBody>
+      </p:sp>
       <p:sp>
         <p:nvSpPr>
           <p:cNvPr id="14" name="Title 13">
@@ -23492,127 +22877,520 @@
         </p:nvSpPr>
         <p:spPr>
           <a:xfrm>
-            <a:off x="550864" y="549275"/>
-            <a:ext cx="3566160" cy="3384550"/>
+            <a:off x="550861" y="580363"/>
+            <a:ext cx="7167461" cy="1333055"/>
           </a:xfrm>
         </p:spPr>
         <p:txBody>
-          <a:bodyPr>
+          <a:bodyPr vert="horz" wrap="square" lIns="0" tIns="0" rIns="0" bIns="0" rtlCol="0" anchor="t" anchorCtr="0">
             <a:normAutofit/>
           </a:bodyPr>
           <a:lstStyle/>
           <a:p>
             <a:r>
-              <a:rPr lang="en-US" dirty="0"/>
-              <a:t>The way to get started is to quit talking and begin doing.</a:t>
+              <a:rPr lang="en-US" sz="3400" dirty="0"/>
+              <a:t>Tobacco Use by Race in Adults</a:t>
             </a:r>
           </a:p>
         </p:txBody>
       </p:sp>
-      <p:sp>
-        <p:nvSpPr>
-          <p:cNvPr id="15" name="Content Placeholder 14">
+      <p:grpSp>
+        <p:nvGrpSpPr>
+          <p:cNvPr id="34" name="Group 33">
             <a:extLst>
               <a:ext uri="{FF2B5EF4-FFF2-40B4-BE49-F238E27FC236}">
-                <a16:creationId xmlns:a16="http://schemas.microsoft.com/office/drawing/2014/main" id="{4139825C-53C7-44F4-A064-9795CECD081B}"/>
+                <a16:creationId xmlns:a16="http://schemas.microsoft.com/office/drawing/2014/main" id="{D0342557-9691-41B1-9FFF-027845ED041F}"/>
+              </a:ext>
+              <a:ext uri="{C183D7F6-B498-43B3-948B-1728B52AA6E4}">
+                <adec:decorative xmlns:adec="http://schemas.microsoft.com/office/drawing/2017/decorative" val="1"/>
               </a:ext>
             </a:extLst>
           </p:cNvPr>
-          <p:cNvSpPr>
-            <a:spLocks noGrp="1"/>
-          </p:cNvSpPr>
+          <p:cNvGrpSpPr>
+            <a:grpSpLocks noGrp="1" noUngrp="1" noRot="1" noChangeAspect="1" noMove="1" noResize="1"/>
+          </p:cNvGrpSpPr>
           <p:nvPr>
-            <p:ph sz="quarter" idx="15"/>
+            <p:extLst>
+              <p:ext uri="{386F3935-93C4-4BCD-93E2-E3B085C9AB24}">
+                <p16:designElem xmlns:p16="http://schemas.microsoft.com/office/powerpoint/2015/main" val="1"/>
+              </p:ext>
+            </p:extLst>
           </p:nvPr>
-        </p:nvSpPr>
-        <p:spPr>
+        </p:nvGrpSpPr>
+        <p:grpSpPr>
           <a:xfrm>
-            <a:off x="550863" y="4097338"/>
-            <a:ext cx="3565524" cy="2351087"/>
+            <a:off x="940971" y="1982786"/>
+            <a:ext cx="734257" cy="760506"/>
+            <a:chOff x="5243759" y="1363788"/>
+            <a:chExt cx="734257" cy="760506"/>
           </a:xfrm>
-        </p:spPr>
-        <p:txBody>
-          <a:bodyPr/>
-          <a:lstStyle/>
-          <a:p>
-            <a:r>
-              <a:rPr lang="en-US" dirty="0"/>
-              <a:t>Walt Disney</a:t>
-            </a:r>
-          </a:p>
-          <a:p>
-            <a:endParaRPr lang="en-US" dirty="0"/>
-          </a:p>
-        </p:txBody>
-      </p:sp>
-      <p:pic>
-        <p:nvPicPr>
-          <p:cNvPr id="18" name="Picture Placeholder 17" descr="A person drawing on a white board">
-            <a:extLst>
-              <a:ext uri="{FF2B5EF4-FFF2-40B4-BE49-F238E27FC236}">
-                <a16:creationId xmlns:a16="http://schemas.microsoft.com/office/drawing/2014/main" id="{301557C2-9072-409B-88EC-E8577CEFCAFB}"/>
-              </a:ext>
-            </a:extLst>
-          </p:cNvPr>
-          <p:cNvPicPr>
-            <a:picLocks noGrp="1" noChangeAspect="1"/>
-          </p:cNvPicPr>
-          <p:nvPr>
-            <p:ph type="pic" sz="quarter" idx="13"/>
-          </p:nvPr>
-        </p:nvPicPr>
-        <p:blipFill rotWithShape="1">
-          <a:blip r:embed="rId2" cstate="screen">
-            <a:extLst>
-              <a:ext uri="{28A0092B-C50C-407E-A947-70E740481C1C}">
-                <a14:useLocalDpi xmlns:a14="http://schemas.microsoft.com/office/drawing/2010/main" val="0"/>
-              </a:ext>
-            </a:extLst>
-          </a:blip>
-          <a:srcRect/>
-          <a:stretch/>
-        </p:blipFill>
-        <p:spPr>
-          <a:xfrm>
-            <a:off x="5535809" y="656633"/>
-            <a:ext cx="5132388" cy="5132388"/>
-          </a:xfrm>
-        </p:spPr>
-      </p:pic>
-      <p:sp>
-        <p:nvSpPr>
-          <p:cNvPr id="19" name="Date Placeholder 18">
-            <a:extLst>
-              <a:ext uri="{FF2B5EF4-FFF2-40B4-BE49-F238E27FC236}">
-                <a16:creationId xmlns:a16="http://schemas.microsoft.com/office/drawing/2014/main" id="{386DB667-0553-4FB8-B0E0-776539934AFF}"/>
-              </a:ext>
-            </a:extLst>
-          </p:cNvPr>
-          <p:cNvSpPr>
-            <a:spLocks noGrp="1"/>
-          </p:cNvSpPr>
-          <p:nvPr>
-            <p:ph type="dt" sz="half" idx="10"/>
-          </p:nvPr>
-        </p:nvSpPr>
-        <p:spPr>
-          <a:xfrm>
-            <a:off x="550863" y="6507212"/>
-            <a:ext cx="2628900" cy="153888"/>
-          </a:xfrm>
-        </p:spPr>
-        <p:txBody>
-          <a:bodyPr/>
-          <a:lstStyle/>
-          <a:p>
-            <a:r>
-              <a:rPr lang="en-US"/>
-              <a:t>Tuesday, February 2, 20XX</a:t>
-            </a:r>
-            <a:endParaRPr lang="en-US" dirty="0"/>
-          </a:p>
-        </p:txBody>
-      </p:sp>
+        </p:grpSpPr>
+        <p:sp>
+          <p:nvSpPr>
+            <p:cNvPr id="35" name="Freeform 5">
+              <a:extLst>
+                <a:ext uri="{FF2B5EF4-FFF2-40B4-BE49-F238E27FC236}">
+                  <a16:creationId xmlns:a16="http://schemas.microsoft.com/office/drawing/2014/main" id="{086D6FFF-B330-42B3-9F1F-607CECF8D90F}"/>
+                </a:ext>
+                <a:ext uri="{C183D7F6-B498-43B3-948B-1728B52AA6E4}">
+                  <adec:decorative xmlns:adec="http://schemas.microsoft.com/office/drawing/2017/decorative" val="1"/>
+                </a:ext>
+              </a:extLst>
+            </p:cNvPr>
+            <p:cNvSpPr>
+              <a:spLocks/>
+            </p:cNvSpPr>
+            <p:nvPr>
+              <p:extLst>
+                <p:ext uri="{386F3935-93C4-4BCD-93E2-E3B085C9AB24}">
+                  <p16:designElem xmlns:p16="http://schemas.microsoft.com/office/powerpoint/2015/main" val="1"/>
+                </p:ext>
+              </p:extLst>
+            </p:nvPr>
+          </p:nvSpPr>
+          <p:spPr bwMode="auto">
+            <a:xfrm rot="1800000">
+              <a:off x="5356930" y="1363788"/>
+              <a:ext cx="621086" cy="364601"/>
+            </a:xfrm>
+            <a:custGeom>
+              <a:avLst/>
+              <a:gdLst>
+                <a:gd name="T0" fmla="*/ 266 w 540"/>
+                <a:gd name="T1" fmla="*/ 0 h 317"/>
+                <a:gd name="T2" fmla="*/ 0 w 540"/>
+                <a:gd name="T3" fmla="*/ 158 h 317"/>
+                <a:gd name="T4" fmla="*/ 266 w 540"/>
+                <a:gd name="T5" fmla="*/ 317 h 317"/>
+                <a:gd name="T6" fmla="*/ 540 w 540"/>
+                <a:gd name="T7" fmla="*/ 158 h 317"/>
+                <a:gd name="T8" fmla="*/ 266 w 540"/>
+                <a:gd name="T9" fmla="*/ 0 h 317"/>
+              </a:gdLst>
+              <a:ahLst/>
+              <a:cxnLst>
+                <a:cxn ang="0">
+                  <a:pos x="T0" y="T1"/>
+                </a:cxn>
+                <a:cxn ang="0">
+                  <a:pos x="T2" y="T3"/>
+                </a:cxn>
+                <a:cxn ang="0">
+                  <a:pos x="T4" y="T5"/>
+                </a:cxn>
+                <a:cxn ang="0">
+                  <a:pos x="T6" y="T7"/>
+                </a:cxn>
+                <a:cxn ang="0">
+                  <a:pos x="T8" y="T9"/>
+                </a:cxn>
+              </a:cxnLst>
+              <a:rect l="0" t="0" r="r" b="b"/>
+              <a:pathLst>
+                <a:path w="540" h="317">
+                  <a:moveTo>
+                    <a:pt x="266" y="0"/>
+                  </a:moveTo>
+                  <a:lnTo>
+                    <a:pt x="0" y="158"/>
+                  </a:lnTo>
+                  <a:lnTo>
+                    <a:pt x="266" y="317"/>
+                  </a:lnTo>
+                  <a:lnTo>
+                    <a:pt x="540" y="158"/>
+                  </a:lnTo>
+                  <a:lnTo>
+                    <a:pt x="266" y="0"/>
+                  </a:lnTo>
+                  <a:close/>
+                </a:path>
+              </a:pathLst>
+            </a:custGeom>
+            <a:gradFill flip="none" rotWithShape="1">
+              <a:gsLst>
+                <a:gs pos="20000">
+                  <a:schemeClr val="bg2">
+                    <a:lumMod val="90000"/>
+                    <a:lumOff val="10000"/>
+                    <a:alpha val="20000"/>
+                  </a:schemeClr>
+                </a:gs>
+                <a:gs pos="100000">
+                  <a:schemeClr val="accent1">
+                    <a:lumMod val="60000"/>
+                    <a:lumOff val="40000"/>
+                    <a:alpha val="20000"/>
+                  </a:schemeClr>
+                </a:gs>
+              </a:gsLst>
+              <a:lin ang="0" scaled="0"/>
+              <a:tileRect/>
+            </a:gradFill>
+            <a:ln>
+              <a:noFill/>
+            </a:ln>
+            <a:effectLst>
+              <a:innerShdw blurRad="254000">
+                <a:schemeClr val="bg2">
+                  <a:lumMod val="90000"/>
+                  <a:lumOff val="10000"/>
+                </a:schemeClr>
+              </a:innerShdw>
+            </a:effectLst>
+          </p:spPr>
+          <p:style>
+            <a:lnRef idx="2">
+              <a:schemeClr val="accent1">
+                <a:shade val="50000"/>
+              </a:schemeClr>
+            </a:lnRef>
+            <a:fillRef idx="1">
+              <a:schemeClr val="accent1"/>
+            </a:fillRef>
+            <a:effectRef idx="0">
+              <a:schemeClr val="accent1"/>
+            </a:effectRef>
+            <a:fontRef idx="minor">
+              <a:schemeClr val="lt1"/>
+            </a:fontRef>
+          </p:style>
+          <p:txBody>
+            <a:bodyPr rot="0" spcFirstLastPara="0" vertOverflow="overflow" horzOverflow="overflow" vert="horz" wrap="square" lIns="91440" tIns="45720" rIns="91440" bIns="45720" numCol="1" spcCol="0" rtlCol="0" fromWordArt="0" anchor="ctr" anchorCtr="0" forceAA="0" compatLnSpc="1">
+              <a:prstTxWarp prst="textNoShape">
+                <a:avLst/>
+              </a:prstTxWarp>
+              <a:noAutofit/>
+            </a:bodyPr>
+            <a:lstStyle/>
+            <a:p>
+              <a:pPr algn="ctr"/>
+              <a:endParaRPr lang="en-US"/>
+            </a:p>
+          </p:txBody>
+        </p:sp>
+        <p:sp>
+          <p:nvSpPr>
+            <p:cNvPr id="36" name="Freeform 6">
+              <a:extLst>
+                <a:ext uri="{FF2B5EF4-FFF2-40B4-BE49-F238E27FC236}">
+                  <a16:creationId xmlns:a16="http://schemas.microsoft.com/office/drawing/2014/main" id="{8D054D43-E740-4CA9-8197-85FBE2ECCE38}"/>
+                </a:ext>
+                <a:ext uri="{C183D7F6-B498-43B3-948B-1728B52AA6E4}">
+                  <adec:decorative xmlns:adec="http://schemas.microsoft.com/office/drawing/2017/decorative" val="1"/>
+                </a:ext>
+              </a:extLst>
+            </p:cNvPr>
+            <p:cNvSpPr>
+              <a:spLocks/>
+            </p:cNvSpPr>
+            <p:nvPr>
+              <p:extLst>
+                <p:ext uri="{386F3935-93C4-4BCD-93E2-E3B085C9AB24}">
+                  <p16:designElem xmlns:p16="http://schemas.microsoft.com/office/powerpoint/2015/main" val="1"/>
+                </p:ext>
+              </p:extLst>
+            </p:nvPr>
+          </p:nvSpPr>
+          <p:spPr bwMode="auto">
+            <a:xfrm rot="1800000">
+              <a:off x="5243759" y="1430747"/>
+              <a:ext cx="305942" cy="538275"/>
+            </a:xfrm>
+            <a:custGeom>
+              <a:avLst/>
+              <a:gdLst>
+                <a:gd name="T0" fmla="*/ 266 w 266"/>
+                <a:gd name="T1" fmla="*/ 468 h 468"/>
+                <a:gd name="T2" fmla="*/ 0 w 266"/>
+                <a:gd name="T3" fmla="*/ 310 h 468"/>
+                <a:gd name="T4" fmla="*/ 0 w 266"/>
+                <a:gd name="T5" fmla="*/ 310 h 468"/>
+                <a:gd name="T6" fmla="*/ 0 w 266"/>
+                <a:gd name="T7" fmla="*/ 0 h 468"/>
+                <a:gd name="T8" fmla="*/ 0 w 266"/>
+                <a:gd name="T9" fmla="*/ 0 h 468"/>
+                <a:gd name="T10" fmla="*/ 266 w 266"/>
+                <a:gd name="T11" fmla="*/ 159 h 468"/>
+                <a:gd name="T12" fmla="*/ 266 w 266"/>
+                <a:gd name="T13" fmla="*/ 468 h 468"/>
+              </a:gdLst>
+              <a:ahLst/>
+              <a:cxnLst>
+                <a:cxn ang="0">
+                  <a:pos x="T0" y="T1"/>
+                </a:cxn>
+                <a:cxn ang="0">
+                  <a:pos x="T2" y="T3"/>
+                </a:cxn>
+                <a:cxn ang="0">
+                  <a:pos x="T4" y="T5"/>
+                </a:cxn>
+                <a:cxn ang="0">
+                  <a:pos x="T6" y="T7"/>
+                </a:cxn>
+                <a:cxn ang="0">
+                  <a:pos x="T8" y="T9"/>
+                </a:cxn>
+                <a:cxn ang="0">
+                  <a:pos x="T10" y="T11"/>
+                </a:cxn>
+                <a:cxn ang="0">
+                  <a:pos x="T12" y="T13"/>
+                </a:cxn>
+              </a:cxnLst>
+              <a:rect l="0" t="0" r="r" b="b"/>
+              <a:pathLst>
+                <a:path w="266" h="468">
+                  <a:moveTo>
+                    <a:pt x="266" y="468"/>
+                  </a:moveTo>
+                  <a:lnTo>
+                    <a:pt x="0" y="310"/>
+                  </a:lnTo>
+                  <a:lnTo>
+                    <a:pt x="0" y="310"/>
+                  </a:lnTo>
+                  <a:lnTo>
+                    <a:pt x="0" y="0"/>
+                  </a:lnTo>
+                  <a:lnTo>
+                    <a:pt x="0" y="0"/>
+                  </a:lnTo>
+                  <a:lnTo>
+                    <a:pt x="266" y="159"/>
+                  </a:lnTo>
+                  <a:lnTo>
+                    <a:pt x="266" y="468"/>
+                  </a:lnTo>
+                  <a:close/>
+                </a:path>
+              </a:pathLst>
+            </a:custGeom>
+            <a:gradFill flip="none" rotWithShape="1">
+              <a:gsLst>
+                <a:gs pos="20000">
+                  <a:schemeClr val="bg2">
+                    <a:lumMod val="90000"/>
+                    <a:lumOff val="10000"/>
+                    <a:alpha val="20000"/>
+                  </a:schemeClr>
+                </a:gs>
+                <a:gs pos="100000">
+                  <a:schemeClr val="accent1">
+                    <a:lumMod val="60000"/>
+                    <a:lumOff val="40000"/>
+                    <a:alpha val="20000"/>
+                  </a:schemeClr>
+                </a:gs>
+              </a:gsLst>
+              <a:lin ang="19800000" scaled="0"/>
+              <a:tileRect/>
+            </a:gradFill>
+            <a:ln>
+              <a:noFill/>
+            </a:ln>
+            <a:effectLst>
+              <a:innerShdw blurRad="254000">
+                <a:schemeClr val="bg2">
+                  <a:lumMod val="90000"/>
+                  <a:lumOff val="10000"/>
+                </a:schemeClr>
+              </a:innerShdw>
+            </a:effectLst>
+          </p:spPr>
+          <p:style>
+            <a:lnRef idx="2">
+              <a:schemeClr val="accent1">
+                <a:shade val="50000"/>
+              </a:schemeClr>
+            </a:lnRef>
+            <a:fillRef idx="1">
+              <a:schemeClr val="accent1"/>
+            </a:fillRef>
+            <a:effectRef idx="0">
+              <a:schemeClr val="accent1"/>
+            </a:effectRef>
+            <a:fontRef idx="minor">
+              <a:schemeClr val="lt1"/>
+            </a:fontRef>
+          </p:style>
+          <p:txBody>
+            <a:bodyPr rot="0" spcFirstLastPara="0" vertOverflow="overflow" horzOverflow="overflow" vert="horz" wrap="square" lIns="91440" tIns="45720" rIns="91440" bIns="45720" numCol="1" spcCol="0" rtlCol="0" fromWordArt="0" anchor="ctr" anchorCtr="0" forceAA="0" compatLnSpc="1">
+              <a:prstTxWarp prst="textNoShape">
+                <a:avLst/>
+              </a:prstTxWarp>
+              <a:noAutofit/>
+            </a:bodyPr>
+            <a:lstStyle/>
+            <a:p>
+              <a:pPr algn="ctr"/>
+              <a:endParaRPr lang="en-US"/>
+            </a:p>
+          </p:txBody>
+        </p:sp>
+        <p:sp>
+          <p:nvSpPr>
+            <p:cNvPr id="37" name="Freeform 8">
+              <a:extLst>
+                <a:ext uri="{FF2B5EF4-FFF2-40B4-BE49-F238E27FC236}">
+                  <a16:creationId xmlns:a16="http://schemas.microsoft.com/office/drawing/2014/main" id="{CB5EB56C-B805-41B2-88BA-B198E68E6927}"/>
+                </a:ext>
+                <a:ext uri="{C183D7F6-B498-43B3-948B-1728B52AA6E4}">
+                  <adec:decorative xmlns:adec="http://schemas.microsoft.com/office/drawing/2017/decorative" val="1"/>
+                </a:ext>
+              </a:extLst>
+            </p:cNvPr>
+            <p:cNvSpPr>
+              <a:spLocks/>
+            </p:cNvSpPr>
+            <p:nvPr>
+              <p:extLst>
+                <p:ext uri="{386F3935-93C4-4BCD-93E2-E3B085C9AB24}">
+                  <p16:designElem xmlns:p16="http://schemas.microsoft.com/office/powerpoint/2015/main" val="1"/>
+                </p:ext>
+              </p:extLst>
+            </p:nvPr>
+          </p:nvSpPr>
+          <p:spPr bwMode="auto">
+            <a:xfrm rot="1800000">
+              <a:off x="5508097" y="1586019"/>
+              <a:ext cx="315144" cy="538275"/>
+            </a:xfrm>
+            <a:custGeom>
+              <a:avLst/>
+              <a:gdLst>
+                <a:gd name="T0" fmla="*/ 274 w 274"/>
+                <a:gd name="T1" fmla="*/ 0 h 468"/>
+                <a:gd name="T2" fmla="*/ 274 w 274"/>
+                <a:gd name="T3" fmla="*/ 310 h 468"/>
+                <a:gd name="T4" fmla="*/ 274 w 274"/>
+                <a:gd name="T5" fmla="*/ 310 h 468"/>
+                <a:gd name="T6" fmla="*/ 0 w 274"/>
+                <a:gd name="T7" fmla="*/ 468 h 468"/>
+                <a:gd name="T8" fmla="*/ 0 w 274"/>
+                <a:gd name="T9" fmla="*/ 159 h 468"/>
+                <a:gd name="T10" fmla="*/ 274 w 274"/>
+                <a:gd name="T11" fmla="*/ 0 h 468"/>
+                <a:gd name="T12" fmla="*/ 274 w 274"/>
+                <a:gd name="T13" fmla="*/ 0 h 468"/>
+              </a:gdLst>
+              <a:ahLst/>
+              <a:cxnLst>
+                <a:cxn ang="0">
+                  <a:pos x="T0" y="T1"/>
+                </a:cxn>
+                <a:cxn ang="0">
+                  <a:pos x="T2" y="T3"/>
+                </a:cxn>
+                <a:cxn ang="0">
+                  <a:pos x="T4" y="T5"/>
+                </a:cxn>
+                <a:cxn ang="0">
+                  <a:pos x="T6" y="T7"/>
+                </a:cxn>
+                <a:cxn ang="0">
+                  <a:pos x="T8" y="T9"/>
+                </a:cxn>
+                <a:cxn ang="0">
+                  <a:pos x="T10" y="T11"/>
+                </a:cxn>
+                <a:cxn ang="0">
+                  <a:pos x="T12" y="T13"/>
+                </a:cxn>
+              </a:cxnLst>
+              <a:rect l="0" t="0" r="r" b="b"/>
+              <a:pathLst>
+                <a:path w="274" h="468">
+                  <a:moveTo>
+                    <a:pt x="274" y="0"/>
+                  </a:moveTo>
+                  <a:lnTo>
+                    <a:pt x="274" y="310"/>
+                  </a:lnTo>
+                  <a:lnTo>
+                    <a:pt x="274" y="310"/>
+                  </a:lnTo>
+                  <a:lnTo>
+                    <a:pt x="0" y="468"/>
+                  </a:lnTo>
+                  <a:lnTo>
+                    <a:pt x="0" y="159"/>
+                  </a:lnTo>
+                  <a:lnTo>
+                    <a:pt x="274" y="0"/>
+                  </a:lnTo>
+                  <a:lnTo>
+                    <a:pt x="274" y="0"/>
+                  </a:lnTo>
+                  <a:close/>
+                </a:path>
+              </a:pathLst>
+            </a:custGeom>
+            <a:gradFill flip="none" rotWithShape="1">
+              <a:gsLst>
+                <a:gs pos="20000">
+                  <a:schemeClr val="bg2">
+                    <a:lumMod val="90000"/>
+                    <a:lumOff val="10000"/>
+                    <a:alpha val="20000"/>
+                  </a:schemeClr>
+                </a:gs>
+                <a:gs pos="100000">
+                  <a:schemeClr val="accent1">
+                    <a:lumMod val="60000"/>
+                    <a:lumOff val="40000"/>
+                    <a:alpha val="20000"/>
+                  </a:schemeClr>
+                </a:gs>
+              </a:gsLst>
+              <a:lin ang="18000000" scaled="0"/>
+              <a:tileRect/>
+            </a:gradFill>
+            <a:ln>
+              <a:noFill/>
+            </a:ln>
+            <a:effectLst>
+              <a:innerShdw blurRad="254000">
+                <a:schemeClr val="accent1">
+                  <a:lumMod val="60000"/>
+                  <a:lumOff val="40000"/>
+                  <a:alpha val="60000"/>
+                </a:schemeClr>
+              </a:innerShdw>
+            </a:effectLst>
+          </p:spPr>
+          <p:style>
+            <a:lnRef idx="2">
+              <a:schemeClr val="accent1">
+                <a:shade val="50000"/>
+              </a:schemeClr>
+            </a:lnRef>
+            <a:fillRef idx="1">
+              <a:schemeClr val="accent1"/>
+            </a:fillRef>
+            <a:effectRef idx="0">
+              <a:schemeClr val="accent1"/>
+            </a:effectRef>
+            <a:fontRef idx="minor">
+              <a:schemeClr val="lt1"/>
+            </a:fontRef>
+          </p:style>
+          <p:txBody>
+            <a:bodyPr rot="0" spcFirstLastPara="0" vertOverflow="overflow" horzOverflow="overflow" vert="horz" wrap="square" lIns="91440" tIns="45720" rIns="91440" bIns="45720" numCol="1" spcCol="0" rtlCol="0" fromWordArt="0" anchor="ctr" anchorCtr="0" forceAA="0" compatLnSpc="1">
+              <a:prstTxWarp prst="textNoShape">
+                <a:avLst/>
+              </a:prstTxWarp>
+              <a:noAutofit/>
+            </a:bodyPr>
+            <a:lstStyle/>
+            <a:p>
+              <a:pPr algn="ctr"/>
+              <a:endParaRPr lang="en-US"/>
+            </a:p>
+          </p:txBody>
+        </p:sp>
+      </p:grpSp>
       <p:sp>
         <p:nvSpPr>
           <p:cNvPr id="20" name="Footer Placeholder 19">
@@ -23636,11 +23414,27 @@
           </a:xfrm>
         </p:spPr>
         <p:txBody>
-          <a:bodyPr/>
+          <a:bodyPr vert="horz" wrap="square" lIns="0" tIns="0" rIns="0" bIns="0" rtlCol="0" anchor="ctr">
+            <a:normAutofit/>
+          </a:bodyPr>
           <a:lstStyle/>
           <a:p>
+            <a:pPr>
+              <a:spcAft>
+                <a:spcPts val="600"/>
+              </a:spcAft>
+            </a:pPr>
             <a:r>
-              <a:rPr lang="en-US"/>
+              <a:rPr lang="en-US" kern="1200">
+                <a:solidFill>
+                  <a:schemeClr val="tx1">
+                    <a:alpha val="80000"/>
+                  </a:schemeClr>
+                </a:solidFill>
+                <a:latin typeface="+mn-lt"/>
+                <a:ea typeface="+mn-ea"/>
+                <a:cs typeface="+mn-cs"/>
+              </a:rPr>
               <a:t>Sample Footer Text</a:t>
             </a:r>
           </a:p>
@@ -23669,18 +23463,96 @@
           </a:xfrm>
         </p:spPr>
         <p:txBody>
+          <a:bodyPr vert="horz" wrap="square" lIns="0" tIns="0" rIns="0" bIns="0" rtlCol="0" anchor="ctr">
+            <a:normAutofit/>
+          </a:bodyPr>
+          <a:lstStyle/>
+          <a:p>
+            <a:pPr>
+              <a:spcAft>
+                <a:spcPts val="600"/>
+              </a:spcAft>
+            </a:pPr>
+            <a:fld id="{DBA1B0FB-D917-4C8C-928F-313BD683BF39}" type="slidenum">
+              <a:rPr lang="en-US" smtClean="0">
+                <a:solidFill>
+                  <a:schemeClr val="tx1">
+                    <a:alpha val="80000"/>
+                  </a:schemeClr>
+                </a:solidFill>
+              </a:rPr>
+              <a:pPr>
+                <a:spcAft>
+                  <a:spcPts val="600"/>
+                </a:spcAft>
+              </a:pPr>
+              <a:t>7</a:t>
+            </a:fld>
+            <a:endParaRPr lang="en-US">
+              <a:solidFill>
+                <a:schemeClr val="tx1">
+                  <a:alpha val="80000"/>
+                </a:schemeClr>
+              </a:solidFill>
+            </a:endParaRPr>
+          </a:p>
+        </p:txBody>
+      </p:sp>
+      <p:sp>
+        <p:nvSpPr>
+          <p:cNvPr id="5" name="Content Placeholder 4">
+            <a:extLst>
+              <a:ext uri="{FF2B5EF4-FFF2-40B4-BE49-F238E27FC236}">
+                <a16:creationId xmlns:a16="http://schemas.microsoft.com/office/drawing/2014/main" id="{45C8FD3C-3E89-2224-4616-67A455350C1E}"/>
+              </a:ext>
+            </a:extLst>
+          </p:cNvPr>
+          <p:cNvSpPr>
+            <a:spLocks noGrp="1"/>
+          </p:cNvSpPr>
+          <p:nvPr>
+            <p:ph sz="quarter" idx="15"/>
+          </p:nvPr>
+        </p:nvSpPr>
+        <p:spPr/>
+        <p:txBody>
           <a:bodyPr/>
           <a:lstStyle/>
           <a:p>
-            <a:fld id="{DBA1B0FB-D917-4C8C-928F-313BD683BF39}" type="slidenum">
-              <a:rPr lang="en-US" smtClean="0"/>
-              <a:pPr/>
-              <a:t>7</a:t>
-            </a:fld>
             <a:endParaRPr lang="en-US"/>
           </a:p>
         </p:txBody>
       </p:sp>
+      <p:pic>
+        <p:nvPicPr>
+          <p:cNvPr id="11" name="Picture 10">
+            <a:extLst>
+              <a:ext uri="{FF2B5EF4-FFF2-40B4-BE49-F238E27FC236}">
+                <a16:creationId xmlns:a16="http://schemas.microsoft.com/office/drawing/2014/main" id="{D5EC9054-E2E6-25B3-DCE8-9C7ECD3FE293}"/>
+              </a:ext>
+            </a:extLst>
+          </p:cNvPr>
+          <p:cNvPicPr>
+            <a:picLocks noChangeAspect="1"/>
+          </p:cNvPicPr>
+          <p:nvPr/>
+        </p:nvPicPr>
+        <p:blipFill>
+          <a:blip r:embed="rId2"/>
+          <a:stretch>
+            <a:fillRect/>
+          </a:stretch>
+        </p:blipFill>
+        <p:spPr>
+          <a:xfrm>
+            <a:off x="409862" y="1731117"/>
+            <a:ext cx="11418249" cy="4892280"/>
+          </a:xfrm>
+          <a:prstGeom prst="rect">
+            <a:avLst/>
+          </a:prstGeom>
+        </p:spPr>
+      </p:pic>
     </p:spTree>
     <p:extLst>
       <p:ext uri="{BB962C8B-B14F-4D97-AF65-F5344CB8AC3E}">
@@ -25247,34 +25119,6 @@
 </file>
 
 <file path=customXml/item1.xml><?xml version="1.0" encoding="utf-8"?>
-<p:properties xmlns:p="http://schemas.microsoft.com/office/2006/metadata/properties" xmlns:xsi="http://www.w3.org/2001/XMLSchema-instance" xmlns:pc="http://schemas.microsoft.com/office/infopath/2007/PartnerControls">
-  <documentManagement>
-    <_ip_UnifiedCompliancePolicyUIAction xmlns="http://schemas.microsoft.com/sharepoint/v3" xsi:nil="true"/>
-    <Image xmlns="71af3243-3dd4-4a8d-8c0d-dd76da1f02a5">
-      <Url xsi:nil="true"/>
-      <Description xsi:nil="true"/>
-    </Image>
-    <Status xmlns="71af3243-3dd4-4a8d-8c0d-dd76da1f02a5">Not started</Status>
-    <_ip_UnifiedCompliancePolicyProperties xmlns="http://schemas.microsoft.com/sharepoint/v3" xsi:nil="true"/>
-    <lcf76f155ced4ddcb4097134ff3c332f xmlns="71af3243-3dd4-4a8d-8c0d-dd76da1f02a5">
-      <Terms xmlns="http://schemas.microsoft.com/office/infopath/2007/PartnerControls"/>
-    </lcf76f155ced4ddcb4097134ff3c332f>
-    <TaxCatchAll xmlns="230e9df3-be65-4c73-a93b-d1236ebd677e"/>
-    <MediaServiceKeyPoints xmlns="71af3243-3dd4-4a8d-8c0d-dd76da1f02a5" xsi:nil="true"/>
-  </documentManagement>
-</p:properties>
-</file>
-
-<file path=customXml/item2.xml><?xml version="1.0" encoding="utf-8"?>
-<?mso-contentType ?>
-<FormTemplates xmlns="http://schemas.microsoft.com/sharepoint/v3/contenttype/forms">
-  <Display>DocumentLibraryForm</Display>
-  <Edit>DocumentLibraryForm</Edit>
-  <New>DocumentLibraryForm</New>
-</FormTemplates>
-</file>
-
-<file path=customXml/item3.xml><?xml version="1.0" encoding="utf-8"?>
 <ct:contentTypeSchema xmlns:ct="http://schemas.microsoft.com/office/2006/metadata/contentType" xmlns:ma="http://schemas.microsoft.com/office/2006/metadata/properties/metaAttributes" ct:_="" ma:_="" ma:contentTypeName="Document" ma:contentTypeID="0x01010079F111ED35F8CC479449609E8A0923A6" ma:contentTypeVersion="18" ma:contentTypeDescription="Create a new document." ma:contentTypeScope="" ma:versionID="22a266b9fa9a230c5a512669d8b298c3">
   <xsd:schema xmlns:xsd="http://www.w3.org/2001/XMLSchema" xmlns:xs="http://www.w3.org/2001/XMLSchema" xmlns:p="http://schemas.microsoft.com/office/2006/metadata/properties" xmlns:ns1="http://schemas.microsoft.com/sharepoint/v3" xmlns:ns2="71af3243-3dd4-4a8d-8c0d-dd76da1f02a5" xmlns:ns3="16c05727-aa75-4e4a-9b5f-8a80a1165891" xmlns:ns4="230e9df3-be65-4c73-a93b-d1236ebd677e" targetNamespace="http://schemas.microsoft.com/office/2006/metadata/properties" ma:root="true" ma:fieldsID="eddc33fff6b14141ee5c74a0d29ea6a1" ns1:_="" ns2:_="" ns3:_="" ns4:_="">
     <xsd:import namespace="http://schemas.microsoft.com/sharepoint/v3"/>
@@ -25550,27 +25394,35 @@
 </ct:contentTypeSchema>
 </file>
 
-<file path=customXml/itemProps1.xml><?xml version="1.0" encoding="utf-8"?>
-<ds:datastoreItem xmlns:ds="http://schemas.openxmlformats.org/officeDocument/2006/customXml" ds:itemID="{50811A92-D464-4AC4-A396-BA73B10CEEAC}">
-  <ds:schemaRefs>
-    <ds:schemaRef ds:uri="http://schemas.microsoft.com/office/2006/metadata/properties"/>
-    <ds:schemaRef ds:uri="http://schemas.microsoft.com/office/infopath/2007/PartnerControls"/>
-    <ds:schemaRef ds:uri="http://schemas.microsoft.com/sharepoint/v3"/>
-    <ds:schemaRef ds:uri="71af3243-3dd4-4a8d-8c0d-dd76da1f02a5"/>
-    <ds:schemaRef ds:uri="230e9df3-be65-4c73-a93b-d1236ebd677e"/>
-  </ds:schemaRefs>
-</ds:datastoreItem>
+<file path=customXml/item2.xml><?xml version="1.0" encoding="utf-8"?>
+<?mso-contentType ?>
+<FormTemplates xmlns="http://schemas.microsoft.com/sharepoint/v3/contenttype/forms">
+  <Display>DocumentLibraryForm</Display>
+  <Edit>DocumentLibraryForm</Edit>
+  <New>DocumentLibraryForm</New>
+</FormTemplates>
 </file>
 
-<file path=customXml/itemProps2.xml><?xml version="1.0" encoding="utf-8"?>
-<ds:datastoreItem xmlns:ds="http://schemas.openxmlformats.org/officeDocument/2006/customXml" ds:itemID="{904751AB-E840-446F-8D49-E697067EC887}">
-  <ds:schemaRefs>
-    <ds:schemaRef ds:uri="http://schemas.microsoft.com/sharepoint/v3/contenttype/forms"/>
-  </ds:schemaRefs>
-</ds:datastoreItem>
+<file path=customXml/item3.xml><?xml version="1.0" encoding="utf-8"?>
+<p:properties xmlns:p="http://schemas.microsoft.com/office/2006/metadata/properties" xmlns:xsi="http://www.w3.org/2001/XMLSchema-instance" xmlns:pc="http://schemas.microsoft.com/office/infopath/2007/PartnerControls">
+  <documentManagement>
+    <_ip_UnifiedCompliancePolicyUIAction xmlns="http://schemas.microsoft.com/sharepoint/v3" xsi:nil="true"/>
+    <Image xmlns="71af3243-3dd4-4a8d-8c0d-dd76da1f02a5">
+      <Url xsi:nil="true"/>
+      <Description xsi:nil="true"/>
+    </Image>
+    <Status xmlns="71af3243-3dd4-4a8d-8c0d-dd76da1f02a5">Not started</Status>
+    <_ip_UnifiedCompliancePolicyProperties xmlns="http://schemas.microsoft.com/sharepoint/v3" xsi:nil="true"/>
+    <lcf76f155ced4ddcb4097134ff3c332f xmlns="71af3243-3dd4-4a8d-8c0d-dd76da1f02a5">
+      <Terms xmlns="http://schemas.microsoft.com/office/infopath/2007/PartnerControls"/>
+    </lcf76f155ced4ddcb4097134ff3c332f>
+    <TaxCatchAll xmlns="230e9df3-be65-4c73-a93b-d1236ebd677e"/>
+    <MediaServiceKeyPoints xmlns="71af3243-3dd4-4a8d-8c0d-dd76da1f02a5" xsi:nil="true"/>
+  </documentManagement>
+</p:properties>
 </file>
 
-<file path=customXml/itemProps3.xml><?xml version="1.0" encoding="utf-8"?>
+<file path=customXml/itemProps1.xml><?xml version="1.0" encoding="utf-8"?>
 <ds:datastoreItem xmlns:ds="http://schemas.openxmlformats.org/officeDocument/2006/customXml" ds:itemID="{DE4876F9-7AE1-498D-B8FE-1E3AD703D2AF}">
   <ds:schemaRefs>
     <ds:schemaRef ds:uri="http://schemas.microsoft.com/office/2006/metadata/contentType"/>
@@ -25591,6 +25443,33 @@
 </ds:datastoreItem>
 </file>
 
+<file path=customXml/itemProps2.xml><?xml version="1.0" encoding="utf-8"?>
+<ds:datastoreItem xmlns:ds="http://schemas.openxmlformats.org/officeDocument/2006/customXml" ds:itemID="{904751AB-E840-446F-8D49-E697067EC887}">
+  <ds:schemaRefs>
+    <ds:schemaRef ds:uri="http://schemas.microsoft.com/sharepoint/v3/contenttype/forms"/>
+  </ds:schemaRefs>
+</ds:datastoreItem>
+</file>
+
+<file path=customXml/itemProps3.xml><?xml version="1.0" encoding="utf-8"?>
+<ds:datastoreItem xmlns:ds="http://schemas.openxmlformats.org/officeDocument/2006/customXml" ds:itemID="{50811A92-D464-4AC4-A396-BA73B10CEEAC}">
+  <ds:schemaRefs>
+    <ds:schemaRef ds:uri="http://schemas.microsoft.com/office/infopath/2007/PartnerControls"/>
+    <ds:schemaRef ds:uri="http://www.w3.org/XML/1998/namespace"/>
+    <ds:schemaRef ds:uri="http://purl.org/dc/dcmitype/"/>
+    <ds:schemaRef ds:uri="71af3243-3dd4-4a8d-8c0d-dd76da1f02a5"/>
+    <ds:schemaRef ds:uri="http://purl.org/dc/elements/1.1/"/>
+    <ds:schemaRef ds:uri="http://schemas.microsoft.com/sharepoint/v3"/>
+    <ds:schemaRef ds:uri="http://schemas.microsoft.com/office/2006/documentManagement/types"/>
+    <ds:schemaRef ds:uri="http://schemas.openxmlformats.org/package/2006/metadata/core-properties"/>
+    <ds:schemaRef ds:uri="230e9df3-be65-4c73-a93b-d1236ebd677e"/>
+    <ds:schemaRef ds:uri="16c05727-aa75-4e4a-9b5f-8a80a1165891"/>
+    <ds:schemaRef ds:uri="http://schemas.microsoft.com/office/2006/metadata/properties"/>
+    <ds:schemaRef ds:uri="http://purl.org/dc/terms/"/>
+  </ds:schemaRefs>
+</ds:datastoreItem>
+</file>
+
 <file path=docMetadata/LabelInfo.xml><?xml version="1.0" encoding="utf-8"?>
 <clbl:labelList xmlns:clbl="http://schemas.microsoft.com/office/2020/mipLabelMetadata">
   <clbl:label id="{f42aa342-8706-4288-bd11-ebb85995028c}" enabled="1" method="Standard" siteId="{72f988bf-86f1-41af-91ab-2d7cd011db47}" contentBits="0" removed="0"/>

--- a/notebook/Tobacco.pptx
+++ b/notebook/Tobacco.pptx
@@ -5,26 +5,21 @@
     <p:sldMasterId id="2147483684" r:id="rId4"/>
   </p:sldMasterIdLst>
   <p:notesMasterIdLst>
-    <p:notesMasterId r:id="rId19"/>
+    <p:notesMasterId r:id="rId14"/>
   </p:notesMasterIdLst>
   <p:handoutMasterIdLst>
-    <p:handoutMasterId r:id="rId20"/>
+    <p:handoutMasterId r:id="rId15"/>
   </p:handoutMasterIdLst>
   <p:sldIdLst>
     <p:sldId id="257" r:id="rId5"/>
-    <p:sldId id="389" r:id="rId6"/>
-    <p:sldId id="384" r:id="rId7"/>
-    <p:sldId id="317" r:id="rId8"/>
+    <p:sldId id="317" r:id="rId6"/>
+    <p:sldId id="395" r:id="rId7"/>
+    <p:sldId id="278" r:id="rId8"/>
     <p:sldId id="277" r:id="rId9"/>
-    <p:sldId id="278" r:id="rId10"/>
-    <p:sldId id="279" r:id="rId11"/>
-    <p:sldId id="268" r:id="rId12"/>
-    <p:sldId id="272" r:id="rId13"/>
-    <p:sldId id="392" r:id="rId14"/>
-    <p:sldId id="270" r:id="rId15"/>
-    <p:sldId id="281" r:id="rId16"/>
-    <p:sldId id="321" r:id="rId17"/>
-    <p:sldId id="391" r:id="rId18"/>
+    <p:sldId id="279" r:id="rId10"/>
+    <p:sldId id="396" r:id="rId11"/>
+    <p:sldId id="270" r:id="rId12"/>
+    <p:sldId id="391" r:id="rId13"/>
   </p:sldIdLst>
   <p:sldSz cx="12192000" cy="6858000"/>
   <p:notesSz cx="6858000" cy="9144000"/>
@@ -145,4380 +140,6 @@
 </p:presentation>
 </file>
 
-<file path=ppt/diagrams/colors1.xml><?xml version="1.0" encoding="utf-8"?>
-<dgm:colorsDef xmlns:dgm="http://schemas.openxmlformats.org/drawingml/2006/diagram" xmlns:a="http://schemas.openxmlformats.org/drawingml/2006/main" uniqueId="urn:microsoft.com/office/officeart/2005/8/colors/colorful5">
-  <dgm:title val=""/>
-  <dgm:desc val=""/>
-  <dgm:catLst>
-    <dgm:cat type="colorful" pri="10500"/>
-  </dgm:catLst>
-  <dgm:styleLbl name="node0">
-    <dgm:fillClrLst meth="repeat">
-      <a:schemeClr val="accent4"/>
-    </dgm:fillClrLst>
-    <dgm:linClrLst meth="repeat">
-      <a:schemeClr val="lt1"/>
-    </dgm:linClrLst>
-    <dgm:effectClrLst/>
-    <dgm:txLinClrLst/>
-    <dgm:txFillClrLst/>
-    <dgm:txEffectClrLst/>
-  </dgm:styleLbl>
-  <dgm:styleLbl name="node1">
-    <dgm:fillClrLst>
-      <a:schemeClr val="accent5"/>
-      <a:schemeClr val="accent6"/>
-    </dgm:fillClrLst>
-    <dgm:linClrLst meth="repeat">
-      <a:schemeClr val="lt1"/>
-    </dgm:linClrLst>
-    <dgm:effectClrLst/>
-    <dgm:txLinClrLst/>
-    <dgm:txFillClrLst/>
-    <dgm:txEffectClrLst/>
-  </dgm:styleLbl>
-  <dgm:styleLbl name="alignNode1">
-    <dgm:fillClrLst>
-      <a:schemeClr val="accent5"/>
-      <a:schemeClr val="accent6"/>
-    </dgm:fillClrLst>
-    <dgm:linClrLst>
-      <a:schemeClr val="accent5"/>
-      <a:schemeClr val="accent6"/>
-    </dgm:linClrLst>
-    <dgm:effectClrLst/>
-    <dgm:txLinClrLst/>
-    <dgm:txFillClrLst/>
-    <dgm:txEffectClrLst/>
-  </dgm:styleLbl>
-  <dgm:styleLbl name="lnNode1">
-    <dgm:fillClrLst>
-      <a:schemeClr val="accent5"/>
-      <a:schemeClr val="accent6"/>
-    </dgm:fillClrLst>
-    <dgm:linClrLst meth="repeat">
-      <a:schemeClr val="lt1"/>
-    </dgm:linClrLst>
-    <dgm:effectClrLst/>
-    <dgm:txLinClrLst/>
-    <dgm:txFillClrLst/>
-    <dgm:txEffectClrLst/>
-  </dgm:styleLbl>
-  <dgm:styleLbl name="vennNode1">
-    <dgm:fillClrLst>
-      <a:schemeClr val="accent5">
-        <a:alpha val="50000"/>
-      </a:schemeClr>
-      <a:schemeClr val="accent6">
-        <a:alpha val="50000"/>
-      </a:schemeClr>
-    </dgm:fillClrLst>
-    <dgm:linClrLst meth="repeat">
-      <a:schemeClr val="lt1"/>
-    </dgm:linClrLst>
-    <dgm:effectClrLst/>
-    <dgm:txLinClrLst/>
-    <dgm:txFillClrLst/>
-    <dgm:txEffectClrLst/>
-  </dgm:styleLbl>
-  <dgm:styleLbl name="node2">
-    <dgm:fillClrLst>
-      <a:schemeClr val="accent6"/>
-    </dgm:fillClrLst>
-    <dgm:linClrLst meth="repeat">
-      <a:schemeClr val="lt1"/>
-    </dgm:linClrLst>
-    <dgm:effectClrLst/>
-    <dgm:txLinClrLst/>
-    <dgm:txFillClrLst/>
-    <dgm:txEffectClrLst/>
-  </dgm:styleLbl>
-  <dgm:styleLbl name="node3">
-    <dgm:fillClrLst>
-      <a:schemeClr val="accent1"/>
-    </dgm:fillClrLst>
-    <dgm:linClrLst meth="repeat">
-      <a:schemeClr val="lt1"/>
-    </dgm:linClrLst>
-    <dgm:effectClrLst/>
-    <dgm:txLinClrLst/>
-    <dgm:txFillClrLst/>
-    <dgm:txEffectClrLst/>
-  </dgm:styleLbl>
-  <dgm:styleLbl name="node4">
-    <dgm:fillClrLst>
-      <a:schemeClr val="accent2"/>
-    </dgm:fillClrLst>
-    <dgm:linClrLst meth="repeat">
-      <a:schemeClr val="lt1"/>
-    </dgm:linClrLst>
-    <dgm:effectClrLst/>
-    <dgm:txLinClrLst/>
-    <dgm:txFillClrLst/>
-    <dgm:txEffectClrLst/>
-  </dgm:styleLbl>
-  <dgm:styleLbl name="fgImgPlace1">
-    <dgm:fillClrLst>
-      <a:schemeClr val="accent5">
-        <a:tint val="50000"/>
-      </a:schemeClr>
-      <a:schemeClr val="accent6">
-        <a:tint val="50000"/>
-      </a:schemeClr>
-    </dgm:fillClrLst>
-    <dgm:linClrLst meth="repeat">
-      <a:schemeClr val="lt1"/>
-    </dgm:linClrLst>
-    <dgm:effectClrLst/>
-    <dgm:txLinClrLst/>
-    <dgm:txFillClrLst meth="repeat">
-      <a:schemeClr val="lt1"/>
-    </dgm:txFillClrLst>
-    <dgm:txEffectClrLst/>
-  </dgm:styleLbl>
-  <dgm:styleLbl name="alignImgPlace1">
-    <dgm:fillClrLst>
-      <a:schemeClr val="accent5">
-        <a:tint val="50000"/>
-      </a:schemeClr>
-      <a:schemeClr val="accent6">
-        <a:tint val="20000"/>
-      </a:schemeClr>
-    </dgm:fillClrLst>
-    <dgm:linClrLst meth="repeat">
-      <a:schemeClr val="lt1"/>
-    </dgm:linClrLst>
-    <dgm:effectClrLst/>
-    <dgm:txLinClrLst/>
-    <dgm:txFillClrLst meth="repeat">
-      <a:schemeClr val="lt1"/>
-    </dgm:txFillClrLst>
-    <dgm:txEffectClrLst/>
-  </dgm:styleLbl>
-  <dgm:styleLbl name="bgImgPlace1">
-    <dgm:fillClrLst>
-      <a:schemeClr val="accent5">
-        <a:tint val="50000"/>
-      </a:schemeClr>
-      <a:schemeClr val="accent6">
-        <a:tint val="20000"/>
-      </a:schemeClr>
-    </dgm:fillClrLst>
-    <dgm:linClrLst meth="repeat">
-      <a:schemeClr val="lt1"/>
-    </dgm:linClrLst>
-    <dgm:effectClrLst/>
-    <dgm:txLinClrLst/>
-    <dgm:txFillClrLst meth="repeat">
-      <a:schemeClr val="lt1"/>
-    </dgm:txFillClrLst>
-    <dgm:txEffectClrLst/>
-  </dgm:styleLbl>
-  <dgm:styleLbl name="sibTrans2D1">
-    <dgm:fillClrLst>
-      <a:schemeClr val="accent5"/>
-      <a:schemeClr val="accent6"/>
-    </dgm:fillClrLst>
-    <dgm:linClrLst meth="repeat">
-      <a:schemeClr val="lt1"/>
-    </dgm:linClrLst>
-    <dgm:effectClrLst/>
-    <dgm:txLinClrLst/>
-    <dgm:txFillClrLst/>
-    <dgm:txEffectClrLst/>
-  </dgm:styleLbl>
-  <dgm:styleLbl name="fgSibTrans2D1">
-    <dgm:fillClrLst>
-      <a:schemeClr val="accent5"/>
-      <a:schemeClr val="accent6"/>
-    </dgm:fillClrLst>
-    <dgm:linClrLst meth="repeat">
-      <a:schemeClr val="lt1"/>
-    </dgm:linClrLst>
-    <dgm:effectClrLst/>
-    <dgm:txLinClrLst/>
-    <dgm:txFillClrLst meth="repeat">
-      <a:schemeClr val="lt1"/>
-    </dgm:txFillClrLst>
-    <dgm:txEffectClrLst/>
-  </dgm:styleLbl>
-  <dgm:styleLbl name="bgSibTrans2D1">
-    <dgm:fillClrLst>
-      <a:schemeClr val="accent5"/>
-      <a:schemeClr val="accent6"/>
-    </dgm:fillClrLst>
-    <dgm:linClrLst meth="repeat">
-      <a:schemeClr val="lt1"/>
-    </dgm:linClrLst>
-    <dgm:effectClrLst/>
-    <dgm:txLinClrLst/>
-    <dgm:txFillClrLst meth="repeat">
-      <a:schemeClr val="lt1"/>
-    </dgm:txFillClrLst>
-    <dgm:txEffectClrLst/>
-  </dgm:styleLbl>
-  <dgm:styleLbl name="sibTrans1D1">
-    <dgm:fillClrLst/>
-    <dgm:linClrLst>
-      <a:schemeClr val="accent5"/>
-      <a:schemeClr val="accent6"/>
-    </dgm:linClrLst>
-    <dgm:effectClrLst/>
-    <dgm:txLinClrLst/>
-    <dgm:txFillClrLst meth="repeat">
-      <a:schemeClr val="tx1"/>
-    </dgm:txFillClrLst>
-    <dgm:txEffectClrLst/>
-  </dgm:styleLbl>
-  <dgm:styleLbl name="callout">
-    <dgm:fillClrLst meth="repeat">
-      <a:schemeClr val="accent5"/>
-    </dgm:fillClrLst>
-    <dgm:linClrLst meth="repeat">
-      <a:schemeClr val="accent5">
-        <a:tint val="50000"/>
-      </a:schemeClr>
-    </dgm:linClrLst>
-    <dgm:effectClrLst/>
-    <dgm:txLinClrLst/>
-    <dgm:txFillClrLst meth="repeat">
-      <a:schemeClr val="tx1"/>
-    </dgm:txFillClrLst>
-    <dgm:txEffectClrLst/>
-  </dgm:styleLbl>
-  <dgm:styleLbl name="asst0">
-    <dgm:fillClrLst meth="repeat">
-      <a:schemeClr val="accent5"/>
-    </dgm:fillClrLst>
-    <dgm:linClrLst meth="repeat">
-      <a:schemeClr val="lt1">
-        <a:shade val="80000"/>
-      </a:schemeClr>
-    </dgm:linClrLst>
-    <dgm:effectClrLst/>
-    <dgm:txLinClrLst/>
-    <dgm:txFillClrLst/>
-    <dgm:txEffectClrLst/>
-  </dgm:styleLbl>
-  <dgm:styleLbl name="asst1">
-    <dgm:fillClrLst meth="repeat">
-      <a:schemeClr val="accent6"/>
-    </dgm:fillClrLst>
-    <dgm:linClrLst meth="repeat">
-      <a:schemeClr val="lt1">
-        <a:shade val="80000"/>
-      </a:schemeClr>
-    </dgm:linClrLst>
-    <dgm:effectClrLst/>
-    <dgm:txLinClrLst/>
-    <dgm:txFillClrLst/>
-    <dgm:txEffectClrLst/>
-  </dgm:styleLbl>
-  <dgm:styleLbl name="asst2">
-    <dgm:fillClrLst>
-      <a:schemeClr val="accent1"/>
-    </dgm:fillClrLst>
-    <dgm:linClrLst meth="repeat">
-      <a:schemeClr val="lt1"/>
-    </dgm:linClrLst>
-    <dgm:effectClrLst/>
-    <dgm:txLinClrLst/>
-    <dgm:txFillClrLst/>
-    <dgm:txEffectClrLst/>
-  </dgm:styleLbl>
-  <dgm:styleLbl name="asst3">
-    <dgm:fillClrLst>
-      <a:schemeClr val="accent2"/>
-    </dgm:fillClrLst>
-    <dgm:linClrLst meth="repeat">
-      <a:schemeClr val="lt1"/>
-    </dgm:linClrLst>
-    <dgm:effectClrLst/>
-    <dgm:txLinClrLst/>
-    <dgm:txFillClrLst/>
-    <dgm:txEffectClrLst/>
-  </dgm:styleLbl>
-  <dgm:styleLbl name="asst4">
-    <dgm:fillClrLst>
-      <a:schemeClr val="accent3"/>
-    </dgm:fillClrLst>
-    <dgm:linClrLst meth="repeat">
-      <a:schemeClr val="lt1"/>
-    </dgm:linClrLst>
-    <dgm:effectClrLst/>
-    <dgm:txLinClrLst/>
-    <dgm:txFillClrLst/>
-    <dgm:txEffectClrLst/>
-  </dgm:styleLbl>
-  <dgm:styleLbl name="parChTrans2D1">
-    <dgm:fillClrLst meth="repeat">
-      <a:schemeClr val="accent5"/>
-    </dgm:fillClrLst>
-    <dgm:linClrLst meth="repeat">
-      <a:schemeClr val="lt1"/>
-    </dgm:linClrLst>
-    <dgm:effectClrLst/>
-    <dgm:txLinClrLst/>
-    <dgm:txFillClrLst meth="repeat">
-      <a:schemeClr val="lt1"/>
-    </dgm:txFillClrLst>
-    <dgm:txEffectClrLst/>
-  </dgm:styleLbl>
-  <dgm:styleLbl name="parChTrans2D2">
-    <dgm:fillClrLst meth="repeat">
-      <a:schemeClr val="accent6"/>
-    </dgm:fillClrLst>
-    <dgm:linClrLst meth="repeat">
-      <a:schemeClr val="lt1"/>
-    </dgm:linClrLst>
-    <dgm:effectClrLst/>
-    <dgm:txLinClrLst/>
-    <dgm:txFillClrLst/>
-    <dgm:txEffectClrLst/>
-  </dgm:styleLbl>
-  <dgm:styleLbl name="parChTrans2D3">
-    <dgm:fillClrLst meth="repeat">
-      <a:schemeClr val="accent6"/>
-    </dgm:fillClrLst>
-    <dgm:linClrLst meth="repeat">
-      <a:schemeClr val="lt1"/>
-    </dgm:linClrLst>
-    <dgm:effectClrLst/>
-    <dgm:txLinClrLst/>
-    <dgm:txFillClrLst/>
-    <dgm:txEffectClrLst/>
-  </dgm:styleLbl>
-  <dgm:styleLbl name="parChTrans2D4">
-    <dgm:fillClrLst meth="repeat">
-      <a:schemeClr val="accent1"/>
-    </dgm:fillClrLst>
-    <dgm:linClrLst meth="repeat">
-      <a:schemeClr val="lt1"/>
-    </dgm:linClrLst>
-    <dgm:effectClrLst/>
-    <dgm:txLinClrLst/>
-    <dgm:txFillClrLst meth="repeat">
-      <a:schemeClr val="lt1"/>
-    </dgm:txFillClrLst>
-    <dgm:txEffectClrLst/>
-  </dgm:styleLbl>
-  <dgm:styleLbl name="parChTrans1D1">
-    <dgm:fillClrLst meth="repeat">
-      <a:schemeClr val="accent5"/>
-    </dgm:fillClrLst>
-    <dgm:linClrLst meth="repeat">
-      <a:schemeClr val="accent5"/>
-    </dgm:linClrLst>
-    <dgm:effectClrLst/>
-    <dgm:txLinClrLst/>
-    <dgm:txFillClrLst meth="repeat">
-      <a:schemeClr val="tx1"/>
-    </dgm:txFillClrLst>
-    <dgm:txEffectClrLst/>
-  </dgm:styleLbl>
-  <dgm:styleLbl name="parChTrans1D2">
-    <dgm:fillClrLst meth="repeat">
-      <a:schemeClr val="accent6">
-        <a:tint val="90000"/>
-      </a:schemeClr>
-    </dgm:fillClrLst>
-    <dgm:linClrLst meth="repeat">
-      <a:schemeClr val="accent6"/>
-    </dgm:linClrLst>
-    <dgm:effectClrLst/>
-    <dgm:txLinClrLst/>
-    <dgm:txFillClrLst meth="repeat">
-      <a:schemeClr val="tx1"/>
-    </dgm:txFillClrLst>
-    <dgm:txEffectClrLst/>
-  </dgm:styleLbl>
-  <dgm:styleLbl name="parChTrans1D3">
-    <dgm:fillClrLst meth="repeat">
-      <a:schemeClr val="accent6">
-        <a:tint val="70000"/>
-      </a:schemeClr>
-    </dgm:fillClrLst>
-    <dgm:linClrLst meth="repeat">
-      <a:schemeClr val="accent1"/>
-    </dgm:linClrLst>
-    <dgm:effectClrLst/>
-    <dgm:txLinClrLst/>
-    <dgm:txFillClrLst meth="repeat">
-      <a:schemeClr val="tx1"/>
-    </dgm:txFillClrLst>
-    <dgm:txEffectClrLst/>
-  </dgm:styleLbl>
-  <dgm:styleLbl name="parChTrans1D4">
-    <dgm:fillClrLst meth="repeat">
-      <a:schemeClr val="accent6">
-        <a:tint val="50000"/>
-      </a:schemeClr>
-    </dgm:fillClrLst>
-    <dgm:linClrLst meth="repeat">
-      <a:schemeClr val="accent2"/>
-    </dgm:linClrLst>
-    <dgm:effectClrLst/>
-    <dgm:txLinClrLst/>
-    <dgm:txFillClrLst meth="repeat">
-      <a:schemeClr val="tx1"/>
-    </dgm:txFillClrLst>
-    <dgm:txEffectClrLst/>
-  </dgm:styleLbl>
-  <dgm:styleLbl name="fgAcc1">
-    <dgm:fillClrLst meth="repeat">
-      <a:schemeClr val="lt1">
-        <a:alpha val="90000"/>
-      </a:schemeClr>
-    </dgm:fillClrLst>
-    <dgm:linClrLst>
-      <a:schemeClr val="accent5"/>
-      <a:schemeClr val="accent6"/>
-    </dgm:linClrLst>
-    <dgm:effectClrLst/>
-    <dgm:txLinClrLst/>
-    <dgm:txFillClrLst meth="repeat">
-      <a:schemeClr val="dk1"/>
-    </dgm:txFillClrLst>
-    <dgm:txEffectClrLst/>
-  </dgm:styleLbl>
-  <dgm:styleLbl name="conFgAcc1">
-    <dgm:fillClrLst meth="repeat">
-      <a:schemeClr val="lt1">
-        <a:alpha val="90000"/>
-      </a:schemeClr>
-    </dgm:fillClrLst>
-    <dgm:linClrLst>
-      <a:schemeClr val="accent5"/>
-      <a:schemeClr val="accent6"/>
-    </dgm:linClrLst>
-    <dgm:effectClrLst/>
-    <dgm:txLinClrLst/>
-    <dgm:txFillClrLst meth="repeat">
-      <a:schemeClr val="dk1"/>
-    </dgm:txFillClrLst>
-    <dgm:txEffectClrLst/>
-  </dgm:styleLbl>
-  <dgm:styleLbl name="alignAcc1">
-    <dgm:fillClrLst meth="repeat">
-      <a:schemeClr val="lt1">
-        <a:alpha val="90000"/>
-      </a:schemeClr>
-    </dgm:fillClrLst>
-    <dgm:linClrLst>
-      <a:schemeClr val="accent5"/>
-      <a:schemeClr val="accent6"/>
-    </dgm:linClrLst>
-    <dgm:effectClrLst/>
-    <dgm:txLinClrLst/>
-    <dgm:txFillClrLst meth="repeat">
-      <a:schemeClr val="dk1"/>
-    </dgm:txFillClrLst>
-    <dgm:txEffectClrLst/>
-  </dgm:styleLbl>
-  <dgm:styleLbl name="trAlignAcc1">
-    <dgm:fillClrLst meth="repeat">
-      <a:schemeClr val="lt1">
-        <a:alpha val="40000"/>
-      </a:schemeClr>
-    </dgm:fillClrLst>
-    <dgm:linClrLst meth="repeat">
-      <a:schemeClr val="accent5"/>
-    </dgm:linClrLst>
-    <dgm:effectClrLst/>
-    <dgm:txLinClrLst/>
-    <dgm:txFillClrLst meth="repeat">
-      <a:schemeClr val="dk1"/>
-    </dgm:txFillClrLst>
-    <dgm:txEffectClrLst/>
-  </dgm:styleLbl>
-  <dgm:styleLbl name="bgAcc1">
-    <dgm:fillClrLst meth="repeat">
-      <a:schemeClr val="lt1">
-        <a:alpha val="90000"/>
-      </a:schemeClr>
-    </dgm:fillClrLst>
-    <dgm:linClrLst>
-      <a:schemeClr val="accent5"/>
-      <a:schemeClr val="accent6"/>
-    </dgm:linClrLst>
-    <dgm:effectClrLst/>
-    <dgm:txLinClrLst/>
-    <dgm:txFillClrLst meth="repeat">
-      <a:schemeClr val="dk1"/>
-    </dgm:txFillClrLst>
-    <dgm:txEffectClrLst/>
-  </dgm:styleLbl>
-  <dgm:styleLbl name="solidFgAcc1">
-    <dgm:fillClrLst meth="repeat">
-      <a:schemeClr val="lt1"/>
-    </dgm:fillClrLst>
-    <dgm:linClrLst>
-      <a:schemeClr val="accent5"/>
-      <a:schemeClr val="accent6"/>
-    </dgm:linClrLst>
-    <dgm:effectClrLst/>
-    <dgm:txLinClrLst/>
-    <dgm:txFillClrLst meth="repeat">
-      <a:schemeClr val="dk1"/>
-    </dgm:txFillClrLst>
-    <dgm:txEffectClrLst/>
-  </dgm:styleLbl>
-  <dgm:styleLbl name="solidAlignAcc1">
-    <dgm:fillClrLst meth="repeat">
-      <a:schemeClr val="lt1"/>
-    </dgm:fillClrLst>
-    <dgm:linClrLst>
-      <a:schemeClr val="accent5"/>
-      <a:schemeClr val="accent6"/>
-    </dgm:linClrLst>
-    <dgm:effectClrLst/>
-    <dgm:txLinClrLst/>
-    <dgm:txFillClrLst meth="repeat">
-      <a:schemeClr val="dk1"/>
-    </dgm:txFillClrLst>
-    <dgm:txEffectClrLst/>
-  </dgm:styleLbl>
-  <dgm:styleLbl name="solidBgAcc1">
-    <dgm:fillClrLst meth="repeat">
-      <a:schemeClr val="lt1"/>
-    </dgm:fillClrLst>
-    <dgm:linClrLst>
-      <a:schemeClr val="accent5"/>
-      <a:schemeClr val="accent6"/>
-    </dgm:linClrLst>
-    <dgm:effectClrLst/>
-    <dgm:txLinClrLst/>
-    <dgm:txFillClrLst meth="repeat">
-      <a:schemeClr val="dk1"/>
-    </dgm:txFillClrLst>
-    <dgm:txEffectClrLst/>
-  </dgm:styleLbl>
-  <dgm:styleLbl name="fgAccFollowNode1">
-    <dgm:fillClrLst>
-      <a:schemeClr val="accent5">
-        <a:tint val="40000"/>
-        <a:alpha val="90000"/>
-      </a:schemeClr>
-      <a:schemeClr val="accent6">
-        <a:tint val="40000"/>
-        <a:alpha val="90000"/>
-      </a:schemeClr>
-    </dgm:fillClrLst>
-    <dgm:linClrLst>
-      <a:schemeClr val="accent5">
-        <a:tint val="40000"/>
-        <a:alpha val="90000"/>
-      </a:schemeClr>
-      <a:schemeClr val="accent5">
-        <a:tint val="40000"/>
-        <a:alpha val="90000"/>
-      </a:schemeClr>
-    </dgm:linClrLst>
-    <dgm:effectClrLst/>
-    <dgm:txLinClrLst/>
-    <dgm:txFillClrLst meth="repeat">
-      <a:schemeClr val="dk1"/>
-    </dgm:txFillClrLst>
-    <dgm:txEffectClrLst/>
-  </dgm:styleLbl>
-  <dgm:styleLbl name="alignAccFollowNode1">
-    <dgm:fillClrLst>
-      <a:schemeClr val="accent5">
-        <a:tint val="40000"/>
-        <a:alpha val="90000"/>
-      </a:schemeClr>
-      <a:schemeClr val="accent6">
-        <a:tint val="40000"/>
-        <a:alpha val="90000"/>
-      </a:schemeClr>
-    </dgm:fillClrLst>
-    <dgm:linClrLst>
-      <a:schemeClr val="accent5">
-        <a:tint val="40000"/>
-        <a:alpha val="90000"/>
-      </a:schemeClr>
-      <a:schemeClr val="accent6">
-        <a:tint val="40000"/>
-        <a:alpha val="90000"/>
-      </a:schemeClr>
-    </dgm:linClrLst>
-    <dgm:effectClrLst/>
-    <dgm:txLinClrLst/>
-    <dgm:txFillClrLst meth="repeat">
-      <a:schemeClr val="dk1"/>
-    </dgm:txFillClrLst>
-    <dgm:txEffectClrLst/>
-  </dgm:styleLbl>
-  <dgm:styleLbl name="bgAccFollowNode1">
-    <dgm:fillClrLst>
-      <a:schemeClr val="accent5">
-        <a:tint val="40000"/>
-        <a:alpha val="90000"/>
-      </a:schemeClr>
-      <a:schemeClr val="accent6">
-        <a:tint val="40000"/>
-        <a:alpha val="90000"/>
-      </a:schemeClr>
-    </dgm:fillClrLst>
-    <dgm:linClrLst>
-      <a:schemeClr val="accent5">
-        <a:tint val="40000"/>
-        <a:alpha val="90000"/>
-      </a:schemeClr>
-      <a:schemeClr val="accent6">
-        <a:tint val="40000"/>
-        <a:alpha val="90000"/>
-      </a:schemeClr>
-    </dgm:linClrLst>
-    <dgm:effectClrLst/>
-    <dgm:txLinClrLst/>
-    <dgm:txFillClrLst meth="repeat">
-      <a:schemeClr val="dk1"/>
-    </dgm:txFillClrLst>
-    <dgm:txEffectClrLst/>
-  </dgm:styleLbl>
-  <dgm:styleLbl name="fgAcc0">
-    <dgm:fillClrLst meth="repeat">
-      <a:schemeClr val="lt1">
-        <a:alpha val="90000"/>
-      </a:schemeClr>
-    </dgm:fillClrLst>
-    <dgm:linClrLst>
-      <a:schemeClr val="accent4"/>
-    </dgm:linClrLst>
-    <dgm:effectClrLst/>
-    <dgm:txLinClrLst/>
-    <dgm:txFillClrLst meth="repeat">
-      <a:schemeClr val="dk1"/>
-    </dgm:txFillClrLst>
-    <dgm:txEffectClrLst/>
-  </dgm:styleLbl>
-  <dgm:styleLbl name="fgAcc2">
-    <dgm:fillClrLst meth="repeat">
-      <a:schemeClr val="lt1">
-        <a:alpha val="90000"/>
-      </a:schemeClr>
-    </dgm:fillClrLst>
-    <dgm:linClrLst>
-      <a:schemeClr val="accent6"/>
-    </dgm:linClrLst>
-    <dgm:effectClrLst/>
-    <dgm:txLinClrLst/>
-    <dgm:txFillClrLst meth="repeat">
-      <a:schemeClr val="dk1"/>
-    </dgm:txFillClrLst>
-    <dgm:txEffectClrLst/>
-  </dgm:styleLbl>
-  <dgm:styleLbl name="fgAcc3">
-    <dgm:fillClrLst meth="repeat">
-      <a:schemeClr val="lt1">
-        <a:alpha val="90000"/>
-      </a:schemeClr>
-    </dgm:fillClrLst>
-    <dgm:linClrLst>
-      <a:schemeClr val="accent1"/>
-    </dgm:linClrLst>
-    <dgm:effectClrLst/>
-    <dgm:txLinClrLst/>
-    <dgm:txFillClrLst meth="repeat">
-      <a:schemeClr val="dk1"/>
-    </dgm:txFillClrLst>
-    <dgm:txEffectClrLst/>
-  </dgm:styleLbl>
-  <dgm:styleLbl name="fgAcc4">
-    <dgm:fillClrLst meth="repeat">
-      <a:schemeClr val="lt1">
-        <a:alpha val="90000"/>
-      </a:schemeClr>
-    </dgm:fillClrLst>
-    <dgm:linClrLst>
-      <a:schemeClr val="accent2"/>
-    </dgm:linClrLst>
-    <dgm:effectClrLst/>
-    <dgm:txLinClrLst/>
-    <dgm:txFillClrLst meth="repeat">
-      <a:schemeClr val="dk1"/>
-    </dgm:txFillClrLst>
-    <dgm:txEffectClrLst/>
-  </dgm:styleLbl>
-  <dgm:styleLbl name="bgShp">
-    <dgm:fillClrLst meth="repeat">
-      <a:schemeClr val="accent5">
-        <a:tint val="40000"/>
-      </a:schemeClr>
-    </dgm:fillClrLst>
-    <dgm:linClrLst meth="repeat">
-      <a:schemeClr val="dk1"/>
-    </dgm:linClrLst>
-    <dgm:effectClrLst/>
-    <dgm:txLinClrLst/>
-    <dgm:txFillClrLst meth="repeat">
-      <a:schemeClr val="dk1"/>
-    </dgm:txFillClrLst>
-    <dgm:txEffectClrLst/>
-  </dgm:styleLbl>
-  <dgm:styleLbl name="dkBgShp">
-    <dgm:fillClrLst meth="repeat">
-      <a:schemeClr val="accent5">
-        <a:shade val="90000"/>
-      </a:schemeClr>
-    </dgm:fillClrLst>
-    <dgm:linClrLst meth="repeat">
-      <a:schemeClr val="dk1"/>
-    </dgm:linClrLst>
-    <dgm:effectClrLst/>
-    <dgm:txLinClrLst/>
-    <dgm:txFillClrLst meth="repeat">
-      <a:schemeClr val="lt1"/>
-    </dgm:txFillClrLst>
-    <dgm:txEffectClrLst/>
-  </dgm:styleLbl>
-  <dgm:styleLbl name="trBgShp">
-    <dgm:fillClrLst meth="repeat">
-      <a:schemeClr val="accent5">
-        <a:tint val="50000"/>
-        <a:alpha val="40000"/>
-      </a:schemeClr>
-    </dgm:fillClrLst>
-    <dgm:linClrLst meth="repeat">
-      <a:schemeClr val="accent5"/>
-    </dgm:linClrLst>
-    <dgm:effectClrLst/>
-    <dgm:txLinClrLst/>
-    <dgm:txFillClrLst meth="repeat">
-      <a:schemeClr val="lt1"/>
-    </dgm:txFillClrLst>
-    <dgm:txEffectClrLst/>
-  </dgm:styleLbl>
-  <dgm:styleLbl name="fgShp">
-    <dgm:fillClrLst meth="repeat">
-      <a:schemeClr val="accent5">
-        <a:tint val="40000"/>
-      </a:schemeClr>
-    </dgm:fillClrLst>
-    <dgm:linClrLst meth="repeat">
-      <a:schemeClr val="lt1"/>
-    </dgm:linClrLst>
-    <dgm:effectClrLst/>
-    <dgm:txLinClrLst/>
-    <dgm:txFillClrLst meth="repeat">
-      <a:schemeClr val="dk1"/>
-    </dgm:txFillClrLst>
-    <dgm:txEffectClrLst/>
-  </dgm:styleLbl>
-  <dgm:styleLbl name="revTx">
-    <dgm:fillClrLst meth="repeat">
-      <a:schemeClr val="lt1">
-        <a:alpha val="0"/>
-      </a:schemeClr>
-    </dgm:fillClrLst>
-    <dgm:linClrLst meth="repeat">
-      <a:schemeClr val="dk1">
-        <a:alpha val="0"/>
-      </a:schemeClr>
-    </dgm:linClrLst>
-    <dgm:effectClrLst/>
-    <dgm:txLinClrLst/>
-    <dgm:txFillClrLst meth="repeat">
-      <a:schemeClr val="tx1"/>
-    </dgm:txFillClrLst>
-    <dgm:txEffectClrLst/>
-  </dgm:styleLbl>
-</dgm:colorsDef>
-</file>
-
-<file path=ppt/diagrams/data1.xml><?xml version="1.0" encoding="utf-8"?>
-<dgm:dataModel xmlns:dgm="http://schemas.openxmlformats.org/drawingml/2006/diagram" xmlns:a="http://schemas.openxmlformats.org/drawingml/2006/main">
-  <dgm:ptLst>
-    <dgm:pt modelId="{E5B2E815-0D19-41DC-B01B-4D608769620A}" type="doc">
-      <dgm:prSet loTypeId="urn:microsoft.com/office/officeart/2016/7/layout/RoundedRectangleTimeline" loCatId="other" qsTypeId="urn:microsoft.com/office/officeart/2005/8/quickstyle/simple1" qsCatId="simple" csTypeId="urn:microsoft.com/office/officeart/2005/8/colors/colorful5" csCatId="colorful" phldr="1"/>
-      <dgm:spPr/>
-      <dgm:t>
-        <a:bodyPr/>
-        <a:lstStyle/>
-        <a:p>
-          <a:endParaRPr lang="en-US"/>
-        </a:p>
-      </dgm:t>
-    </dgm:pt>
-    <dgm:pt modelId="{4259F840-24E7-476F-9F30-482E46395856}">
-      <dgm:prSet phldrT="[Text]" custT="1"/>
-      <dgm:spPr/>
-      <dgm:t>
-        <a:bodyPr/>
-        <a:lstStyle/>
-        <a:p>
-          <a:r>
-            <a:rPr lang="en-US" sz="1800" dirty="0">
-              <a:latin typeface="+mn-lt"/>
-            </a:rPr>
-            <a:t>Title</a:t>
-          </a:r>
-        </a:p>
-      </dgm:t>
-    </dgm:pt>
-    <dgm:pt modelId="{FCE8068D-7E50-4749-A8D0-ADEDAC5637B3}" type="parTrans" cxnId="{42EE41D1-3C16-4937-BB38-B076896C09A0}">
-      <dgm:prSet/>
-      <dgm:spPr/>
-      <dgm:t>
-        <a:bodyPr/>
-        <a:lstStyle/>
-        <a:p>
-          <a:endParaRPr lang="en-US" sz="1800">
-            <a:latin typeface="+mn-lt"/>
-          </a:endParaRPr>
-        </a:p>
-      </dgm:t>
-    </dgm:pt>
-    <dgm:pt modelId="{DCC444A4-F20A-48F5-A61E-47BFFF185A57}" type="sibTrans" cxnId="{42EE41D1-3C16-4937-BB38-B076896C09A0}">
-      <dgm:prSet/>
-      <dgm:spPr/>
-      <dgm:t>
-        <a:bodyPr/>
-        <a:lstStyle/>
-        <a:p>
-          <a:endParaRPr lang="en-US" sz="1800">
-            <a:latin typeface="+mn-lt"/>
-          </a:endParaRPr>
-        </a:p>
-      </dgm:t>
-    </dgm:pt>
-    <dgm:pt modelId="{B54C8F6C-BE1E-4EAB-B7A0-48DE01FFAA36}">
-      <dgm:prSet phldrT="[Text]" custT="1"/>
-      <dgm:spPr/>
-      <dgm:t>
-        <a:bodyPr/>
-        <a:lstStyle/>
-        <a:p>
-          <a:pPr>
-            <a:buFont typeface="Symbol" panose="05050102010706020507" pitchFamily="18" charset="2"/>
-            <a:buChar char=""/>
-          </a:pPr>
-          <a:r>
-            <a:rPr lang="en-US" sz="1800" dirty="0">
-              <a:latin typeface="+mn-lt"/>
-            </a:rPr>
-            <a:t>To start a presentation, go to the Slide Show tab, and select          From Beginning.</a:t>
-          </a:r>
-        </a:p>
-      </dgm:t>
-    </dgm:pt>
-    <dgm:pt modelId="{8DE7CD45-B7C0-432E-B819-6A7D97E31315}" type="parTrans" cxnId="{770CA1CC-3DDD-451E-AE83-A71CA570260C}">
-      <dgm:prSet/>
-      <dgm:spPr/>
-      <dgm:t>
-        <a:bodyPr/>
-        <a:lstStyle/>
-        <a:p>
-          <a:endParaRPr lang="en-US" sz="1800">
-            <a:latin typeface="+mn-lt"/>
-          </a:endParaRPr>
-        </a:p>
-      </dgm:t>
-    </dgm:pt>
-    <dgm:pt modelId="{C33B8BEF-A818-4A2F-A99A-E2B29895E184}" type="sibTrans" cxnId="{770CA1CC-3DDD-451E-AE83-A71CA570260C}">
-      <dgm:prSet/>
-      <dgm:spPr/>
-      <dgm:t>
-        <a:bodyPr/>
-        <a:lstStyle/>
-        <a:p>
-          <a:endParaRPr lang="en-US" sz="1800">
-            <a:latin typeface="+mn-lt"/>
-          </a:endParaRPr>
-        </a:p>
-      </dgm:t>
-    </dgm:pt>
-    <dgm:pt modelId="{E4033A39-DCC4-4038-9562-AEDDBBB37A99}">
-      <dgm:prSet phldrT="[Text]" custT="1"/>
-      <dgm:spPr/>
-      <dgm:t>
-        <a:bodyPr/>
-        <a:lstStyle/>
-        <a:p>
-          <a:r>
-            <a:rPr lang="en-US" sz="1800" dirty="0">
-              <a:latin typeface="+mn-lt"/>
-            </a:rPr>
-            <a:t>Title</a:t>
-          </a:r>
-        </a:p>
-      </dgm:t>
-    </dgm:pt>
-    <dgm:pt modelId="{048EEAE6-78BA-4B00-B7BB-9C22DBB1E8F4}" type="parTrans" cxnId="{32EF2862-2950-4DF8-BEA8-CD19460CCA31}">
-      <dgm:prSet/>
-      <dgm:spPr/>
-      <dgm:t>
-        <a:bodyPr/>
-        <a:lstStyle/>
-        <a:p>
-          <a:endParaRPr lang="en-US" sz="1800">
-            <a:latin typeface="+mn-lt"/>
-          </a:endParaRPr>
-        </a:p>
-      </dgm:t>
-    </dgm:pt>
-    <dgm:pt modelId="{80AB0E5B-0C58-465D-A545-5B21133D2849}" type="sibTrans" cxnId="{32EF2862-2950-4DF8-BEA8-CD19460CCA31}">
-      <dgm:prSet/>
-      <dgm:spPr/>
-      <dgm:t>
-        <a:bodyPr/>
-        <a:lstStyle/>
-        <a:p>
-          <a:endParaRPr lang="en-US" sz="1800">
-            <a:latin typeface="+mn-lt"/>
-          </a:endParaRPr>
-        </a:p>
-      </dgm:t>
-    </dgm:pt>
-    <dgm:pt modelId="{A4C0B4E4-70AD-4901-9E3F-7EA25DD6DAA1}">
-      <dgm:prSet phldrT="[Text]" custT="1"/>
-      <dgm:spPr/>
-      <dgm:t>
-        <a:bodyPr/>
-        <a:lstStyle/>
-        <a:p>
-          <a:pPr>
-            <a:buFont typeface="Symbol" panose="05050102010706020507" pitchFamily="18" charset="2"/>
-            <a:buChar char=""/>
-          </a:pPr>
-          <a:r>
-            <a:rPr lang="en-US" sz="1800" dirty="0">
-              <a:latin typeface="+mn-lt"/>
-            </a:rPr>
-            <a:t>To display Presenter view, in Slide Show view, on the control bar at the bottom left select the three dots, and then Show                 Presenter View.</a:t>
-          </a:r>
-        </a:p>
-      </dgm:t>
-    </dgm:pt>
-    <dgm:pt modelId="{701D9033-BAD3-4299-933F-A47AFDC2ECD0}" type="parTrans" cxnId="{5E74CB62-E52E-4CEE-8AA1-9812BFC0D67E}">
-      <dgm:prSet/>
-      <dgm:spPr/>
-      <dgm:t>
-        <a:bodyPr/>
-        <a:lstStyle/>
-        <a:p>
-          <a:endParaRPr lang="en-US" sz="1800">
-            <a:latin typeface="+mn-lt"/>
-          </a:endParaRPr>
-        </a:p>
-      </dgm:t>
-    </dgm:pt>
-    <dgm:pt modelId="{657DB10D-2517-48AA-B970-6D815DBD4123}" type="sibTrans" cxnId="{5E74CB62-E52E-4CEE-8AA1-9812BFC0D67E}">
-      <dgm:prSet/>
-      <dgm:spPr/>
-      <dgm:t>
-        <a:bodyPr/>
-        <a:lstStyle/>
-        <a:p>
-          <a:endParaRPr lang="en-US" sz="1800">
-            <a:latin typeface="+mn-lt"/>
-          </a:endParaRPr>
-        </a:p>
-      </dgm:t>
-    </dgm:pt>
-    <dgm:pt modelId="{87BF7896-20EA-4E8F-B6F4-A34EC5C9CB50}">
-      <dgm:prSet phldrT="[Text]" custT="1"/>
-      <dgm:spPr/>
-      <dgm:t>
-        <a:bodyPr/>
-        <a:lstStyle/>
-        <a:p>
-          <a:r>
-            <a:rPr lang="en-US" sz="1800" dirty="0">
-              <a:latin typeface="+mn-lt"/>
-            </a:rPr>
-            <a:t>Title</a:t>
-          </a:r>
-        </a:p>
-      </dgm:t>
-    </dgm:pt>
-    <dgm:pt modelId="{05E47BA5-F724-4AEE-9B5B-401F18E028E6}" type="parTrans" cxnId="{92330C11-C197-4512-BDA4-8D8A69AF7D1C}">
-      <dgm:prSet/>
-      <dgm:spPr/>
-      <dgm:t>
-        <a:bodyPr/>
-        <a:lstStyle/>
-        <a:p>
-          <a:endParaRPr lang="en-US" sz="1800">
-            <a:latin typeface="+mn-lt"/>
-          </a:endParaRPr>
-        </a:p>
-      </dgm:t>
-    </dgm:pt>
-    <dgm:pt modelId="{D63CE73E-35DE-48C3-8753-7648BC953C0D}" type="sibTrans" cxnId="{92330C11-C197-4512-BDA4-8D8A69AF7D1C}">
-      <dgm:prSet/>
-      <dgm:spPr/>
-      <dgm:t>
-        <a:bodyPr/>
-        <a:lstStyle/>
-        <a:p>
-          <a:endParaRPr lang="en-US" sz="1800">
-            <a:latin typeface="+mn-lt"/>
-          </a:endParaRPr>
-        </a:p>
-      </dgm:t>
-    </dgm:pt>
-    <dgm:pt modelId="{43CBB0A2-9D75-4264-8A30-3E8974B40658}">
-      <dgm:prSet phldrT="[Text]" custT="1"/>
-      <dgm:spPr/>
-      <dgm:t>
-        <a:bodyPr/>
-        <a:lstStyle/>
-        <a:p>
-          <a:pPr>
-            <a:buFont typeface="Symbol" panose="05050102010706020507" pitchFamily="18" charset="2"/>
-            <a:buChar char=""/>
-          </a:pPr>
-          <a:r>
-            <a:rPr lang="en-US" sz="1800" dirty="0"/>
-            <a:t>During your presentation, the speaker notes are visible on your monitor, but aren't visible to      the audience.</a:t>
-          </a:r>
-          <a:endParaRPr lang="en-US" sz="1800" dirty="0">
-            <a:latin typeface="+mn-lt"/>
-          </a:endParaRPr>
-        </a:p>
-      </dgm:t>
-    </dgm:pt>
-    <dgm:pt modelId="{F806E590-5F8E-48A1-96AC-9E738290D2ED}" type="parTrans" cxnId="{4D2DF581-8128-4440-9E51-29109DC6ED52}">
-      <dgm:prSet/>
-      <dgm:spPr/>
-      <dgm:t>
-        <a:bodyPr/>
-        <a:lstStyle/>
-        <a:p>
-          <a:endParaRPr lang="en-US" sz="1800">
-            <a:latin typeface="+mn-lt"/>
-          </a:endParaRPr>
-        </a:p>
-      </dgm:t>
-    </dgm:pt>
-    <dgm:pt modelId="{20F77EFB-335C-4BC3-AD95-8421EDF343E6}" type="sibTrans" cxnId="{4D2DF581-8128-4440-9E51-29109DC6ED52}">
-      <dgm:prSet/>
-      <dgm:spPr/>
-      <dgm:t>
-        <a:bodyPr/>
-        <a:lstStyle/>
-        <a:p>
-          <a:endParaRPr lang="en-US" sz="1800">
-            <a:latin typeface="+mn-lt"/>
-          </a:endParaRPr>
-        </a:p>
-      </dgm:t>
-    </dgm:pt>
-    <dgm:pt modelId="{3DE6FF16-CA4D-4D34-ABEB-8BE6A40B5E52}">
-      <dgm:prSet phldrT="[Text]" custT="1"/>
-      <dgm:spPr/>
-      <dgm:t>
-        <a:bodyPr/>
-        <a:lstStyle/>
-        <a:p>
-          <a:pPr>
-            <a:buFont typeface="Symbol" panose="05050102010706020507" pitchFamily="18" charset="2"/>
-            <a:buChar char=""/>
-          </a:pPr>
-          <a:r>
-            <a:rPr lang="en-US" sz="1800" dirty="0">
-              <a:latin typeface="+mn-lt"/>
-            </a:rPr>
-            <a:t>Title</a:t>
-          </a:r>
-        </a:p>
-      </dgm:t>
-    </dgm:pt>
-    <dgm:pt modelId="{DA9CCCCB-8206-4757-82C8-F885E9D238B5}" type="parTrans" cxnId="{636DE8C5-F706-4BA5-855F-85FD2239E2BE}">
-      <dgm:prSet/>
-      <dgm:spPr/>
-      <dgm:t>
-        <a:bodyPr/>
-        <a:lstStyle/>
-        <a:p>
-          <a:endParaRPr lang="en-US" sz="1800"/>
-        </a:p>
-      </dgm:t>
-    </dgm:pt>
-    <dgm:pt modelId="{986162A7-6F89-4679-B40E-33A17DA21B73}" type="sibTrans" cxnId="{636DE8C5-F706-4BA5-855F-85FD2239E2BE}">
-      <dgm:prSet/>
-      <dgm:spPr/>
-      <dgm:t>
-        <a:bodyPr/>
-        <a:lstStyle/>
-        <a:p>
-          <a:endParaRPr lang="en-US" sz="1800"/>
-        </a:p>
-      </dgm:t>
-    </dgm:pt>
-    <dgm:pt modelId="{AC76BE15-3E8A-498B-91BD-CF772C26B6F1}">
-      <dgm:prSet phldrT="[Text]" custT="1"/>
-      <dgm:spPr/>
-      <dgm:t>
-        <a:bodyPr/>
-        <a:lstStyle/>
-        <a:p>
-          <a:pPr>
-            <a:buFont typeface="Symbol" panose="05050102010706020507" pitchFamily="18" charset="2"/>
-            <a:buChar char=""/>
-          </a:pPr>
-          <a:r>
-            <a:rPr lang="en-US" sz="1800" dirty="0">
-              <a:latin typeface="+mn-lt"/>
-            </a:rPr>
-            <a:t>Title</a:t>
-          </a:r>
-        </a:p>
-      </dgm:t>
-    </dgm:pt>
-    <dgm:pt modelId="{00CCB400-064A-4EF5-9806-9534D9AC69AD}" type="parTrans" cxnId="{140A4778-8248-44DE-B78A-23C578A77D7E}">
-      <dgm:prSet/>
-      <dgm:spPr/>
-      <dgm:t>
-        <a:bodyPr/>
-        <a:lstStyle/>
-        <a:p>
-          <a:endParaRPr lang="en-US" sz="1800"/>
-        </a:p>
-      </dgm:t>
-    </dgm:pt>
-    <dgm:pt modelId="{662A3D6E-7238-444F-BC0B-C7A4321261DB}" type="sibTrans" cxnId="{140A4778-8248-44DE-B78A-23C578A77D7E}">
-      <dgm:prSet/>
-      <dgm:spPr/>
-      <dgm:t>
-        <a:bodyPr/>
-        <a:lstStyle/>
-        <a:p>
-          <a:endParaRPr lang="en-US" sz="1800"/>
-        </a:p>
-      </dgm:t>
-    </dgm:pt>
-    <dgm:pt modelId="{73820394-2159-4075-9E6F-217263B07F8B}">
-      <dgm:prSet phldrT="[Text]" custT="1"/>
-      <dgm:spPr/>
-      <dgm:t>
-        <a:bodyPr/>
-        <a:lstStyle/>
-        <a:p>
-          <a:pPr>
-            <a:buFont typeface="Symbol" panose="05050102010706020507" pitchFamily="18" charset="2"/>
-            <a:buChar char=""/>
-          </a:pPr>
-          <a:r>
-            <a:rPr lang="en-US" sz="1800" dirty="0"/>
-            <a:t>If you don’t see the Notes pane or it is completely minimized, click Notes on the task bar across the bottom of the PowerPoint window.</a:t>
-          </a:r>
-          <a:endParaRPr lang="en-US" sz="1800" dirty="0">
-            <a:latin typeface="+mn-lt"/>
-          </a:endParaRPr>
-        </a:p>
-      </dgm:t>
-    </dgm:pt>
-    <dgm:pt modelId="{A861A835-3A0D-4B09-8870-87D7FDC7B27F}" type="parTrans" cxnId="{19CF03A0-47BE-4ABD-A62C-A27E16D6C5A3}">
-      <dgm:prSet/>
-      <dgm:spPr/>
-      <dgm:t>
-        <a:bodyPr/>
-        <a:lstStyle/>
-        <a:p>
-          <a:endParaRPr lang="en-US" sz="1800"/>
-        </a:p>
-      </dgm:t>
-    </dgm:pt>
-    <dgm:pt modelId="{D383A36B-470D-499F-AE13-85A6B2495524}" type="sibTrans" cxnId="{19CF03A0-47BE-4ABD-A62C-A27E16D6C5A3}">
-      <dgm:prSet/>
-      <dgm:spPr/>
-      <dgm:t>
-        <a:bodyPr/>
-        <a:lstStyle/>
-        <a:p>
-          <a:endParaRPr lang="en-US" sz="1800"/>
-        </a:p>
-      </dgm:t>
-    </dgm:pt>
-    <dgm:pt modelId="{C032D242-8D23-4EEC-A10A-7B0691E5A409}">
-      <dgm:prSet phldrT="[Text]" custT="1"/>
-      <dgm:spPr/>
-      <dgm:t>
-        <a:bodyPr/>
-        <a:lstStyle/>
-        <a:p>
-          <a:pPr>
-            <a:buFont typeface="Symbol" panose="05050102010706020507" pitchFamily="18" charset="2"/>
-            <a:buChar char=""/>
-          </a:pPr>
-          <a:r>
-            <a:rPr lang="en-US" sz="1800" dirty="0"/>
-            <a:t>The Notes pane is a box that appears below each slide. Tap it to add notes.</a:t>
-          </a:r>
-          <a:endParaRPr lang="en-US" sz="1800" dirty="0">
-            <a:latin typeface="+mn-lt"/>
-          </a:endParaRPr>
-        </a:p>
-      </dgm:t>
-    </dgm:pt>
-    <dgm:pt modelId="{167DA838-BF1F-42A4-81E8-806F40795A14}" type="parTrans" cxnId="{D9403C73-FB83-47D6-85AE-067D49ED63F2}">
-      <dgm:prSet/>
-      <dgm:spPr/>
-      <dgm:t>
-        <a:bodyPr/>
-        <a:lstStyle/>
-        <a:p>
-          <a:endParaRPr lang="en-US" sz="1800"/>
-        </a:p>
-      </dgm:t>
-    </dgm:pt>
-    <dgm:pt modelId="{7EFA60CA-572D-434D-B452-A4ACBAEB4D2C}" type="sibTrans" cxnId="{D9403C73-FB83-47D6-85AE-067D49ED63F2}">
-      <dgm:prSet/>
-      <dgm:spPr/>
-      <dgm:t>
-        <a:bodyPr/>
-        <a:lstStyle/>
-        <a:p>
-          <a:endParaRPr lang="en-US" sz="1800"/>
-        </a:p>
-      </dgm:t>
-    </dgm:pt>
-    <dgm:pt modelId="{196C9F68-3606-4282-A4C6-4485F1280B5F}" type="pres">
-      <dgm:prSet presAssocID="{E5B2E815-0D19-41DC-B01B-4D608769620A}" presName="Name0" presStyleCnt="0">
-        <dgm:presLayoutVars>
-          <dgm:chMax/>
-          <dgm:chPref/>
-          <dgm:animLvl val="lvl"/>
-        </dgm:presLayoutVars>
-      </dgm:prSet>
-      <dgm:spPr/>
-    </dgm:pt>
-    <dgm:pt modelId="{68D8AC18-502F-4825-B069-75605ADB3A40}" type="pres">
-      <dgm:prSet presAssocID="{4259F840-24E7-476F-9F30-482E46395856}" presName="composite1" presStyleCnt="0"/>
-      <dgm:spPr/>
-    </dgm:pt>
-    <dgm:pt modelId="{E088D226-49D7-4C30-90DC-CA1755D98829}" type="pres">
-      <dgm:prSet presAssocID="{4259F840-24E7-476F-9F30-482E46395856}" presName="parent1" presStyleLbl="alignNode1" presStyleIdx="0" presStyleCnt="5">
-        <dgm:presLayoutVars>
-          <dgm:chMax val="1"/>
-          <dgm:chPref val="1"/>
-          <dgm:bulletEnabled val="1"/>
-        </dgm:presLayoutVars>
-      </dgm:prSet>
-      <dgm:spPr/>
-    </dgm:pt>
-    <dgm:pt modelId="{45A02F84-C6CB-43F5-AEE4-3EA66C2BD25F}" type="pres">
-      <dgm:prSet presAssocID="{4259F840-24E7-476F-9F30-482E46395856}" presName="Childtext1" presStyleLbl="revTx" presStyleIdx="0" presStyleCnt="5">
-        <dgm:presLayoutVars>
-          <dgm:bulletEnabled val="1"/>
-        </dgm:presLayoutVars>
-      </dgm:prSet>
-      <dgm:spPr/>
-    </dgm:pt>
-    <dgm:pt modelId="{6BA46904-CB7C-4538-BD49-D3891EF19552}" type="pres">
-      <dgm:prSet presAssocID="{4259F840-24E7-476F-9F30-482E46395856}" presName="ConnectLine1" presStyleLbl="sibTrans1D1" presStyleIdx="0" presStyleCnt="5"/>
-      <dgm:spPr>
-        <a:noFill/>
-        <a:ln w="6350" cap="flat" cmpd="sng" algn="ctr">
-          <a:solidFill>
-            <a:schemeClr val="accent5">
-              <a:hueOff val="0"/>
-              <a:satOff val="0"/>
-              <a:lumOff val="0"/>
-              <a:alphaOff val="0"/>
-            </a:schemeClr>
-          </a:solidFill>
-          <a:prstDash val="dash"/>
-          <a:miter lim="800000"/>
-        </a:ln>
-        <a:effectLst/>
-      </dgm:spPr>
-    </dgm:pt>
-    <dgm:pt modelId="{049FDBD0-77FE-49D1-A275-A272C8C5E426}" type="pres">
-      <dgm:prSet presAssocID="{4259F840-24E7-476F-9F30-482E46395856}" presName="ConnectLineEnd1" presStyleLbl="lnNode1" presStyleIdx="0" presStyleCnt="5"/>
-      <dgm:spPr/>
-    </dgm:pt>
-    <dgm:pt modelId="{CB26EA94-33BB-4F98-9E1E-2237D4831263}" type="pres">
-      <dgm:prSet presAssocID="{4259F840-24E7-476F-9F30-482E46395856}" presName="EmptyPane1" presStyleCnt="0"/>
-      <dgm:spPr/>
-    </dgm:pt>
-    <dgm:pt modelId="{606F1DBF-510E-4065-ACCB-3EBDA85CFB92}" type="pres">
-      <dgm:prSet presAssocID="{DCC444A4-F20A-48F5-A61E-47BFFF185A57}" presName="spaceBetweenRectangles1" presStyleCnt="0"/>
-      <dgm:spPr/>
-    </dgm:pt>
-    <dgm:pt modelId="{07989479-D1A2-4D15-AA3A-B0CFFB9F91D9}" type="pres">
-      <dgm:prSet presAssocID="{E4033A39-DCC4-4038-9562-AEDDBBB37A99}" presName="composite1" presStyleCnt="0"/>
-      <dgm:spPr/>
-    </dgm:pt>
-    <dgm:pt modelId="{539615E2-3277-4D8E-8484-FF5088C8BF01}" type="pres">
-      <dgm:prSet presAssocID="{E4033A39-DCC4-4038-9562-AEDDBBB37A99}" presName="parent1" presStyleLbl="alignNode1" presStyleIdx="1" presStyleCnt="5">
-        <dgm:presLayoutVars>
-          <dgm:chMax val="1"/>
-          <dgm:chPref val="1"/>
-          <dgm:bulletEnabled val="1"/>
-        </dgm:presLayoutVars>
-      </dgm:prSet>
-      <dgm:spPr/>
-    </dgm:pt>
-    <dgm:pt modelId="{FEBD3C2A-A340-470A-A475-AE614EA07678}" type="pres">
-      <dgm:prSet presAssocID="{E4033A39-DCC4-4038-9562-AEDDBBB37A99}" presName="Childtext1" presStyleLbl="revTx" presStyleIdx="1" presStyleCnt="5">
-        <dgm:presLayoutVars>
-          <dgm:bulletEnabled val="1"/>
-        </dgm:presLayoutVars>
-      </dgm:prSet>
-      <dgm:spPr/>
-    </dgm:pt>
-    <dgm:pt modelId="{080474C8-0FEA-4FD1-97F1-0978CFB4A37F}" type="pres">
-      <dgm:prSet presAssocID="{E4033A39-DCC4-4038-9562-AEDDBBB37A99}" presName="ConnectLine1" presStyleLbl="sibTrans1D1" presStyleIdx="1" presStyleCnt="5"/>
-      <dgm:spPr>
-        <a:noFill/>
-        <a:ln w="6350" cap="flat" cmpd="sng" algn="ctr">
-          <a:solidFill>
-            <a:schemeClr val="accent5">
-              <a:hueOff val="90002"/>
-              <a:satOff val="2173"/>
-              <a:lumOff val="-10490"/>
-              <a:alphaOff val="0"/>
-            </a:schemeClr>
-          </a:solidFill>
-          <a:prstDash val="dash"/>
-          <a:miter lim="800000"/>
-        </a:ln>
-        <a:effectLst/>
-      </dgm:spPr>
-    </dgm:pt>
-    <dgm:pt modelId="{4797FB61-2602-4A58-81E6-6F133DB1E419}" type="pres">
-      <dgm:prSet presAssocID="{E4033A39-DCC4-4038-9562-AEDDBBB37A99}" presName="ConnectLineEnd1" presStyleLbl="lnNode1" presStyleIdx="1" presStyleCnt="5"/>
-      <dgm:spPr/>
-    </dgm:pt>
-    <dgm:pt modelId="{3ADF0AE3-D759-4F4F-8135-572855211847}" type="pres">
-      <dgm:prSet presAssocID="{E4033A39-DCC4-4038-9562-AEDDBBB37A99}" presName="EmptyPane1" presStyleCnt="0"/>
-      <dgm:spPr/>
-    </dgm:pt>
-    <dgm:pt modelId="{B0CD7A53-7149-45F2-83E8-36717D7878A1}" type="pres">
-      <dgm:prSet presAssocID="{80AB0E5B-0C58-465D-A545-5B21133D2849}" presName="spaceBetweenRectangles1" presStyleCnt="0"/>
-      <dgm:spPr/>
-    </dgm:pt>
-    <dgm:pt modelId="{FB379A6E-C0F9-420B-90FC-2785E757E6AE}" type="pres">
-      <dgm:prSet presAssocID="{87BF7896-20EA-4E8F-B6F4-A34EC5C9CB50}" presName="composite1" presStyleCnt="0"/>
-      <dgm:spPr/>
-    </dgm:pt>
-    <dgm:pt modelId="{9D82041D-873A-4600-A9C7-C0A0ADFB138B}" type="pres">
-      <dgm:prSet presAssocID="{87BF7896-20EA-4E8F-B6F4-A34EC5C9CB50}" presName="parent1" presStyleLbl="alignNode1" presStyleIdx="2" presStyleCnt="5">
-        <dgm:presLayoutVars>
-          <dgm:chMax val="1"/>
-          <dgm:chPref val="1"/>
-          <dgm:bulletEnabled val="1"/>
-        </dgm:presLayoutVars>
-      </dgm:prSet>
-      <dgm:spPr/>
-    </dgm:pt>
-    <dgm:pt modelId="{80CDBBF8-C6B4-4166-87C1-DC9120CC7586}" type="pres">
-      <dgm:prSet presAssocID="{87BF7896-20EA-4E8F-B6F4-A34EC5C9CB50}" presName="Childtext1" presStyleLbl="revTx" presStyleIdx="2" presStyleCnt="5">
-        <dgm:presLayoutVars>
-          <dgm:bulletEnabled val="1"/>
-        </dgm:presLayoutVars>
-      </dgm:prSet>
-      <dgm:spPr/>
-    </dgm:pt>
-    <dgm:pt modelId="{89759DE5-9F8A-470E-A6D8-F13BB4DEE93D}" type="pres">
-      <dgm:prSet presAssocID="{87BF7896-20EA-4E8F-B6F4-A34EC5C9CB50}" presName="ConnectLine1" presStyleLbl="sibTrans1D1" presStyleIdx="2" presStyleCnt="5"/>
-      <dgm:spPr>
-        <a:noFill/>
-        <a:ln w="6350" cap="flat" cmpd="sng" algn="ctr">
-          <a:solidFill>
-            <a:schemeClr val="accent5">
-              <a:hueOff val="180003"/>
-              <a:satOff val="4346"/>
-              <a:lumOff val="-20980"/>
-              <a:alphaOff val="0"/>
-            </a:schemeClr>
-          </a:solidFill>
-          <a:prstDash val="dash"/>
-          <a:miter lim="800000"/>
-        </a:ln>
-        <a:effectLst/>
-      </dgm:spPr>
-    </dgm:pt>
-    <dgm:pt modelId="{07CCF286-8B46-4A20-ACAC-84BA2D6EFBBC}" type="pres">
-      <dgm:prSet presAssocID="{87BF7896-20EA-4E8F-B6F4-A34EC5C9CB50}" presName="ConnectLineEnd1" presStyleLbl="lnNode1" presStyleIdx="2" presStyleCnt="5"/>
-      <dgm:spPr/>
-    </dgm:pt>
-    <dgm:pt modelId="{4624FC32-5405-42B1-B5CC-DF0659852A58}" type="pres">
-      <dgm:prSet presAssocID="{87BF7896-20EA-4E8F-B6F4-A34EC5C9CB50}" presName="EmptyPane1" presStyleCnt="0"/>
-      <dgm:spPr/>
-    </dgm:pt>
-    <dgm:pt modelId="{8C327064-3851-4ECF-AAB7-82B51711041E}" type="pres">
-      <dgm:prSet presAssocID="{D63CE73E-35DE-48C3-8753-7648BC953C0D}" presName="spaceBetweenRectangles1" presStyleCnt="0"/>
-      <dgm:spPr/>
-    </dgm:pt>
-    <dgm:pt modelId="{3ADEA4DF-6814-494D-9D3D-41947417052B}" type="pres">
-      <dgm:prSet presAssocID="{3DE6FF16-CA4D-4D34-ABEB-8BE6A40B5E52}" presName="composite1" presStyleCnt="0"/>
-      <dgm:spPr/>
-    </dgm:pt>
-    <dgm:pt modelId="{74CD3FF2-195B-429B-BC6F-5B5A7FED2BE2}" type="pres">
-      <dgm:prSet presAssocID="{3DE6FF16-CA4D-4D34-ABEB-8BE6A40B5E52}" presName="parent1" presStyleLbl="alignNode1" presStyleIdx="3" presStyleCnt="5">
-        <dgm:presLayoutVars>
-          <dgm:chMax val="1"/>
-          <dgm:chPref val="1"/>
-          <dgm:bulletEnabled val="1"/>
-        </dgm:presLayoutVars>
-      </dgm:prSet>
-      <dgm:spPr/>
-    </dgm:pt>
-    <dgm:pt modelId="{1BB5FD64-47F9-47A3-911F-535BFE17A3B9}" type="pres">
-      <dgm:prSet presAssocID="{3DE6FF16-CA4D-4D34-ABEB-8BE6A40B5E52}" presName="Childtext1" presStyleLbl="revTx" presStyleIdx="3" presStyleCnt="5">
-        <dgm:presLayoutVars>
-          <dgm:bulletEnabled val="1"/>
-        </dgm:presLayoutVars>
-      </dgm:prSet>
-      <dgm:spPr/>
-    </dgm:pt>
-    <dgm:pt modelId="{FE9B27EB-7AC7-485A-9A55-41E8118F9EAF}" type="pres">
-      <dgm:prSet presAssocID="{3DE6FF16-CA4D-4D34-ABEB-8BE6A40B5E52}" presName="ConnectLine1" presStyleLbl="sibTrans1D1" presStyleIdx="3" presStyleCnt="5"/>
-      <dgm:spPr>
-        <a:noFill/>
-        <a:ln w="6350" cap="flat" cmpd="sng" algn="ctr">
-          <a:solidFill>
-            <a:schemeClr val="accent5">
-              <a:hueOff val="270005"/>
-              <a:satOff val="6519"/>
-              <a:lumOff val="-31471"/>
-              <a:alphaOff val="0"/>
-            </a:schemeClr>
-          </a:solidFill>
-          <a:prstDash val="dash"/>
-          <a:miter lim="800000"/>
-        </a:ln>
-        <a:effectLst/>
-      </dgm:spPr>
-    </dgm:pt>
-    <dgm:pt modelId="{46BD4721-4664-4AD0-9F11-DBE7E0B207D5}" type="pres">
-      <dgm:prSet presAssocID="{3DE6FF16-CA4D-4D34-ABEB-8BE6A40B5E52}" presName="ConnectLineEnd1" presStyleLbl="lnNode1" presStyleIdx="3" presStyleCnt="5"/>
-      <dgm:spPr/>
-    </dgm:pt>
-    <dgm:pt modelId="{69028BD0-349D-4B47-B1F4-B64C6478DE3C}" type="pres">
-      <dgm:prSet presAssocID="{3DE6FF16-CA4D-4D34-ABEB-8BE6A40B5E52}" presName="EmptyPane1" presStyleCnt="0"/>
-      <dgm:spPr/>
-    </dgm:pt>
-    <dgm:pt modelId="{619CFBB1-86F5-45A6-80BA-23F97450662F}" type="pres">
-      <dgm:prSet presAssocID="{986162A7-6F89-4679-B40E-33A17DA21B73}" presName="spaceBetweenRectangles1" presStyleCnt="0"/>
-      <dgm:spPr/>
-    </dgm:pt>
-    <dgm:pt modelId="{E4E0A96A-AF87-442A-A1A3-64B8F3CFC7FE}" type="pres">
-      <dgm:prSet presAssocID="{AC76BE15-3E8A-498B-91BD-CF772C26B6F1}" presName="composite1" presStyleCnt="0"/>
-      <dgm:spPr/>
-    </dgm:pt>
-    <dgm:pt modelId="{483E7832-9872-48C4-8E65-DCB39D4CDBDF}" type="pres">
-      <dgm:prSet presAssocID="{AC76BE15-3E8A-498B-91BD-CF772C26B6F1}" presName="parent1" presStyleLbl="alignNode1" presStyleIdx="4" presStyleCnt="5">
-        <dgm:presLayoutVars>
-          <dgm:chMax val="1"/>
-          <dgm:chPref val="1"/>
-          <dgm:bulletEnabled val="1"/>
-        </dgm:presLayoutVars>
-      </dgm:prSet>
-      <dgm:spPr/>
-    </dgm:pt>
-    <dgm:pt modelId="{1FA3C236-5719-4A33-A6BB-80FA85F940E3}" type="pres">
-      <dgm:prSet presAssocID="{AC76BE15-3E8A-498B-91BD-CF772C26B6F1}" presName="Childtext1" presStyleLbl="revTx" presStyleIdx="4" presStyleCnt="5">
-        <dgm:presLayoutVars>
-          <dgm:bulletEnabled val="1"/>
-        </dgm:presLayoutVars>
-      </dgm:prSet>
-      <dgm:spPr/>
-    </dgm:pt>
-    <dgm:pt modelId="{18F1C823-9ACD-4FCD-8102-F468DCE57A45}" type="pres">
-      <dgm:prSet presAssocID="{AC76BE15-3E8A-498B-91BD-CF772C26B6F1}" presName="ConnectLine1" presStyleLbl="sibTrans1D1" presStyleIdx="4" presStyleCnt="5"/>
-      <dgm:spPr>
-        <a:noFill/>
-        <a:ln w="6350" cap="flat" cmpd="sng" algn="ctr">
-          <a:solidFill>
-            <a:schemeClr val="accent5">
-              <a:hueOff val="360006"/>
-              <a:satOff val="8692"/>
-              <a:lumOff val="-41961"/>
-              <a:alphaOff val="0"/>
-            </a:schemeClr>
-          </a:solidFill>
-          <a:prstDash val="dash"/>
-          <a:miter lim="800000"/>
-        </a:ln>
-        <a:effectLst/>
-      </dgm:spPr>
-    </dgm:pt>
-    <dgm:pt modelId="{F8AD0AB8-BBDF-4F0A-A6A0-850E289DD521}" type="pres">
-      <dgm:prSet presAssocID="{AC76BE15-3E8A-498B-91BD-CF772C26B6F1}" presName="ConnectLineEnd1" presStyleLbl="lnNode1" presStyleIdx="4" presStyleCnt="5"/>
-      <dgm:spPr/>
-    </dgm:pt>
-    <dgm:pt modelId="{11CAE2E7-2E06-450A-A729-9C2DCEF85421}" type="pres">
-      <dgm:prSet presAssocID="{AC76BE15-3E8A-498B-91BD-CF772C26B6F1}" presName="EmptyPane1" presStyleCnt="0"/>
-      <dgm:spPr/>
-    </dgm:pt>
-  </dgm:ptLst>
-  <dgm:cxnLst>
-    <dgm:cxn modelId="{58AF9605-98E3-490C-9551-60E5D74419A2}" type="presOf" srcId="{3DE6FF16-CA4D-4D34-ABEB-8BE6A40B5E52}" destId="{74CD3FF2-195B-429B-BC6F-5B5A7FED2BE2}" srcOrd="0" destOrd="0" presId="urn:microsoft.com/office/officeart/2016/7/layout/RoundedRectangleTimeline"/>
-    <dgm:cxn modelId="{467F290A-9E2A-412E-AF06-428DAA68BEDD}" type="presOf" srcId="{E4033A39-DCC4-4038-9562-AEDDBBB37A99}" destId="{539615E2-3277-4D8E-8484-FF5088C8BF01}" srcOrd="0" destOrd="0" presId="urn:microsoft.com/office/officeart/2016/7/layout/RoundedRectangleTimeline"/>
-    <dgm:cxn modelId="{A2A50010-8F67-49E4-9B0A-E0F7FDA9656C}" type="presOf" srcId="{B54C8F6C-BE1E-4EAB-B7A0-48DE01FFAA36}" destId="{45A02F84-C6CB-43F5-AEE4-3EA66C2BD25F}" srcOrd="0" destOrd="0" presId="urn:microsoft.com/office/officeart/2016/7/layout/RoundedRectangleTimeline"/>
-    <dgm:cxn modelId="{92330C11-C197-4512-BDA4-8D8A69AF7D1C}" srcId="{E5B2E815-0D19-41DC-B01B-4D608769620A}" destId="{87BF7896-20EA-4E8F-B6F4-A34EC5C9CB50}" srcOrd="2" destOrd="0" parTransId="{05E47BA5-F724-4AEE-9B5B-401F18E028E6}" sibTransId="{D63CE73E-35DE-48C3-8753-7648BC953C0D}"/>
-    <dgm:cxn modelId="{D88F5139-A3BF-4F98-ABB0-AEE7243465CB}" type="presOf" srcId="{87BF7896-20EA-4E8F-B6F4-A34EC5C9CB50}" destId="{9D82041D-873A-4600-A9C7-C0A0ADFB138B}" srcOrd="0" destOrd="0" presId="urn:microsoft.com/office/officeart/2016/7/layout/RoundedRectangleTimeline"/>
-    <dgm:cxn modelId="{32EF2862-2950-4DF8-BEA8-CD19460CCA31}" srcId="{E5B2E815-0D19-41DC-B01B-4D608769620A}" destId="{E4033A39-DCC4-4038-9562-AEDDBBB37A99}" srcOrd="1" destOrd="0" parTransId="{048EEAE6-78BA-4B00-B7BB-9C22DBB1E8F4}" sibTransId="{80AB0E5B-0C58-465D-A545-5B21133D2849}"/>
-    <dgm:cxn modelId="{5E74CB62-E52E-4CEE-8AA1-9812BFC0D67E}" srcId="{E4033A39-DCC4-4038-9562-AEDDBBB37A99}" destId="{A4C0B4E4-70AD-4901-9E3F-7EA25DD6DAA1}" srcOrd="0" destOrd="0" parTransId="{701D9033-BAD3-4299-933F-A47AFDC2ECD0}" sibTransId="{657DB10D-2517-48AA-B970-6D815DBD4123}"/>
-    <dgm:cxn modelId="{4653A150-E557-4235-B1A1-18156274D965}" type="presOf" srcId="{4259F840-24E7-476F-9F30-482E46395856}" destId="{E088D226-49D7-4C30-90DC-CA1755D98829}" srcOrd="0" destOrd="0" presId="urn:microsoft.com/office/officeart/2016/7/layout/RoundedRectangleTimeline"/>
-    <dgm:cxn modelId="{E6B56652-B46A-4546-9536-64D675143F1B}" type="presOf" srcId="{A4C0B4E4-70AD-4901-9E3F-7EA25DD6DAA1}" destId="{FEBD3C2A-A340-470A-A475-AE614EA07678}" srcOrd="0" destOrd="0" presId="urn:microsoft.com/office/officeart/2016/7/layout/RoundedRectangleTimeline"/>
-    <dgm:cxn modelId="{D9403C73-FB83-47D6-85AE-067D49ED63F2}" srcId="{3DE6FF16-CA4D-4D34-ABEB-8BE6A40B5E52}" destId="{C032D242-8D23-4EEC-A10A-7B0691E5A409}" srcOrd="0" destOrd="0" parTransId="{167DA838-BF1F-42A4-81E8-806F40795A14}" sibTransId="{7EFA60CA-572D-434D-B452-A4ACBAEB4D2C}"/>
-    <dgm:cxn modelId="{140A4778-8248-44DE-B78A-23C578A77D7E}" srcId="{E5B2E815-0D19-41DC-B01B-4D608769620A}" destId="{AC76BE15-3E8A-498B-91BD-CF772C26B6F1}" srcOrd="4" destOrd="0" parTransId="{00CCB400-064A-4EF5-9806-9534D9AC69AD}" sibTransId="{662A3D6E-7238-444F-BC0B-C7A4321261DB}"/>
-    <dgm:cxn modelId="{020D505A-97FA-43DD-A9A1-2501AD46F8AF}" type="presOf" srcId="{43CBB0A2-9D75-4264-8A30-3E8974B40658}" destId="{80CDBBF8-C6B4-4166-87C1-DC9120CC7586}" srcOrd="0" destOrd="0" presId="urn:microsoft.com/office/officeart/2016/7/layout/RoundedRectangleTimeline"/>
-    <dgm:cxn modelId="{4D2DF581-8128-4440-9E51-29109DC6ED52}" srcId="{87BF7896-20EA-4E8F-B6F4-A34EC5C9CB50}" destId="{43CBB0A2-9D75-4264-8A30-3E8974B40658}" srcOrd="0" destOrd="0" parTransId="{F806E590-5F8E-48A1-96AC-9E738290D2ED}" sibTransId="{20F77EFB-335C-4BC3-AD95-8421EDF343E6}"/>
-    <dgm:cxn modelId="{67A67F8B-14DC-457C-93BE-25105825881F}" type="presOf" srcId="{AC76BE15-3E8A-498B-91BD-CF772C26B6F1}" destId="{483E7832-9872-48C4-8E65-DCB39D4CDBDF}" srcOrd="0" destOrd="0" presId="urn:microsoft.com/office/officeart/2016/7/layout/RoundedRectangleTimeline"/>
-    <dgm:cxn modelId="{C8CAF48F-322D-43C3-A68B-40DA904320AC}" type="presOf" srcId="{E5B2E815-0D19-41DC-B01B-4D608769620A}" destId="{196C9F68-3606-4282-A4C6-4485F1280B5F}" srcOrd="0" destOrd="0" presId="urn:microsoft.com/office/officeart/2016/7/layout/RoundedRectangleTimeline"/>
-    <dgm:cxn modelId="{19CF03A0-47BE-4ABD-A62C-A27E16D6C5A3}" srcId="{AC76BE15-3E8A-498B-91BD-CF772C26B6F1}" destId="{73820394-2159-4075-9E6F-217263B07F8B}" srcOrd="0" destOrd="0" parTransId="{A861A835-3A0D-4B09-8870-87D7FDC7B27F}" sibTransId="{D383A36B-470D-499F-AE13-85A6B2495524}"/>
-    <dgm:cxn modelId="{D473BBA6-FF54-423D-9B9B-875C8AA2545B}" type="presOf" srcId="{73820394-2159-4075-9E6F-217263B07F8B}" destId="{1FA3C236-5719-4A33-A6BB-80FA85F940E3}" srcOrd="0" destOrd="0" presId="urn:microsoft.com/office/officeart/2016/7/layout/RoundedRectangleTimeline"/>
-    <dgm:cxn modelId="{636DE8C5-F706-4BA5-855F-85FD2239E2BE}" srcId="{E5B2E815-0D19-41DC-B01B-4D608769620A}" destId="{3DE6FF16-CA4D-4D34-ABEB-8BE6A40B5E52}" srcOrd="3" destOrd="0" parTransId="{DA9CCCCB-8206-4757-82C8-F885E9D238B5}" sibTransId="{986162A7-6F89-4679-B40E-33A17DA21B73}"/>
-    <dgm:cxn modelId="{770CA1CC-3DDD-451E-AE83-A71CA570260C}" srcId="{4259F840-24E7-476F-9F30-482E46395856}" destId="{B54C8F6C-BE1E-4EAB-B7A0-48DE01FFAA36}" srcOrd="0" destOrd="0" parTransId="{8DE7CD45-B7C0-432E-B819-6A7D97E31315}" sibTransId="{C33B8BEF-A818-4A2F-A99A-E2B29895E184}"/>
-    <dgm:cxn modelId="{42EE41D1-3C16-4937-BB38-B076896C09A0}" srcId="{E5B2E815-0D19-41DC-B01B-4D608769620A}" destId="{4259F840-24E7-476F-9F30-482E46395856}" srcOrd="0" destOrd="0" parTransId="{FCE8068D-7E50-4749-A8D0-ADEDAC5637B3}" sibTransId="{DCC444A4-F20A-48F5-A61E-47BFFF185A57}"/>
-    <dgm:cxn modelId="{546179F7-5E1B-4360-8938-B9238DA6DE5D}" type="presOf" srcId="{C032D242-8D23-4EEC-A10A-7B0691E5A409}" destId="{1BB5FD64-47F9-47A3-911F-535BFE17A3B9}" srcOrd="0" destOrd="0" presId="urn:microsoft.com/office/officeart/2016/7/layout/RoundedRectangleTimeline"/>
-    <dgm:cxn modelId="{B5EA3CD6-0576-4168-82C9-9ADC0803B31E}" type="presParOf" srcId="{196C9F68-3606-4282-A4C6-4485F1280B5F}" destId="{68D8AC18-502F-4825-B069-75605ADB3A40}" srcOrd="0" destOrd="0" presId="urn:microsoft.com/office/officeart/2016/7/layout/RoundedRectangleTimeline"/>
-    <dgm:cxn modelId="{30A197C5-075F-4643-BF26-64BC9FAF532F}" type="presParOf" srcId="{68D8AC18-502F-4825-B069-75605ADB3A40}" destId="{E088D226-49D7-4C30-90DC-CA1755D98829}" srcOrd="0" destOrd="0" presId="urn:microsoft.com/office/officeart/2016/7/layout/RoundedRectangleTimeline"/>
-    <dgm:cxn modelId="{DBAA9861-CCB2-4B8A-A3AA-B305A4B5783E}" type="presParOf" srcId="{68D8AC18-502F-4825-B069-75605ADB3A40}" destId="{45A02F84-C6CB-43F5-AEE4-3EA66C2BD25F}" srcOrd="1" destOrd="0" presId="urn:microsoft.com/office/officeart/2016/7/layout/RoundedRectangleTimeline"/>
-    <dgm:cxn modelId="{3F249148-C6F7-40D3-8583-B11C276DE023}" type="presParOf" srcId="{68D8AC18-502F-4825-B069-75605ADB3A40}" destId="{6BA46904-CB7C-4538-BD49-D3891EF19552}" srcOrd="2" destOrd="0" presId="urn:microsoft.com/office/officeart/2016/7/layout/RoundedRectangleTimeline"/>
-    <dgm:cxn modelId="{337BF8D5-8206-4D0E-857F-BA46391BB745}" type="presParOf" srcId="{68D8AC18-502F-4825-B069-75605ADB3A40}" destId="{049FDBD0-77FE-49D1-A275-A272C8C5E426}" srcOrd="3" destOrd="0" presId="urn:microsoft.com/office/officeart/2016/7/layout/RoundedRectangleTimeline"/>
-    <dgm:cxn modelId="{8E042F31-23CC-40C0-92DC-707183B24E81}" type="presParOf" srcId="{68D8AC18-502F-4825-B069-75605ADB3A40}" destId="{CB26EA94-33BB-4F98-9E1E-2237D4831263}" srcOrd="4" destOrd="0" presId="urn:microsoft.com/office/officeart/2016/7/layout/RoundedRectangleTimeline"/>
-    <dgm:cxn modelId="{16926BC1-FC34-413E-B35A-2F54A781CCCD}" type="presParOf" srcId="{196C9F68-3606-4282-A4C6-4485F1280B5F}" destId="{606F1DBF-510E-4065-ACCB-3EBDA85CFB92}" srcOrd="1" destOrd="0" presId="urn:microsoft.com/office/officeart/2016/7/layout/RoundedRectangleTimeline"/>
-    <dgm:cxn modelId="{42F07C1F-C715-41B1-8356-B99F8CE1AC01}" type="presParOf" srcId="{196C9F68-3606-4282-A4C6-4485F1280B5F}" destId="{07989479-D1A2-4D15-AA3A-B0CFFB9F91D9}" srcOrd="2" destOrd="0" presId="urn:microsoft.com/office/officeart/2016/7/layout/RoundedRectangleTimeline"/>
-    <dgm:cxn modelId="{5856EE22-FE01-4788-BBF3-407A68D5A730}" type="presParOf" srcId="{07989479-D1A2-4D15-AA3A-B0CFFB9F91D9}" destId="{539615E2-3277-4D8E-8484-FF5088C8BF01}" srcOrd="0" destOrd="0" presId="urn:microsoft.com/office/officeart/2016/7/layout/RoundedRectangleTimeline"/>
-    <dgm:cxn modelId="{3004EE47-5347-4BBA-95CC-D947A73AE485}" type="presParOf" srcId="{07989479-D1A2-4D15-AA3A-B0CFFB9F91D9}" destId="{FEBD3C2A-A340-470A-A475-AE614EA07678}" srcOrd="1" destOrd="0" presId="urn:microsoft.com/office/officeart/2016/7/layout/RoundedRectangleTimeline"/>
-    <dgm:cxn modelId="{400A75AC-5289-4270-AC07-416891AF3888}" type="presParOf" srcId="{07989479-D1A2-4D15-AA3A-B0CFFB9F91D9}" destId="{080474C8-0FEA-4FD1-97F1-0978CFB4A37F}" srcOrd="2" destOrd="0" presId="urn:microsoft.com/office/officeart/2016/7/layout/RoundedRectangleTimeline"/>
-    <dgm:cxn modelId="{304EB087-DD14-4AA8-8A06-DF9485956226}" type="presParOf" srcId="{07989479-D1A2-4D15-AA3A-B0CFFB9F91D9}" destId="{4797FB61-2602-4A58-81E6-6F133DB1E419}" srcOrd="3" destOrd="0" presId="urn:microsoft.com/office/officeart/2016/7/layout/RoundedRectangleTimeline"/>
-    <dgm:cxn modelId="{BC4CC356-31E8-4421-B18C-CB3697E73FAC}" type="presParOf" srcId="{07989479-D1A2-4D15-AA3A-B0CFFB9F91D9}" destId="{3ADF0AE3-D759-4F4F-8135-572855211847}" srcOrd="4" destOrd="0" presId="urn:microsoft.com/office/officeart/2016/7/layout/RoundedRectangleTimeline"/>
-    <dgm:cxn modelId="{718BABD9-3B60-482F-B01A-2E414F152777}" type="presParOf" srcId="{196C9F68-3606-4282-A4C6-4485F1280B5F}" destId="{B0CD7A53-7149-45F2-83E8-36717D7878A1}" srcOrd="3" destOrd="0" presId="urn:microsoft.com/office/officeart/2016/7/layout/RoundedRectangleTimeline"/>
-    <dgm:cxn modelId="{FD435764-A46B-4635-A943-B6C17FFBD43C}" type="presParOf" srcId="{196C9F68-3606-4282-A4C6-4485F1280B5F}" destId="{FB379A6E-C0F9-420B-90FC-2785E757E6AE}" srcOrd="4" destOrd="0" presId="urn:microsoft.com/office/officeart/2016/7/layout/RoundedRectangleTimeline"/>
-    <dgm:cxn modelId="{03D7F2C3-849C-416B-B668-D51C46CA90E6}" type="presParOf" srcId="{FB379A6E-C0F9-420B-90FC-2785E757E6AE}" destId="{9D82041D-873A-4600-A9C7-C0A0ADFB138B}" srcOrd="0" destOrd="0" presId="urn:microsoft.com/office/officeart/2016/7/layout/RoundedRectangleTimeline"/>
-    <dgm:cxn modelId="{1DA536D0-EC28-4B9F-A5E9-28EC8F45638C}" type="presParOf" srcId="{FB379A6E-C0F9-420B-90FC-2785E757E6AE}" destId="{80CDBBF8-C6B4-4166-87C1-DC9120CC7586}" srcOrd="1" destOrd="0" presId="urn:microsoft.com/office/officeart/2016/7/layout/RoundedRectangleTimeline"/>
-    <dgm:cxn modelId="{A1A8842C-F8BC-40AC-8FFC-6A922D88E333}" type="presParOf" srcId="{FB379A6E-C0F9-420B-90FC-2785E757E6AE}" destId="{89759DE5-9F8A-470E-A6D8-F13BB4DEE93D}" srcOrd="2" destOrd="0" presId="urn:microsoft.com/office/officeart/2016/7/layout/RoundedRectangleTimeline"/>
-    <dgm:cxn modelId="{29E74E09-91C9-47DF-AE07-A1527FF00EB2}" type="presParOf" srcId="{FB379A6E-C0F9-420B-90FC-2785E757E6AE}" destId="{07CCF286-8B46-4A20-ACAC-84BA2D6EFBBC}" srcOrd="3" destOrd="0" presId="urn:microsoft.com/office/officeart/2016/7/layout/RoundedRectangleTimeline"/>
-    <dgm:cxn modelId="{410C15E7-86BA-42B7-8F67-411E34B11038}" type="presParOf" srcId="{FB379A6E-C0F9-420B-90FC-2785E757E6AE}" destId="{4624FC32-5405-42B1-B5CC-DF0659852A58}" srcOrd="4" destOrd="0" presId="urn:microsoft.com/office/officeart/2016/7/layout/RoundedRectangleTimeline"/>
-    <dgm:cxn modelId="{E805D201-407E-43CA-9B74-1CB556699F3D}" type="presParOf" srcId="{196C9F68-3606-4282-A4C6-4485F1280B5F}" destId="{8C327064-3851-4ECF-AAB7-82B51711041E}" srcOrd="5" destOrd="0" presId="urn:microsoft.com/office/officeart/2016/7/layout/RoundedRectangleTimeline"/>
-    <dgm:cxn modelId="{43BD8313-2385-4BA0-9145-2022434D3E68}" type="presParOf" srcId="{196C9F68-3606-4282-A4C6-4485F1280B5F}" destId="{3ADEA4DF-6814-494D-9D3D-41947417052B}" srcOrd="6" destOrd="0" presId="urn:microsoft.com/office/officeart/2016/7/layout/RoundedRectangleTimeline"/>
-    <dgm:cxn modelId="{77EE5245-99F9-4607-BF5D-14371704AD7C}" type="presParOf" srcId="{3ADEA4DF-6814-494D-9D3D-41947417052B}" destId="{74CD3FF2-195B-429B-BC6F-5B5A7FED2BE2}" srcOrd="0" destOrd="0" presId="urn:microsoft.com/office/officeart/2016/7/layout/RoundedRectangleTimeline"/>
-    <dgm:cxn modelId="{4182CE37-4E54-4351-9A5F-1904FF20E71C}" type="presParOf" srcId="{3ADEA4DF-6814-494D-9D3D-41947417052B}" destId="{1BB5FD64-47F9-47A3-911F-535BFE17A3B9}" srcOrd="1" destOrd="0" presId="urn:microsoft.com/office/officeart/2016/7/layout/RoundedRectangleTimeline"/>
-    <dgm:cxn modelId="{618B960F-61F5-4357-A407-60CA51E36041}" type="presParOf" srcId="{3ADEA4DF-6814-494D-9D3D-41947417052B}" destId="{FE9B27EB-7AC7-485A-9A55-41E8118F9EAF}" srcOrd="2" destOrd="0" presId="urn:microsoft.com/office/officeart/2016/7/layout/RoundedRectangleTimeline"/>
-    <dgm:cxn modelId="{181A4BE4-72AF-463E-880D-D34673D0F9E8}" type="presParOf" srcId="{3ADEA4DF-6814-494D-9D3D-41947417052B}" destId="{46BD4721-4664-4AD0-9F11-DBE7E0B207D5}" srcOrd="3" destOrd="0" presId="urn:microsoft.com/office/officeart/2016/7/layout/RoundedRectangleTimeline"/>
-    <dgm:cxn modelId="{AC4EA57A-E4C0-4C2D-8EC9-38BC20FC13B6}" type="presParOf" srcId="{3ADEA4DF-6814-494D-9D3D-41947417052B}" destId="{69028BD0-349D-4B47-B1F4-B64C6478DE3C}" srcOrd="4" destOrd="0" presId="urn:microsoft.com/office/officeart/2016/7/layout/RoundedRectangleTimeline"/>
-    <dgm:cxn modelId="{AA8AD3DD-2E80-42F5-B3E4-A5C7AF3802D4}" type="presParOf" srcId="{196C9F68-3606-4282-A4C6-4485F1280B5F}" destId="{619CFBB1-86F5-45A6-80BA-23F97450662F}" srcOrd="7" destOrd="0" presId="urn:microsoft.com/office/officeart/2016/7/layout/RoundedRectangleTimeline"/>
-    <dgm:cxn modelId="{FDD0F37D-1C7B-48B3-AC81-ED4C6F1B5BBD}" type="presParOf" srcId="{196C9F68-3606-4282-A4C6-4485F1280B5F}" destId="{E4E0A96A-AF87-442A-A1A3-64B8F3CFC7FE}" srcOrd="8" destOrd="0" presId="urn:microsoft.com/office/officeart/2016/7/layout/RoundedRectangleTimeline"/>
-    <dgm:cxn modelId="{CF303A04-9A48-4B41-A7BB-CC3D8C5695D3}" type="presParOf" srcId="{E4E0A96A-AF87-442A-A1A3-64B8F3CFC7FE}" destId="{483E7832-9872-48C4-8E65-DCB39D4CDBDF}" srcOrd="0" destOrd="0" presId="urn:microsoft.com/office/officeart/2016/7/layout/RoundedRectangleTimeline"/>
-    <dgm:cxn modelId="{73245F8D-03D3-46C1-81E4-D90E66C49907}" type="presParOf" srcId="{E4E0A96A-AF87-442A-A1A3-64B8F3CFC7FE}" destId="{1FA3C236-5719-4A33-A6BB-80FA85F940E3}" srcOrd="1" destOrd="0" presId="urn:microsoft.com/office/officeart/2016/7/layout/RoundedRectangleTimeline"/>
-    <dgm:cxn modelId="{412C5C97-3381-4F16-9B7D-FDFBEDD4E918}" type="presParOf" srcId="{E4E0A96A-AF87-442A-A1A3-64B8F3CFC7FE}" destId="{18F1C823-9ACD-4FCD-8102-F468DCE57A45}" srcOrd="2" destOrd="0" presId="urn:microsoft.com/office/officeart/2016/7/layout/RoundedRectangleTimeline"/>
-    <dgm:cxn modelId="{23A8F6FC-DFDA-4E9F-A354-A33937E1BFC9}" type="presParOf" srcId="{E4E0A96A-AF87-442A-A1A3-64B8F3CFC7FE}" destId="{F8AD0AB8-BBDF-4F0A-A6A0-850E289DD521}" srcOrd="3" destOrd="0" presId="urn:microsoft.com/office/officeart/2016/7/layout/RoundedRectangleTimeline"/>
-    <dgm:cxn modelId="{C02C06C2-0966-4212-84DD-DA325FCEF64C}" type="presParOf" srcId="{E4E0A96A-AF87-442A-A1A3-64B8F3CFC7FE}" destId="{11CAE2E7-2E06-450A-A729-9C2DCEF85421}" srcOrd="4" destOrd="0" presId="urn:microsoft.com/office/officeart/2016/7/layout/RoundedRectangleTimeline"/>
-  </dgm:cxnLst>
-  <dgm:bg/>
-  <dgm:whole/>
-  <dgm:extLst>
-    <a:ext uri="http://schemas.microsoft.com/office/drawing/2008/diagram">
-      <dsp:dataModelExt xmlns:dsp="http://schemas.microsoft.com/office/drawing/2008/diagram" relId="rId7" minVer="http://schemas.openxmlformats.org/drawingml/2006/diagram"/>
-    </a:ext>
-  </dgm:extLst>
-</dgm:dataModel>
-</file>
-
-<file path=ppt/diagrams/drawing1.xml><?xml version="1.0" encoding="utf-8"?>
-<dsp:drawing xmlns:dgm="http://schemas.openxmlformats.org/drawingml/2006/diagram" xmlns:dsp="http://schemas.microsoft.com/office/drawing/2008/diagram" xmlns:a="http://schemas.openxmlformats.org/drawingml/2006/main">
-  <dsp:spTree>
-    <dsp:nvGrpSpPr>
-      <dsp:cNvPr id="0" name=""/>
-      <dsp:cNvGrpSpPr/>
-    </dsp:nvGrpSpPr>
-    <dsp:grpSpPr/>
-    <dsp:sp modelId="{E088D226-49D7-4C30-90DC-CA1755D98829}">
-      <dsp:nvSpPr>
-        <dsp:cNvPr id="0" name=""/>
-        <dsp:cNvSpPr/>
-      </dsp:nvSpPr>
-      <dsp:spPr>
-        <a:xfrm rot="16200000">
-          <a:off x="1434223" y="1011950"/>
-          <a:ext cx="397986" cy="1955960"/>
-        </a:xfrm>
-        <a:prstGeom prst="round2SameRect">
-          <a:avLst/>
-        </a:prstGeom>
-        <a:solidFill>
-          <a:schemeClr val="accent5">
-            <a:hueOff val="0"/>
-            <a:satOff val="0"/>
-            <a:lumOff val="0"/>
-            <a:alphaOff val="0"/>
-          </a:schemeClr>
-        </a:solidFill>
-        <a:ln w="12700" cap="flat" cmpd="sng" algn="ctr">
-          <a:solidFill>
-            <a:schemeClr val="accent5">
-              <a:hueOff val="0"/>
-              <a:satOff val="0"/>
-              <a:lumOff val="0"/>
-              <a:alphaOff val="0"/>
-            </a:schemeClr>
-          </a:solidFill>
-          <a:prstDash val="solid"/>
-          <a:miter lim="800000"/>
-        </a:ln>
-        <a:effectLst/>
-      </dsp:spPr>
-      <dsp:style>
-        <a:lnRef idx="2">
-          <a:scrgbClr r="0" g="0" b="0"/>
-        </a:lnRef>
-        <a:fillRef idx="1">
-          <a:scrgbClr r="0" g="0" b="0"/>
-        </a:fillRef>
-        <a:effectRef idx="0">
-          <a:scrgbClr r="0" g="0" b="0"/>
-        </a:effectRef>
-        <a:fontRef idx="minor">
-          <a:schemeClr val="lt1"/>
-        </a:fontRef>
-      </dsp:style>
-      <dsp:txBody>
-        <a:bodyPr spcFirstLastPara="0" vert="horz" wrap="square" lIns="137160" tIns="137160" rIns="137160" bIns="137160" numCol="1" spcCol="1270" anchor="ctr" anchorCtr="1">
-          <a:noAutofit/>
-        </a:bodyPr>
-        <a:lstStyle/>
-        <a:p>
-          <a:pPr marL="0" lvl="0" indent="0" algn="ctr" defTabSz="800100">
-            <a:lnSpc>
-              <a:spcPct val="90000"/>
-            </a:lnSpc>
-            <a:spcBef>
-              <a:spcPct val="0"/>
-            </a:spcBef>
-            <a:spcAft>
-              <a:spcPct val="35000"/>
-            </a:spcAft>
-            <a:buNone/>
-          </a:pPr>
-          <a:r>
-            <a:rPr lang="en-US" sz="1800" kern="1200" dirty="0">
-              <a:latin typeface="+mn-lt"/>
-            </a:rPr>
-            <a:t>Title</a:t>
-          </a:r>
-        </a:p>
-      </dsp:txBody>
-      <dsp:txXfrm rot="5400000">
-        <a:off x="674664" y="1810365"/>
-        <a:ext cx="1936532" cy="359130"/>
-      </dsp:txXfrm>
-    </dsp:sp>
-    <dsp:sp modelId="{45A02F84-C6CB-43F5-AEE4-3EA66C2BD25F}">
-      <dsp:nvSpPr>
-        <dsp:cNvPr id="0" name=""/>
-        <dsp:cNvSpPr/>
-      </dsp:nvSpPr>
-      <dsp:spPr>
-        <a:xfrm>
-          <a:off x="3249" y="0"/>
-          <a:ext cx="3259934" cy="1392951"/>
-        </a:xfrm>
-        <a:prstGeom prst="rect">
-          <a:avLst/>
-        </a:prstGeom>
-        <a:noFill/>
-        <a:ln>
-          <a:noFill/>
-        </a:ln>
-        <a:effectLst/>
-      </dsp:spPr>
-      <dsp:style>
-        <a:lnRef idx="0">
-          <a:scrgbClr r="0" g="0" b="0"/>
-        </a:lnRef>
-        <a:fillRef idx="0">
-          <a:scrgbClr r="0" g="0" b="0"/>
-        </a:fillRef>
-        <a:effectRef idx="0">
-          <a:scrgbClr r="0" g="0" b="0"/>
-        </a:effectRef>
-        <a:fontRef idx="minor"/>
-      </dsp:style>
-      <dsp:txBody>
-        <a:bodyPr spcFirstLastPara="0" vert="horz" wrap="square" lIns="0" tIns="0" rIns="0" bIns="137160" numCol="1" spcCol="1270" anchor="b" anchorCtr="1">
-          <a:noAutofit/>
-        </a:bodyPr>
-        <a:lstStyle/>
-        <a:p>
-          <a:pPr marL="0" lvl="0" indent="0" algn="ctr" defTabSz="800100">
-            <a:lnSpc>
-              <a:spcPct val="90000"/>
-            </a:lnSpc>
-            <a:spcBef>
-              <a:spcPct val="0"/>
-            </a:spcBef>
-            <a:spcAft>
-              <a:spcPct val="35000"/>
-            </a:spcAft>
-            <a:buFont typeface="Symbol" panose="05050102010706020507" pitchFamily="18" charset="2"/>
-            <a:buNone/>
-          </a:pPr>
-          <a:r>
-            <a:rPr lang="en-US" sz="1800" kern="1200" dirty="0">
-              <a:latin typeface="+mn-lt"/>
-            </a:rPr>
-            <a:t>To start a presentation, go to the Slide Show tab, and select          From Beginning.</a:t>
-          </a:r>
-        </a:p>
-      </dsp:txBody>
-      <dsp:txXfrm>
-        <a:off x="3249" y="0"/>
-        <a:ext cx="3259934" cy="1392951"/>
-      </dsp:txXfrm>
-    </dsp:sp>
-    <dsp:sp modelId="{6BA46904-CB7C-4538-BD49-D3891EF19552}">
-      <dsp:nvSpPr>
-        <dsp:cNvPr id="0" name=""/>
-        <dsp:cNvSpPr/>
-      </dsp:nvSpPr>
-      <dsp:spPr>
-        <a:xfrm>
-          <a:off x="1633216" y="1472548"/>
-          <a:ext cx="0" cy="318388"/>
-        </a:xfrm>
-        <a:prstGeom prst="line">
-          <a:avLst/>
-        </a:prstGeom>
-        <a:noFill/>
-        <a:ln w="6350" cap="flat" cmpd="sng" algn="ctr">
-          <a:solidFill>
-            <a:schemeClr val="accent5">
-              <a:hueOff val="0"/>
-              <a:satOff val="0"/>
-              <a:lumOff val="0"/>
-              <a:alphaOff val="0"/>
-            </a:schemeClr>
-          </a:solidFill>
-          <a:prstDash val="dash"/>
-          <a:miter lim="800000"/>
-        </a:ln>
-        <a:effectLst/>
-      </dsp:spPr>
-      <dsp:style>
-        <a:lnRef idx="1">
-          <a:scrgbClr r="0" g="0" b="0"/>
-        </a:lnRef>
-        <a:fillRef idx="0">
-          <a:scrgbClr r="0" g="0" b="0"/>
-        </a:fillRef>
-        <a:effectRef idx="0">
-          <a:scrgbClr r="0" g="0" b="0"/>
-        </a:effectRef>
-        <a:fontRef idx="minor"/>
-      </dsp:style>
-    </dsp:sp>
-    <dsp:sp modelId="{049FDBD0-77FE-49D1-A275-A272C8C5E426}">
-      <dsp:nvSpPr>
-        <dsp:cNvPr id="0" name=""/>
-        <dsp:cNvSpPr/>
-      </dsp:nvSpPr>
-      <dsp:spPr>
-        <a:xfrm>
-          <a:off x="1593417" y="1392951"/>
-          <a:ext cx="79597" cy="79597"/>
-        </a:xfrm>
-        <a:prstGeom prst="ellipse">
-          <a:avLst/>
-        </a:prstGeom>
-        <a:solidFill>
-          <a:schemeClr val="accent5">
-            <a:hueOff val="0"/>
-            <a:satOff val="0"/>
-            <a:lumOff val="0"/>
-            <a:alphaOff val="0"/>
-          </a:schemeClr>
-        </a:solidFill>
-        <a:ln w="12700" cap="flat" cmpd="sng" algn="ctr">
-          <a:solidFill>
-            <a:schemeClr val="lt1">
-              <a:hueOff val="0"/>
-              <a:satOff val="0"/>
-              <a:lumOff val="0"/>
-              <a:alphaOff val="0"/>
-            </a:schemeClr>
-          </a:solidFill>
-          <a:prstDash val="solid"/>
-          <a:miter lim="800000"/>
-        </a:ln>
-        <a:effectLst/>
-      </dsp:spPr>
-      <dsp:style>
-        <a:lnRef idx="2">
-          <a:scrgbClr r="0" g="0" b="0"/>
-        </a:lnRef>
-        <a:fillRef idx="1">
-          <a:scrgbClr r="0" g="0" b="0"/>
-        </a:fillRef>
-        <a:effectRef idx="0">
-          <a:scrgbClr r="0" g="0" b="0"/>
-        </a:effectRef>
-        <a:fontRef idx="minor">
-          <a:schemeClr val="lt1"/>
-        </a:fontRef>
-      </dsp:style>
-    </dsp:sp>
-    <dsp:sp modelId="{539615E2-3277-4D8E-8484-FF5088C8BF01}">
-      <dsp:nvSpPr>
-        <dsp:cNvPr id="0" name=""/>
-        <dsp:cNvSpPr/>
-      </dsp:nvSpPr>
-      <dsp:spPr>
-        <a:xfrm>
-          <a:off x="2611196" y="1790937"/>
-          <a:ext cx="1955960" cy="397986"/>
-        </a:xfrm>
-        <a:prstGeom prst="rect">
-          <a:avLst/>
-        </a:prstGeom>
-        <a:solidFill>
-          <a:schemeClr val="accent5">
-            <a:hueOff val="90002"/>
-            <a:satOff val="2173"/>
-            <a:lumOff val="-10490"/>
-            <a:alphaOff val="0"/>
-          </a:schemeClr>
-        </a:solidFill>
-        <a:ln w="12700" cap="flat" cmpd="sng" algn="ctr">
-          <a:solidFill>
-            <a:schemeClr val="accent5">
-              <a:hueOff val="90002"/>
-              <a:satOff val="2173"/>
-              <a:lumOff val="-10490"/>
-              <a:alphaOff val="0"/>
-            </a:schemeClr>
-          </a:solidFill>
-          <a:prstDash val="solid"/>
-          <a:miter lim="800000"/>
-        </a:ln>
-        <a:effectLst/>
-      </dsp:spPr>
-      <dsp:style>
-        <a:lnRef idx="2">
-          <a:scrgbClr r="0" g="0" b="0"/>
-        </a:lnRef>
-        <a:fillRef idx="1">
-          <a:scrgbClr r="0" g="0" b="0"/>
-        </a:fillRef>
-        <a:effectRef idx="0">
-          <a:scrgbClr r="0" g="0" b="0"/>
-        </a:effectRef>
-        <a:fontRef idx="minor">
-          <a:schemeClr val="lt1"/>
-        </a:fontRef>
-      </dsp:style>
-      <dsp:txBody>
-        <a:bodyPr spcFirstLastPara="0" vert="horz" wrap="square" lIns="137160" tIns="137160" rIns="137160" bIns="137160" numCol="1" spcCol="1270" anchor="ctr" anchorCtr="1">
-          <a:noAutofit/>
-        </a:bodyPr>
-        <a:lstStyle/>
-        <a:p>
-          <a:pPr marL="0" lvl="0" indent="0" algn="ctr" defTabSz="800100">
-            <a:lnSpc>
-              <a:spcPct val="90000"/>
-            </a:lnSpc>
-            <a:spcBef>
-              <a:spcPct val="0"/>
-            </a:spcBef>
-            <a:spcAft>
-              <a:spcPct val="35000"/>
-            </a:spcAft>
-            <a:buNone/>
-          </a:pPr>
-          <a:r>
-            <a:rPr lang="en-US" sz="1800" kern="1200" dirty="0">
-              <a:latin typeface="+mn-lt"/>
-            </a:rPr>
-            <a:t>Title</a:t>
-          </a:r>
-        </a:p>
-      </dsp:txBody>
-      <dsp:txXfrm>
-        <a:off x="2611196" y="1790937"/>
-        <a:ext cx="1955960" cy="397986"/>
-      </dsp:txXfrm>
-    </dsp:sp>
-    <dsp:sp modelId="{FEBD3C2A-A340-470A-A475-AE614EA07678}">
-      <dsp:nvSpPr>
-        <dsp:cNvPr id="0" name=""/>
-        <dsp:cNvSpPr/>
-      </dsp:nvSpPr>
-      <dsp:spPr>
-        <a:xfrm>
-          <a:off x="1959209" y="2586910"/>
-          <a:ext cx="3259934" cy="1392951"/>
-        </a:xfrm>
-        <a:prstGeom prst="rect">
-          <a:avLst/>
-        </a:prstGeom>
-        <a:noFill/>
-        <a:ln>
-          <a:noFill/>
-        </a:ln>
-        <a:effectLst/>
-      </dsp:spPr>
-      <dsp:style>
-        <a:lnRef idx="0">
-          <a:scrgbClr r="0" g="0" b="0"/>
-        </a:lnRef>
-        <a:fillRef idx="0">
-          <a:scrgbClr r="0" g="0" b="0"/>
-        </a:fillRef>
-        <a:effectRef idx="0">
-          <a:scrgbClr r="0" g="0" b="0"/>
-        </a:effectRef>
-        <a:fontRef idx="minor"/>
-      </dsp:style>
-      <dsp:txBody>
-        <a:bodyPr spcFirstLastPara="0" vert="horz" wrap="square" lIns="0" tIns="137160" rIns="0" bIns="0" numCol="1" spcCol="1270" anchor="t" anchorCtr="1">
-          <a:noAutofit/>
-        </a:bodyPr>
-        <a:lstStyle/>
-        <a:p>
-          <a:pPr marL="0" lvl="0" indent="0" algn="ctr" defTabSz="800100">
-            <a:lnSpc>
-              <a:spcPct val="90000"/>
-            </a:lnSpc>
-            <a:spcBef>
-              <a:spcPct val="0"/>
-            </a:spcBef>
-            <a:spcAft>
-              <a:spcPct val="35000"/>
-            </a:spcAft>
-            <a:buFont typeface="Symbol" panose="05050102010706020507" pitchFamily="18" charset="2"/>
-            <a:buNone/>
-          </a:pPr>
-          <a:r>
-            <a:rPr lang="en-US" sz="1800" kern="1200" dirty="0">
-              <a:latin typeface="+mn-lt"/>
-            </a:rPr>
-            <a:t>To display Presenter view, in Slide Show view, on the control bar at the bottom left select the three dots, and then Show                 Presenter View.</a:t>
-          </a:r>
-        </a:p>
-      </dsp:txBody>
-      <dsp:txXfrm>
-        <a:off x="1959209" y="2586910"/>
-        <a:ext cx="3259934" cy="1392951"/>
-      </dsp:txXfrm>
-    </dsp:sp>
-    <dsp:sp modelId="{080474C8-0FEA-4FD1-97F1-0978CFB4A37F}">
-      <dsp:nvSpPr>
-        <dsp:cNvPr id="0" name=""/>
-        <dsp:cNvSpPr/>
-      </dsp:nvSpPr>
-      <dsp:spPr>
-        <a:xfrm>
-          <a:off x="3589176" y="2188924"/>
-          <a:ext cx="0" cy="318388"/>
-        </a:xfrm>
-        <a:prstGeom prst="line">
-          <a:avLst/>
-        </a:prstGeom>
-        <a:noFill/>
-        <a:ln w="6350" cap="flat" cmpd="sng" algn="ctr">
-          <a:solidFill>
-            <a:schemeClr val="accent5">
-              <a:hueOff val="90002"/>
-              <a:satOff val="2173"/>
-              <a:lumOff val="-10490"/>
-              <a:alphaOff val="0"/>
-            </a:schemeClr>
-          </a:solidFill>
-          <a:prstDash val="dash"/>
-          <a:miter lim="800000"/>
-        </a:ln>
-        <a:effectLst/>
-      </dsp:spPr>
-      <dsp:style>
-        <a:lnRef idx="1">
-          <a:scrgbClr r="0" g="0" b="0"/>
-        </a:lnRef>
-        <a:fillRef idx="0">
-          <a:scrgbClr r="0" g="0" b="0"/>
-        </a:fillRef>
-        <a:effectRef idx="0">
-          <a:scrgbClr r="0" g="0" b="0"/>
-        </a:effectRef>
-        <a:fontRef idx="minor"/>
-      </dsp:style>
-    </dsp:sp>
-    <dsp:sp modelId="{4797FB61-2602-4A58-81E6-6F133DB1E419}">
-      <dsp:nvSpPr>
-        <dsp:cNvPr id="0" name=""/>
-        <dsp:cNvSpPr/>
-      </dsp:nvSpPr>
-      <dsp:spPr>
-        <a:xfrm>
-          <a:off x="3549378" y="2507313"/>
-          <a:ext cx="79597" cy="79597"/>
-        </a:xfrm>
-        <a:prstGeom prst="ellipse">
-          <a:avLst/>
-        </a:prstGeom>
-        <a:solidFill>
-          <a:schemeClr val="accent5">
-            <a:hueOff val="90002"/>
-            <a:satOff val="2173"/>
-            <a:lumOff val="-10490"/>
-            <a:alphaOff val="0"/>
-          </a:schemeClr>
-        </a:solidFill>
-        <a:ln w="12700" cap="flat" cmpd="sng" algn="ctr">
-          <a:solidFill>
-            <a:schemeClr val="lt1">
-              <a:hueOff val="0"/>
-              <a:satOff val="0"/>
-              <a:lumOff val="0"/>
-              <a:alphaOff val="0"/>
-            </a:schemeClr>
-          </a:solidFill>
-          <a:prstDash val="solid"/>
-          <a:miter lim="800000"/>
-        </a:ln>
-        <a:effectLst/>
-      </dsp:spPr>
-      <dsp:style>
-        <a:lnRef idx="2">
-          <a:scrgbClr r="0" g="0" b="0"/>
-        </a:lnRef>
-        <a:fillRef idx="1">
-          <a:scrgbClr r="0" g="0" b="0"/>
-        </a:fillRef>
-        <a:effectRef idx="0">
-          <a:scrgbClr r="0" g="0" b="0"/>
-        </a:effectRef>
-        <a:fontRef idx="minor">
-          <a:schemeClr val="lt1"/>
-        </a:fontRef>
-      </dsp:style>
-    </dsp:sp>
-    <dsp:sp modelId="{9D82041D-873A-4600-A9C7-C0A0ADFB138B}">
-      <dsp:nvSpPr>
-        <dsp:cNvPr id="0" name=""/>
-        <dsp:cNvSpPr/>
-      </dsp:nvSpPr>
-      <dsp:spPr>
-        <a:xfrm>
-          <a:off x="4567157" y="1790937"/>
-          <a:ext cx="1955960" cy="397986"/>
-        </a:xfrm>
-        <a:prstGeom prst="rect">
-          <a:avLst/>
-        </a:prstGeom>
-        <a:solidFill>
-          <a:schemeClr val="accent5">
-            <a:hueOff val="180003"/>
-            <a:satOff val="4346"/>
-            <a:lumOff val="-20980"/>
-            <a:alphaOff val="0"/>
-          </a:schemeClr>
-        </a:solidFill>
-        <a:ln w="12700" cap="flat" cmpd="sng" algn="ctr">
-          <a:solidFill>
-            <a:schemeClr val="accent5">
-              <a:hueOff val="180003"/>
-              <a:satOff val="4346"/>
-              <a:lumOff val="-20980"/>
-              <a:alphaOff val="0"/>
-            </a:schemeClr>
-          </a:solidFill>
-          <a:prstDash val="solid"/>
-          <a:miter lim="800000"/>
-        </a:ln>
-        <a:effectLst/>
-      </dsp:spPr>
-      <dsp:style>
-        <a:lnRef idx="2">
-          <a:scrgbClr r="0" g="0" b="0"/>
-        </a:lnRef>
-        <a:fillRef idx="1">
-          <a:scrgbClr r="0" g="0" b="0"/>
-        </a:fillRef>
-        <a:effectRef idx="0">
-          <a:scrgbClr r="0" g="0" b="0"/>
-        </a:effectRef>
-        <a:fontRef idx="minor">
-          <a:schemeClr val="lt1"/>
-        </a:fontRef>
-      </dsp:style>
-      <dsp:txBody>
-        <a:bodyPr spcFirstLastPara="0" vert="horz" wrap="square" lIns="137160" tIns="137160" rIns="137160" bIns="137160" numCol="1" spcCol="1270" anchor="ctr" anchorCtr="1">
-          <a:noAutofit/>
-        </a:bodyPr>
-        <a:lstStyle/>
-        <a:p>
-          <a:pPr marL="0" lvl="0" indent="0" algn="ctr" defTabSz="800100">
-            <a:lnSpc>
-              <a:spcPct val="90000"/>
-            </a:lnSpc>
-            <a:spcBef>
-              <a:spcPct val="0"/>
-            </a:spcBef>
-            <a:spcAft>
-              <a:spcPct val="35000"/>
-            </a:spcAft>
-            <a:buNone/>
-          </a:pPr>
-          <a:r>
-            <a:rPr lang="en-US" sz="1800" kern="1200" dirty="0">
-              <a:latin typeface="+mn-lt"/>
-            </a:rPr>
-            <a:t>Title</a:t>
-          </a:r>
-        </a:p>
-      </dsp:txBody>
-      <dsp:txXfrm>
-        <a:off x="4567157" y="1790937"/>
-        <a:ext cx="1955960" cy="397986"/>
-      </dsp:txXfrm>
-    </dsp:sp>
-    <dsp:sp modelId="{80CDBBF8-C6B4-4166-87C1-DC9120CC7586}">
-      <dsp:nvSpPr>
-        <dsp:cNvPr id="0" name=""/>
-        <dsp:cNvSpPr/>
-      </dsp:nvSpPr>
-      <dsp:spPr>
-        <a:xfrm>
-          <a:off x="3915170" y="0"/>
-          <a:ext cx="3259934" cy="1392951"/>
-        </a:xfrm>
-        <a:prstGeom prst="rect">
-          <a:avLst/>
-        </a:prstGeom>
-        <a:noFill/>
-        <a:ln>
-          <a:noFill/>
-        </a:ln>
-        <a:effectLst/>
-      </dsp:spPr>
-      <dsp:style>
-        <a:lnRef idx="0">
-          <a:scrgbClr r="0" g="0" b="0"/>
-        </a:lnRef>
-        <a:fillRef idx="0">
-          <a:scrgbClr r="0" g="0" b="0"/>
-        </a:fillRef>
-        <a:effectRef idx="0">
-          <a:scrgbClr r="0" g="0" b="0"/>
-        </a:effectRef>
-        <a:fontRef idx="minor"/>
-      </dsp:style>
-      <dsp:txBody>
-        <a:bodyPr spcFirstLastPara="0" vert="horz" wrap="square" lIns="0" tIns="0" rIns="0" bIns="137160" numCol="1" spcCol="1270" anchor="b" anchorCtr="1">
-          <a:noAutofit/>
-        </a:bodyPr>
-        <a:lstStyle/>
-        <a:p>
-          <a:pPr marL="0" lvl="0" indent="0" algn="ctr" defTabSz="800100">
-            <a:lnSpc>
-              <a:spcPct val="90000"/>
-            </a:lnSpc>
-            <a:spcBef>
-              <a:spcPct val="0"/>
-            </a:spcBef>
-            <a:spcAft>
-              <a:spcPct val="35000"/>
-            </a:spcAft>
-            <a:buFont typeface="Symbol" panose="05050102010706020507" pitchFamily="18" charset="2"/>
-            <a:buNone/>
-          </a:pPr>
-          <a:r>
-            <a:rPr lang="en-US" sz="1800" kern="1200" dirty="0"/>
-            <a:t>During your presentation, the speaker notes are visible on your monitor, but aren't visible to      the audience.</a:t>
-          </a:r>
-          <a:endParaRPr lang="en-US" sz="1800" kern="1200" dirty="0">
-            <a:latin typeface="+mn-lt"/>
-          </a:endParaRPr>
-        </a:p>
-      </dsp:txBody>
-      <dsp:txXfrm>
-        <a:off x="3915170" y="0"/>
-        <a:ext cx="3259934" cy="1392951"/>
-      </dsp:txXfrm>
-    </dsp:sp>
-    <dsp:sp modelId="{89759DE5-9F8A-470E-A6D8-F13BB4DEE93D}">
-      <dsp:nvSpPr>
-        <dsp:cNvPr id="0" name=""/>
-        <dsp:cNvSpPr/>
-      </dsp:nvSpPr>
-      <dsp:spPr>
-        <a:xfrm>
-          <a:off x="5545137" y="1472548"/>
-          <a:ext cx="0" cy="318388"/>
-        </a:xfrm>
-        <a:prstGeom prst="line">
-          <a:avLst/>
-        </a:prstGeom>
-        <a:noFill/>
-        <a:ln w="6350" cap="flat" cmpd="sng" algn="ctr">
-          <a:solidFill>
-            <a:schemeClr val="accent5">
-              <a:hueOff val="180003"/>
-              <a:satOff val="4346"/>
-              <a:lumOff val="-20980"/>
-              <a:alphaOff val="0"/>
-            </a:schemeClr>
-          </a:solidFill>
-          <a:prstDash val="dash"/>
-          <a:miter lim="800000"/>
-        </a:ln>
-        <a:effectLst/>
-      </dsp:spPr>
-      <dsp:style>
-        <a:lnRef idx="1">
-          <a:scrgbClr r="0" g="0" b="0"/>
-        </a:lnRef>
-        <a:fillRef idx="0">
-          <a:scrgbClr r="0" g="0" b="0"/>
-        </a:fillRef>
-        <a:effectRef idx="0">
-          <a:scrgbClr r="0" g="0" b="0"/>
-        </a:effectRef>
-        <a:fontRef idx="minor"/>
-      </dsp:style>
-    </dsp:sp>
-    <dsp:sp modelId="{07CCF286-8B46-4A20-ACAC-84BA2D6EFBBC}">
-      <dsp:nvSpPr>
-        <dsp:cNvPr id="0" name=""/>
-        <dsp:cNvSpPr/>
-      </dsp:nvSpPr>
-      <dsp:spPr>
-        <a:xfrm>
-          <a:off x="5505338" y="1392951"/>
-          <a:ext cx="79597" cy="79597"/>
-        </a:xfrm>
-        <a:prstGeom prst="ellipse">
-          <a:avLst/>
-        </a:prstGeom>
-        <a:solidFill>
-          <a:schemeClr val="accent5">
-            <a:hueOff val="180003"/>
-            <a:satOff val="4346"/>
-            <a:lumOff val="-20980"/>
-            <a:alphaOff val="0"/>
-          </a:schemeClr>
-        </a:solidFill>
-        <a:ln w="12700" cap="flat" cmpd="sng" algn="ctr">
-          <a:solidFill>
-            <a:schemeClr val="lt1">
-              <a:hueOff val="0"/>
-              <a:satOff val="0"/>
-              <a:lumOff val="0"/>
-              <a:alphaOff val="0"/>
-            </a:schemeClr>
-          </a:solidFill>
-          <a:prstDash val="solid"/>
-          <a:miter lim="800000"/>
-        </a:ln>
-        <a:effectLst/>
-      </dsp:spPr>
-      <dsp:style>
-        <a:lnRef idx="2">
-          <a:scrgbClr r="0" g="0" b="0"/>
-        </a:lnRef>
-        <a:fillRef idx="1">
-          <a:scrgbClr r="0" g="0" b="0"/>
-        </a:fillRef>
-        <a:effectRef idx="0">
-          <a:scrgbClr r="0" g="0" b="0"/>
-        </a:effectRef>
-        <a:fontRef idx="minor">
-          <a:schemeClr val="lt1"/>
-        </a:fontRef>
-      </dsp:style>
-    </dsp:sp>
-    <dsp:sp modelId="{74CD3FF2-195B-429B-BC6F-5B5A7FED2BE2}">
-      <dsp:nvSpPr>
-        <dsp:cNvPr id="0" name=""/>
-        <dsp:cNvSpPr/>
-      </dsp:nvSpPr>
-      <dsp:spPr>
-        <a:xfrm>
-          <a:off x="6523117" y="1790937"/>
-          <a:ext cx="1955960" cy="397986"/>
-        </a:xfrm>
-        <a:prstGeom prst="rect">
-          <a:avLst/>
-        </a:prstGeom>
-        <a:solidFill>
-          <a:schemeClr val="accent5">
-            <a:hueOff val="270005"/>
-            <a:satOff val="6519"/>
-            <a:lumOff val="-31471"/>
-            <a:alphaOff val="0"/>
-          </a:schemeClr>
-        </a:solidFill>
-        <a:ln w="12700" cap="flat" cmpd="sng" algn="ctr">
-          <a:solidFill>
-            <a:schemeClr val="accent5">
-              <a:hueOff val="270005"/>
-              <a:satOff val="6519"/>
-              <a:lumOff val="-31471"/>
-              <a:alphaOff val="0"/>
-            </a:schemeClr>
-          </a:solidFill>
-          <a:prstDash val="solid"/>
-          <a:miter lim="800000"/>
-        </a:ln>
-        <a:effectLst/>
-      </dsp:spPr>
-      <dsp:style>
-        <a:lnRef idx="2">
-          <a:scrgbClr r="0" g="0" b="0"/>
-        </a:lnRef>
-        <a:fillRef idx="1">
-          <a:scrgbClr r="0" g="0" b="0"/>
-        </a:fillRef>
-        <a:effectRef idx="0">
-          <a:scrgbClr r="0" g="0" b="0"/>
-        </a:effectRef>
-        <a:fontRef idx="minor">
-          <a:schemeClr val="lt1"/>
-        </a:fontRef>
-      </dsp:style>
-      <dsp:txBody>
-        <a:bodyPr spcFirstLastPara="0" vert="horz" wrap="square" lIns="137160" tIns="137160" rIns="137160" bIns="137160" numCol="1" spcCol="1270" anchor="ctr" anchorCtr="1">
-          <a:noAutofit/>
-        </a:bodyPr>
-        <a:lstStyle/>
-        <a:p>
-          <a:pPr marL="0" lvl="0" indent="0" algn="ctr" defTabSz="800100">
-            <a:lnSpc>
-              <a:spcPct val="90000"/>
-            </a:lnSpc>
-            <a:spcBef>
-              <a:spcPct val="0"/>
-            </a:spcBef>
-            <a:spcAft>
-              <a:spcPct val="35000"/>
-            </a:spcAft>
-            <a:buFont typeface="Symbol" panose="05050102010706020507" pitchFamily="18" charset="2"/>
-            <a:buNone/>
-          </a:pPr>
-          <a:r>
-            <a:rPr lang="en-US" sz="1800" kern="1200" dirty="0">
-              <a:latin typeface="+mn-lt"/>
-            </a:rPr>
-            <a:t>Title</a:t>
-          </a:r>
-        </a:p>
-      </dsp:txBody>
-      <dsp:txXfrm>
-        <a:off x="6523117" y="1790937"/>
-        <a:ext cx="1955960" cy="397986"/>
-      </dsp:txXfrm>
-    </dsp:sp>
-    <dsp:sp modelId="{1BB5FD64-47F9-47A3-911F-535BFE17A3B9}">
-      <dsp:nvSpPr>
-        <dsp:cNvPr id="0" name=""/>
-        <dsp:cNvSpPr/>
-      </dsp:nvSpPr>
-      <dsp:spPr>
-        <a:xfrm>
-          <a:off x="5871130" y="2586910"/>
-          <a:ext cx="3259934" cy="1392951"/>
-        </a:xfrm>
-        <a:prstGeom prst="rect">
-          <a:avLst/>
-        </a:prstGeom>
-        <a:noFill/>
-        <a:ln>
-          <a:noFill/>
-        </a:ln>
-        <a:effectLst/>
-      </dsp:spPr>
-      <dsp:style>
-        <a:lnRef idx="0">
-          <a:scrgbClr r="0" g="0" b="0"/>
-        </a:lnRef>
-        <a:fillRef idx="0">
-          <a:scrgbClr r="0" g="0" b="0"/>
-        </a:fillRef>
-        <a:effectRef idx="0">
-          <a:scrgbClr r="0" g="0" b="0"/>
-        </a:effectRef>
-        <a:fontRef idx="minor"/>
-      </dsp:style>
-      <dsp:txBody>
-        <a:bodyPr spcFirstLastPara="0" vert="horz" wrap="square" lIns="0" tIns="137160" rIns="0" bIns="0" numCol="1" spcCol="1270" anchor="t" anchorCtr="1">
-          <a:noAutofit/>
-        </a:bodyPr>
-        <a:lstStyle/>
-        <a:p>
-          <a:pPr marL="0" lvl="0" indent="0" algn="ctr" defTabSz="800100">
-            <a:lnSpc>
-              <a:spcPct val="90000"/>
-            </a:lnSpc>
-            <a:spcBef>
-              <a:spcPct val="0"/>
-            </a:spcBef>
-            <a:spcAft>
-              <a:spcPct val="35000"/>
-            </a:spcAft>
-            <a:buFont typeface="Symbol" panose="05050102010706020507" pitchFamily="18" charset="2"/>
-            <a:buNone/>
-          </a:pPr>
-          <a:r>
-            <a:rPr lang="en-US" sz="1800" kern="1200" dirty="0"/>
-            <a:t>The Notes pane is a box that appears below each slide. Tap it to add notes.</a:t>
-          </a:r>
-          <a:endParaRPr lang="en-US" sz="1800" kern="1200" dirty="0">
-            <a:latin typeface="+mn-lt"/>
-          </a:endParaRPr>
-        </a:p>
-      </dsp:txBody>
-      <dsp:txXfrm>
-        <a:off x="5871130" y="2586910"/>
-        <a:ext cx="3259934" cy="1392951"/>
-      </dsp:txXfrm>
-    </dsp:sp>
-    <dsp:sp modelId="{FE9B27EB-7AC7-485A-9A55-41E8118F9EAF}">
-      <dsp:nvSpPr>
-        <dsp:cNvPr id="0" name=""/>
-        <dsp:cNvSpPr/>
-      </dsp:nvSpPr>
-      <dsp:spPr>
-        <a:xfrm>
-          <a:off x="7501098" y="2188924"/>
-          <a:ext cx="0" cy="318388"/>
-        </a:xfrm>
-        <a:prstGeom prst="line">
-          <a:avLst/>
-        </a:prstGeom>
-        <a:noFill/>
-        <a:ln w="6350" cap="flat" cmpd="sng" algn="ctr">
-          <a:solidFill>
-            <a:schemeClr val="accent5">
-              <a:hueOff val="270005"/>
-              <a:satOff val="6519"/>
-              <a:lumOff val="-31471"/>
-              <a:alphaOff val="0"/>
-            </a:schemeClr>
-          </a:solidFill>
-          <a:prstDash val="dash"/>
-          <a:miter lim="800000"/>
-        </a:ln>
-        <a:effectLst/>
-      </dsp:spPr>
-      <dsp:style>
-        <a:lnRef idx="1">
-          <a:scrgbClr r="0" g="0" b="0"/>
-        </a:lnRef>
-        <a:fillRef idx="0">
-          <a:scrgbClr r="0" g="0" b="0"/>
-        </a:fillRef>
-        <a:effectRef idx="0">
-          <a:scrgbClr r="0" g="0" b="0"/>
-        </a:effectRef>
-        <a:fontRef idx="minor"/>
-      </dsp:style>
-    </dsp:sp>
-    <dsp:sp modelId="{46BD4721-4664-4AD0-9F11-DBE7E0B207D5}">
-      <dsp:nvSpPr>
-        <dsp:cNvPr id="0" name=""/>
-        <dsp:cNvSpPr/>
-      </dsp:nvSpPr>
-      <dsp:spPr>
-        <a:xfrm>
-          <a:off x="7461299" y="2507313"/>
-          <a:ext cx="79597" cy="79597"/>
-        </a:xfrm>
-        <a:prstGeom prst="ellipse">
-          <a:avLst/>
-        </a:prstGeom>
-        <a:solidFill>
-          <a:schemeClr val="accent5">
-            <a:hueOff val="270005"/>
-            <a:satOff val="6519"/>
-            <a:lumOff val="-31471"/>
-            <a:alphaOff val="0"/>
-          </a:schemeClr>
-        </a:solidFill>
-        <a:ln w="12700" cap="flat" cmpd="sng" algn="ctr">
-          <a:solidFill>
-            <a:schemeClr val="lt1">
-              <a:hueOff val="0"/>
-              <a:satOff val="0"/>
-              <a:lumOff val="0"/>
-              <a:alphaOff val="0"/>
-            </a:schemeClr>
-          </a:solidFill>
-          <a:prstDash val="solid"/>
-          <a:miter lim="800000"/>
-        </a:ln>
-        <a:effectLst/>
-      </dsp:spPr>
-      <dsp:style>
-        <a:lnRef idx="2">
-          <a:scrgbClr r="0" g="0" b="0"/>
-        </a:lnRef>
-        <a:fillRef idx="1">
-          <a:scrgbClr r="0" g="0" b="0"/>
-        </a:fillRef>
-        <a:effectRef idx="0">
-          <a:scrgbClr r="0" g="0" b="0"/>
-        </a:effectRef>
-        <a:fontRef idx="minor">
-          <a:schemeClr val="lt1"/>
-        </a:fontRef>
-      </dsp:style>
-    </dsp:sp>
-    <dsp:sp modelId="{483E7832-9872-48C4-8E65-DCB39D4CDBDF}">
-      <dsp:nvSpPr>
-        <dsp:cNvPr id="0" name=""/>
-        <dsp:cNvSpPr/>
-      </dsp:nvSpPr>
-      <dsp:spPr>
-        <a:xfrm rot="5400000">
-          <a:off x="9258065" y="1011950"/>
-          <a:ext cx="397986" cy="1955960"/>
-        </a:xfrm>
-        <a:prstGeom prst="round2SameRect">
-          <a:avLst/>
-        </a:prstGeom>
-        <a:solidFill>
-          <a:schemeClr val="accent5">
-            <a:hueOff val="360006"/>
-            <a:satOff val="8692"/>
-            <a:lumOff val="-41961"/>
-            <a:alphaOff val="0"/>
-          </a:schemeClr>
-        </a:solidFill>
-        <a:ln w="12700" cap="flat" cmpd="sng" algn="ctr">
-          <a:solidFill>
-            <a:schemeClr val="accent5">
-              <a:hueOff val="360006"/>
-              <a:satOff val="8692"/>
-              <a:lumOff val="-41961"/>
-              <a:alphaOff val="0"/>
-            </a:schemeClr>
-          </a:solidFill>
-          <a:prstDash val="solid"/>
-          <a:miter lim="800000"/>
-        </a:ln>
-        <a:effectLst/>
-      </dsp:spPr>
-      <dsp:style>
-        <a:lnRef idx="2">
-          <a:scrgbClr r="0" g="0" b="0"/>
-        </a:lnRef>
-        <a:fillRef idx="1">
-          <a:scrgbClr r="0" g="0" b="0"/>
-        </a:fillRef>
-        <a:effectRef idx="0">
-          <a:scrgbClr r="0" g="0" b="0"/>
-        </a:effectRef>
-        <a:fontRef idx="minor">
-          <a:schemeClr val="lt1"/>
-        </a:fontRef>
-      </dsp:style>
-      <dsp:txBody>
-        <a:bodyPr spcFirstLastPara="0" vert="horz" wrap="square" lIns="137160" tIns="137160" rIns="137160" bIns="137160" numCol="1" spcCol="1270" anchor="ctr" anchorCtr="1">
-          <a:noAutofit/>
-        </a:bodyPr>
-        <a:lstStyle/>
-        <a:p>
-          <a:pPr marL="0" lvl="0" indent="0" algn="ctr" defTabSz="800100">
-            <a:lnSpc>
-              <a:spcPct val="90000"/>
-            </a:lnSpc>
-            <a:spcBef>
-              <a:spcPct val="0"/>
-            </a:spcBef>
-            <a:spcAft>
-              <a:spcPct val="35000"/>
-            </a:spcAft>
-            <a:buFont typeface="Symbol" panose="05050102010706020507" pitchFamily="18" charset="2"/>
-            <a:buNone/>
-          </a:pPr>
-          <a:r>
-            <a:rPr lang="en-US" sz="1800" kern="1200" dirty="0">
-              <a:latin typeface="+mn-lt"/>
-            </a:rPr>
-            <a:t>Title</a:t>
-          </a:r>
-        </a:p>
-      </dsp:txBody>
-      <dsp:txXfrm rot="-5400000">
-        <a:off x="8479078" y="1810365"/>
-        <a:ext cx="1936532" cy="359130"/>
-      </dsp:txXfrm>
-    </dsp:sp>
-    <dsp:sp modelId="{1FA3C236-5719-4A33-A6BB-80FA85F940E3}">
-      <dsp:nvSpPr>
-        <dsp:cNvPr id="0" name=""/>
-        <dsp:cNvSpPr/>
-      </dsp:nvSpPr>
-      <dsp:spPr>
-        <a:xfrm>
-          <a:off x="7827091" y="0"/>
-          <a:ext cx="3259934" cy="1392951"/>
-        </a:xfrm>
-        <a:prstGeom prst="rect">
-          <a:avLst/>
-        </a:prstGeom>
-        <a:noFill/>
-        <a:ln>
-          <a:noFill/>
-        </a:ln>
-        <a:effectLst/>
-      </dsp:spPr>
-      <dsp:style>
-        <a:lnRef idx="0">
-          <a:scrgbClr r="0" g="0" b="0"/>
-        </a:lnRef>
-        <a:fillRef idx="0">
-          <a:scrgbClr r="0" g="0" b="0"/>
-        </a:fillRef>
-        <a:effectRef idx="0">
-          <a:scrgbClr r="0" g="0" b="0"/>
-        </a:effectRef>
-        <a:fontRef idx="minor"/>
-      </dsp:style>
-      <dsp:txBody>
-        <a:bodyPr spcFirstLastPara="0" vert="horz" wrap="square" lIns="0" tIns="0" rIns="0" bIns="137160" numCol="1" spcCol="1270" anchor="b" anchorCtr="1">
-          <a:noAutofit/>
-        </a:bodyPr>
-        <a:lstStyle/>
-        <a:p>
-          <a:pPr marL="0" lvl="0" indent="0" algn="ctr" defTabSz="800100">
-            <a:lnSpc>
-              <a:spcPct val="90000"/>
-            </a:lnSpc>
-            <a:spcBef>
-              <a:spcPct val="0"/>
-            </a:spcBef>
-            <a:spcAft>
-              <a:spcPct val="35000"/>
-            </a:spcAft>
-            <a:buFont typeface="Symbol" panose="05050102010706020507" pitchFamily="18" charset="2"/>
-            <a:buNone/>
-          </a:pPr>
-          <a:r>
-            <a:rPr lang="en-US" sz="1800" kern="1200" dirty="0"/>
-            <a:t>If you don’t see the Notes pane or it is completely minimized, click Notes on the task bar across the bottom of the PowerPoint window.</a:t>
-          </a:r>
-          <a:endParaRPr lang="en-US" sz="1800" kern="1200" dirty="0">
-            <a:latin typeface="+mn-lt"/>
-          </a:endParaRPr>
-        </a:p>
-      </dsp:txBody>
-      <dsp:txXfrm>
-        <a:off x="7827091" y="0"/>
-        <a:ext cx="3259934" cy="1392951"/>
-      </dsp:txXfrm>
-    </dsp:sp>
-    <dsp:sp modelId="{18F1C823-9ACD-4FCD-8102-F468DCE57A45}">
-      <dsp:nvSpPr>
-        <dsp:cNvPr id="0" name=""/>
-        <dsp:cNvSpPr/>
-      </dsp:nvSpPr>
-      <dsp:spPr>
-        <a:xfrm>
-          <a:off x="9457058" y="1472548"/>
-          <a:ext cx="0" cy="318388"/>
-        </a:xfrm>
-        <a:prstGeom prst="line">
-          <a:avLst/>
-        </a:prstGeom>
-        <a:noFill/>
-        <a:ln w="6350" cap="flat" cmpd="sng" algn="ctr">
-          <a:solidFill>
-            <a:schemeClr val="accent5">
-              <a:hueOff val="360006"/>
-              <a:satOff val="8692"/>
-              <a:lumOff val="-41961"/>
-              <a:alphaOff val="0"/>
-            </a:schemeClr>
-          </a:solidFill>
-          <a:prstDash val="dash"/>
-          <a:miter lim="800000"/>
-        </a:ln>
-        <a:effectLst/>
-      </dsp:spPr>
-      <dsp:style>
-        <a:lnRef idx="1">
-          <a:scrgbClr r="0" g="0" b="0"/>
-        </a:lnRef>
-        <a:fillRef idx="0">
-          <a:scrgbClr r="0" g="0" b="0"/>
-        </a:fillRef>
-        <a:effectRef idx="0">
-          <a:scrgbClr r="0" g="0" b="0"/>
-        </a:effectRef>
-        <a:fontRef idx="minor"/>
-      </dsp:style>
-    </dsp:sp>
-    <dsp:sp modelId="{F8AD0AB8-BBDF-4F0A-A6A0-850E289DD521}">
-      <dsp:nvSpPr>
-        <dsp:cNvPr id="0" name=""/>
-        <dsp:cNvSpPr/>
-      </dsp:nvSpPr>
-      <dsp:spPr>
-        <a:xfrm>
-          <a:off x="9417260" y="1392951"/>
-          <a:ext cx="79597" cy="79597"/>
-        </a:xfrm>
-        <a:prstGeom prst="ellipse">
-          <a:avLst/>
-        </a:prstGeom>
-        <a:solidFill>
-          <a:schemeClr val="accent5">
-            <a:hueOff val="360006"/>
-            <a:satOff val="8692"/>
-            <a:lumOff val="-41961"/>
-            <a:alphaOff val="0"/>
-          </a:schemeClr>
-        </a:solidFill>
-        <a:ln w="12700" cap="flat" cmpd="sng" algn="ctr">
-          <a:solidFill>
-            <a:schemeClr val="lt1">
-              <a:hueOff val="0"/>
-              <a:satOff val="0"/>
-              <a:lumOff val="0"/>
-              <a:alphaOff val="0"/>
-            </a:schemeClr>
-          </a:solidFill>
-          <a:prstDash val="solid"/>
-          <a:miter lim="800000"/>
-        </a:ln>
-        <a:effectLst/>
-      </dsp:spPr>
-      <dsp:style>
-        <a:lnRef idx="2">
-          <a:scrgbClr r="0" g="0" b="0"/>
-        </a:lnRef>
-        <a:fillRef idx="1">
-          <a:scrgbClr r="0" g="0" b="0"/>
-        </a:fillRef>
-        <a:effectRef idx="0">
-          <a:scrgbClr r="0" g="0" b="0"/>
-        </a:effectRef>
-        <a:fontRef idx="minor">
-          <a:schemeClr val="lt1"/>
-        </a:fontRef>
-      </dsp:style>
-    </dsp:sp>
-  </dsp:spTree>
-</dsp:drawing>
-</file>
-
-<file path=ppt/diagrams/layout1.xml><?xml version="1.0" encoding="utf-8"?>
-<dgm:layoutDef xmlns:dgm="http://schemas.openxmlformats.org/drawingml/2006/diagram" xmlns:a="http://schemas.openxmlformats.org/drawingml/2006/main" uniqueId="urn:microsoft.com/office/officeart/2016/7/layout/RoundedRectangleTimeline">
-  <dgm:title val="Rounded Rectangle Timeline"/>
-  <dgm:desc val="Use to show a list of events in chronological order. An invisible box contains the description while the date is shown in rectangles, except for the first and last node where the corners of the rectangle are rounded. It can display large amount of text and long descriptive date format."/>
-  <dgm:catLst>
-    <dgm:cat type="timeline" pri="500"/>
-    <dgm:cat type="process" pri="600"/>
-  </dgm:catLst>
-  <dgm:sampData>
-    <dgm:dataModel>
-      <dgm:ptLst>
-        <dgm:pt modelId="0" type="doc"/>
-        <dgm:pt modelId="10">
-          <dgm:prSet phldr="1"/>
-        </dgm:pt>
-        <dgm:pt modelId="11">
-          <dgm:prSet phldr="1"/>
-        </dgm:pt>
-        <dgm:pt modelId="20">
-          <dgm:prSet phldr="1"/>
-        </dgm:pt>
-        <dgm:pt modelId="21">
-          <dgm:prSet phldr="1"/>
-        </dgm:pt>
-        <dgm:pt modelId="30">
-          <dgm:prSet phldr="1"/>
-        </dgm:pt>
-        <dgm:pt modelId="31">
-          <dgm:prSet phldr="1"/>
-        </dgm:pt>
-      </dgm:ptLst>
-      <dgm:cxnLst>
-        <dgm:cxn modelId="40" srcId="0" destId="10" srcOrd="0" destOrd="0"/>
-        <dgm:cxn modelId="12" srcId="10" destId="11" srcOrd="0" destOrd="0"/>
-        <dgm:cxn modelId="50" srcId="0" destId="20" srcOrd="1" destOrd="0"/>
-        <dgm:cxn modelId="22" srcId="20" destId="21" srcOrd="0" destOrd="0"/>
-        <dgm:cxn modelId="60" srcId="0" destId="30" srcOrd="1" destOrd="0"/>
-        <dgm:cxn modelId="32" srcId="30" destId="31" srcOrd="0" destOrd="0"/>
-      </dgm:cxnLst>
-      <dgm:bg/>
-      <dgm:whole/>
-    </dgm:dataModel>
-  </dgm:sampData>
-  <dgm:styleData>
-    <dgm:dataModel>
-      <dgm:ptLst>
-        <dgm:pt modelId="0" type="doc"/>
-        <dgm:pt modelId="10">
-          <dgm:prSet phldr="1"/>
-        </dgm:pt>
-        <dgm:pt modelId="20">
-          <dgm:prSet phldr="1"/>
-        </dgm:pt>
-      </dgm:ptLst>
-      <dgm:cxnLst>
-        <dgm:cxn modelId="60" srcId="0" destId="10" srcOrd="0" destOrd="0"/>
-        <dgm:cxn modelId="70" srcId="0" destId="20" srcOrd="1" destOrd="0"/>
-      </dgm:cxnLst>
-      <dgm:bg/>
-      <dgm:whole/>
-    </dgm:dataModel>
-  </dgm:styleData>
-  <dgm:clrData>
-    <dgm:dataModel>
-      <dgm:ptLst>
-        <dgm:pt modelId="0" type="doc"/>
-        <dgm:pt modelId="10">
-          <dgm:prSet phldr="1"/>
-        </dgm:pt>
-        <dgm:pt modelId="20">
-          <dgm:prSet phldr="1"/>
-        </dgm:pt>
-        <dgm:pt modelId="30">
-          <dgm:prSet phldr="1"/>
-        </dgm:pt>
-        <dgm:pt modelId="40">
-          <dgm:prSet phldr="1"/>
-        </dgm:pt>
-      </dgm:ptLst>
-      <dgm:cxnLst>
-        <dgm:cxn modelId="60" srcId="0" destId="10" srcOrd="0" destOrd="0"/>
-        <dgm:cxn modelId="70" srcId="0" destId="20" srcOrd="1" destOrd="0"/>
-        <dgm:cxn modelId="80" srcId="0" destId="30" srcOrd="2" destOrd="0"/>
-        <dgm:cxn modelId="90" srcId="0" destId="40" srcOrd="3" destOrd="0"/>
-      </dgm:cxnLst>
-      <dgm:bg/>
-      <dgm:whole/>
-    </dgm:dataModel>
-  </dgm:clrData>
-  <dgm:layoutNode name="Name0">
-    <dgm:varLst>
-      <dgm:chMax/>
-      <dgm:chPref/>
-      <dgm:animLvl val="lvl"/>
-    </dgm:varLst>
-    <dgm:choose name="Name1">
-      <dgm:if name="Name2" func="var" arg="dir" op="equ" val="norm">
-        <dgm:alg type="lin"/>
-      </dgm:if>
-      <dgm:else name="Name3">
-        <dgm:alg type="lin">
-          <dgm:param type="linDir" val="fromR"/>
-        </dgm:alg>
-      </dgm:else>
-    </dgm:choose>
-    <dgm:shape xmlns:r="http://schemas.openxmlformats.org/officeDocument/2006/relationships" r:blip="">
-      <dgm:adjLst/>
-    </dgm:shape>
-    <dgm:constrLst>
-      <dgm:constr type="primFontSz" for="des" forName="parent" val="18"/>
-      <dgm:constr type="primFontSz" for="des" forName="Childtext" val="18"/>
-      <dgm:constr type="primFontSz" for="des" forName="Childtext" refType="primFontSz" refFor="des" refForName="parent" op="lte"/>
-      <dgm:constr type="w" for="ch" forName="composite" refType="w"/>
-      <dgm:constr type="h" for="ch" forName="composite" refType="h"/>
-      <dgm:constr type="w" for="ch" forName="spaceBetweenRectangles" refType="w" refFor="ch" refForName="composite" fact="-0.4"/>
-      <dgm:constr type="w" for="ch" ptType="sibTrans" op="equ"/>
-      <dgm:constr type="primFontSz" for="des" forName="parent" op="equ"/>
-      <dgm:constr type="primFontSz" for="des" forName="Childtext" op="equ"/>
-      <dgm:constr type="primFontSz" for="des" forName="parent1" val="18"/>
-      <dgm:constr type="primFontSz" for="des" forName="Childtext1" val="18"/>
-      <dgm:constr type="primFontSz" for="des" forName="Childtext1" refType="primFontSz" refFor="des" refForName="parent1" op="lte"/>
-      <dgm:constr type="w" for="ch" forName="composite1" refType="w"/>
-      <dgm:constr type="h" for="ch" forName="composite1" refType="h"/>
-      <dgm:constr type="w" for="ch" forName="spaceBetweenRectangles1" refType="w" refFor="ch" refForName="composite1" fact="-0.4"/>
-      <dgm:constr type="primFontSz" for="des" forName="parent1" op="equ"/>
-      <dgm:constr type="primFontSz" for="des" forName="Childtext1" op="equ"/>
-    </dgm:constrLst>
-    <dgm:choose name="layoutByNodeCnt">
-      <dgm:if name="twoOrLessNodes" axis="ch" ptType="node" func="cnt" op="lte" val="2">
-        <dgm:forEach name="nodesForEach" axis="ch" ptType="node">
-          <dgm:layoutNode name="composite">
-            <dgm:alg type="composite"/>
-            <dgm:shape xmlns:r="http://schemas.openxmlformats.org/officeDocument/2006/relationships" r:blip="">
-              <dgm:adjLst/>
-            </dgm:shape>
-            <dgm:choose name="casesForFirstAndLastNode1">
-              <dgm:if name="startNode1" axis="self" ptType="node" func="pos" op="equ" val="1">
-                <dgm:choose name="removeLineWhenOnlyOneNode1">
-                  <dgm:if name="ifOnlyOneNode1" axis="followSib" ptType="node" func="cnt" op="equ" val="0">
-                    <dgm:constrLst>
-                      <dgm:constr type="w" for="ch" forName="parent" refType="w" fact="0.95"/>
-                      <dgm:constr type="l" for="ch" forName="parent" refType="w" fact="0.025"/>
-                      <dgm:constr type="t" for="ch" forName="parent" refType="h" fact="0.45"/>
-                      <dgm:constr type="h" for="ch" forName="parent" refType="h" fact="0.1"/>
-                      <dgm:constr type="l" for="ch" forName="Childtext" refType="w" fact="0.025"/>
-                      <dgm:constr type="w" for="ch" forName="Childtext" refType="w" fact="0.95"/>
-                      <dgm:constr type="h" for="ch" forName="Childtext" refType="h" fact="0.35"/>
-                      <dgm:constr type="w" for="ch" forName="ConnectLine"/>
-                      <dgm:constr type="h" for="ch" forName="ConnectLine" refType="h" fact="0.08"/>
-                      <dgm:constr type="t" for="ch" forName="ConnectLine" refType="h" fact="0.37"/>
-                      <dgm:constr type="ctrX" for="ch" forName="ConnectLine" refType="w" fact="0.5"/>
-                      <dgm:constr type="w" for="ch" forName="ConnectLineEnd" refType="h" fact="0.02"/>
-                      <dgm:constr type="h" for="ch" forName="ConnectLineEnd" refType="h" fact="0.02"/>
-                      <dgm:constr type="t" for="ch" forName="ConnectLineEnd" refType="h" fact="0.35"/>
-                      <dgm:constr type="ctrX" for="ch" forName="ConnectLineEnd" refType="w" fact="0.5"/>
-                      <dgm:constr type="w" for="ch" forName="EmptyPane" refType="w"/>
-                      <dgm:constr type="t" for="ch" forName="EmptyPane" refType="h" fact="0.55"/>
-                      <dgm:constr type="h" for="ch" forName="EmptyPane" refType="h" fact="0.45"/>
-                    </dgm:constrLst>
-                  </dgm:if>
-                  <dgm:else name="ifMoreThanOneNode1">
-                    <dgm:constrLst>
-                      <dgm:constr type="w" for="ch" forName="parent" refType="w" fact="0.6"/>
-                      <dgm:constr type="l" for="ch" forName="parent" refType="w" fact="0.2"/>
-                      <dgm:constr type="t" for="ch" forName="parent" refType="h" fact="0.45"/>
-                      <dgm:constr type="h" for="ch" forName="parent" refType="h" fact="0.1"/>
-                      <dgm:constr type="l" for="ch" forName="Childtext" refType="w" fact="0.2"/>
-                      <dgm:constr type="w" for="ch" forName="Childtext" refType="w" fact="0.6"/>
-                      <dgm:constr type="h" for="ch" forName="Childtext" refType="h" fact="0.35"/>
-                      <dgm:constr type="w" for="ch" forName="ConnectLine"/>
-                      <dgm:constr type="h" for="ch" forName="ConnectLine" refType="h" fact="0.08"/>
-                      <dgm:constr type="t" for="ch" forName="ConnectLine" refType="h" fact="0.37"/>
-                      <dgm:constr type="ctrX" for="ch" forName="ConnectLine" refType="w" fact="0.5"/>
-                      <dgm:constr type="w" for="ch" forName="ConnectLineEnd" refType="h" fact="0.02"/>
-                      <dgm:constr type="h" for="ch" forName="ConnectLineEnd" refType="h" fact="0.02"/>
-                      <dgm:constr type="t" for="ch" forName="ConnectLineEnd" refType="h" fact="0.35"/>
-                      <dgm:constr type="ctrX" for="ch" forName="ConnectLineEnd" refType="w" fact="0.5"/>
-                      <dgm:constr type="w" for="ch" forName="EmptyPane" refType="w"/>
-                      <dgm:constr type="t" for="ch" forName="EmptyPane" refType="h" fact="0.55"/>
-                      <dgm:constr type="h" for="ch" forName="EmptyPane" refType="h" fact="0.45"/>
-                    </dgm:constrLst>
-                  </dgm:else>
-                </dgm:choose>
-              </dgm:if>
-              <dgm:else name="notStartNode1">
-                <dgm:constrLst>
-                  <dgm:constr type="w" for="ch" forName="parent" refType="w" fact="0.6"/>
-                  <dgm:constr type="l" for="ch" forName="parent" refType="w" fact="0.2"/>
-                  <dgm:constr type="t" for="ch" forName="parent" refType="h" fact="0.45"/>
-                  <dgm:constr type="h" for="ch" forName="parent" refType="h" fact="0.1"/>
-                  <dgm:constr type="l" for="ch" forName="Childtext" refType="w" fact="0.2"/>
-                  <dgm:constr type="w" for="ch" forName="Childtext" refType="w" fact="0.6"/>
-                  <dgm:constr type="h" for="ch" forName="Childtext" refType="h" fact="0.35"/>
-                  <dgm:constr type="t" for="ch" forName="Childtext" refType="h" fact="0.65"/>
-                  <dgm:constr type="w" for="ch" forName="ConnectLine"/>
-                  <dgm:constr type="h" for="ch" forName="ConnectLine" refType="h" fact="0.08"/>
-                  <dgm:constr type="t" for="ch" forName="ConnectLine" refType="h" fact="0.55"/>
-                  <dgm:constr type="ctrX" for="ch" forName="ConnectLine" refType="w" fact="0.5"/>
-                  <dgm:constr type="w" for="ch" forName="ConnectLineEnd" refType="h" fact="0.02"/>
-                  <dgm:constr type="h" for="ch" forName="ConnectLineEnd" refType="h" fact="0.02"/>
-                  <dgm:constr type="b" for="ch" forName="ConnectLineEnd" refType="h" fact="0.65"/>
-                  <dgm:constr type="ctrX" for="ch" forName="ConnectLineEnd" refType="w" fact="0.5"/>
-                  <dgm:constr type="w" for="ch" forName="EmptyPane" refType="w"/>
-                  <dgm:constr type="h" for="ch" forName="EmptyPane" refType="h" fact="0.45"/>
-                </dgm:constrLst>
-              </dgm:else>
-            </dgm:choose>
-            <dgm:layoutNode name="parent" styleLbl="alignNode1">
-              <dgm:varLst>
-                <dgm:chMax val="1"/>
-                <dgm:chPref val="1"/>
-                <dgm:bulletEnabled val="1"/>
-              </dgm:varLst>
-              <dgm:alg type="tx">
-                <dgm:param type="txAnchorHorz" val="ctr"/>
-                <dgm:param type="txAnchorVert" val="mid"/>
-                <dgm:param type="parTxLTRAlign" val="ctr"/>
-                <dgm:param type="parTxRTLAlign" val="ctr"/>
-              </dgm:alg>
-              <dgm:choose name="casesForFirstAndLastNode">
-                <dgm:if name="startNode" axis="self" ptType="node" func="pos" op="equ" val="1">
-                  <dgm:choose name="removeLineWhenOnlyOneNode">
-                    <dgm:if name="ifOnlyOneNode" axis="followSib" ptType="node" func="cnt" op="equ" val="0">
-                      <dgm:shape xmlns:r="http://schemas.openxmlformats.org/officeDocument/2006/relationships" type="roundRect" r:blip="">
-                        <dgm:adjLst/>
-                      </dgm:shape>
-                    </dgm:if>
-                    <dgm:else name="ifMoreThanOneNode">
-                      <dgm:choose name="Name18">
-                        <dgm:if name="Name19" func="var" arg="dir" op="equ" val="norm">
-                          <dgm:shape xmlns:r="http://schemas.openxmlformats.org/officeDocument/2006/relationships" rot="-90" type="round2SameRect" r:blip="">
-                            <dgm:adjLst/>
-                          </dgm:shape>
-                        </dgm:if>
-                        <dgm:else name="Name20">
-                          <dgm:shape xmlns:r="http://schemas.openxmlformats.org/officeDocument/2006/relationships" rot="90" type="round2SameRect" r:blip="">
-                            <dgm:adjLst/>
-                          </dgm:shape>
-                        </dgm:else>
-                      </dgm:choose>
-                    </dgm:else>
-                  </dgm:choose>
-                </dgm:if>
-                <dgm:else name="notStartNode">
-                  <dgm:choose name="Name22">
-                    <dgm:if name="Name23" axis="self" ptType="node" func="revPos" op="equ" val="1">
-                      <dgm:choose name="Name24">
-                        <dgm:if name="Name25" func="var" arg="dir" op="equ" val="norm">
-                          <dgm:shape xmlns:r="http://schemas.openxmlformats.org/officeDocument/2006/relationships" rot="90" type="round2SameRect" r:blip="">
-                            <dgm:adjLst/>
-                          </dgm:shape>
-                        </dgm:if>
-                        <dgm:else name="Name26">
-                          <dgm:shape xmlns:r="http://schemas.openxmlformats.org/officeDocument/2006/relationships" rot="-90" type="round2SameRect" r:blip="">
-                            <dgm:adjLst/>
-                          </dgm:shape>
-                        </dgm:else>
-                      </dgm:choose>
-                    </dgm:if>
-                    <dgm:else name="Name27">
-                      <dgm:shape xmlns:r="http://schemas.openxmlformats.org/officeDocument/2006/relationships" type="rect" r:blip="">
-                        <dgm:adjLst/>
-                      </dgm:shape>
-                    </dgm:else>
-                  </dgm:choose>
-                </dgm:else>
-              </dgm:choose>
-              <dgm:presOf axis="self" ptType="node"/>
-              <dgm:constrLst>
-                <dgm:constr type="lMarg" refType="primFontSz" fact="0.6"/>
-                <dgm:constr type="rMarg" refType="primFontSz" fact="0.6"/>
-                <dgm:constr type="tMarg" refType="primFontSz" fact="0.6"/>
-                <dgm:constr type="bMarg" refType="primFontSz" fact="0.6"/>
-              </dgm:constrLst>
-              <dgm:ruleLst>
-                <dgm:rule type="primFontSz" val="11" fact="NaN" max="NaN"/>
-              </dgm:ruleLst>
-            </dgm:layoutNode>
-            <dgm:layoutNode name="Childtext" styleLbl="revTx">
-              <dgm:varLst>
-                <dgm:bulletEnabled val="1"/>
-              </dgm:varLst>
-              <dgm:choose name="casesForTxtDirLogic">
-                <dgm:if name="Name77" axis="self" ptType="node" func="posOdd" op="equ" val="1">
-                  <dgm:alg type="tx">
-                    <dgm:param type="txAnchorVert" val="b"/>
-                    <dgm:param type="txAnchorHorz" val="ctr"/>
-                    <dgm:param type="parTxLTRAlign" val="ctr"/>
-                    <dgm:param type="parTxRTLAlign" val="ctr"/>
-                  </dgm:alg>
-                  <dgm:constrLst>
-                    <dgm:constr type="lMarg"/>
-                    <dgm:constr type="rMarg"/>
-                    <dgm:constr type="tMarg"/>
-                    <dgm:constr type="bMarg" refType="primFontSz" fact="0.6"/>
-                  </dgm:constrLst>
-                </dgm:if>
-                <dgm:else name="Name88">
-                  <dgm:alg type="tx">
-                    <dgm:param type="txAnchorVert" val="t"/>
-                    <dgm:param type="txAnchorHorz" val="ctr"/>
-                    <dgm:param type="parTxLTRAlign" val="ctr"/>
-                    <dgm:param type="parTxRTLAlign" val="ctr"/>
-                  </dgm:alg>
-                  <dgm:constrLst>
-                    <dgm:constr type="lMarg"/>
-                    <dgm:constr type="rMarg"/>
-                    <dgm:constr type="tMarg" refType="primFontSz" fact="0.6"/>
-                    <dgm:constr type="bMarg"/>
-                  </dgm:constrLst>
-                </dgm:else>
-              </dgm:choose>
-              <dgm:shape xmlns:r="http://schemas.openxmlformats.org/officeDocument/2006/relationships" type="rect" r:blip="">
-                <dgm:adjLst/>
-              </dgm:shape>
-              <dgm:presOf axis="ch" ptType="node"/>
-              <dgm:ruleLst>
-                <dgm:rule type="primFontSz" val="11" fact="NaN" max="NaN"/>
-              </dgm:ruleLst>
-            </dgm:layoutNode>
-            <dgm:layoutNode name="ConnectLine" styleLbl="sibTrans1D1">
-              <dgm:alg type="sp"/>
-              <dgm:shape xmlns:r="http://schemas.openxmlformats.org/officeDocument/2006/relationships" type="line" r:blip="">
-                <dgm:adjLst/>
-                <dgm:extLst>
-                  <a:ext uri="{B698B0E9-8C71-41B9-8309-B3DCBF30829C}">
-                    <dgm1612:spPr xmlns:dgm1612="http://schemas.microsoft.com/office/drawing/2016/12/diagram">
-                      <a:ln>
-                        <a:prstDash val="dash"/>
-                      </a:ln>
-                    </dgm1612:spPr>
-                  </a:ext>
-                </dgm:extLst>
-              </dgm:shape>
-              <dgm:presOf/>
-              <dgm:constrLst/>
-            </dgm:layoutNode>
-            <dgm:layoutNode name="ConnectLineEnd" styleLbl="lnNode1">
-              <dgm:alg type="sp"/>
-              <dgm:shape xmlns:r="http://schemas.openxmlformats.org/officeDocument/2006/relationships" type="ellipse" r:blip="">
-                <dgm:adjLst/>
-              </dgm:shape>
-              <dgm:presOf/>
-              <dgm:constrLst/>
-            </dgm:layoutNode>
-            <dgm:layoutNode name="EmptyPane">
-              <dgm:alg type="sp"/>
-              <dgm:shape xmlns:r="http://schemas.openxmlformats.org/officeDocument/2006/relationships" r:blip="">
-                <dgm:adjLst/>
-              </dgm:shape>
-              <dgm:presOf/>
-              <dgm:constrLst/>
-            </dgm:layoutNode>
-          </dgm:layoutNode>
-          <dgm:forEach name="Name28" axis="followSib" ptType="sibTrans" cnt="1">
-            <dgm:layoutNode name="spaceBetweenRectangles">
-              <dgm:alg type="sp"/>
-              <dgm:shape xmlns:r="http://schemas.openxmlformats.org/officeDocument/2006/relationships" r:blip="">
-                <dgm:adjLst/>
-              </dgm:shape>
-              <dgm:presOf/>
-              <dgm:constrLst/>
-              <dgm:ruleLst/>
-            </dgm:layoutNode>
-          </dgm:forEach>
-        </dgm:forEach>
-      </dgm:if>
-      <dgm:else name="moreThanTwoNodes">
-        <dgm:forEach name="nodesForEach1" axis="ch" ptType="node">
-          <dgm:layoutNode name="composite1">
-            <dgm:alg type="composite"/>
-            <dgm:shape xmlns:r="http://schemas.openxmlformats.org/officeDocument/2006/relationships" r:blip="">
-              <dgm:adjLst/>
-            </dgm:shape>
-            <dgm:choose name="casesForSnakingLogic21">
-              <dgm:if name="oddNode21" axis="self" ptType="node" func="posOdd" op="equ" val="1">
-                <dgm:constrLst>
-                  <dgm:constr type="w" for="ch" forName="parent1" refType="w" fact="0.6"/>
-                  <dgm:constr type="l" for="ch" forName="parent1" refType="w" fact="0.2"/>
-                  <dgm:constr type="t" for="ch" forName="parent1" refType="h" fact="0.45"/>
-                  <dgm:constr type="h" for="ch" forName="parent1" refType="h" fact="0.1"/>
-                  <dgm:constr type="w" for="ch" forName="Childtext1" refType="w"/>
-                  <dgm:constr type="h" for="ch" forName="Childtext1" refType="h" fact="0.35"/>
-                  <dgm:constr type="w" for="ch" forName="ConnectLine1"/>
-                  <dgm:constr type="h" for="ch" forName="ConnectLine1" refType="h" fact="0.08"/>
-                  <dgm:constr type="t" for="ch" forName="ConnectLine1" refType="h" fact="0.37"/>
-                  <dgm:constr type="ctrX" for="ch" forName="ConnectLine1" refType="w" fact="0.5"/>
-                  <dgm:constr type="w" for="ch" forName="ConnectLineEnd1" refType="h" fact="0.02"/>
-                  <dgm:constr type="h" for="ch" forName="ConnectLineEnd1" refType="h" fact="0.02"/>
-                  <dgm:constr type="t" for="ch" forName="ConnectLineEnd1" refType="h" fact="0.35"/>
-                  <dgm:constr type="ctrX" for="ch" forName="ConnectLineEnd1" refType="w" fact="0.5"/>
-                  <dgm:constr type="w" for="ch" forName="EmptyPane1" refType="w"/>
-                  <dgm:constr type="t" for="ch" forName="EmptyPane1" refType="h" fact="0.55"/>
-                  <dgm:constr type="h" for="ch" forName="EmptyPane1" refType="h" fact="0.45"/>
-                </dgm:constrLst>
-              </dgm:if>
-              <dgm:else name="evenNode2">
-                <dgm:constrLst>
-                  <dgm:constr type="w" for="ch" forName="parent1" refType="w" fact="0.6"/>
-                  <dgm:constr type="l" for="ch" forName="parent1" refType="w" fact="0.2"/>
-                  <dgm:constr type="t" for="ch" forName="parent1" refType="h" fact="0.45"/>
-                  <dgm:constr type="h" for="ch" forName="parent1" refType="h" fact="0.1"/>
-                  <dgm:constr type="w" for="ch" forName="Childtext1" refType="w"/>
-                  <dgm:constr type="h" for="ch" forName="Childtext1" refType="h" fact="0.35"/>
-                  <dgm:constr type="t" for="ch" forName="Childtext1" refType="h" fact="0.65"/>
-                  <dgm:constr type="w" for="ch" forName="ConnectLine1"/>
-                  <dgm:constr type="h" for="ch" forName="ConnectLine1" refType="h" fact="0.08"/>
-                  <dgm:constr type="t" for="ch" forName="ConnectLine1" refType="h" fact="0.55"/>
-                  <dgm:constr type="ctrX" for="ch" forName="ConnectLine1" refType="w" fact="0.5"/>
-                  <dgm:constr type="w" for="ch" forName="ConnectLineEnd1" refType="h" fact="0.02"/>
-                  <dgm:constr type="h" for="ch" forName="ConnectLineEnd1" refType="h" fact="0.02"/>
-                  <dgm:constr type="b" for="ch" forName="ConnectLineEnd1" refType="h" fact="0.65"/>
-                  <dgm:constr type="ctrX" for="ch" forName="ConnectLineEnd1" refType="w" fact="0.5"/>
-                  <dgm:constr type="w" for="ch" forName="EmptyPane1" refType="w"/>
-                  <dgm:constr type="h" for="ch" forName="EmptyPane1" refType="h" fact="0.45"/>
-                </dgm:constrLst>
-              </dgm:else>
-            </dgm:choose>
-            <dgm:layoutNode name="parent1" styleLbl="alignNode1">
-              <dgm:varLst>
-                <dgm:chMax val="1"/>
-                <dgm:chPref val="1"/>
-                <dgm:bulletEnabled val="1"/>
-              </dgm:varLst>
-              <dgm:alg type="tx">
-                <dgm:param type="txAnchorHorz" val="ctr"/>
-                <dgm:param type="txAnchorVert" val="mid"/>
-                <dgm:param type="parTxLTRAlign" val="ctr"/>
-                <dgm:param type="parTxRTLAlign" val="ctr"/>
-              </dgm:alg>
-              <dgm:choose name="casesForFirstAndLastNode12">
-                <dgm:if name="startNode12" axis="self" ptType="node" func="pos" op="equ" val="1">
-                  <dgm:choose name="removeLineWhenOnlyOneNode12">
-                    <dgm:if name="ifOnlyOneNode12" axis="followSib" ptType="node" func="cnt" op="equ" val="0">
-                      <dgm:shape xmlns:r="http://schemas.openxmlformats.org/officeDocument/2006/relationships" type="roundRect" r:blip="">
-                        <dgm:adjLst/>
-                      </dgm:shape>
-                    </dgm:if>
-                    <dgm:else name="ifMoreThanOneNode12">
-                      <dgm:choose name="Name181">
-                        <dgm:if name="Name191" func="var" arg="dir" op="equ" val="norm">
-                          <dgm:shape xmlns:r="http://schemas.openxmlformats.org/officeDocument/2006/relationships" rot="-90" type="round2SameRect" r:blip="">
-                            <dgm:adjLst/>
-                          </dgm:shape>
-                        </dgm:if>
-                        <dgm:else name="Name201">
-                          <dgm:shape xmlns:r="http://schemas.openxmlformats.org/officeDocument/2006/relationships" rot="90" type="round2SameRect" r:blip="">
-                            <dgm:adjLst/>
-                          </dgm:shape>
-                        </dgm:else>
-                      </dgm:choose>
-                    </dgm:else>
-                  </dgm:choose>
-                </dgm:if>
-                <dgm:else name="notStartNode12">
-                  <dgm:choose name="Name221">
-                    <dgm:if name="Name231" axis="self" ptType="node" func="revPos" op="equ" val="1">
-                      <dgm:choose name="Name241">
-                        <dgm:if name="Name251" func="var" arg="dir" op="equ" val="norm">
-                          <dgm:shape xmlns:r="http://schemas.openxmlformats.org/officeDocument/2006/relationships" rot="90" type="round2SameRect" r:blip="">
-                            <dgm:adjLst/>
-                          </dgm:shape>
-                        </dgm:if>
-                        <dgm:else name="Name261">
-                          <dgm:shape xmlns:r="http://schemas.openxmlformats.org/officeDocument/2006/relationships" rot="-90" type="round2SameRect" r:blip="">
-                            <dgm:adjLst/>
-                          </dgm:shape>
-                        </dgm:else>
-                      </dgm:choose>
-                    </dgm:if>
-                    <dgm:else name="Name271">
-                      <dgm:shape xmlns:r="http://schemas.openxmlformats.org/officeDocument/2006/relationships" type="rect" r:blip="">
-                        <dgm:adjLst/>
-                      </dgm:shape>
-                    </dgm:else>
-                  </dgm:choose>
-                </dgm:else>
-              </dgm:choose>
-              <dgm:presOf axis="self" ptType="node"/>
-              <dgm:constrLst>
-                <dgm:constr type="lMarg" refType="primFontSz" fact="0.6"/>
-                <dgm:constr type="rMarg" refType="primFontSz" fact="0.6"/>
-                <dgm:constr type="tMarg" refType="primFontSz" fact="0.6"/>
-                <dgm:constr type="bMarg" refType="primFontSz" fact="0.6"/>
-              </dgm:constrLst>
-              <dgm:ruleLst>
-                <dgm:rule type="primFontSz" val="11" fact="NaN" max="NaN"/>
-              </dgm:ruleLst>
-            </dgm:layoutNode>
-            <dgm:layoutNode name="Childtext1" styleLbl="revTx">
-              <dgm:varLst>
-                <dgm:bulletEnabled val="1"/>
-              </dgm:varLst>
-              <dgm:choose name="casesForTxtDirLogic1">
-                <dgm:if name="Name771" axis="self" ptType="node" func="posOdd" op="equ" val="1">
-                  <dgm:alg type="tx">
-                    <dgm:param type="txAnchorVert" val="b"/>
-                    <dgm:param type="txAnchorHorz" val="ctr"/>
-                    <dgm:param type="parTxLTRAlign" val="ctr"/>
-                    <dgm:param type="parTxRTLAlign" val="ctr"/>
-                  </dgm:alg>
-                  <dgm:constrLst>
-                    <dgm:constr type="lMarg"/>
-                    <dgm:constr type="rMarg"/>
-                    <dgm:constr type="tMarg"/>
-                    <dgm:constr type="bMarg" refType="primFontSz" fact="0.6"/>
-                  </dgm:constrLst>
-                </dgm:if>
-                <dgm:else name="Name881">
-                  <dgm:alg type="tx">
-                    <dgm:param type="txAnchorVert" val="t"/>
-                    <dgm:param type="txAnchorHorz" val="ctr"/>
-                    <dgm:param type="parTxLTRAlign" val="ctr"/>
-                    <dgm:param type="parTxRTLAlign" val="ctr"/>
-                  </dgm:alg>
-                  <dgm:constrLst>
-                    <dgm:constr type="lMarg"/>
-                    <dgm:constr type="rMarg"/>
-                    <dgm:constr type="tMarg" refType="primFontSz" fact="0.6"/>
-                    <dgm:constr type="bMarg"/>
-                  </dgm:constrLst>
-                </dgm:else>
-              </dgm:choose>
-              <dgm:shape xmlns:r="http://schemas.openxmlformats.org/officeDocument/2006/relationships" type="rect" r:blip="">
-                <dgm:adjLst/>
-              </dgm:shape>
-              <dgm:presOf axis="ch" ptType="node"/>
-              <dgm:ruleLst>
-                <dgm:rule type="primFontSz" val="11" fact="NaN" max="NaN"/>
-              </dgm:ruleLst>
-            </dgm:layoutNode>
-            <dgm:layoutNode name="ConnectLine1" styleLbl="sibTrans1D1">
-              <dgm:alg type="sp"/>
-              <dgm:shape xmlns:r="http://schemas.openxmlformats.org/officeDocument/2006/relationships" type="line" r:blip="">
-                <dgm:adjLst/>
-                <dgm:extLst>
-                  <a:ext uri="{B698B0E9-8C71-41B9-8309-B3DCBF30829C}">
-                    <dgm1612:spPr xmlns:dgm1612="http://schemas.microsoft.com/office/drawing/2016/12/diagram">
-                      <a:ln>
-                        <a:prstDash val="dash"/>
-                      </a:ln>
-                    </dgm1612:spPr>
-                  </a:ext>
-                </dgm:extLst>
-              </dgm:shape>
-              <dgm:presOf/>
-              <dgm:constrLst/>
-            </dgm:layoutNode>
-            <dgm:layoutNode name="ConnectLineEnd1" styleLbl="lnNode1">
-              <dgm:alg type="sp"/>
-              <dgm:shape xmlns:r="http://schemas.openxmlformats.org/officeDocument/2006/relationships" type="ellipse" r:blip="">
-                <dgm:adjLst/>
-              </dgm:shape>
-              <dgm:presOf/>
-              <dgm:constrLst/>
-            </dgm:layoutNode>
-            <dgm:layoutNode name="EmptyPane1">
-              <dgm:alg type="sp"/>
-              <dgm:shape xmlns:r="http://schemas.openxmlformats.org/officeDocument/2006/relationships" r:blip="">
-                <dgm:adjLst/>
-              </dgm:shape>
-              <dgm:presOf/>
-              <dgm:constrLst/>
-            </dgm:layoutNode>
-          </dgm:layoutNode>
-          <dgm:forEach name="Name281" axis="followSib" ptType="sibTrans" cnt="1">
-            <dgm:layoutNode name="spaceBetweenRectangles1">
-              <dgm:alg type="sp"/>
-              <dgm:shape xmlns:r="http://schemas.openxmlformats.org/officeDocument/2006/relationships" r:blip="">
-                <dgm:adjLst/>
-              </dgm:shape>
-              <dgm:presOf/>
-              <dgm:constrLst/>
-              <dgm:ruleLst/>
-            </dgm:layoutNode>
-          </dgm:forEach>
-        </dgm:forEach>
-      </dgm:else>
-    </dgm:choose>
-  </dgm:layoutNode>
-</dgm:layoutDef>
-</file>
-
-<file path=ppt/diagrams/quickStyle1.xml><?xml version="1.0" encoding="utf-8"?>
-<dgm:styleDef xmlns:dgm="http://schemas.openxmlformats.org/drawingml/2006/diagram" xmlns:a="http://schemas.openxmlformats.org/drawingml/2006/main" uniqueId="urn:microsoft.com/office/officeart/2005/8/quickstyle/simple1">
-  <dgm:title val=""/>
-  <dgm:desc val=""/>
-  <dgm:catLst>
-    <dgm:cat type="simple" pri="10100"/>
-  </dgm:catLst>
-  <dgm:scene3d>
-    <a:camera prst="orthographicFront"/>
-    <a:lightRig rig="threePt" dir="t"/>
-  </dgm:scene3d>
-  <dgm:styleLbl name="node0">
-    <dgm:scene3d>
-      <a:camera prst="orthographicFront"/>
-      <a:lightRig rig="threePt" dir="t"/>
-    </dgm:scene3d>
-    <dgm:sp3d/>
-    <dgm:txPr/>
-    <dgm:style>
-      <a:lnRef idx="2">
-        <a:scrgbClr r="0" g="0" b="0"/>
-      </a:lnRef>
-      <a:fillRef idx="1">
-        <a:scrgbClr r="0" g="0" b="0"/>
-      </a:fillRef>
-      <a:effectRef idx="0">
-        <a:scrgbClr r="0" g="0" b="0"/>
-      </a:effectRef>
-      <a:fontRef idx="minor">
-        <a:schemeClr val="lt1"/>
-      </a:fontRef>
-    </dgm:style>
-  </dgm:styleLbl>
-  <dgm:styleLbl name="lnNode1">
-    <dgm:scene3d>
-      <a:camera prst="orthographicFront"/>
-      <a:lightRig rig="threePt" dir="t"/>
-    </dgm:scene3d>
-    <dgm:sp3d/>
-    <dgm:txPr/>
-    <dgm:style>
-      <a:lnRef idx="2">
-        <a:scrgbClr r="0" g="0" b="0"/>
-      </a:lnRef>
-      <a:fillRef idx="1">
-        <a:scrgbClr r="0" g="0" b="0"/>
-      </a:fillRef>
-      <a:effectRef idx="0">
-        <a:scrgbClr r="0" g="0" b="0"/>
-      </a:effectRef>
-      <a:fontRef idx="minor">
-        <a:schemeClr val="lt1"/>
-      </a:fontRef>
-    </dgm:style>
-  </dgm:styleLbl>
-  <dgm:styleLbl name="vennNode1">
-    <dgm:scene3d>
-      <a:camera prst="orthographicFront"/>
-      <a:lightRig rig="threePt" dir="t"/>
-    </dgm:scene3d>
-    <dgm:sp3d/>
-    <dgm:txPr/>
-    <dgm:style>
-      <a:lnRef idx="2">
-        <a:scrgbClr r="0" g="0" b="0"/>
-      </a:lnRef>
-      <a:fillRef idx="1">
-        <a:scrgbClr r="0" g="0" b="0"/>
-      </a:fillRef>
-      <a:effectRef idx="0">
-        <a:scrgbClr r="0" g="0" b="0"/>
-      </a:effectRef>
-      <a:fontRef idx="minor">
-        <a:schemeClr val="tx1"/>
-      </a:fontRef>
-    </dgm:style>
-  </dgm:styleLbl>
-  <dgm:styleLbl name="alignNode1">
-    <dgm:scene3d>
-      <a:camera prst="orthographicFront"/>
-      <a:lightRig rig="threePt" dir="t"/>
-    </dgm:scene3d>
-    <dgm:sp3d/>
-    <dgm:txPr/>
-    <dgm:style>
-      <a:lnRef idx="2">
-        <a:scrgbClr r="0" g="0" b="0"/>
-      </a:lnRef>
-      <a:fillRef idx="1">
-        <a:scrgbClr r="0" g="0" b="0"/>
-      </a:fillRef>
-      <a:effectRef idx="0">
-        <a:scrgbClr r="0" g="0" b="0"/>
-      </a:effectRef>
-      <a:fontRef idx="minor">
-        <a:schemeClr val="lt1"/>
-      </a:fontRef>
-    </dgm:style>
-  </dgm:styleLbl>
-  <dgm:styleLbl name="node1">
-    <dgm:scene3d>
-      <a:camera prst="orthographicFront"/>
-      <a:lightRig rig="threePt" dir="t"/>
-    </dgm:scene3d>
-    <dgm:sp3d/>
-    <dgm:txPr/>
-    <dgm:style>
-      <a:lnRef idx="2">
-        <a:scrgbClr r="0" g="0" b="0"/>
-      </a:lnRef>
-      <a:fillRef idx="1">
-        <a:scrgbClr r="0" g="0" b="0"/>
-      </a:fillRef>
-      <a:effectRef idx="0">
-        <a:scrgbClr r="0" g="0" b="0"/>
-      </a:effectRef>
-      <a:fontRef idx="minor">
-        <a:schemeClr val="lt1"/>
-      </a:fontRef>
-    </dgm:style>
-  </dgm:styleLbl>
-  <dgm:styleLbl name="node2">
-    <dgm:scene3d>
-      <a:camera prst="orthographicFront"/>
-      <a:lightRig rig="threePt" dir="t"/>
-    </dgm:scene3d>
-    <dgm:sp3d/>
-    <dgm:txPr/>
-    <dgm:style>
-      <a:lnRef idx="2">
-        <a:scrgbClr r="0" g="0" b="0"/>
-      </a:lnRef>
-      <a:fillRef idx="1">
-        <a:scrgbClr r="0" g="0" b="0"/>
-      </a:fillRef>
-      <a:effectRef idx="0">
-        <a:scrgbClr r="0" g="0" b="0"/>
-      </a:effectRef>
-      <a:fontRef idx="minor">
-        <a:schemeClr val="lt1"/>
-      </a:fontRef>
-    </dgm:style>
-  </dgm:styleLbl>
-  <dgm:styleLbl name="node3">
-    <dgm:scene3d>
-      <a:camera prst="orthographicFront"/>
-      <a:lightRig rig="threePt" dir="t"/>
-    </dgm:scene3d>
-    <dgm:sp3d/>
-    <dgm:txPr/>
-    <dgm:style>
-      <a:lnRef idx="2">
-        <a:scrgbClr r="0" g="0" b="0"/>
-      </a:lnRef>
-      <a:fillRef idx="1">
-        <a:scrgbClr r="0" g="0" b="0"/>
-      </a:fillRef>
-      <a:effectRef idx="0">
-        <a:scrgbClr r="0" g="0" b="0"/>
-      </a:effectRef>
-      <a:fontRef idx="minor">
-        <a:schemeClr val="lt1"/>
-      </a:fontRef>
-    </dgm:style>
-  </dgm:styleLbl>
-  <dgm:styleLbl name="node4">
-    <dgm:scene3d>
-      <a:camera prst="orthographicFront"/>
-      <a:lightRig rig="threePt" dir="t"/>
-    </dgm:scene3d>
-    <dgm:sp3d/>
-    <dgm:txPr/>
-    <dgm:style>
-      <a:lnRef idx="2">
-        <a:scrgbClr r="0" g="0" b="0"/>
-      </a:lnRef>
-      <a:fillRef idx="1">
-        <a:scrgbClr r="0" g="0" b="0"/>
-      </a:fillRef>
-      <a:effectRef idx="0">
-        <a:scrgbClr r="0" g="0" b="0"/>
-      </a:effectRef>
-      <a:fontRef idx="minor">
-        <a:schemeClr val="lt1"/>
-      </a:fontRef>
-    </dgm:style>
-  </dgm:styleLbl>
-  <dgm:styleLbl name="fgImgPlace1">
-    <dgm:scene3d>
-      <a:camera prst="orthographicFront"/>
-      <a:lightRig rig="threePt" dir="t"/>
-    </dgm:scene3d>
-    <dgm:sp3d/>
-    <dgm:txPr/>
-    <dgm:style>
-      <a:lnRef idx="2">
-        <a:scrgbClr r="0" g="0" b="0"/>
-      </a:lnRef>
-      <a:fillRef idx="1">
-        <a:scrgbClr r="0" g="0" b="0"/>
-      </a:fillRef>
-      <a:effectRef idx="0">
-        <a:scrgbClr r="0" g="0" b="0"/>
-      </a:effectRef>
-      <a:fontRef idx="minor"/>
-    </dgm:style>
-  </dgm:styleLbl>
-  <dgm:styleLbl name="alignImgPlace1">
-    <dgm:scene3d>
-      <a:camera prst="orthographicFront"/>
-      <a:lightRig rig="threePt" dir="t"/>
-    </dgm:scene3d>
-    <dgm:sp3d/>
-    <dgm:txPr/>
-    <dgm:style>
-      <a:lnRef idx="2">
-        <a:scrgbClr r="0" g="0" b="0"/>
-      </a:lnRef>
-      <a:fillRef idx="1">
-        <a:scrgbClr r="0" g="0" b="0"/>
-      </a:fillRef>
-      <a:effectRef idx="0">
-        <a:scrgbClr r="0" g="0" b="0"/>
-      </a:effectRef>
-      <a:fontRef idx="minor"/>
-    </dgm:style>
-  </dgm:styleLbl>
-  <dgm:styleLbl name="bgImgPlace1">
-    <dgm:scene3d>
-      <a:camera prst="orthographicFront"/>
-      <a:lightRig rig="threePt" dir="t"/>
-    </dgm:scene3d>
-    <dgm:sp3d/>
-    <dgm:txPr/>
-    <dgm:style>
-      <a:lnRef idx="2">
-        <a:scrgbClr r="0" g="0" b="0"/>
-      </a:lnRef>
-      <a:fillRef idx="1">
-        <a:scrgbClr r="0" g="0" b="0"/>
-      </a:fillRef>
-      <a:effectRef idx="0">
-        <a:scrgbClr r="0" g="0" b="0"/>
-      </a:effectRef>
-      <a:fontRef idx="minor"/>
-    </dgm:style>
-  </dgm:styleLbl>
-  <dgm:styleLbl name="sibTrans2D1">
-    <dgm:scene3d>
-      <a:camera prst="orthographicFront"/>
-      <a:lightRig rig="threePt" dir="t"/>
-    </dgm:scene3d>
-    <dgm:sp3d/>
-    <dgm:txPr/>
-    <dgm:style>
-      <a:lnRef idx="0">
-        <a:scrgbClr r="0" g="0" b="0"/>
-      </a:lnRef>
-      <a:fillRef idx="1">
-        <a:scrgbClr r="0" g="0" b="0"/>
-      </a:fillRef>
-      <a:effectRef idx="0">
-        <a:scrgbClr r="0" g="0" b="0"/>
-      </a:effectRef>
-      <a:fontRef idx="minor">
-        <a:schemeClr val="lt1"/>
-      </a:fontRef>
-    </dgm:style>
-  </dgm:styleLbl>
-  <dgm:styleLbl name="fgSibTrans2D1">
-    <dgm:scene3d>
-      <a:camera prst="orthographicFront"/>
-      <a:lightRig rig="threePt" dir="t"/>
-    </dgm:scene3d>
-    <dgm:sp3d/>
-    <dgm:txPr/>
-    <dgm:style>
-      <a:lnRef idx="0">
-        <a:scrgbClr r="0" g="0" b="0"/>
-      </a:lnRef>
-      <a:fillRef idx="1">
-        <a:scrgbClr r="0" g="0" b="0"/>
-      </a:fillRef>
-      <a:effectRef idx="0">
-        <a:scrgbClr r="0" g="0" b="0"/>
-      </a:effectRef>
-      <a:fontRef idx="minor">
-        <a:schemeClr val="lt1"/>
-      </a:fontRef>
-    </dgm:style>
-  </dgm:styleLbl>
-  <dgm:styleLbl name="bgSibTrans2D1">
-    <dgm:scene3d>
-      <a:camera prst="orthographicFront"/>
-      <a:lightRig rig="threePt" dir="t"/>
-    </dgm:scene3d>
-    <dgm:sp3d/>
-    <dgm:txPr/>
-    <dgm:style>
-      <a:lnRef idx="0">
-        <a:scrgbClr r="0" g="0" b="0"/>
-      </a:lnRef>
-      <a:fillRef idx="1">
-        <a:scrgbClr r="0" g="0" b="0"/>
-      </a:fillRef>
-      <a:effectRef idx="0">
-        <a:scrgbClr r="0" g="0" b="0"/>
-      </a:effectRef>
-      <a:fontRef idx="minor">
-        <a:schemeClr val="lt1"/>
-      </a:fontRef>
-    </dgm:style>
-  </dgm:styleLbl>
-  <dgm:styleLbl name="sibTrans1D1">
-    <dgm:scene3d>
-      <a:camera prst="orthographicFront"/>
-      <a:lightRig rig="threePt" dir="t"/>
-    </dgm:scene3d>
-    <dgm:sp3d/>
-    <dgm:txPr/>
-    <dgm:style>
-      <a:lnRef idx="1">
-        <a:scrgbClr r="0" g="0" b="0"/>
-      </a:lnRef>
-      <a:fillRef idx="0">
-        <a:scrgbClr r="0" g="0" b="0"/>
-      </a:fillRef>
-      <a:effectRef idx="0">
-        <a:scrgbClr r="0" g="0" b="0"/>
-      </a:effectRef>
-      <a:fontRef idx="minor"/>
-    </dgm:style>
-  </dgm:styleLbl>
-  <dgm:styleLbl name="callout">
-    <dgm:scene3d>
-      <a:camera prst="orthographicFront"/>
-      <a:lightRig rig="threePt" dir="t"/>
-    </dgm:scene3d>
-    <dgm:sp3d/>
-    <dgm:txPr/>
-    <dgm:style>
-      <a:lnRef idx="2">
-        <a:scrgbClr r="0" g="0" b="0"/>
-      </a:lnRef>
-      <a:fillRef idx="1">
-        <a:scrgbClr r="0" g="0" b="0"/>
-      </a:fillRef>
-      <a:effectRef idx="0">
-        <a:scrgbClr r="0" g="0" b="0"/>
-      </a:effectRef>
-      <a:fontRef idx="minor"/>
-    </dgm:style>
-  </dgm:styleLbl>
-  <dgm:styleLbl name="asst0">
-    <dgm:scene3d>
-      <a:camera prst="orthographicFront"/>
-      <a:lightRig rig="threePt" dir="t"/>
-    </dgm:scene3d>
-    <dgm:sp3d/>
-    <dgm:txPr/>
-    <dgm:style>
-      <a:lnRef idx="2">
-        <a:scrgbClr r="0" g="0" b="0"/>
-      </a:lnRef>
-      <a:fillRef idx="1">
-        <a:scrgbClr r="0" g="0" b="0"/>
-      </a:fillRef>
-      <a:effectRef idx="0">
-        <a:scrgbClr r="0" g="0" b="0"/>
-      </a:effectRef>
-      <a:fontRef idx="minor">
-        <a:schemeClr val="lt1"/>
-      </a:fontRef>
-    </dgm:style>
-  </dgm:styleLbl>
-  <dgm:styleLbl name="asst1">
-    <dgm:scene3d>
-      <a:camera prst="orthographicFront"/>
-      <a:lightRig rig="threePt" dir="t"/>
-    </dgm:scene3d>
-    <dgm:sp3d/>
-    <dgm:txPr/>
-    <dgm:style>
-      <a:lnRef idx="2">
-        <a:scrgbClr r="0" g="0" b="0"/>
-      </a:lnRef>
-      <a:fillRef idx="1">
-        <a:scrgbClr r="0" g="0" b="0"/>
-      </a:fillRef>
-      <a:effectRef idx="0">
-        <a:scrgbClr r="0" g="0" b="0"/>
-      </a:effectRef>
-      <a:fontRef idx="minor">
-        <a:schemeClr val="lt1"/>
-      </a:fontRef>
-    </dgm:style>
-  </dgm:styleLbl>
-  <dgm:styleLbl name="asst2">
-    <dgm:scene3d>
-      <a:camera prst="orthographicFront"/>
-      <a:lightRig rig="threePt" dir="t"/>
-    </dgm:scene3d>
-    <dgm:sp3d/>
-    <dgm:txPr/>
-    <dgm:style>
-      <a:lnRef idx="2">
-        <a:scrgbClr r="0" g="0" b="0"/>
-      </a:lnRef>
-      <a:fillRef idx="1">
-        <a:scrgbClr r="0" g="0" b="0"/>
-      </a:fillRef>
-      <a:effectRef idx="0">
-        <a:scrgbClr r="0" g="0" b="0"/>
-      </a:effectRef>
-      <a:fontRef idx="minor">
-        <a:schemeClr val="lt1"/>
-      </a:fontRef>
-    </dgm:style>
-  </dgm:styleLbl>
-  <dgm:styleLbl name="asst3">
-    <dgm:scene3d>
-      <a:camera prst="orthographicFront"/>
-      <a:lightRig rig="threePt" dir="t"/>
-    </dgm:scene3d>
-    <dgm:sp3d/>
-    <dgm:txPr/>
-    <dgm:style>
-      <a:lnRef idx="2">
-        <a:scrgbClr r="0" g="0" b="0"/>
-      </a:lnRef>
-      <a:fillRef idx="1">
-        <a:scrgbClr r="0" g="0" b="0"/>
-      </a:fillRef>
-      <a:effectRef idx="0">
-        <a:scrgbClr r="0" g="0" b="0"/>
-      </a:effectRef>
-      <a:fontRef idx="minor">
-        <a:schemeClr val="lt1"/>
-      </a:fontRef>
-    </dgm:style>
-  </dgm:styleLbl>
-  <dgm:styleLbl name="asst4">
-    <dgm:scene3d>
-      <a:camera prst="orthographicFront"/>
-      <a:lightRig rig="threePt" dir="t"/>
-    </dgm:scene3d>
-    <dgm:sp3d/>
-    <dgm:txPr/>
-    <dgm:style>
-      <a:lnRef idx="2">
-        <a:scrgbClr r="0" g="0" b="0"/>
-      </a:lnRef>
-      <a:fillRef idx="1">
-        <a:scrgbClr r="0" g="0" b="0"/>
-      </a:fillRef>
-      <a:effectRef idx="0">
-        <a:scrgbClr r="0" g="0" b="0"/>
-      </a:effectRef>
-      <a:fontRef idx="minor">
-        <a:schemeClr val="lt1"/>
-      </a:fontRef>
-    </dgm:style>
-  </dgm:styleLbl>
-  <dgm:styleLbl name="parChTrans2D1">
-    <dgm:scene3d>
-      <a:camera prst="orthographicFront"/>
-      <a:lightRig rig="threePt" dir="t"/>
-    </dgm:scene3d>
-    <dgm:sp3d/>
-    <dgm:txPr/>
-    <dgm:style>
-      <a:lnRef idx="2">
-        <a:scrgbClr r="0" g="0" b="0"/>
-      </a:lnRef>
-      <a:fillRef idx="1">
-        <a:scrgbClr r="0" g="0" b="0"/>
-      </a:fillRef>
-      <a:effectRef idx="0">
-        <a:scrgbClr r="0" g="0" b="0"/>
-      </a:effectRef>
-      <a:fontRef idx="minor">
-        <a:schemeClr val="lt1"/>
-      </a:fontRef>
-    </dgm:style>
-  </dgm:styleLbl>
-  <dgm:styleLbl name="parChTrans2D2">
-    <dgm:scene3d>
-      <a:camera prst="orthographicFront"/>
-      <a:lightRig rig="threePt" dir="t"/>
-    </dgm:scene3d>
-    <dgm:sp3d/>
-    <dgm:txPr/>
-    <dgm:style>
-      <a:lnRef idx="2">
-        <a:scrgbClr r="0" g="0" b="0"/>
-      </a:lnRef>
-      <a:fillRef idx="1">
-        <a:scrgbClr r="0" g="0" b="0"/>
-      </a:fillRef>
-      <a:effectRef idx="0">
-        <a:scrgbClr r="0" g="0" b="0"/>
-      </a:effectRef>
-      <a:fontRef idx="minor">
-        <a:schemeClr val="lt1"/>
-      </a:fontRef>
-    </dgm:style>
-  </dgm:styleLbl>
-  <dgm:styleLbl name="parChTrans2D3">
-    <dgm:scene3d>
-      <a:camera prst="orthographicFront"/>
-      <a:lightRig rig="threePt" dir="t"/>
-    </dgm:scene3d>
-    <dgm:sp3d/>
-    <dgm:txPr/>
-    <dgm:style>
-      <a:lnRef idx="2">
-        <a:scrgbClr r="0" g="0" b="0"/>
-      </a:lnRef>
-      <a:fillRef idx="1">
-        <a:scrgbClr r="0" g="0" b="0"/>
-      </a:fillRef>
-      <a:effectRef idx="0">
-        <a:scrgbClr r="0" g="0" b="0"/>
-      </a:effectRef>
-      <a:fontRef idx="minor">
-        <a:schemeClr val="lt1"/>
-      </a:fontRef>
-    </dgm:style>
-  </dgm:styleLbl>
-  <dgm:styleLbl name="parChTrans2D4">
-    <dgm:scene3d>
-      <a:camera prst="orthographicFront"/>
-      <a:lightRig rig="threePt" dir="t"/>
-    </dgm:scene3d>
-    <dgm:sp3d/>
-    <dgm:txPr/>
-    <dgm:style>
-      <a:lnRef idx="2">
-        <a:scrgbClr r="0" g="0" b="0"/>
-      </a:lnRef>
-      <a:fillRef idx="1">
-        <a:scrgbClr r="0" g="0" b="0"/>
-      </a:fillRef>
-      <a:effectRef idx="0">
-        <a:scrgbClr r="0" g="0" b="0"/>
-      </a:effectRef>
-      <a:fontRef idx="minor">
-        <a:schemeClr val="lt1"/>
-      </a:fontRef>
-    </dgm:style>
-  </dgm:styleLbl>
-  <dgm:styleLbl name="parChTrans1D1">
-    <dgm:scene3d>
-      <a:camera prst="orthographicFront"/>
-      <a:lightRig rig="threePt" dir="t"/>
-    </dgm:scene3d>
-    <dgm:sp3d/>
-    <dgm:txPr/>
-    <dgm:style>
-      <a:lnRef idx="2">
-        <a:scrgbClr r="0" g="0" b="0"/>
-      </a:lnRef>
-      <a:fillRef idx="0">
-        <a:scrgbClr r="0" g="0" b="0"/>
-      </a:fillRef>
-      <a:effectRef idx="0">
-        <a:scrgbClr r="0" g="0" b="0"/>
-      </a:effectRef>
-      <a:fontRef idx="minor"/>
-    </dgm:style>
-  </dgm:styleLbl>
-  <dgm:styleLbl name="parChTrans1D2">
-    <dgm:scene3d>
-      <a:camera prst="orthographicFront"/>
-      <a:lightRig rig="threePt" dir="t"/>
-    </dgm:scene3d>
-    <dgm:sp3d/>
-    <dgm:txPr/>
-    <dgm:style>
-      <a:lnRef idx="2">
-        <a:scrgbClr r="0" g="0" b="0"/>
-      </a:lnRef>
-      <a:fillRef idx="0">
-        <a:scrgbClr r="0" g="0" b="0"/>
-      </a:fillRef>
-      <a:effectRef idx="0">
-        <a:scrgbClr r="0" g="0" b="0"/>
-      </a:effectRef>
-      <a:fontRef idx="minor"/>
-    </dgm:style>
-  </dgm:styleLbl>
-  <dgm:styleLbl name="parChTrans1D3">
-    <dgm:scene3d>
-      <a:camera prst="orthographicFront"/>
-      <a:lightRig rig="threePt" dir="t"/>
-    </dgm:scene3d>
-    <dgm:sp3d/>
-    <dgm:txPr/>
-    <dgm:style>
-      <a:lnRef idx="2">
-        <a:scrgbClr r="0" g="0" b="0"/>
-      </a:lnRef>
-      <a:fillRef idx="0">
-        <a:scrgbClr r="0" g="0" b="0"/>
-      </a:fillRef>
-      <a:effectRef idx="0">
-        <a:scrgbClr r="0" g="0" b="0"/>
-      </a:effectRef>
-      <a:fontRef idx="minor"/>
-    </dgm:style>
-  </dgm:styleLbl>
-  <dgm:styleLbl name="parChTrans1D4">
-    <dgm:scene3d>
-      <a:camera prst="orthographicFront"/>
-      <a:lightRig rig="threePt" dir="t"/>
-    </dgm:scene3d>
-    <dgm:sp3d/>
-    <dgm:txPr/>
-    <dgm:style>
-      <a:lnRef idx="2">
-        <a:scrgbClr r="0" g="0" b="0"/>
-      </a:lnRef>
-      <a:fillRef idx="0">
-        <a:scrgbClr r="0" g="0" b="0"/>
-      </a:fillRef>
-      <a:effectRef idx="0">
-        <a:scrgbClr r="0" g="0" b="0"/>
-      </a:effectRef>
-      <a:fontRef idx="minor"/>
-    </dgm:style>
-  </dgm:styleLbl>
-  <dgm:styleLbl name="fgAcc1">
-    <dgm:scene3d>
-      <a:camera prst="orthographicFront"/>
-      <a:lightRig rig="threePt" dir="t"/>
-    </dgm:scene3d>
-    <dgm:sp3d/>
-    <dgm:txPr/>
-    <dgm:style>
-      <a:lnRef idx="2">
-        <a:scrgbClr r="0" g="0" b="0"/>
-      </a:lnRef>
-      <a:fillRef idx="1">
-        <a:scrgbClr r="0" g="0" b="0"/>
-      </a:fillRef>
-      <a:effectRef idx="0">
-        <a:scrgbClr r="0" g="0" b="0"/>
-      </a:effectRef>
-      <a:fontRef idx="minor"/>
-    </dgm:style>
-  </dgm:styleLbl>
-  <dgm:styleLbl name="conFgAcc1">
-    <dgm:scene3d>
-      <a:camera prst="orthographicFront"/>
-      <a:lightRig rig="threePt" dir="t"/>
-    </dgm:scene3d>
-    <dgm:sp3d/>
-    <dgm:txPr/>
-    <dgm:style>
-      <a:lnRef idx="2">
-        <a:scrgbClr r="0" g="0" b="0"/>
-      </a:lnRef>
-      <a:fillRef idx="1">
-        <a:scrgbClr r="0" g="0" b="0"/>
-      </a:fillRef>
-      <a:effectRef idx="0">
-        <a:scrgbClr r="0" g="0" b="0"/>
-      </a:effectRef>
-      <a:fontRef idx="minor"/>
-    </dgm:style>
-  </dgm:styleLbl>
-  <dgm:styleLbl name="alignAcc1">
-    <dgm:scene3d>
-      <a:camera prst="orthographicFront"/>
-      <a:lightRig rig="threePt" dir="t"/>
-    </dgm:scene3d>
-    <dgm:sp3d/>
-    <dgm:txPr/>
-    <dgm:style>
-      <a:lnRef idx="2">
-        <a:scrgbClr r="0" g="0" b="0"/>
-      </a:lnRef>
-      <a:fillRef idx="1">
-        <a:scrgbClr r="0" g="0" b="0"/>
-      </a:fillRef>
-      <a:effectRef idx="0">
-        <a:scrgbClr r="0" g="0" b="0"/>
-      </a:effectRef>
-      <a:fontRef idx="minor"/>
-    </dgm:style>
-  </dgm:styleLbl>
-  <dgm:styleLbl name="trAlignAcc1">
-    <dgm:scene3d>
-      <a:camera prst="orthographicFront"/>
-      <a:lightRig rig="threePt" dir="t"/>
-    </dgm:scene3d>
-    <dgm:sp3d/>
-    <dgm:txPr/>
-    <dgm:style>
-      <a:lnRef idx="1">
-        <a:scrgbClr r="0" g="0" b="0"/>
-      </a:lnRef>
-      <a:fillRef idx="1">
-        <a:scrgbClr r="0" g="0" b="0"/>
-      </a:fillRef>
-      <a:effectRef idx="0">
-        <a:scrgbClr r="0" g="0" b="0"/>
-      </a:effectRef>
-      <a:fontRef idx="minor"/>
-    </dgm:style>
-  </dgm:styleLbl>
-  <dgm:styleLbl name="bgAcc1">
-    <dgm:scene3d>
-      <a:camera prst="orthographicFront"/>
-      <a:lightRig rig="threePt" dir="t"/>
-    </dgm:scene3d>
-    <dgm:sp3d/>
-    <dgm:txPr/>
-    <dgm:style>
-      <a:lnRef idx="2">
-        <a:scrgbClr r="0" g="0" b="0"/>
-      </a:lnRef>
-      <a:fillRef idx="1">
-        <a:scrgbClr r="0" g="0" b="0"/>
-      </a:fillRef>
-      <a:effectRef idx="0">
-        <a:scrgbClr r="0" g="0" b="0"/>
-      </a:effectRef>
-      <a:fontRef idx="minor"/>
-    </dgm:style>
-  </dgm:styleLbl>
-  <dgm:styleLbl name="solidFgAcc1">
-    <dgm:scene3d>
-      <a:camera prst="orthographicFront"/>
-      <a:lightRig rig="threePt" dir="t"/>
-    </dgm:scene3d>
-    <dgm:sp3d/>
-    <dgm:txPr/>
-    <dgm:style>
-      <a:lnRef idx="2">
-        <a:scrgbClr r="0" g="0" b="0"/>
-      </a:lnRef>
-      <a:fillRef idx="1">
-        <a:scrgbClr r="0" g="0" b="0"/>
-      </a:fillRef>
-      <a:effectRef idx="0">
-        <a:scrgbClr r="0" g="0" b="0"/>
-      </a:effectRef>
-      <a:fontRef idx="minor"/>
-    </dgm:style>
-  </dgm:styleLbl>
-  <dgm:styleLbl name="solidAlignAcc1">
-    <dgm:scene3d>
-      <a:camera prst="orthographicFront"/>
-      <a:lightRig rig="threePt" dir="t"/>
-    </dgm:scene3d>
-    <dgm:sp3d/>
-    <dgm:txPr/>
-    <dgm:style>
-      <a:lnRef idx="2">
-        <a:scrgbClr r="0" g="0" b="0"/>
-      </a:lnRef>
-      <a:fillRef idx="1">
-        <a:scrgbClr r="0" g="0" b="0"/>
-      </a:fillRef>
-      <a:effectRef idx="0">
-        <a:scrgbClr r="0" g="0" b="0"/>
-      </a:effectRef>
-      <a:fontRef idx="minor"/>
-    </dgm:style>
-  </dgm:styleLbl>
-  <dgm:styleLbl name="solidBgAcc1">
-    <dgm:scene3d>
-      <a:camera prst="orthographicFront"/>
-      <a:lightRig rig="threePt" dir="t"/>
-    </dgm:scene3d>
-    <dgm:sp3d/>
-    <dgm:txPr/>
-    <dgm:style>
-      <a:lnRef idx="2">
-        <a:scrgbClr r="0" g="0" b="0"/>
-      </a:lnRef>
-      <a:fillRef idx="1">
-        <a:scrgbClr r="0" g="0" b="0"/>
-      </a:fillRef>
-      <a:effectRef idx="0">
-        <a:scrgbClr r="0" g="0" b="0"/>
-      </a:effectRef>
-      <a:fontRef idx="minor"/>
-    </dgm:style>
-  </dgm:styleLbl>
-  <dgm:styleLbl name="fgAccFollowNode1">
-    <dgm:scene3d>
-      <a:camera prst="orthographicFront"/>
-      <a:lightRig rig="threePt" dir="t"/>
-    </dgm:scene3d>
-    <dgm:sp3d/>
-    <dgm:txPr/>
-    <dgm:style>
-      <a:lnRef idx="2">
-        <a:scrgbClr r="0" g="0" b="0"/>
-      </a:lnRef>
-      <a:fillRef idx="1">
-        <a:scrgbClr r="0" g="0" b="0"/>
-      </a:fillRef>
-      <a:effectRef idx="0">
-        <a:scrgbClr r="0" g="0" b="0"/>
-      </a:effectRef>
-      <a:fontRef idx="minor"/>
-    </dgm:style>
-  </dgm:styleLbl>
-  <dgm:styleLbl name="alignAccFollowNode1">
-    <dgm:scene3d>
-      <a:camera prst="orthographicFront"/>
-      <a:lightRig rig="threePt" dir="t"/>
-    </dgm:scene3d>
-    <dgm:sp3d/>
-    <dgm:txPr/>
-    <dgm:style>
-      <a:lnRef idx="2">
-        <a:scrgbClr r="0" g="0" b="0"/>
-      </a:lnRef>
-      <a:fillRef idx="1">
-        <a:scrgbClr r="0" g="0" b="0"/>
-      </a:fillRef>
-      <a:effectRef idx="0">
-        <a:scrgbClr r="0" g="0" b="0"/>
-      </a:effectRef>
-      <a:fontRef idx="minor"/>
-    </dgm:style>
-  </dgm:styleLbl>
-  <dgm:styleLbl name="bgAccFollowNode1">
-    <dgm:scene3d>
-      <a:camera prst="orthographicFront"/>
-      <a:lightRig rig="threePt" dir="t"/>
-    </dgm:scene3d>
-    <dgm:sp3d/>
-    <dgm:txPr/>
-    <dgm:style>
-      <a:lnRef idx="2">
-        <a:scrgbClr r="0" g="0" b="0"/>
-      </a:lnRef>
-      <a:fillRef idx="1">
-        <a:scrgbClr r="0" g="0" b="0"/>
-      </a:fillRef>
-      <a:effectRef idx="0">
-        <a:scrgbClr r="0" g="0" b="0"/>
-      </a:effectRef>
-      <a:fontRef idx="minor"/>
-    </dgm:style>
-  </dgm:styleLbl>
-  <dgm:styleLbl name="fgAcc0">
-    <dgm:scene3d>
-      <a:camera prst="orthographicFront"/>
-      <a:lightRig rig="threePt" dir="t"/>
-    </dgm:scene3d>
-    <dgm:sp3d/>
-    <dgm:txPr/>
-    <dgm:style>
-      <a:lnRef idx="2">
-        <a:scrgbClr r="0" g="0" b="0"/>
-      </a:lnRef>
-      <a:fillRef idx="1">
-        <a:scrgbClr r="0" g="0" b="0"/>
-      </a:fillRef>
-      <a:effectRef idx="0">
-        <a:scrgbClr r="0" g="0" b="0"/>
-      </a:effectRef>
-      <a:fontRef idx="minor"/>
-    </dgm:style>
-  </dgm:styleLbl>
-  <dgm:styleLbl name="fgAcc2">
-    <dgm:scene3d>
-      <a:camera prst="orthographicFront"/>
-      <a:lightRig rig="threePt" dir="t"/>
-    </dgm:scene3d>
-    <dgm:sp3d/>
-    <dgm:txPr/>
-    <dgm:style>
-      <a:lnRef idx="2">
-        <a:scrgbClr r="0" g="0" b="0"/>
-      </a:lnRef>
-      <a:fillRef idx="1">
-        <a:scrgbClr r="0" g="0" b="0"/>
-      </a:fillRef>
-      <a:effectRef idx="0">
-        <a:scrgbClr r="0" g="0" b="0"/>
-      </a:effectRef>
-      <a:fontRef idx="minor"/>
-    </dgm:style>
-  </dgm:styleLbl>
-  <dgm:styleLbl name="fgAcc3">
-    <dgm:scene3d>
-      <a:camera prst="orthographicFront"/>
-      <a:lightRig rig="threePt" dir="t"/>
-    </dgm:scene3d>
-    <dgm:sp3d/>
-    <dgm:txPr/>
-    <dgm:style>
-      <a:lnRef idx="2">
-        <a:scrgbClr r="0" g="0" b="0"/>
-      </a:lnRef>
-      <a:fillRef idx="1">
-        <a:scrgbClr r="0" g="0" b="0"/>
-      </a:fillRef>
-      <a:effectRef idx="0">
-        <a:scrgbClr r="0" g="0" b="0"/>
-      </a:effectRef>
-      <a:fontRef idx="minor"/>
-    </dgm:style>
-  </dgm:styleLbl>
-  <dgm:styleLbl name="fgAcc4">
-    <dgm:scene3d>
-      <a:camera prst="orthographicFront"/>
-      <a:lightRig rig="threePt" dir="t"/>
-    </dgm:scene3d>
-    <dgm:sp3d/>
-    <dgm:txPr/>
-    <dgm:style>
-      <a:lnRef idx="2">
-        <a:scrgbClr r="0" g="0" b="0"/>
-      </a:lnRef>
-      <a:fillRef idx="1">
-        <a:scrgbClr r="0" g="0" b="0"/>
-      </a:fillRef>
-      <a:effectRef idx="0">
-        <a:scrgbClr r="0" g="0" b="0"/>
-      </a:effectRef>
-      <a:fontRef idx="minor"/>
-    </dgm:style>
-  </dgm:styleLbl>
-  <dgm:styleLbl name="bgShp">
-    <dgm:scene3d>
-      <a:camera prst="orthographicFront"/>
-      <a:lightRig rig="threePt" dir="t"/>
-    </dgm:scene3d>
-    <dgm:sp3d/>
-    <dgm:txPr/>
-    <dgm:style>
-      <a:lnRef idx="0">
-        <a:scrgbClr r="0" g="0" b="0"/>
-      </a:lnRef>
-      <a:fillRef idx="1">
-        <a:scrgbClr r="0" g="0" b="0"/>
-      </a:fillRef>
-      <a:effectRef idx="0">
-        <a:scrgbClr r="0" g="0" b="0"/>
-      </a:effectRef>
-      <a:fontRef idx="minor"/>
-    </dgm:style>
-  </dgm:styleLbl>
-  <dgm:styleLbl name="dkBgShp">
-    <dgm:scene3d>
-      <a:camera prst="orthographicFront"/>
-      <a:lightRig rig="threePt" dir="t"/>
-    </dgm:scene3d>
-    <dgm:sp3d/>
-    <dgm:txPr/>
-    <dgm:style>
-      <a:lnRef idx="0">
-        <a:scrgbClr r="0" g="0" b="0"/>
-      </a:lnRef>
-      <a:fillRef idx="1">
-        <a:scrgbClr r="0" g="0" b="0"/>
-      </a:fillRef>
-      <a:effectRef idx="0">
-        <a:scrgbClr r="0" g="0" b="0"/>
-      </a:effectRef>
-      <a:fontRef idx="minor"/>
-    </dgm:style>
-  </dgm:styleLbl>
-  <dgm:styleLbl name="trBgShp">
-    <dgm:scene3d>
-      <a:camera prst="orthographicFront"/>
-      <a:lightRig rig="threePt" dir="t"/>
-    </dgm:scene3d>
-    <dgm:sp3d/>
-    <dgm:txPr/>
-    <dgm:style>
-      <a:lnRef idx="0">
-        <a:scrgbClr r="0" g="0" b="0"/>
-      </a:lnRef>
-      <a:fillRef idx="1">
-        <a:scrgbClr r="0" g="0" b="0"/>
-      </a:fillRef>
-      <a:effectRef idx="0">
-        <a:scrgbClr r="0" g="0" b="0"/>
-      </a:effectRef>
-      <a:fontRef idx="minor"/>
-    </dgm:style>
-  </dgm:styleLbl>
-  <dgm:styleLbl name="fgShp">
-    <dgm:scene3d>
-      <a:camera prst="orthographicFront"/>
-      <a:lightRig rig="threePt" dir="t"/>
-    </dgm:scene3d>
-    <dgm:sp3d/>
-    <dgm:txPr/>
-    <dgm:style>
-      <a:lnRef idx="2">
-        <a:scrgbClr r="0" g="0" b="0"/>
-      </a:lnRef>
-      <a:fillRef idx="1">
-        <a:scrgbClr r="0" g="0" b="0"/>
-      </a:fillRef>
-      <a:effectRef idx="0">
-        <a:scrgbClr r="0" g="0" b="0"/>
-      </a:effectRef>
-      <a:fontRef idx="minor"/>
-    </dgm:style>
-  </dgm:styleLbl>
-  <dgm:styleLbl name="revTx">
-    <dgm:scene3d>
-      <a:camera prst="orthographicFront"/>
-      <a:lightRig rig="threePt" dir="t"/>
-    </dgm:scene3d>
-    <dgm:sp3d/>
-    <dgm:txPr/>
-    <dgm:style>
-      <a:lnRef idx="0">
-        <a:scrgbClr r="0" g="0" b="0"/>
-      </a:lnRef>
-      <a:fillRef idx="0">
-        <a:scrgbClr r="0" g="0" b="0"/>
-      </a:fillRef>
-      <a:effectRef idx="0">
-        <a:scrgbClr r="0" g="0" b="0"/>
-      </a:effectRef>
-      <a:fontRef idx="minor"/>
-    </dgm:style>
-  </dgm:styleLbl>
-</dgm:styleDef>
-</file>
-
 <file path=ppt/handoutMasters/handoutMaster1.xml><?xml version="1.0" encoding="utf-8"?>
 <p:handoutMaster xmlns:a="http://schemas.openxmlformats.org/drawingml/2006/main" xmlns:r="http://schemas.openxmlformats.org/officeDocument/2006/relationships" xmlns:p="http://schemas.openxmlformats.org/presentationml/2006/main">
   <p:cSld>
@@ -5206,7 +827,7 @@
           <a:p>
             <a:fld id="{1983A999-5E0E-42CA-8400-604AE921FF7C}" type="slidenum">
               <a:rPr lang="en-US" smtClean="0"/>
-              <a:t>3</a:t>
+              <a:t>2</a:t>
             </a:fld>
             <a:endParaRPr lang="en-US"/>
           </a:p>
@@ -5215,7 +836,7 @@
     </p:spTree>
     <p:extLst>
       <p:ext uri="{BB962C8B-B14F-4D97-AF65-F5344CB8AC3E}">
-        <p14:creationId xmlns:p14="http://schemas.microsoft.com/office/powerpoint/2010/main" val="2100331255"/>
+        <p14:creationId xmlns:p14="http://schemas.microsoft.com/office/powerpoint/2010/main" val="1586550175"/>
       </p:ext>
     </p:extLst>
   </p:cSld>
@@ -5290,343 +911,7 @@
           <a:p>
             <a:fld id="{1983A999-5E0E-42CA-8400-604AE921FF7C}" type="slidenum">
               <a:rPr lang="en-US" smtClean="0"/>
-              <a:t>4</a:t>
-            </a:fld>
-            <a:endParaRPr lang="en-US"/>
-          </a:p>
-        </p:txBody>
-      </p:sp>
-    </p:spTree>
-    <p:extLst>
-      <p:ext uri="{BB962C8B-B14F-4D97-AF65-F5344CB8AC3E}">
-        <p14:creationId xmlns:p14="http://schemas.microsoft.com/office/powerpoint/2010/main" val="1586550175"/>
-      </p:ext>
-    </p:extLst>
-  </p:cSld>
-  <p:clrMapOvr>
-    <a:masterClrMapping/>
-  </p:clrMapOvr>
-</p:notes>
-</file>
-
-<file path=ppt/notesSlides/notesSlide4.xml><?xml version="1.0" encoding="utf-8"?>
-<p:notes xmlns:a="http://schemas.openxmlformats.org/drawingml/2006/main" xmlns:r="http://schemas.openxmlformats.org/officeDocument/2006/relationships" xmlns:p="http://schemas.openxmlformats.org/presentationml/2006/main">
-  <p:cSld>
-    <p:spTree>
-      <p:nvGrpSpPr>
-        <p:cNvPr id="1" name=""/>
-        <p:cNvGrpSpPr/>
-        <p:nvPr/>
-      </p:nvGrpSpPr>
-      <p:grpSpPr>
-        <a:xfrm>
-          <a:off x="0" y="0"/>
-          <a:ext cx="0" cy="0"/>
-          <a:chOff x="0" y="0"/>
-          <a:chExt cx="0" cy="0"/>
-        </a:xfrm>
-      </p:grpSpPr>
-      <p:sp>
-        <p:nvSpPr>
-          <p:cNvPr id="2" name="Slide Image Placeholder 1"/>
-          <p:cNvSpPr>
-            <a:spLocks noGrp="1" noRot="1" noChangeAspect="1"/>
-          </p:cNvSpPr>
-          <p:nvPr>
-            <p:ph type="sldImg"/>
-          </p:nvPr>
-        </p:nvSpPr>
-        <p:spPr/>
-      </p:sp>
-      <p:sp>
-        <p:nvSpPr>
-          <p:cNvPr id="3" name="Notes Placeholder 2"/>
-          <p:cNvSpPr>
-            <a:spLocks noGrp="1"/>
-          </p:cNvSpPr>
-          <p:nvPr>
-            <p:ph type="body" idx="1"/>
-          </p:nvPr>
-        </p:nvSpPr>
-        <p:spPr/>
-        <p:txBody>
-          <a:bodyPr/>
-          <a:lstStyle/>
-          <a:p>
-            <a:endParaRPr lang="en-US" dirty="0"/>
-          </a:p>
-        </p:txBody>
-      </p:sp>
-      <p:sp>
-        <p:nvSpPr>
-          <p:cNvPr id="4" name="Slide Number Placeholder 3"/>
-          <p:cNvSpPr>
-            <a:spLocks noGrp="1"/>
-          </p:cNvSpPr>
-          <p:nvPr>
-            <p:ph type="sldNum" sz="quarter" idx="5"/>
-          </p:nvPr>
-        </p:nvSpPr>
-        <p:spPr/>
-        <p:txBody>
-          <a:bodyPr/>
-          <a:lstStyle/>
-          <a:p>
-            <a:fld id="{1983A999-5E0E-42CA-8400-604AE921FF7C}" type="slidenum">
-              <a:rPr lang="en-US" smtClean="0"/>
               <a:t>8</a:t>
-            </a:fld>
-            <a:endParaRPr lang="en-US"/>
-          </a:p>
-        </p:txBody>
-      </p:sp>
-    </p:spTree>
-    <p:extLst>
-      <p:ext uri="{BB962C8B-B14F-4D97-AF65-F5344CB8AC3E}">
-        <p14:creationId xmlns:p14="http://schemas.microsoft.com/office/powerpoint/2010/main" val="396330408"/>
-      </p:ext>
-    </p:extLst>
-  </p:cSld>
-  <p:clrMapOvr>
-    <a:masterClrMapping/>
-  </p:clrMapOvr>
-</p:notes>
-</file>
-
-<file path=ppt/notesSlides/notesSlide5.xml><?xml version="1.0" encoding="utf-8"?>
-<p:notes xmlns:a="http://schemas.openxmlformats.org/drawingml/2006/main" xmlns:r="http://schemas.openxmlformats.org/officeDocument/2006/relationships" xmlns:p="http://schemas.openxmlformats.org/presentationml/2006/main">
-  <p:cSld>
-    <p:spTree>
-      <p:nvGrpSpPr>
-        <p:cNvPr id="1" name=""/>
-        <p:cNvGrpSpPr/>
-        <p:nvPr/>
-      </p:nvGrpSpPr>
-      <p:grpSpPr>
-        <a:xfrm>
-          <a:off x="0" y="0"/>
-          <a:ext cx="0" cy="0"/>
-          <a:chOff x="0" y="0"/>
-          <a:chExt cx="0" cy="0"/>
-        </a:xfrm>
-      </p:grpSpPr>
-      <p:sp>
-        <p:nvSpPr>
-          <p:cNvPr id="2" name="Slide Image Placeholder 1"/>
-          <p:cNvSpPr>
-            <a:spLocks noGrp="1" noRot="1" noChangeAspect="1"/>
-          </p:cNvSpPr>
-          <p:nvPr>
-            <p:ph type="sldImg"/>
-          </p:nvPr>
-        </p:nvSpPr>
-        <p:spPr/>
-      </p:sp>
-      <p:sp>
-        <p:nvSpPr>
-          <p:cNvPr id="3" name="Notes Placeholder 2"/>
-          <p:cNvSpPr>
-            <a:spLocks noGrp="1"/>
-          </p:cNvSpPr>
-          <p:nvPr>
-            <p:ph type="body" idx="1"/>
-          </p:nvPr>
-        </p:nvSpPr>
-        <p:spPr/>
-        <p:txBody>
-          <a:bodyPr/>
-          <a:lstStyle/>
-          <a:p>
-            <a:endParaRPr lang="en-US"/>
-          </a:p>
-        </p:txBody>
-      </p:sp>
-      <p:sp>
-        <p:nvSpPr>
-          <p:cNvPr id="4" name="Slide Number Placeholder 3"/>
-          <p:cNvSpPr>
-            <a:spLocks noGrp="1"/>
-          </p:cNvSpPr>
-          <p:nvPr>
-            <p:ph type="sldNum" sz="quarter" idx="10"/>
-          </p:nvPr>
-        </p:nvSpPr>
-        <p:spPr/>
-        <p:txBody>
-          <a:bodyPr/>
-          <a:lstStyle/>
-          <a:p>
-            <a:fld id="{32DC0559-D619-4E56-BF6F-3712370C2150}" type="slidenum">
-              <a:rPr lang="en-US" smtClean="0"/>
-              <a:t>9</a:t>
-            </a:fld>
-            <a:endParaRPr lang="en-US"/>
-          </a:p>
-        </p:txBody>
-      </p:sp>
-    </p:spTree>
-    <p:extLst>
-      <p:ext uri="{BB962C8B-B14F-4D97-AF65-F5344CB8AC3E}">
-        <p14:creationId xmlns:p14="http://schemas.microsoft.com/office/powerpoint/2010/main" val="514541281"/>
-      </p:ext>
-    </p:extLst>
-  </p:cSld>
-  <p:clrMapOvr>
-    <a:masterClrMapping/>
-  </p:clrMapOvr>
-</p:notes>
-</file>
-
-<file path=ppt/notesSlides/notesSlide6.xml><?xml version="1.0" encoding="utf-8"?>
-<p:notes xmlns:a="http://schemas.openxmlformats.org/drawingml/2006/main" xmlns:r="http://schemas.openxmlformats.org/officeDocument/2006/relationships" xmlns:p="http://schemas.openxmlformats.org/presentationml/2006/main">
-  <p:cSld>
-    <p:spTree>
-      <p:nvGrpSpPr>
-        <p:cNvPr id="1" name=""/>
-        <p:cNvGrpSpPr/>
-        <p:nvPr/>
-      </p:nvGrpSpPr>
-      <p:grpSpPr>
-        <a:xfrm>
-          <a:off x="0" y="0"/>
-          <a:ext cx="0" cy="0"/>
-          <a:chOff x="0" y="0"/>
-          <a:chExt cx="0" cy="0"/>
-        </a:xfrm>
-      </p:grpSpPr>
-      <p:sp>
-        <p:nvSpPr>
-          <p:cNvPr id="2" name="Slide Image Placeholder 1"/>
-          <p:cNvSpPr>
-            <a:spLocks noGrp="1" noRot="1" noChangeAspect="1"/>
-          </p:cNvSpPr>
-          <p:nvPr>
-            <p:ph type="sldImg"/>
-          </p:nvPr>
-        </p:nvSpPr>
-        <p:spPr/>
-      </p:sp>
-      <p:sp>
-        <p:nvSpPr>
-          <p:cNvPr id="3" name="Notes Placeholder 2"/>
-          <p:cNvSpPr>
-            <a:spLocks noGrp="1"/>
-          </p:cNvSpPr>
-          <p:nvPr>
-            <p:ph type="body" idx="1"/>
-          </p:nvPr>
-        </p:nvSpPr>
-        <p:spPr/>
-        <p:txBody>
-          <a:bodyPr/>
-          <a:lstStyle/>
-          <a:p>
-            <a:endParaRPr lang="en-US" dirty="0"/>
-          </a:p>
-        </p:txBody>
-      </p:sp>
-      <p:sp>
-        <p:nvSpPr>
-          <p:cNvPr id="4" name="Slide Number Placeholder 3"/>
-          <p:cNvSpPr>
-            <a:spLocks noGrp="1"/>
-          </p:cNvSpPr>
-          <p:nvPr>
-            <p:ph type="sldNum" sz="quarter" idx="5"/>
-          </p:nvPr>
-        </p:nvSpPr>
-        <p:spPr/>
-        <p:txBody>
-          <a:bodyPr/>
-          <a:lstStyle/>
-          <a:p>
-            <a:fld id="{1983A999-5E0E-42CA-8400-604AE921FF7C}" type="slidenum">
-              <a:rPr lang="en-US" smtClean="0"/>
-              <a:t>10</a:t>
-            </a:fld>
-            <a:endParaRPr lang="en-US"/>
-          </a:p>
-        </p:txBody>
-      </p:sp>
-    </p:spTree>
-    <p:extLst>
-      <p:ext uri="{BB962C8B-B14F-4D97-AF65-F5344CB8AC3E}">
-        <p14:creationId xmlns:p14="http://schemas.microsoft.com/office/powerpoint/2010/main" val="1222275886"/>
-      </p:ext>
-    </p:extLst>
-  </p:cSld>
-  <p:clrMapOvr>
-    <a:masterClrMapping/>
-  </p:clrMapOvr>
-</p:notes>
-</file>
-
-<file path=ppt/notesSlides/notesSlide7.xml><?xml version="1.0" encoding="utf-8"?>
-<p:notes xmlns:a="http://schemas.openxmlformats.org/drawingml/2006/main" xmlns:r="http://schemas.openxmlformats.org/officeDocument/2006/relationships" xmlns:p="http://schemas.openxmlformats.org/presentationml/2006/main">
-  <p:cSld>
-    <p:spTree>
-      <p:nvGrpSpPr>
-        <p:cNvPr id="1" name=""/>
-        <p:cNvGrpSpPr/>
-        <p:nvPr/>
-      </p:nvGrpSpPr>
-      <p:grpSpPr>
-        <a:xfrm>
-          <a:off x="0" y="0"/>
-          <a:ext cx="0" cy="0"/>
-          <a:chOff x="0" y="0"/>
-          <a:chExt cx="0" cy="0"/>
-        </a:xfrm>
-      </p:grpSpPr>
-      <p:sp>
-        <p:nvSpPr>
-          <p:cNvPr id="2" name="Slide Image Placeholder 1"/>
-          <p:cNvSpPr>
-            <a:spLocks noGrp="1" noRot="1" noChangeAspect="1"/>
-          </p:cNvSpPr>
-          <p:nvPr>
-            <p:ph type="sldImg"/>
-          </p:nvPr>
-        </p:nvSpPr>
-        <p:spPr/>
-      </p:sp>
-      <p:sp>
-        <p:nvSpPr>
-          <p:cNvPr id="3" name="Notes Placeholder 2"/>
-          <p:cNvSpPr>
-            <a:spLocks noGrp="1"/>
-          </p:cNvSpPr>
-          <p:nvPr>
-            <p:ph type="body" idx="1"/>
-          </p:nvPr>
-        </p:nvSpPr>
-        <p:spPr/>
-        <p:txBody>
-          <a:bodyPr/>
-          <a:lstStyle/>
-          <a:p>
-            <a:endParaRPr lang="en-US" dirty="0"/>
-          </a:p>
-        </p:txBody>
-      </p:sp>
-      <p:sp>
-        <p:nvSpPr>
-          <p:cNvPr id="4" name="Slide Number Placeholder 3"/>
-          <p:cNvSpPr>
-            <a:spLocks noGrp="1"/>
-          </p:cNvSpPr>
-          <p:nvPr>
-            <p:ph type="sldNum" sz="quarter" idx="5"/>
-          </p:nvPr>
-        </p:nvSpPr>
-        <p:spPr/>
-        <p:txBody>
-          <a:bodyPr/>
-          <a:lstStyle/>
-          <a:p>
-            <a:fld id="{1983A999-5E0E-42CA-8400-604AE921FF7C}" type="slidenum">
-              <a:rPr lang="en-US" smtClean="0"/>
-              <a:t>11</a:t>
             </a:fld>
             <a:endParaRPr lang="en-US"/>
           </a:p>
@@ -5636,90 +921,6 @@
     <p:extLst>
       <p:ext uri="{BB962C8B-B14F-4D97-AF65-F5344CB8AC3E}">
         <p14:creationId xmlns:p14="http://schemas.microsoft.com/office/powerpoint/2010/main" val="404304175"/>
-      </p:ext>
-    </p:extLst>
-  </p:cSld>
-  <p:clrMapOvr>
-    <a:masterClrMapping/>
-  </p:clrMapOvr>
-</p:notes>
-</file>
-
-<file path=ppt/notesSlides/notesSlide8.xml><?xml version="1.0" encoding="utf-8"?>
-<p:notes xmlns:a="http://schemas.openxmlformats.org/drawingml/2006/main" xmlns:r="http://schemas.openxmlformats.org/officeDocument/2006/relationships" xmlns:p="http://schemas.openxmlformats.org/presentationml/2006/main">
-  <p:cSld>
-    <p:spTree>
-      <p:nvGrpSpPr>
-        <p:cNvPr id="1" name=""/>
-        <p:cNvGrpSpPr/>
-        <p:nvPr/>
-      </p:nvGrpSpPr>
-      <p:grpSpPr>
-        <a:xfrm>
-          <a:off x="0" y="0"/>
-          <a:ext cx="0" cy="0"/>
-          <a:chOff x="0" y="0"/>
-          <a:chExt cx="0" cy="0"/>
-        </a:xfrm>
-      </p:grpSpPr>
-      <p:sp>
-        <p:nvSpPr>
-          <p:cNvPr id="2" name="Slide Image Placeholder 1"/>
-          <p:cNvSpPr>
-            <a:spLocks noGrp="1" noRot="1" noChangeAspect="1"/>
-          </p:cNvSpPr>
-          <p:nvPr>
-            <p:ph type="sldImg"/>
-          </p:nvPr>
-        </p:nvSpPr>
-        <p:spPr/>
-      </p:sp>
-      <p:sp>
-        <p:nvSpPr>
-          <p:cNvPr id="3" name="Notes Placeholder 2"/>
-          <p:cNvSpPr>
-            <a:spLocks noGrp="1"/>
-          </p:cNvSpPr>
-          <p:nvPr>
-            <p:ph type="body" idx="1"/>
-          </p:nvPr>
-        </p:nvSpPr>
-        <p:spPr/>
-        <p:txBody>
-          <a:bodyPr/>
-          <a:lstStyle/>
-          <a:p>
-            <a:endParaRPr lang="en-US" dirty="0"/>
-          </a:p>
-        </p:txBody>
-      </p:sp>
-      <p:sp>
-        <p:nvSpPr>
-          <p:cNvPr id="4" name="Slide Number Placeholder 3"/>
-          <p:cNvSpPr>
-            <a:spLocks noGrp="1"/>
-          </p:cNvSpPr>
-          <p:nvPr>
-            <p:ph type="sldNum" sz="quarter" idx="5"/>
-          </p:nvPr>
-        </p:nvSpPr>
-        <p:spPr/>
-        <p:txBody>
-          <a:bodyPr/>
-          <a:lstStyle/>
-          <a:p>
-            <a:fld id="{1983A999-5E0E-42CA-8400-604AE921FF7C}" type="slidenum">
-              <a:rPr lang="en-US" smtClean="0"/>
-              <a:t>13</a:t>
-            </a:fld>
-            <a:endParaRPr lang="en-US"/>
-          </a:p>
-        </p:txBody>
-      </p:sp>
-    </p:spTree>
-    <p:extLst>
-      <p:ext uri="{BB962C8B-B14F-4D97-AF65-F5344CB8AC3E}">
-        <p14:creationId xmlns:p14="http://schemas.microsoft.com/office/powerpoint/2010/main" val="4150892672"/>
       </p:ext>
     </p:extLst>
   </p:cSld>
@@ -17797,7 +12998,7 @@
           <a:p>
             <a:r>
               <a:rPr lang="en-US" dirty="0"/>
-              <a:t>Tobacco</a:t>
+              <a:t>Tobacco:</a:t>
             </a:r>
             <a:br>
               <a:rPr lang="en-US" dirty="0"/>
@@ -17906,2622 +13107,7 @@
 </p:sld>
 </file>
 
-<file path=ppt/slides/slide10.xml><?xml version="1.0" encoding="utf-8"?>
-<p:sld xmlns:a="http://schemas.openxmlformats.org/drawingml/2006/main" xmlns:r="http://schemas.openxmlformats.org/officeDocument/2006/relationships" xmlns:p="http://schemas.openxmlformats.org/presentationml/2006/main">
-  <p:cSld>
-    <p:spTree>
-      <p:nvGrpSpPr>
-        <p:cNvPr id="1" name=""/>
-        <p:cNvGrpSpPr/>
-        <p:nvPr/>
-      </p:nvGrpSpPr>
-      <p:grpSpPr>
-        <a:xfrm>
-          <a:off x="0" y="0"/>
-          <a:ext cx="0" cy="0"/>
-          <a:chOff x="0" y="0"/>
-          <a:chExt cx="0" cy="0"/>
-        </a:xfrm>
-      </p:grpSpPr>
-      <p:pic>
-        <p:nvPicPr>
-          <p:cNvPr id="8" name="Picture Placeholder 7" descr="Data Points Digital background">
-            <a:extLst>
-              <a:ext uri="{FF2B5EF4-FFF2-40B4-BE49-F238E27FC236}">
-                <a16:creationId xmlns:a16="http://schemas.microsoft.com/office/drawing/2014/main" id="{5FED7C55-F545-49A1-90FD-D853A25AB453}"/>
-              </a:ext>
-            </a:extLst>
-          </p:cNvPr>
-          <p:cNvPicPr>
-            <a:picLocks noGrp="1" noChangeAspect="1"/>
-          </p:cNvPicPr>
-          <p:nvPr>
-            <p:ph type="pic" sz="quarter" idx="13"/>
-          </p:nvPr>
-        </p:nvPicPr>
-        <p:blipFill>
-          <a:blip r:embed="rId3">
-            <a:extLst>
-              <a:ext uri="{28A0092B-C50C-407E-A947-70E740481C1C}">
-                <a14:useLocalDpi xmlns:a14="http://schemas.microsoft.com/office/drawing/2010/main" val="0"/>
-              </a:ext>
-            </a:extLst>
-          </a:blip>
-          <a:srcRect/>
-          <a:stretch>
-            <a:fillRect/>
-          </a:stretch>
-        </p:blipFill>
-        <p:spPr/>
-      </p:pic>
-      <p:sp>
-        <p:nvSpPr>
-          <p:cNvPr id="15" name="Title 14">
-            <a:extLst>
-              <a:ext uri="{FF2B5EF4-FFF2-40B4-BE49-F238E27FC236}">
-                <a16:creationId xmlns:a16="http://schemas.microsoft.com/office/drawing/2014/main" id="{40F1DF5B-353A-4270-8C10-6A1509441174}"/>
-              </a:ext>
-            </a:extLst>
-          </p:cNvPr>
-          <p:cNvSpPr>
-            <a:spLocks noGrp="1"/>
-          </p:cNvSpPr>
-          <p:nvPr>
-            <p:ph type="ctrTitle"/>
-          </p:nvPr>
-        </p:nvSpPr>
-        <p:spPr>
-          <a:xfrm>
-            <a:off x="550863" y="549275"/>
-            <a:ext cx="5437187" cy="2986234"/>
-          </a:xfrm>
-        </p:spPr>
-        <p:txBody>
-          <a:bodyPr vert="horz" wrap="square" lIns="0" tIns="0" rIns="0" bIns="0" rtlCol="0" anchor="b" anchorCtr="0">
-            <a:normAutofit/>
-          </a:bodyPr>
-          <a:lstStyle/>
-          <a:p>
-            <a:pPr>
-              <a:lnSpc>
-                <a:spcPct val="100000"/>
-              </a:lnSpc>
-            </a:pPr>
-            <a:r>
-              <a:rPr lang="en-US" sz="6400" kern="1200" dirty="0">
-                <a:solidFill>
-                  <a:schemeClr val="tx1"/>
-                </a:solidFill>
-                <a:latin typeface="+mj-lt"/>
-                <a:ea typeface="+mj-ea"/>
-                <a:cs typeface="+mj-cs"/>
-              </a:rPr>
-              <a:t>Tobacco use International</a:t>
-            </a:r>
-          </a:p>
-        </p:txBody>
-      </p:sp>
-      <p:sp>
-        <p:nvSpPr>
-          <p:cNvPr id="16" name="Subtitle 15">
-            <a:extLst>
-              <a:ext uri="{FF2B5EF4-FFF2-40B4-BE49-F238E27FC236}">
-                <a16:creationId xmlns:a16="http://schemas.microsoft.com/office/drawing/2014/main" id="{4BDCF583-1D5D-4235-97C2-39272B80A0B1}"/>
-              </a:ext>
-            </a:extLst>
-          </p:cNvPr>
-          <p:cNvSpPr>
-            <a:spLocks noGrp="1"/>
-          </p:cNvSpPr>
-          <p:nvPr>
-            <p:ph type="subTitle" idx="1"/>
-          </p:nvPr>
-        </p:nvSpPr>
-        <p:spPr>
-          <a:xfrm>
-            <a:off x="550863" y="3827610"/>
-            <a:ext cx="5437187" cy="2265216"/>
-          </a:xfrm>
-        </p:spPr>
-        <p:txBody>
-          <a:bodyPr vert="horz" wrap="square" lIns="0" tIns="0" rIns="0" bIns="0" rtlCol="0">
-            <a:normAutofit/>
-          </a:bodyPr>
-          <a:lstStyle/>
-          <a:p>
-            <a:pPr marL="0" indent="0">
-              <a:lnSpc>
-                <a:spcPct val="100000"/>
-              </a:lnSpc>
-              <a:buNone/>
-            </a:pPr>
-            <a:r>
-              <a:rPr lang="en-US" kern="1200" dirty="0">
-                <a:latin typeface="+mn-lt"/>
-                <a:ea typeface="+mn-ea"/>
-                <a:cs typeface="+mn-cs"/>
-              </a:rPr>
-              <a:t>Subtitle</a:t>
-            </a:r>
-          </a:p>
-        </p:txBody>
-      </p:sp>
-      <p:sp>
-        <p:nvSpPr>
-          <p:cNvPr id="2" name="Date Placeholder 1">
-            <a:extLst>
-              <a:ext uri="{FF2B5EF4-FFF2-40B4-BE49-F238E27FC236}">
-                <a16:creationId xmlns:a16="http://schemas.microsoft.com/office/drawing/2014/main" id="{2910D835-B454-4270-BB35-86A187307E6F}"/>
-              </a:ext>
-            </a:extLst>
-          </p:cNvPr>
-          <p:cNvSpPr>
-            <a:spLocks noGrp="1"/>
-          </p:cNvSpPr>
-          <p:nvPr>
-            <p:ph type="dt" sz="half" idx="10"/>
-          </p:nvPr>
-        </p:nvSpPr>
-        <p:spPr/>
-        <p:txBody>
-          <a:bodyPr/>
-          <a:lstStyle/>
-          <a:p>
-            <a:r>
-              <a:rPr lang="en-US"/>
-              <a:t>Tuesday, February 2, 20XX</a:t>
-            </a:r>
-          </a:p>
-        </p:txBody>
-      </p:sp>
-      <p:sp>
-        <p:nvSpPr>
-          <p:cNvPr id="3" name="Footer Placeholder 2">
-            <a:extLst>
-              <a:ext uri="{FF2B5EF4-FFF2-40B4-BE49-F238E27FC236}">
-                <a16:creationId xmlns:a16="http://schemas.microsoft.com/office/drawing/2014/main" id="{7F7F653B-90B5-4F47-A33F-93DCB2EF68C2}"/>
-              </a:ext>
-            </a:extLst>
-          </p:cNvPr>
-          <p:cNvSpPr>
-            <a:spLocks noGrp="1"/>
-          </p:cNvSpPr>
-          <p:nvPr>
-            <p:ph type="ftr" sz="quarter" idx="11"/>
-          </p:nvPr>
-        </p:nvSpPr>
-        <p:spPr/>
-        <p:txBody>
-          <a:bodyPr/>
-          <a:lstStyle/>
-          <a:p>
-            <a:r>
-              <a:rPr lang="en-US"/>
-              <a:t>Sample Footer Text</a:t>
-            </a:r>
-          </a:p>
-        </p:txBody>
-      </p:sp>
-      <p:sp>
-        <p:nvSpPr>
-          <p:cNvPr id="4" name="Slide Number Placeholder 3">
-            <a:extLst>
-              <a:ext uri="{FF2B5EF4-FFF2-40B4-BE49-F238E27FC236}">
-                <a16:creationId xmlns:a16="http://schemas.microsoft.com/office/drawing/2014/main" id="{E1E7D98D-6710-41D2-B258-E1A1059D29F8}"/>
-              </a:ext>
-            </a:extLst>
-          </p:cNvPr>
-          <p:cNvSpPr>
-            <a:spLocks noGrp="1"/>
-          </p:cNvSpPr>
-          <p:nvPr>
-            <p:ph type="sldNum" sz="quarter" idx="12"/>
-          </p:nvPr>
-        </p:nvSpPr>
-        <p:spPr/>
-        <p:txBody>
-          <a:bodyPr/>
-          <a:lstStyle/>
-          <a:p>
-            <a:fld id="{DBA1B0FB-D917-4C8C-928F-313BD683BF39}" type="slidenum">
-              <a:rPr lang="en-US" smtClean="0"/>
-              <a:t>10</a:t>
-            </a:fld>
-            <a:endParaRPr lang="en-US"/>
-          </a:p>
-        </p:txBody>
-      </p:sp>
-    </p:spTree>
-    <p:extLst>
-      <p:ext uri="{BB962C8B-B14F-4D97-AF65-F5344CB8AC3E}">
-        <p14:creationId xmlns:p14="http://schemas.microsoft.com/office/powerpoint/2010/main" val="1046374787"/>
-      </p:ext>
-    </p:extLst>
-  </p:cSld>
-  <p:clrMapOvr>
-    <a:masterClrMapping/>
-  </p:clrMapOvr>
-</p:sld>
-</file>
-
-<file path=ppt/slides/slide11.xml><?xml version="1.0" encoding="utf-8"?>
-<p:sld xmlns:a="http://schemas.openxmlformats.org/drawingml/2006/main" xmlns:r="http://schemas.openxmlformats.org/officeDocument/2006/relationships" xmlns:p="http://schemas.openxmlformats.org/presentationml/2006/main">
-  <p:cSld>
-    <p:spTree>
-      <p:nvGrpSpPr>
-        <p:cNvPr id="1" name=""/>
-        <p:cNvGrpSpPr/>
-        <p:nvPr/>
-      </p:nvGrpSpPr>
-      <p:grpSpPr>
-        <a:xfrm>
-          <a:off x="0" y="0"/>
-          <a:ext cx="0" cy="0"/>
-          <a:chOff x="0" y="0"/>
-          <a:chExt cx="0" cy="0"/>
-        </a:xfrm>
-      </p:grpSpPr>
-      <p:grpSp>
-        <p:nvGrpSpPr>
-          <p:cNvPr id="25" name="Group 24">
-            <a:extLst>
-              <a:ext uri="{FF2B5EF4-FFF2-40B4-BE49-F238E27FC236}">
-                <a16:creationId xmlns:a16="http://schemas.microsoft.com/office/drawing/2014/main" id="{D10F3D66-0109-4903-90B9-66D0E288F721}"/>
-              </a:ext>
-              <a:ext uri="{C183D7F6-B498-43B3-948B-1728B52AA6E4}">
-                <adec:decorative xmlns:adec="http://schemas.microsoft.com/office/drawing/2017/decorative" val="1"/>
-              </a:ext>
-            </a:extLst>
-          </p:cNvPr>
-          <p:cNvGrpSpPr/>
-          <p:nvPr/>
-        </p:nvGrpSpPr>
-        <p:grpSpPr>
-          <a:xfrm>
-            <a:off x="10379261" y="2030035"/>
-            <a:ext cx="1335600" cy="1262947"/>
-            <a:chOff x="10145015" y="2343978"/>
-            <a:chExt cx="1335600" cy="1262947"/>
-          </a:xfrm>
-        </p:grpSpPr>
-        <p:sp>
-          <p:nvSpPr>
-            <p:cNvPr id="26" name="Freeform: Shape 25">
-              <a:extLst>
-                <a:ext uri="{FF2B5EF4-FFF2-40B4-BE49-F238E27FC236}">
-                  <a16:creationId xmlns:a16="http://schemas.microsoft.com/office/drawing/2014/main" id="{57DAB968-9B52-4EFF-AD39-7657DFEA6E48}"/>
-                </a:ext>
-              </a:extLst>
-            </p:cNvPr>
-            <p:cNvSpPr>
-              <a:spLocks noChangeAspect="1"/>
-            </p:cNvSpPr>
-            <p:nvPr/>
-          </p:nvSpPr>
-          <p:spPr>
-            <a:xfrm rot="8100000">
-              <a:off x="10400615" y="2343978"/>
-              <a:ext cx="1080000" cy="1262947"/>
-            </a:xfrm>
-            <a:custGeom>
-              <a:avLst/>
-              <a:gdLst>
-                <a:gd name="connsiteX0" fmla="*/ 540000 w 1080000"/>
-                <a:gd name="connsiteY0" fmla="*/ 0 h 1262947"/>
-                <a:gd name="connsiteX1" fmla="*/ 1080000 w 1080000"/>
-                <a:gd name="connsiteY1" fmla="*/ 931034 h 1262947"/>
-                <a:gd name="connsiteX2" fmla="*/ 1064374 w 1080000"/>
-                <a:gd name="connsiteY2" fmla="*/ 931034 h 1262947"/>
-                <a:gd name="connsiteX3" fmla="*/ 1069029 w 1080000"/>
-                <a:gd name="connsiteY3" fmla="*/ 938533 h 1262947"/>
-                <a:gd name="connsiteX4" fmla="*/ 1080000 w 1080000"/>
-                <a:gd name="connsiteY4" fmla="*/ 992947 h 1262947"/>
-                <a:gd name="connsiteX5" fmla="*/ 540000 w 1080000"/>
-                <a:gd name="connsiteY5" fmla="*/ 1262947 h 1262947"/>
-                <a:gd name="connsiteX6" fmla="*/ 0 w 1080000"/>
-                <a:gd name="connsiteY6" fmla="*/ 992947 h 1262947"/>
-                <a:gd name="connsiteX7" fmla="*/ 10971 w 1080000"/>
-                <a:gd name="connsiteY7" fmla="*/ 938533 h 1262947"/>
-                <a:gd name="connsiteX8" fmla="*/ 15626 w 1080000"/>
-                <a:gd name="connsiteY8" fmla="*/ 931034 h 1262947"/>
-                <a:gd name="connsiteX9" fmla="*/ 0 w 1080000"/>
-                <a:gd name="connsiteY9" fmla="*/ 931034 h 1262947"/>
-                <a:gd name="connsiteX0" fmla="*/ 540000 w 1080000"/>
-                <a:gd name="connsiteY0" fmla="*/ 0 h 1262947"/>
-                <a:gd name="connsiteX1" fmla="*/ 1080000 w 1080000"/>
-                <a:gd name="connsiteY1" fmla="*/ 931034 h 1262947"/>
-                <a:gd name="connsiteX2" fmla="*/ 1064374 w 1080000"/>
-                <a:gd name="connsiteY2" fmla="*/ 931034 h 1262947"/>
-                <a:gd name="connsiteX3" fmla="*/ 1069029 w 1080000"/>
-                <a:gd name="connsiteY3" fmla="*/ 938533 h 1262947"/>
-                <a:gd name="connsiteX4" fmla="*/ 1080000 w 1080000"/>
-                <a:gd name="connsiteY4" fmla="*/ 992947 h 1262947"/>
-                <a:gd name="connsiteX5" fmla="*/ 540000 w 1080000"/>
-                <a:gd name="connsiteY5" fmla="*/ 1262947 h 1262947"/>
-                <a:gd name="connsiteX6" fmla="*/ 0 w 1080000"/>
-                <a:gd name="connsiteY6" fmla="*/ 992947 h 1262947"/>
-                <a:gd name="connsiteX7" fmla="*/ 10971 w 1080000"/>
-                <a:gd name="connsiteY7" fmla="*/ 938533 h 1262947"/>
-                <a:gd name="connsiteX8" fmla="*/ 15626 w 1080000"/>
-                <a:gd name="connsiteY8" fmla="*/ 931034 h 1262947"/>
-                <a:gd name="connsiteX9" fmla="*/ 540000 w 1080000"/>
-                <a:gd name="connsiteY9" fmla="*/ 0 h 1262947"/>
-                <a:gd name="connsiteX0" fmla="*/ 540000 w 1080000"/>
-                <a:gd name="connsiteY0" fmla="*/ 0 h 1262947"/>
-                <a:gd name="connsiteX1" fmla="*/ 1064374 w 1080000"/>
-                <a:gd name="connsiteY1" fmla="*/ 931034 h 1262947"/>
-                <a:gd name="connsiteX2" fmla="*/ 1069029 w 1080000"/>
-                <a:gd name="connsiteY2" fmla="*/ 938533 h 1262947"/>
-                <a:gd name="connsiteX3" fmla="*/ 1080000 w 1080000"/>
-                <a:gd name="connsiteY3" fmla="*/ 992947 h 1262947"/>
-                <a:gd name="connsiteX4" fmla="*/ 540000 w 1080000"/>
-                <a:gd name="connsiteY4" fmla="*/ 1262947 h 1262947"/>
-                <a:gd name="connsiteX5" fmla="*/ 0 w 1080000"/>
-                <a:gd name="connsiteY5" fmla="*/ 992947 h 1262947"/>
-                <a:gd name="connsiteX6" fmla="*/ 10971 w 1080000"/>
-                <a:gd name="connsiteY6" fmla="*/ 938533 h 1262947"/>
-                <a:gd name="connsiteX7" fmla="*/ 15626 w 1080000"/>
-                <a:gd name="connsiteY7" fmla="*/ 931034 h 1262947"/>
-                <a:gd name="connsiteX8" fmla="*/ 540000 w 1080000"/>
-                <a:gd name="connsiteY8" fmla="*/ 0 h 1262947"/>
-              </a:gdLst>
-              <a:ahLst/>
-              <a:cxnLst>
-                <a:cxn ang="0">
-                  <a:pos x="connsiteX0" y="connsiteY0"/>
-                </a:cxn>
-                <a:cxn ang="0">
-                  <a:pos x="connsiteX1" y="connsiteY1"/>
-                </a:cxn>
-                <a:cxn ang="0">
-                  <a:pos x="connsiteX2" y="connsiteY2"/>
-                </a:cxn>
-                <a:cxn ang="0">
-                  <a:pos x="connsiteX3" y="connsiteY3"/>
-                </a:cxn>
-                <a:cxn ang="0">
-                  <a:pos x="connsiteX4" y="connsiteY4"/>
-                </a:cxn>
-                <a:cxn ang="0">
-                  <a:pos x="connsiteX5" y="connsiteY5"/>
-                </a:cxn>
-                <a:cxn ang="0">
-                  <a:pos x="connsiteX6" y="connsiteY6"/>
-                </a:cxn>
-                <a:cxn ang="0">
-                  <a:pos x="connsiteX7" y="connsiteY7"/>
-                </a:cxn>
-                <a:cxn ang="0">
-                  <a:pos x="connsiteX8" y="connsiteY8"/>
-                </a:cxn>
-              </a:cxnLst>
-              <a:rect l="l" t="t" r="r" b="b"/>
-              <a:pathLst>
-                <a:path w="1080000" h="1262947">
-                  <a:moveTo>
-                    <a:pt x="540000" y="0"/>
-                  </a:moveTo>
-                  <a:lnTo>
-                    <a:pt x="1064374" y="931034"/>
-                  </a:lnTo>
-                  <a:lnTo>
-                    <a:pt x="1069029" y="938533"/>
-                  </a:lnTo>
-                  <a:cubicBezTo>
-                    <a:pt x="1076223" y="956109"/>
-                    <a:pt x="1080000" y="974307"/>
-                    <a:pt x="1080000" y="992947"/>
-                  </a:cubicBezTo>
-                  <a:cubicBezTo>
-                    <a:pt x="1080000" y="1142064"/>
-                    <a:pt x="838234" y="1262947"/>
-                    <a:pt x="540000" y="1262947"/>
-                  </a:cubicBezTo>
-                  <a:cubicBezTo>
-                    <a:pt x="241766" y="1262947"/>
-                    <a:pt x="0" y="1142064"/>
-                    <a:pt x="0" y="992947"/>
-                  </a:cubicBezTo>
-                  <a:cubicBezTo>
-                    <a:pt x="0" y="974307"/>
-                    <a:pt x="3778" y="956109"/>
-                    <a:pt x="10971" y="938533"/>
-                  </a:cubicBezTo>
-                  <a:lnTo>
-                    <a:pt x="15626" y="931034"/>
-                  </a:lnTo>
-                  <a:lnTo>
-                    <a:pt x="540000" y="0"/>
-                  </a:lnTo>
-                  <a:close/>
-                </a:path>
-              </a:pathLst>
-            </a:custGeom>
-            <a:gradFill>
-              <a:gsLst>
-                <a:gs pos="60000">
-                  <a:schemeClr val="bg2">
-                    <a:lumMod val="90000"/>
-                    <a:lumOff val="10000"/>
-                  </a:schemeClr>
-                </a:gs>
-                <a:gs pos="30000">
-                  <a:schemeClr val="bg2">
-                    <a:lumMod val="90000"/>
-                    <a:lumOff val="10000"/>
-                  </a:schemeClr>
-                </a:gs>
-                <a:gs pos="40000">
-                  <a:schemeClr val="bg2">
-                    <a:lumMod val="80000"/>
-                    <a:lumOff val="20000"/>
-                  </a:schemeClr>
-                </a:gs>
-                <a:gs pos="100000">
-                  <a:schemeClr val="bg2"/>
-                </a:gs>
-              </a:gsLst>
-              <a:lin ang="600000" scaled="0"/>
-            </a:gradFill>
-            <a:ln>
-              <a:noFill/>
-            </a:ln>
-            <a:effectLst>
-              <a:innerShdw blurRad="254000" dist="101600" dir="7320000">
-                <a:schemeClr val="accent1">
-                  <a:lumMod val="60000"/>
-                  <a:lumOff val="40000"/>
-                  <a:alpha val="40000"/>
-                </a:schemeClr>
-              </a:innerShdw>
-            </a:effectLst>
-          </p:spPr>
-          <p:style>
-            <a:lnRef idx="2">
-              <a:schemeClr val="accent1">
-                <a:shade val="50000"/>
-              </a:schemeClr>
-            </a:lnRef>
-            <a:fillRef idx="1">
-              <a:schemeClr val="accent1"/>
-            </a:fillRef>
-            <a:effectRef idx="0">
-              <a:schemeClr val="accent1"/>
-            </a:effectRef>
-            <a:fontRef idx="minor">
-              <a:schemeClr val="lt1"/>
-            </a:fontRef>
-          </p:style>
-          <p:txBody>
-            <a:bodyPr rot="0" spcFirstLastPara="0" vertOverflow="overflow" horzOverflow="overflow" vert="horz" wrap="square" lIns="91440" tIns="45720" rIns="91440" bIns="45720" numCol="1" spcCol="0" rtlCol="0" fromWordArt="0" anchor="ctr" anchorCtr="0" forceAA="0" compatLnSpc="1">
-              <a:prstTxWarp prst="textNoShape">
-                <a:avLst/>
-              </a:prstTxWarp>
-              <a:noAutofit/>
-            </a:bodyPr>
-            <a:lstStyle/>
-            <a:p>
-              <a:pPr algn="ctr"/>
-              <a:endParaRPr lang="en-US"/>
-            </a:p>
-          </p:txBody>
-        </p:sp>
-        <p:sp>
-          <p:nvSpPr>
-            <p:cNvPr id="27" name="Oval 26">
-              <a:extLst>
-                <a:ext uri="{FF2B5EF4-FFF2-40B4-BE49-F238E27FC236}">
-                  <a16:creationId xmlns:a16="http://schemas.microsoft.com/office/drawing/2014/main" id="{962BE440-9634-4380-B142-5DB692420C52}"/>
-                </a:ext>
-              </a:extLst>
-            </p:cNvPr>
-            <p:cNvSpPr/>
-            <p:nvPr/>
-          </p:nvSpPr>
-          <p:spPr>
-            <a:xfrm rot="13500000">
-              <a:off x="10415015" y="2179851"/>
-              <a:ext cx="540000" cy="1080000"/>
-            </a:xfrm>
-            <a:prstGeom prst="ellipse">
-              <a:avLst/>
-            </a:prstGeom>
-            <a:gradFill>
-              <a:gsLst>
-                <a:gs pos="100000">
-                  <a:schemeClr val="accent1">
-                    <a:lumMod val="60000"/>
-                    <a:lumOff val="40000"/>
-                    <a:alpha val="0"/>
-                  </a:schemeClr>
-                </a:gs>
-                <a:gs pos="0">
-                  <a:schemeClr val="bg2">
-                    <a:lumMod val="75000"/>
-                    <a:lumOff val="25000"/>
-                    <a:alpha val="33000"/>
-                  </a:schemeClr>
-                </a:gs>
-              </a:gsLst>
-              <a:lin ang="5400000" scaled="0"/>
-            </a:gradFill>
-            <a:ln>
-              <a:noFill/>
-            </a:ln>
-            <a:effectLst>
-              <a:innerShdw blurRad="1270000" dist="2540000">
-                <a:schemeClr val="accent1">
-                  <a:lumMod val="60000"/>
-                  <a:lumOff val="40000"/>
-                  <a:alpha val="0"/>
-                </a:schemeClr>
-              </a:innerShdw>
-            </a:effectLst>
-          </p:spPr>
-          <p:style>
-            <a:lnRef idx="2">
-              <a:schemeClr val="accent1">
-                <a:shade val="50000"/>
-              </a:schemeClr>
-            </a:lnRef>
-            <a:fillRef idx="1">
-              <a:schemeClr val="accent1"/>
-            </a:fillRef>
-            <a:effectRef idx="0">
-              <a:schemeClr val="accent1"/>
-            </a:effectRef>
-            <a:fontRef idx="minor">
-              <a:schemeClr val="lt1"/>
-            </a:fontRef>
-          </p:style>
-          <p:txBody>
-            <a:bodyPr rot="0" spcFirstLastPara="0" vertOverflow="overflow" horzOverflow="overflow" vert="horz" wrap="square" lIns="91440" tIns="45720" rIns="91440" bIns="45720" numCol="1" spcCol="0" rtlCol="0" fromWordArt="0" anchor="ctr" anchorCtr="0" forceAA="0" compatLnSpc="1">
-              <a:prstTxWarp prst="textNoShape">
-                <a:avLst/>
-              </a:prstTxWarp>
-              <a:noAutofit/>
-            </a:bodyPr>
-            <a:lstStyle/>
-            <a:p>
-              <a:pPr algn="ctr"/>
-              <a:endParaRPr lang="en-US"/>
-            </a:p>
-          </p:txBody>
-        </p:sp>
-      </p:grpSp>
-      <p:sp>
-        <p:nvSpPr>
-          <p:cNvPr id="7" name="Title 6">
-            <a:extLst>
-              <a:ext uri="{FF2B5EF4-FFF2-40B4-BE49-F238E27FC236}">
-                <a16:creationId xmlns:a16="http://schemas.microsoft.com/office/drawing/2014/main" id="{4B18D636-CC10-4B1E-AA38-419DCCF2D9C9}"/>
-              </a:ext>
-            </a:extLst>
-          </p:cNvPr>
-          <p:cNvSpPr>
-            <a:spLocks noGrp="1"/>
-          </p:cNvSpPr>
-          <p:nvPr>
-            <p:ph type="title"/>
-          </p:nvPr>
-        </p:nvSpPr>
-        <p:spPr>
-          <a:xfrm>
-            <a:off x="550862" y="549275"/>
-            <a:ext cx="11097551" cy="1332000"/>
-          </a:xfrm>
-        </p:spPr>
-        <p:txBody>
-          <a:bodyPr>
-            <a:normAutofit/>
-          </a:bodyPr>
-          <a:lstStyle/>
-          <a:p>
-            <a:r>
-              <a:rPr lang="en-US" dirty="0"/>
-              <a:t>WHO Overall Score 2014-2020</a:t>
-            </a:r>
-          </a:p>
-        </p:txBody>
-      </p:sp>
-      <p:sp>
-        <p:nvSpPr>
-          <p:cNvPr id="10" name="Content Placeholder 9">
-            <a:extLst>
-              <a:ext uri="{FF2B5EF4-FFF2-40B4-BE49-F238E27FC236}">
-                <a16:creationId xmlns:a16="http://schemas.microsoft.com/office/drawing/2014/main" id="{1DB251F7-EBE7-46AC-A920-FFE2C5AF68EA}"/>
-              </a:ext>
-            </a:extLst>
-          </p:cNvPr>
-          <p:cNvSpPr>
-            <a:spLocks noGrp="1"/>
-          </p:cNvSpPr>
-          <p:nvPr>
-            <p:ph sz="half" idx="2"/>
-          </p:nvPr>
-        </p:nvSpPr>
-        <p:spPr>
-          <a:xfrm>
-            <a:off x="8087485" y="2436466"/>
-            <a:ext cx="3849373" cy="4070746"/>
-          </a:xfrm>
-        </p:spPr>
-        <p:txBody>
-          <a:bodyPr/>
-          <a:lstStyle/>
-          <a:p>
-            <a:r>
-              <a:rPr lang="en-US" dirty="0"/>
-              <a:t>Scale being from 1-5</a:t>
-            </a:r>
-          </a:p>
-          <a:p>
-            <a:r>
-              <a:rPr lang="en-US" dirty="0"/>
-              <a:t>Based on Price, Tax Share, Tax Structure, and Affordability Change </a:t>
-            </a:r>
-          </a:p>
-          <a:p>
-            <a:r>
-              <a:rPr lang="en-US" dirty="0"/>
-              <a:t>United States ranks 90</a:t>
-            </a:r>
-            <a:r>
-              <a:rPr lang="en-US" baseline="30000" dirty="0"/>
-              <a:t>th</a:t>
-            </a:r>
-            <a:r>
-              <a:rPr lang="en-US" dirty="0"/>
-              <a:t> worldwide</a:t>
-            </a:r>
-          </a:p>
-        </p:txBody>
-      </p:sp>
-      <p:sp>
-        <p:nvSpPr>
-          <p:cNvPr id="4" name="Date Placeholder 3">
-            <a:extLst>
-              <a:ext uri="{FF2B5EF4-FFF2-40B4-BE49-F238E27FC236}">
-                <a16:creationId xmlns:a16="http://schemas.microsoft.com/office/drawing/2014/main" id="{0C329F70-04F7-4C70-BCF8-D4371F54EF2F}"/>
-              </a:ext>
-            </a:extLst>
-          </p:cNvPr>
-          <p:cNvSpPr>
-            <a:spLocks noGrp="1"/>
-          </p:cNvSpPr>
-          <p:nvPr>
-            <p:ph type="dt" sz="half" idx="10"/>
-          </p:nvPr>
-        </p:nvSpPr>
-        <p:spPr>
-          <a:xfrm>
-            <a:off x="550863" y="6507212"/>
-            <a:ext cx="2628900" cy="153888"/>
-          </a:xfrm>
-        </p:spPr>
-        <p:txBody>
-          <a:bodyPr/>
-          <a:lstStyle/>
-          <a:p>
-            <a:r>
-              <a:rPr lang="en-US"/>
-              <a:t>Tuesday, February 2, 20XX</a:t>
-            </a:r>
-            <a:endParaRPr lang="en-US" dirty="0"/>
-          </a:p>
-        </p:txBody>
-      </p:sp>
-      <p:sp>
-        <p:nvSpPr>
-          <p:cNvPr id="5" name="Footer Placeholder 4">
-            <a:extLst>
-              <a:ext uri="{FF2B5EF4-FFF2-40B4-BE49-F238E27FC236}">
-                <a16:creationId xmlns:a16="http://schemas.microsoft.com/office/drawing/2014/main" id="{06A3302E-502D-4151-81C9-5FD6AF9596D6}"/>
-              </a:ext>
-            </a:extLst>
-          </p:cNvPr>
-          <p:cNvSpPr>
-            <a:spLocks noGrp="1"/>
-          </p:cNvSpPr>
-          <p:nvPr>
-            <p:ph type="ftr" sz="quarter" idx="11"/>
-          </p:nvPr>
-        </p:nvSpPr>
-        <p:spPr>
-          <a:xfrm>
-            <a:off x="3359150" y="6507212"/>
-            <a:ext cx="6379210" cy="153888"/>
-          </a:xfrm>
-        </p:spPr>
-        <p:txBody>
-          <a:bodyPr/>
-          <a:lstStyle/>
-          <a:p>
-            <a:r>
-              <a:rPr lang="en-US"/>
-              <a:t>Sample Footer Text</a:t>
-            </a:r>
-          </a:p>
-        </p:txBody>
-      </p:sp>
-      <p:pic>
-        <p:nvPicPr>
-          <p:cNvPr id="3" name="Picture 2">
-            <a:extLst>
-              <a:ext uri="{FF2B5EF4-FFF2-40B4-BE49-F238E27FC236}">
-                <a16:creationId xmlns:a16="http://schemas.microsoft.com/office/drawing/2014/main" id="{4F716C6D-AF02-66F8-A8EA-49D31657DBFD}"/>
-              </a:ext>
-            </a:extLst>
-          </p:cNvPr>
-          <p:cNvPicPr>
-            <a:picLocks noChangeAspect="1"/>
-          </p:cNvPicPr>
-          <p:nvPr/>
-        </p:nvPicPr>
-        <p:blipFill>
-          <a:blip r:embed="rId3"/>
-          <a:stretch>
-            <a:fillRect/>
-          </a:stretch>
-        </p:blipFill>
-        <p:spPr>
-          <a:xfrm>
-            <a:off x="0" y="1969495"/>
-            <a:ext cx="7908099" cy="4192484"/>
-          </a:xfrm>
-          <a:prstGeom prst="rect">
-            <a:avLst/>
-          </a:prstGeom>
-        </p:spPr>
-      </p:pic>
-      <p:sp>
-        <p:nvSpPr>
-          <p:cNvPr id="6" name="Slide Number Placeholder 5">
-            <a:extLst>
-              <a:ext uri="{FF2B5EF4-FFF2-40B4-BE49-F238E27FC236}">
-                <a16:creationId xmlns:a16="http://schemas.microsoft.com/office/drawing/2014/main" id="{9ED907F8-C614-4D59-A03F-BF9CD5E35703}"/>
-              </a:ext>
-            </a:extLst>
-          </p:cNvPr>
-          <p:cNvSpPr>
-            <a:spLocks noGrp="1"/>
-          </p:cNvSpPr>
-          <p:nvPr>
-            <p:ph type="sldNum" sz="quarter" idx="12"/>
-          </p:nvPr>
-        </p:nvSpPr>
-        <p:spPr>
-          <a:xfrm>
-            <a:off x="9948863" y="6507212"/>
-            <a:ext cx="1692274" cy="153888"/>
-          </a:xfrm>
-        </p:spPr>
-        <p:txBody>
-          <a:bodyPr/>
-          <a:lstStyle/>
-          <a:p>
-            <a:fld id="{DBA1B0FB-D917-4C8C-928F-313BD683BF39}" type="slidenum">
-              <a:rPr lang="en-US" smtClean="0"/>
-              <a:pPr/>
-              <a:t>11</a:t>
-            </a:fld>
-            <a:endParaRPr lang="en-US"/>
-          </a:p>
-        </p:txBody>
-      </p:sp>
-      <p:sp>
-        <p:nvSpPr>
-          <p:cNvPr id="22" name="Freeform: Shape 21">
-            <a:extLst>
-              <a:ext uri="{FF2B5EF4-FFF2-40B4-BE49-F238E27FC236}">
-                <a16:creationId xmlns:a16="http://schemas.microsoft.com/office/drawing/2014/main" id="{C6F3814E-455F-456B-B1AF-7B993965A2C0}"/>
-              </a:ext>
-              <a:ext uri="{C183D7F6-B498-43B3-948B-1728B52AA6E4}">
-                <adec:decorative xmlns:adec="http://schemas.microsoft.com/office/drawing/2017/decorative" val="1"/>
-              </a:ext>
-            </a:extLst>
-          </p:cNvPr>
-          <p:cNvSpPr>
-            <a:spLocks noChangeAspect="1"/>
-          </p:cNvSpPr>
-          <p:nvPr/>
-        </p:nvSpPr>
-        <p:spPr>
-          <a:xfrm>
-            <a:off x="4295775" y="0"/>
-            <a:ext cx="360000" cy="274638"/>
-          </a:xfrm>
-          <a:custGeom>
-            <a:avLst/>
-            <a:gdLst>
-              <a:gd name="connsiteX0" fmla="*/ 30714 w 360000"/>
-              <a:gd name="connsiteY0" fmla="*/ 0 h 274638"/>
-              <a:gd name="connsiteX1" fmla="*/ 329286 w 360000"/>
-              <a:gd name="connsiteY1" fmla="*/ 0 h 274638"/>
-              <a:gd name="connsiteX2" fmla="*/ 345855 w 360000"/>
-              <a:gd name="connsiteY2" fmla="*/ 24574 h 274638"/>
-              <a:gd name="connsiteX3" fmla="*/ 360000 w 360000"/>
-              <a:gd name="connsiteY3" fmla="*/ 94638 h 274638"/>
-              <a:gd name="connsiteX4" fmla="*/ 180000 w 360000"/>
-              <a:gd name="connsiteY4" fmla="*/ 274638 h 274638"/>
-              <a:gd name="connsiteX5" fmla="*/ 0 w 360000"/>
-              <a:gd name="connsiteY5" fmla="*/ 94638 h 274638"/>
-              <a:gd name="connsiteX6" fmla="*/ 14145 w 360000"/>
-              <a:gd name="connsiteY6" fmla="*/ 24574 h 274638"/>
-            </a:gdLst>
-            <a:ahLst/>
-            <a:cxnLst>
-              <a:cxn ang="0">
-                <a:pos x="connsiteX0" y="connsiteY0"/>
-              </a:cxn>
-              <a:cxn ang="0">
-                <a:pos x="connsiteX1" y="connsiteY1"/>
-              </a:cxn>
-              <a:cxn ang="0">
-                <a:pos x="connsiteX2" y="connsiteY2"/>
-              </a:cxn>
-              <a:cxn ang="0">
-                <a:pos x="connsiteX3" y="connsiteY3"/>
-              </a:cxn>
-              <a:cxn ang="0">
-                <a:pos x="connsiteX4" y="connsiteY4"/>
-              </a:cxn>
-              <a:cxn ang="0">
-                <a:pos x="connsiteX5" y="connsiteY5"/>
-              </a:cxn>
-              <a:cxn ang="0">
-                <a:pos x="connsiteX6" y="connsiteY6"/>
-              </a:cxn>
-            </a:cxnLst>
-            <a:rect l="l" t="t" r="r" b="b"/>
-            <a:pathLst>
-              <a:path w="360000" h="274638">
-                <a:moveTo>
-                  <a:pt x="30714" y="0"/>
-                </a:moveTo>
-                <a:lnTo>
-                  <a:pt x="329286" y="0"/>
-                </a:lnTo>
-                <a:lnTo>
-                  <a:pt x="345855" y="24574"/>
-                </a:lnTo>
-                <a:cubicBezTo>
-                  <a:pt x="354963" y="46109"/>
-                  <a:pt x="360000" y="69785"/>
-                  <a:pt x="360000" y="94638"/>
-                </a:cubicBezTo>
-                <a:cubicBezTo>
-                  <a:pt x="360000" y="194049"/>
-                  <a:pt x="279411" y="274638"/>
-                  <a:pt x="180000" y="274638"/>
-                </a:cubicBezTo>
-                <a:cubicBezTo>
-                  <a:pt x="80589" y="274638"/>
-                  <a:pt x="0" y="194049"/>
-                  <a:pt x="0" y="94638"/>
-                </a:cubicBezTo>
-                <a:cubicBezTo>
-                  <a:pt x="0" y="69785"/>
-                  <a:pt x="5037" y="46109"/>
-                  <a:pt x="14145" y="24574"/>
-                </a:cubicBezTo>
-                <a:close/>
-              </a:path>
-            </a:pathLst>
-          </a:custGeom>
-          <a:gradFill flip="none" rotWithShape="1">
-            <a:gsLst>
-              <a:gs pos="100000">
-                <a:schemeClr val="bg2">
-                  <a:lumMod val="50000"/>
-                  <a:lumOff val="50000"/>
-                </a:schemeClr>
-              </a:gs>
-              <a:gs pos="60000">
-                <a:schemeClr val="bg2"/>
-              </a:gs>
-            </a:gsLst>
-            <a:path path="circle">
-              <a:fillToRect l="100000" b="100000"/>
-            </a:path>
-            <a:tileRect t="-100000" r="-100000"/>
-          </a:gradFill>
-          <a:ln>
-            <a:noFill/>
-          </a:ln>
-          <a:effectLst>
-            <a:innerShdw blurRad="127000" dist="63500" dir="2700000">
-              <a:schemeClr val="accent1">
-                <a:lumMod val="60000"/>
-                <a:lumOff val="40000"/>
-                <a:alpha val="20000"/>
-              </a:schemeClr>
-            </a:innerShdw>
-            <a:softEdge rad="0"/>
-          </a:effectLst>
-        </p:spPr>
-        <p:style>
-          <a:lnRef idx="2">
-            <a:schemeClr val="accent1">
-              <a:shade val="50000"/>
-            </a:schemeClr>
-          </a:lnRef>
-          <a:fillRef idx="1">
-            <a:schemeClr val="accent1"/>
-          </a:fillRef>
-          <a:effectRef idx="0">
-            <a:schemeClr val="accent1"/>
-          </a:effectRef>
-          <a:fontRef idx="minor">
-            <a:schemeClr val="lt1"/>
-          </a:fontRef>
-        </p:style>
-        <p:txBody>
-          <a:bodyPr rot="0" spcFirstLastPara="0" vertOverflow="overflow" horzOverflow="overflow" vert="horz" wrap="square" lIns="91440" tIns="45720" rIns="91440" bIns="45720" numCol="1" spcCol="0" rtlCol="0" fromWordArt="0" anchor="ctr" anchorCtr="0" forceAA="0" compatLnSpc="1">
-            <a:prstTxWarp prst="textNoShape">
-              <a:avLst/>
-            </a:prstTxWarp>
-            <a:noAutofit/>
-          </a:bodyPr>
-          <a:lstStyle/>
-          <a:p>
-            <a:pPr algn="ctr"/>
-            <a:endParaRPr lang="en-US"/>
-          </a:p>
-        </p:txBody>
-      </p:sp>
-    </p:spTree>
-    <p:extLst>
-      <p:ext uri="{BB962C8B-B14F-4D97-AF65-F5344CB8AC3E}">
-        <p14:creationId xmlns:p14="http://schemas.microsoft.com/office/powerpoint/2010/main" val="3891345585"/>
-      </p:ext>
-    </p:extLst>
-  </p:cSld>
-  <p:clrMapOvr>
-    <a:masterClrMapping/>
-  </p:clrMapOvr>
-</p:sld>
-</file>
-
-<file path=ppt/slides/slide12.xml><?xml version="1.0" encoding="utf-8"?>
-<p:sld xmlns:a="http://schemas.openxmlformats.org/drawingml/2006/main" xmlns:r="http://schemas.openxmlformats.org/officeDocument/2006/relationships" xmlns:p="http://schemas.openxmlformats.org/presentationml/2006/main">
-  <p:cSld>
-    <p:spTree>
-      <p:nvGrpSpPr>
-        <p:cNvPr id="1" name=""/>
-        <p:cNvGrpSpPr/>
-        <p:nvPr/>
-      </p:nvGrpSpPr>
-      <p:grpSpPr>
-        <a:xfrm>
-          <a:off x="0" y="0"/>
-          <a:ext cx="0" cy="0"/>
-          <a:chOff x="0" y="0"/>
-          <a:chExt cx="0" cy="0"/>
-        </a:xfrm>
-      </p:grpSpPr>
-      <p:sp>
-        <p:nvSpPr>
-          <p:cNvPr id="7" name="Title 6">
-            <a:extLst>
-              <a:ext uri="{FF2B5EF4-FFF2-40B4-BE49-F238E27FC236}">
-                <a16:creationId xmlns:a16="http://schemas.microsoft.com/office/drawing/2014/main" id="{47788B34-4190-4916-9048-47720EA5ABF1}"/>
-              </a:ext>
-            </a:extLst>
-          </p:cNvPr>
-          <p:cNvSpPr>
-            <a:spLocks noGrp="1"/>
-          </p:cNvSpPr>
-          <p:nvPr>
-            <p:ph type="title"/>
-          </p:nvPr>
-        </p:nvSpPr>
-        <p:spPr>
-          <a:xfrm>
-            <a:off x="550862" y="549275"/>
-            <a:ext cx="11097551" cy="1332000"/>
-          </a:xfrm>
-        </p:spPr>
-        <p:txBody>
-          <a:bodyPr/>
-          <a:lstStyle/>
-          <a:p>
-            <a:r>
-              <a:rPr lang="en-US" dirty="0"/>
-              <a:t>Content 2 </a:t>
-            </a:r>
-          </a:p>
-        </p:txBody>
-      </p:sp>
-      <p:sp>
-        <p:nvSpPr>
-          <p:cNvPr id="9" name="Content Placeholder 8">
-            <a:extLst>
-              <a:ext uri="{FF2B5EF4-FFF2-40B4-BE49-F238E27FC236}">
-                <a16:creationId xmlns:a16="http://schemas.microsoft.com/office/drawing/2014/main" id="{8598ECEC-4413-4244-8F21-0076EC511806}"/>
-              </a:ext>
-            </a:extLst>
-          </p:cNvPr>
-          <p:cNvSpPr>
-            <a:spLocks noGrp="1"/>
-          </p:cNvSpPr>
-          <p:nvPr>
-            <p:ph sz="half" idx="2"/>
-          </p:nvPr>
-        </p:nvSpPr>
-        <p:spPr>
-          <a:xfrm>
-            <a:off x="559476" y="2432304"/>
-            <a:ext cx="3563936" cy="3515555"/>
-          </a:xfrm>
-        </p:spPr>
-        <p:txBody>
-          <a:bodyPr>
-            <a:normAutofit fontScale="92500" lnSpcReduction="20000"/>
-          </a:bodyPr>
-          <a:lstStyle/>
-          <a:p>
-            <a:pPr lvl="0"/>
-            <a:r>
-              <a:rPr lang="en-US" dirty="0"/>
-              <a:t>Add text, images, art, and videos. </a:t>
-            </a:r>
-          </a:p>
-          <a:p>
-            <a:pPr lvl="0"/>
-            <a:r>
-              <a:rPr lang="en-US" dirty="0"/>
-              <a:t>Add transitions, animations, and motion. </a:t>
-            </a:r>
-          </a:p>
-          <a:p>
-            <a:pPr lvl="0"/>
-            <a:r>
-              <a:rPr lang="en-US" dirty="0"/>
-              <a:t>Save to OneDrive, to get to your presentations from your computer, tablet, or phone. </a:t>
-            </a:r>
-          </a:p>
-          <a:p>
-            <a:r>
-              <a:rPr lang="en-US" dirty="0"/>
-              <a:t>Open the Design Ideas pane for instant slide makeovers. </a:t>
-            </a:r>
-          </a:p>
-          <a:p>
-            <a:r>
-              <a:rPr lang="en-US" dirty="0"/>
-              <a:t>When we have design ideas, we’ll show them to you right there. </a:t>
-            </a:r>
-          </a:p>
-          <a:p>
-            <a:pPr lvl="0"/>
-            <a:endParaRPr lang="en-US" dirty="0"/>
-          </a:p>
-          <a:p>
-            <a:endParaRPr lang="en-US" dirty="0"/>
-          </a:p>
-        </p:txBody>
-      </p:sp>
-      <p:sp>
-        <p:nvSpPr>
-          <p:cNvPr id="12" name="Text Placeholder 11">
-            <a:extLst>
-              <a:ext uri="{FF2B5EF4-FFF2-40B4-BE49-F238E27FC236}">
-                <a16:creationId xmlns:a16="http://schemas.microsoft.com/office/drawing/2014/main" id="{3A63626D-0E6E-4023-ABFC-A744C9862159}"/>
-              </a:ext>
-            </a:extLst>
-          </p:cNvPr>
-          <p:cNvSpPr>
-            <a:spLocks noGrp="1"/>
-          </p:cNvSpPr>
-          <p:nvPr>
-            <p:ph type="body" sz="quarter" idx="13"/>
-          </p:nvPr>
-        </p:nvSpPr>
-        <p:spPr>
-          <a:xfrm>
-            <a:off x="4341573" y="1731375"/>
-            <a:ext cx="3566160" cy="535354"/>
-          </a:xfrm>
-        </p:spPr>
-        <p:txBody>
-          <a:bodyPr/>
-          <a:lstStyle/>
-          <a:p>
-            <a:r>
-              <a:rPr lang="en-US" dirty="0"/>
-              <a:t>subtitle</a:t>
-            </a:r>
-          </a:p>
-        </p:txBody>
-      </p:sp>
-      <p:sp>
-        <p:nvSpPr>
-          <p:cNvPr id="13" name="Content Placeholder 12">
-            <a:extLst>
-              <a:ext uri="{FF2B5EF4-FFF2-40B4-BE49-F238E27FC236}">
-                <a16:creationId xmlns:a16="http://schemas.microsoft.com/office/drawing/2014/main" id="{258E9390-685C-4BAD-BFAD-EC56E81C4745}"/>
-              </a:ext>
-            </a:extLst>
-          </p:cNvPr>
-          <p:cNvSpPr>
-            <a:spLocks noGrp="1"/>
-          </p:cNvSpPr>
-          <p:nvPr>
-            <p:ph sz="quarter" idx="14"/>
-          </p:nvPr>
-        </p:nvSpPr>
-        <p:spPr>
-          <a:xfrm>
-            <a:off x="4341573" y="2427370"/>
-            <a:ext cx="3508755" cy="3515555"/>
-          </a:xfrm>
-        </p:spPr>
-        <p:txBody>
-          <a:bodyPr>
-            <a:normAutofit lnSpcReduction="10000"/>
-          </a:bodyPr>
-          <a:lstStyle/>
-          <a:p>
-            <a:pPr lvl="0"/>
-            <a:r>
-              <a:rPr lang="en-US" dirty="0"/>
-              <a:t>Add text, images, art, and videos. </a:t>
-            </a:r>
-          </a:p>
-          <a:p>
-            <a:pPr lvl="0"/>
-            <a:r>
-              <a:rPr lang="en-US" dirty="0"/>
-              <a:t>Add transitions, animations, and motion. </a:t>
-            </a:r>
-          </a:p>
-          <a:p>
-            <a:pPr lvl="0"/>
-            <a:r>
-              <a:rPr lang="en-US" dirty="0"/>
-              <a:t>Save to OneDrive, to get to your presentations from your computer, tablet, or phone. </a:t>
-            </a:r>
-          </a:p>
-          <a:p>
-            <a:r>
-              <a:rPr lang="en-US" dirty="0"/>
-              <a:t>Open the Design Ideas pane for instant slide makeovers. </a:t>
-            </a:r>
-          </a:p>
-          <a:p>
-            <a:r>
-              <a:rPr lang="en-US" dirty="0"/>
-              <a:t>When we have design ideas, we’ll show them to you right there.</a:t>
-            </a:r>
-          </a:p>
-        </p:txBody>
-      </p:sp>
-      <p:sp>
-        <p:nvSpPr>
-          <p:cNvPr id="10" name="Text Placeholder 9">
-            <a:extLst>
-              <a:ext uri="{FF2B5EF4-FFF2-40B4-BE49-F238E27FC236}">
-                <a16:creationId xmlns:a16="http://schemas.microsoft.com/office/drawing/2014/main" id="{34A9BC34-CFDB-4D7A-8D6C-1CE608D0909F}"/>
-              </a:ext>
-            </a:extLst>
-          </p:cNvPr>
-          <p:cNvSpPr>
-            <a:spLocks noGrp="1"/>
-          </p:cNvSpPr>
-          <p:nvPr>
-            <p:ph type="body" sz="quarter" idx="3"/>
-          </p:nvPr>
-        </p:nvSpPr>
-        <p:spPr>
-          <a:xfrm>
-            <a:off x="8139659" y="1731375"/>
-            <a:ext cx="3566160" cy="535354"/>
-          </a:xfrm>
-        </p:spPr>
-        <p:txBody>
-          <a:bodyPr/>
-          <a:lstStyle/>
-          <a:p>
-            <a:r>
-              <a:rPr lang="en-US"/>
-              <a:t>subtitle</a:t>
-            </a:r>
-            <a:endParaRPr lang="en-US" dirty="0"/>
-          </a:p>
-        </p:txBody>
-      </p:sp>
-      <p:sp>
-        <p:nvSpPr>
-          <p:cNvPr id="11" name="Content Placeholder 10">
-            <a:extLst>
-              <a:ext uri="{FF2B5EF4-FFF2-40B4-BE49-F238E27FC236}">
-                <a16:creationId xmlns:a16="http://schemas.microsoft.com/office/drawing/2014/main" id="{1D014E48-5DD9-49CE-AD5B-0FEF69204F68}"/>
-              </a:ext>
-            </a:extLst>
-          </p:cNvPr>
-          <p:cNvSpPr>
-            <a:spLocks noGrp="1"/>
-          </p:cNvSpPr>
-          <p:nvPr>
-            <p:ph sz="quarter" idx="4"/>
-          </p:nvPr>
-        </p:nvSpPr>
-        <p:spPr>
-          <a:xfrm>
-            <a:off x="8139659" y="2427370"/>
-            <a:ext cx="3508755" cy="3515555"/>
-          </a:xfrm>
-        </p:spPr>
-        <p:txBody>
-          <a:bodyPr>
-            <a:normAutofit lnSpcReduction="10000"/>
-          </a:bodyPr>
-          <a:lstStyle/>
-          <a:p>
-            <a:pPr lvl="0"/>
-            <a:r>
-              <a:rPr lang="en-US" dirty="0"/>
-              <a:t>Add text, images, art, and videos. </a:t>
-            </a:r>
-          </a:p>
-          <a:p>
-            <a:pPr lvl="0"/>
-            <a:r>
-              <a:rPr lang="en-US" dirty="0"/>
-              <a:t>Add transitions, animations, and motion. </a:t>
-            </a:r>
-          </a:p>
-          <a:p>
-            <a:pPr lvl="0"/>
-            <a:r>
-              <a:rPr lang="en-US" dirty="0"/>
-              <a:t>Save to OneDrive, to get to your presentations from your computer, tablet, or phone. </a:t>
-            </a:r>
-          </a:p>
-          <a:p>
-            <a:r>
-              <a:rPr lang="en-US" dirty="0"/>
-              <a:t>Open the Design Ideas pane for instant slide makeovers. </a:t>
-            </a:r>
-          </a:p>
-          <a:p>
-            <a:r>
-              <a:rPr lang="en-US" dirty="0"/>
-              <a:t>When we have design ideas, we’ll show them to you right there.</a:t>
-            </a:r>
-          </a:p>
-        </p:txBody>
-      </p:sp>
-      <p:sp>
-        <p:nvSpPr>
-          <p:cNvPr id="14" name="Date Placeholder 13">
-            <a:extLst>
-              <a:ext uri="{FF2B5EF4-FFF2-40B4-BE49-F238E27FC236}">
-                <a16:creationId xmlns:a16="http://schemas.microsoft.com/office/drawing/2014/main" id="{D236478C-E242-44E0-8357-C72C9B588CA7}"/>
-              </a:ext>
-            </a:extLst>
-          </p:cNvPr>
-          <p:cNvSpPr>
-            <a:spLocks noGrp="1"/>
-          </p:cNvSpPr>
-          <p:nvPr>
-            <p:ph type="dt" sz="half" idx="10"/>
-          </p:nvPr>
-        </p:nvSpPr>
-        <p:spPr>
-          <a:xfrm>
-            <a:off x="550863" y="6507212"/>
-            <a:ext cx="2628900" cy="153888"/>
-          </a:xfrm>
-        </p:spPr>
-        <p:txBody>
-          <a:bodyPr/>
-          <a:lstStyle/>
-          <a:p>
-            <a:r>
-              <a:rPr lang="en-US"/>
-              <a:t>Tuesday, February 2, 20XX</a:t>
-            </a:r>
-            <a:endParaRPr lang="en-US" dirty="0"/>
-          </a:p>
-        </p:txBody>
-      </p:sp>
-      <p:sp>
-        <p:nvSpPr>
-          <p:cNvPr id="15" name="Footer Placeholder 14">
-            <a:extLst>
-              <a:ext uri="{FF2B5EF4-FFF2-40B4-BE49-F238E27FC236}">
-                <a16:creationId xmlns:a16="http://schemas.microsoft.com/office/drawing/2014/main" id="{65A6DC02-681E-4AF7-AC6E-57CDDB2FBA28}"/>
-              </a:ext>
-            </a:extLst>
-          </p:cNvPr>
-          <p:cNvSpPr>
-            <a:spLocks noGrp="1"/>
-          </p:cNvSpPr>
-          <p:nvPr>
-            <p:ph type="ftr" sz="quarter" idx="11"/>
-          </p:nvPr>
-        </p:nvSpPr>
-        <p:spPr>
-          <a:xfrm>
-            <a:off x="3359150" y="6507212"/>
-            <a:ext cx="6379210" cy="153888"/>
-          </a:xfrm>
-        </p:spPr>
-        <p:txBody>
-          <a:bodyPr/>
-          <a:lstStyle/>
-          <a:p>
-            <a:r>
-              <a:rPr lang="en-US"/>
-              <a:t>Sample Footer Text</a:t>
-            </a:r>
-          </a:p>
-        </p:txBody>
-      </p:sp>
-      <p:sp>
-        <p:nvSpPr>
-          <p:cNvPr id="16" name="Slide Number Placeholder 15">
-            <a:extLst>
-              <a:ext uri="{FF2B5EF4-FFF2-40B4-BE49-F238E27FC236}">
-                <a16:creationId xmlns:a16="http://schemas.microsoft.com/office/drawing/2014/main" id="{CF0A8666-4477-461C-A79D-E91232EE973E}"/>
-              </a:ext>
-            </a:extLst>
-          </p:cNvPr>
-          <p:cNvSpPr>
-            <a:spLocks noGrp="1"/>
-          </p:cNvSpPr>
-          <p:nvPr>
-            <p:ph type="sldNum" sz="quarter" idx="12"/>
-          </p:nvPr>
-        </p:nvSpPr>
-        <p:spPr>
-          <a:xfrm>
-            <a:off x="9948863" y="6507212"/>
-            <a:ext cx="1692274" cy="153888"/>
-          </a:xfrm>
-        </p:spPr>
-        <p:txBody>
-          <a:bodyPr/>
-          <a:lstStyle/>
-          <a:p>
-            <a:fld id="{DBA1B0FB-D917-4C8C-928F-313BD683BF39}" type="slidenum">
-              <a:rPr lang="en-US" smtClean="0"/>
-              <a:pPr/>
-              <a:t>12</a:t>
-            </a:fld>
-            <a:endParaRPr lang="en-US"/>
-          </a:p>
-        </p:txBody>
-      </p:sp>
-      <p:sp>
-        <p:nvSpPr>
-          <p:cNvPr id="3" name="Text Placeholder 2">
-            <a:extLst>
-              <a:ext uri="{FF2B5EF4-FFF2-40B4-BE49-F238E27FC236}">
-                <a16:creationId xmlns:a16="http://schemas.microsoft.com/office/drawing/2014/main" id="{A38BABB7-F9DF-F505-2371-5818960ECAF4}"/>
-              </a:ext>
-            </a:extLst>
-          </p:cNvPr>
-          <p:cNvSpPr>
-            <a:spLocks noGrp="1"/>
-          </p:cNvSpPr>
-          <p:nvPr>
-            <p:ph type="body" idx="1"/>
-          </p:nvPr>
-        </p:nvSpPr>
-        <p:spPr/>
-        <p:txBody>
-          <a:bodyPr/>
-          <a:lstStyle/>
-          <a:p>
-            <a:endParaRPr lang="en-US"/>
-          </a:p>
-        </p:txBody>
-      </p:sp>
-    </p:spTree>
-    <p:extLst>
-      <p:ext uri="{BB962C8B-B14F-4D97-AF65-F5344CB8AC3E}">
-        <p14:creationId xmlns:p14="http://schemas.microsoft.com/office/powerpoint/2010/main" val="1420547054"/>
-      </p:ext>
-    </p:extLst>
-  </p:cSld>
-  <p:clrMapOvr>
-    <a:masterClrMapping/>
-  </p:clrMapOvr>
-</p:sld>
-</file>
-
-<file path=ppt/slides/slide13.xml><?xml version="1.0" encoding="utf-8"?>
-<p:sld xmlns:a="http://schemas.openxmlformats.org/drawingml/2006/main" xmlns:r="http://schemas.openxmlformats.org/officeDocument/2006/relationships" xmlns:p="http://schemas.openxmlformats.org/presentationml/2006/main">
-  <p:cSld>
-    <p:spTree>
-      <p:nvGrpSpPr>
-        <p:cNvPr id="1" name=""/>
-        <p:cNvGrpSpPr/>
-        <p:nvPr/>
-      </p:nvGrpSpPr>
-      <p:grpSpPr>
-        <a:xfrm>
-          <a:off x="0" y="0"/>
-          <a:ext cx="0" cy="0"/>
-          <a:chOff x="0" y="0"/>
-          <a:chExt cx="0" cy="0"/>
-        </a:xfrm>
-      </p:grpSpPr>
-      <p:sp>
-        <p:nvSpPr>
-          <p:cNvPr id="11" name="Title 10">
-            <a:extLst>
-              <a:ext uri="{FF2B5EF4-FFF2-40B4-BE49-F238E27FC236}">
-                <a16:creationId xmlns:a16="http://schemas.microsoft.com/office/drawing/2014/main" id="{581E8936-2270-47FE-94A4-398CB123EF90}"/>
-              </a:ext>
-            </a:extLst>
-          </p:cNvPr>
-          <p:cNvSpPr>
-            <a:spLocks noGrp="1"/>
-          </p:cNvSpPr>
-          <p:nvPr>
-            <p:ph type="title"/>
-          </p:nvPr>
-        </p:nvSpPr>
-        <p:spPr>
-          <a:xfrm>
-            <a:off x="550863" y="4508500"/>
-            <a:ext cx="4500562" cy="1562959"/>
-          </a:xfrm>
-        </p:spPr>
-        <p:txBody>
-          <a:bodyPr/>
-          <a:lstStyle/>
-          <a:p>
-            <a:r>
-              <a:rPr lang="en-US" dirty="0"/>
-              <a:t>Summary</a:t>
-            </a:r>
-          </a:p>
-        </p:txBody>
-      </p:sp>
-      <p:pic>
-        <p:nvPicPr>
-          <p:cNvPr id="16" name="Picture Placeholder 15" descr="Data Points Digital background">
-            <a:extLst>
-              <a:ext uri="{FF2B5EF4-FFF2-40B4-BE49-F238E27FC236}">
-                <a16:creationId xmlns:a16="http://schemas.microsoft.com/office/drawing/2014/main" id="{361E9ADB-7377-4CF1-9AE4-AEFBDEBEEEEC}"/>
-              </a:ext>
-            </a:extLst>
-          </p:cNvPr>
-          <p:cNvPicPr>
-            <a:picLocks noGrp="1" noChangeAspect="1"/>
-          </p:cNvPicPr>
-          <p:nvPr>
-            <p:ph type="pic" sz="quarter" idx="13"/>
-          </p:nvPr>
-        </p:nvPicPr>
-        <p:blipFill rotWithShape="1">
-          <a:blip r:embed="rId3" cstate="screen">
-            <a:extLst>
-              <a:ext uri="{28A0092B-C50C-407E-A947-70E740481C1C}">
-                <a14:useLocalDpi xmlns:a14="http://schemas.microsoft.com/office/drawing/2010/main" val="0"/>
-              </a:ext>
-            </a:extLst>
-          </a:blip>
-          <a:srcRect/>
-          <a:stretch/>
-        </p:blipFill>
-        <p:spPr>
-          <a:xfrm>
-            <a:off x="0" y="0"/>
-            <a:ext cx="12192000" cy="3776472"/>
-          </a:xfrm>
-        </p:spPr>
-      </p:pic>
-      <p:sp>
-        <p:nvSpPr>
-          <p:cNvPr id="13" name="Content Placeholder 12">
-            <a:extLst>
-              <a:ext uri="{FF2B5EF4-FFF2-40B4-BE49-F238E27FC236}">
-                <a16:creationId xmlns:a16="http://schemas.microsoft.com/office/drawing/2014/main" id="{C0287FEC-3826-4868-8D93-52429C6156F5}"/>
-              </a:ext>
-            </a:extLst>
-          </p:cNvPr>
-          <p:cNvSpPr>
-            <a:spLocks noGrp="1"/>
-          </p:cNvSpPr>
-          <p:nvPr>
-            <p:ph sz="quarter" idx="15"/>
-          </p:nvPr>
-        </p:nvSpPr>
-        <p:spPr>
-          <a:xfrm>
-            <a:off x="5262411" y="4508500"/>
-            <a:ext cx="6221412" cy="1563688"/>
-          </a:xfrm>
-        </p:spPr>
-        <p:txBody>
-          <a:bodyPr>
-            <a:normAutofit lnSpcReduction="10000"/>
-          </a:bodyPr>
-          <a:lstStyle/>
-          <a:p>
-            <a:r>
-              <a:rPr lang="en-US" dirty="0"/>
-              <a:t>With PowerPoint, you can create presentations and share your work with others, wherever they are. Type the text you want here to get started. You can also add images, art, and videos on this template. Save to OneDrive and access your presentations from your computer, tablet, or phone. </a:t>
-            </a:r>
-          </a:p>
-        </p:txBody>
-      </p:sp>
-      <p:sp>
-        <p:nvSpPr>
-          <p:cNvPr id="4" name="Date Placeholder 3">
-            <a:extLst>
-              <a:ext uri="{FF2B5EF4-FFF2-40B4-BE49-F238E27FC236}">
-                <a16:creationId xmlns:a16="http://schemas.microsoft.com/office/drawing/2014/main" id="{0C329F70-04F7-4C70-BCF8-D4371F54EF2F}"/>
-              </a:ext>
-            </a:extLst>
-          </p:cNvPr>
-          <p:cNvSpPr>
-            <a:spLocks noGrp="1"/>
-          </p:cNvSpPr>
-          <p:nvPr>
-            <p:ph type="dt" sz="half" idx="10"/>
-          </p:nvPr>
-        </p:nvSpPr>
-        <p:spPr>
-          <a:xfrm>
-            <a:off x="550863" y="6507212"/>
-            <a:ext cx="2628900" cy="153888"/>
-          </a:xfrm>
-        </p:spPr>
-        <p:txBody>
-          <a:bodyPr/>
-          <a:lstStyle/>
-          <a:p>
-            <a:r>
-              <a:rPr lang="en-US"/>
-              <a:t>Tuesday, February 2, 20XX</a:t>
-            </a:r>
-            <a:endParaRPr lang="en-US" dirty="0"/>
-          </a:p>
-        </p:txBody>
-      </p:sp>
-      <p:sp>
-        <p:nvSpPr>
-          <p:cNvPr id="5" name="Footer Placeholder 4">
-            <a:extLst>
-              <a:ext uri="{FF2B5EF4-FFF2-40B4-BE49-F238E27FC236}">
-                <a16:creationId xmlns:a16="http://schemas.microsoft.com/office/drawing/2014/main" id="{06A3302E-502D-4151-81C9-5FD6AF9596D6}"/>
-              </a:ext>
-            </a:extLst>
-          </p:cNvPr>
-          <p:cNvSpPr>
-            <a:spLocks noGrp="1"/>
-          </p:cNvSpPr>
-          <p:nvPr>
-            <p:ph type="ftr" sz="quarter" idx="11"/>
-          </p:nvPr>
-        </p:nvSpPr>
-        <p:spPr>
-          <a:xfrm>
-            <a:off x="3359150" y="6507212"/>
-            <a:ext cx="6379210" cy="153888"/>
-          </a:xfrm>
-        </p:spPr>
-        <p:txBody>
-          <a:bodyPr/>
-          <a:lstStyle/>
-          <a:p>
-            <a:r>
-              <a:rPr lang="en-US"/>
-              <a:t>Sample Footer Text</a:t>
-            </a:r>
-          </a:p>
-        </p:txBody>
-      </p:sp>
-      <p:sp>
-        <p:nvSpPr>
-          <p:cNvPr id="6" name="Slide Number Placeholder 5">
-            <a:extLst>
-              <a:ext uri="{FF2B5EF4-FFF2-40B4-BE49-F238E27FC236}">
-                <a16:creationId xmlns:a16="http://schemas.microsoft.com/office/drawing/2014/main" id="{9ED907F8-C614-4D59-A03F-BF9CD5E35703}"/>
-              </a:ext>
-            </a:extLst>
-          </p:cNvPr>
-          <p:cNvSpPr>
-            <a:spLocks noGrp="1"/>
-          </p:cNvSpPr>
-          <p:nvPr>
-            <p:ph type="sldNum" sz="quarter" idx="12"/>
-          </p:nvPr>
-        </p:nvSpPr>
-        <p:spPr>
-          <a:xfrm>
-            <a:off x="9948863" y="6507212"/>
-            <a:ext cx="1692274" cy="153888"/>
-          </a:xfrm>
-        </p:spPr>
-        <p:txBody>
-          <a:bodyPr/>
-          <a:lstStyle/>
-          <a:p>
-            <a:fld id="{DBA1B0FB-D917-4C8C-928F-313BD683BF39}" type="slidenum">
-              <a:rPr lang="en-US" smtClean="0"/>
-              <a:pPr/>
-              <a:t>13</a:t>
-            </a:fld>
-            <a:endParaRPr lang="en-US"/>
-          </a:p>
-        </p:txBody>
-      </p:sp>
-    </p:spTree>
-    <p:extLst>
-      <p:ext uri="{BB962C8B-B14F-4D97-AF65-F5344CB8AC3E}">
-        <p14:creationId xmlns:p14="http://schemas.microsoft.com/office/powerpoint/2010/main" val="3521561301"/>
-      </p:ext>
-    </p:extLst>
-  </p:cSld>
-  <p:clrMapOvr>
-    <a:masterClrMapping/>
-  </p:clrMapOvr>
-</p:sld>
-</file>
-
-<file path=ppt/slides/slide14.xml><?xml version="1.0" encoding="utf-8"?>
-<p:sld xmlns:a="http://schemas.openxmlformats.org/drawingml/2006/main" xmlns:r="http://schemas.openxmlformats.org/officeDocument/2006/relationships" xmlns:p="http://schemas.openxmlformats.org/presentationml/2006/main">
-  <p:cSld>
-    <p:spTree>
-      <p:nvGrpSpPr>
-        <p:cNvPr id="1" name=""/>
-        <p:cNvGrpSpPr/>
-        <p:nvPr/>
-      </p:nvGrpSpPr>
-      <p:grpSpPr>
-        <a:xfrm>
-          <a:off x="0" y="0"/>
-          <a:ext cx="0" cy="0"/>
-          <a:chOff x="0" y="0"/>
-          <a:chExt cx="0" cy="0"/>
-        </a:xfrm>
-      </p:grpSpPr>
-      <p:sp>
-        <p:nvSpPr>
-          <p:cNvPr id="22" name="Title 21">
-            <a:extLst>
-              <a:ext uri="{FF2B5EF4-FFF2-40B4-BE49-F238E27FC236}">
-                <a16:creationId xmlns:a16="http://schemas.microsoft.com/office/drawing/2014/main" id="{F8FAEED9-1ECD-45F9-87A0-9394BAEABB79}"/>
-              </a:ext>
-            </a:extLst>
-          </p:cNvPr>
-          <p:cNvSpPr>
-            <a:spLocks noGrp="1"/>
-          </p:cNvSpPr>
-          <p:nvPr>
-            <p:ph type="ctrTitle"/>
-          </p:nvPr>
-        </p:nvSpPr>
-        <p:spPr>
-          <a:xfrm>
-            <a:off x="550863" y="549275"/>
-            <a:ext cx="5437187" cy="2986234"/>
-          </a:xfrm>
-        </p:spPr>
-        <p:txBody>
-          <a:bodyPr/>
-          <a:lstStyle/>
-          <a:p>
-            <a:r>
-              <a:rPr lang="en-US" dirty="0"/>
-              <a:t>Thank You</a:t>
-            </a:r>
-          </a:p>
-        </p:txBody>
-      </p:sp>
-      <p:sp>
-        <p:nvSpPr>
-          <p:cNvPr id="23" name="Subtitle 22">
-            <a:extLst>
-              <a:ext uri="{FF2B5EF4-FFF2-40B4-BE49-F238E27FC236}">
-                <a16:creationId xmlns:a16="http://schemas.microsoft.com/office/drawing/2014/main" id="{8E5E4638-9BCB-4C2E-914F-CC868E2020D5}"/>
-              </a:ext>
-            </a:extLst>
-          </p:cNvPr>
-          <p:cNvSpPr>
-            <a:spLocks noGrp="1"/>
-          </p:cNvSpPr>
-          <p:nvPr>
-            <p:ph type="subTitle" idx="1"/>
-          </p:nvPr>
-        </p:nvSpPr>
-        <p:spPr>
-          <a:xfrm>
-            <a:off x="550863" y="3827610"/>
-            <a:ext cx="5437187" cy="2265216"/>
-          </a:xfrm>
-        </p:spPr>
-        <p:txBody>
-          <a:bodyPr/>
-          <a:lstStyle/>
-          <a:p>
-            <a:r>
-              <a:rPr lang="en-US" dirty="0"/>
-              <a:t>Presenter name</a:t>
-            </a:r>
-          </a:p>
-          <a:p>
-            <a:r>
-              <a:rPr lang="en-US" dirty="0"/>
-              <a:t>Email address</a:t>
-            </a:r>
-          </a:p>
-          <a:p>
-            <a:r>
-              <a:rPr lang="en-US" dirty="0"/>
-              <a:t>Website address</a:t>
-            </a:r>
-          </a:p>
-        </p:txBody>
-      </p:sp>
-      <p:pic>
-        <p:nvPicPr>
-          <p:cNvPr id="27" name="Picture Placeholder 26" descr="Data Points Digital background">
-            <a:extLst>
-              <a:ext uri="{FF2B5EF4-FFF2-40B4-BE49-F238E27FC236}">
-                <a16:creationId xmlns:a16="http://schemas.microsoft.com/office/drawing/2014/main" id="{9E660784-34E2-4CDA-926A-DDD6AAF35046}"/>
-              </a:ext>
-            </a:extLst>
-          </p:cNvPr>
-          <p:cNvPicPr>
-            <a:picLocks noGrp="1" noChangeAspect="1"/>
-          </p:cNvPicPr>
-          <p:nvPr>
-            <p:ph type="pic" sz="quarter" idx="15"/>
-          </p:nvPr>
-        </p:nvPicPr>
-        <p:blipFill rotWithShape="1">
-          <a:blip r:embed="rId2" cstate="screen">
-            <a:extLst>
-              <a:ext uri="{28A0092B-C50C-407E-A947-70E740481C1C}">
-                <a14:useLocalDpi xmlns:a14="http://schemas.microsoft.com/office/drawing/2010/main" val="0"/>
-              </a:ext>
-            </a:extLst>
-          </a:blip>
-          <a:srcRect/>
-          <a:stretch/>
-        </p:blipFill>
-        <p:spPr>
-          <a:xfrm>
-            <a:off x="6556248" y="548640"/>
-            <a:ext cx="5084064" cy="2880360"/>
-          </a:xfrm>
-        </p:spPr>
-      </p:pic>
-      <p:pic>
-        <p:nvPicPr>
-          <p:cNvPr id="33" name="Picture Placeholder 32" descr="Data Points Digital background">
-            <a:extLst>
-              <a:ext uri="{FF2B5EF4-FFF2-40B4-BE49-F238E27FC236}">
-                <a16:creationId xmlns:a16="http://schemas.microsoft.com/office/drawing/2014/main" id="{48106962-23C6-4DFE-BB3A-E5FFF03F38CE}"/>
-              </a:ext>
-            </a:extLst>
-          </p:cNvPr>
-          <p:cNvPicPr>
-            <a:picLocks noGrp="1" noChangeAspect="1"/>
-          </p:cNvPicPr>
-          <p:nvPr>
-            <p:ph type="pic" sz="quarter" idx="16"/>
-          </p:nvPr>
-        </p:nvPicPr>
-        <p:blipFill rotWithShape="1">
-          <a:blip r:embed="rId3" cstate="screen">
-            <a:extLst>
-              <a:ext uri="{28A0092B-C50C-407E-A947-70E740481C1C}">
-                <a14:useLocalDpi xmlns:a14="http://schemas.microsoft.com/office/drawing/2010/main" val="0"/>
-              </a:ext>
-            </a:extLst>
-          </a:blip>
-          <a:srcRect/>
-          <a:stretch/>
-        </p:blipFill>
-        <p:spPr>
-          <a:xfrm>
-            <a:off x="6556248" y="3429000"/>
-            <a:ext cx="5084064" cy="2880360"/>
-          </a:xfrm>
-        </p:spPr>
-      </p:pic>
-      <p:sp>
-        <p:nvSpPr>
-          <p:cNvPr id="4" name="Date Placeholder 3">
-            <a:extLst>
-              <a:ext uri="{FF2B5EF4-FFF2-40B4-BE49-F238E27FC236}">
-                <a16:creationId xmlns:a16="http://schemas.microsoft.com/office/drawing/2014/main" id="{7823E305-6365-4345-8BD1-4A31C61D96CB}"/>
-              </a:ext>
-            </a:extLst>
-          </p:cNvPr>
-          <p:cNvSpPr>
-            <a:spLocks noGrp="1"/>
-          </p:cNvSpPr>
-          <p:nvPr>
-            <p:ph type="dt" sz="half" idx="10"/>
-          </p:nvPr>
-        </p:nvSpPr>
-        <p:spPr>
-          <a:xfrm>
-            <a:off x="550863" y="6507212"/>
-            <a:ext cx="2628900" cy="153888"/>
-          </a:xfrm>
-        </p:spPr>
-        <p:txBody>
-          <a:bodyPr/>
-          <a:lstStyle/>
-          <a:p>
-            <a:r>
-              <a:rPr lang="en-US"/>
-              <a:t>Tuesday, February 2, 20XX</a:t>
-            </a:r>
-          </a:p>
-        </p:txBody>
-      </p:sp>
-      <p:sp>
-        <p:nvSpPr>
-          <p:cNvPr id="5" name="Footer Placeholder 4">
-            <a:extLst>
-              <a:ext uri="{FF2B5EF4-FFF2-40B4-BE49-F238E27FC236}">
-                <a16:creationId xmlns:a16="http://schemas.microsoft.com/office/drawing/2014/main" id="{0B37A3FF-ED32-4C4A-A21F-848A3BF6F896}"/>
-              </a:ext>
-            </a:extLst>
-          </p:cNvPr>
-          <p:cNvSpPr>
-            <a:spLocks noGrp="1"/>
-          </p:cNvSpPr>
-          <p:nvPr>
-            <p:ph type="ftr" sz="quarter" idx="11"/>
-          </p:nvPr>
-        </p:nvSpPr>
-        <p:spPr>
-          <a:xfrm>
-            <a:off x="3359150" y="6507212"/>
-            <a:ext cx="6379210" cy="153888"/>
-          </a:xfrm>
-        </p:spPr>
-        <p:txBody>
-          <a:bodyPr/>
-          <a:lstStyle/>
-          <a:p>
-            <a:r>
-              <a:rPr lang="en-US"/>
-              <a:t>Sample Footer Text</a:t>
-            </a:r>
-          </a:p>
-        </p:txBody>
-      </p:sp>
-      <p:sp>
-        <p:nvSpPr>
-          <p:cNvPr id="6" name="Slide Number Placeholder 5">
-            <a:extLst>
-              <a:ext uri="{FF2B5EF4-FFF2-40B4-BE49-F238E27FC236}">
-                <a16:creationId xmlns:a16="http://schemas.microsoft.com/office/drawing/2014/main" id="{36E60F23-FB58-4EF8-82FD-E86CED25FDD4}"/>
-              </a:ext>
-            </a:extLst>
-          </p:cNvPr>
-          <p:cNvSpPr>
-            <a:spLocks noGrp="1"/>
-          </p:cNvSpPr>
-          <p:nvPr>
-            <p:ph type="sldNum" sz="quarter" idx="12"/>
-          </p:nvPr>
-        </p:nvSpPr>
-        <p:spPr>
-          <a:xfrm>
-            <a:off x="9948863" y="6507212"/>
-            <a:ext cx="1692274" cy="153888"/>
-          </a:xfrm>
-        </p:spPr>
-        <p:txBody>
-          <a:bodyPr/>
-          <a:lstStyle/>
-          <a:p>
-            <a:fld id="{DBA1B0FB-D917-4C8C-928F-313BD683BF39}" type="slidenum">
-              <a:rPr lang="en-US" smtClean="0"/>
-              <a:pPr/>
-              <a:t>14</a:t>
-            </a:fld>
-            <a:endParaRPr lang="en-US"/>
-          </a:p>
-        </p:txBody>
-      </p:sp>
-    </p:spTree>
-    <p:extLst>
-      <p:ext uri="{BB962C8B-B14F-4D97-AF65-F5344CB8AC3E}">
-        <p14:creationId xmlns:p14="http://schemas.microsoft.com/office/powerpoint/2010/main" val="3247798845"/>
-      </p:ext>
-    </p:extLst>
-  </p:cSld>
-  <p:clrMapOvr>
-    <a:masterClrMapping/>
-  </p:clrMapOvr>
-</p:sld>
-</file>
-
 <file path=ppt/slides/slide2.xml><?xml version="1.0" encoding="utf-8"?>
-<p:sld xmlns:a="http://schemas.openxmlformats.org/drawingml/2006/main" xmlns:r="http://schemas.openxmlformats.org/officeDocument/2006/relationships" xmlns:p="http://schemas.openxmlformats.org/presentationml/2006/main">
-  <p:cSld>
-    <p:spTree>
-      <p:nvGrpSpPr>
-        <p:cNvPr id="1" name=""/>
-        <p:cNvGrpSpPr/>
-        <p:nvPr/>
-      </p:nvGrpSpPr>
-      <p:grpSpPr>
-        <a:xfrm>
-          <a:off x="0" y="0"/>
-          <a:ext cx="0" cy="0"/>
-          <a:chOff x="0" y="0"/>
-          <a:chExt cx="0" cy="0"/>
-        </a:xfrm>
-      </p:grpSpPr>
-      <p:sp>
-        <p:nvSpPr>
-          <p:cNvPr id="2" name="Title 1">
-            <a:extLst>
-              <a:ext uri="{FF2B5EF4-FFF2-40B4-BE49-F238E27FC236}">
-                <a16:creationId xmlns:a16="http://schemas.microsoft.com/office/drawing/2014/main" id="{0046426E-F6F6-4A7C-9181-8C3090996261}"/>
-              </a:ext>
-            </a:extLst>
-          </p:cNvPr>
-          <p:cNvSpPr>
-            <a:spLocks noGrp="1"/>
-          </p:cNvSpPr>
-          <p:nvPr>
-            <p:ph type="title"/>
-          </p:nvPr>
-        </p:nvSpPr>
-        <p:spPr>
-          <a:xfrm>
-            <a:off x="550864" y="549275"/>
-            <a:ext cx="3565524" cy="1997855"/>
-          </a:xfrm>
-        </p:spPr>
-        <p:txBody>
-          <a:bodyPr/>
-          <a:lstStyle/>
-          <a:p>
-            <a:r>
-              <a:rPr lang="en-US" dirty="0"/>
-              <a:t>Agenda</a:t>
-            </a:r>
-          </a:p>
-        </p:txBody>
-      </p:sp>
-      <p:sp>
-        <p:nvSpPr>
-          <p:cNvPr id="3" name="Content Placeholder 2">
-            <a:extLst>
-              <a:ext uri="{FF2B5EF4-FFF2-40B4-BE49-F238E27FC236}">
-                <a16:creationId xmlns:a16="http://schemas.microsoft.com/office/drawing/2014/main" id="{D3B60D6F-4D0F-4D33-B2A7-159C8583FF00}"/>
-              </a:ext>
-            </a:extLst>
-          </p:cNvPr>
-          <p:cNvSpPr>
-            <a:spLocks noGrp="1"/>
-          </p:cNvSpPr>
-          <p:nvPr>
-            <p:ph idx="1"/>
-          </p:nvPr>
-        </p:nvSpPr>
-        <p:spPr>
-          <a:xfrm>
-            <a:off x="550863" y="2677306"/>
-            <a:ext cx="3565525" cy="3415519"/>
-          </a:xfrm>
-        </p:spPr>
-        <p:txBody>
-          <a:bodyPr/>
-          <a:lstStyle/>
-          <a:p>
-            <a:r>
-              <a:rPr lang="en-US" dirty="0"/>
-              <a:t>Topic one</a:t>
-            </a:r>
-          </a:p>
-          <a:p>
-            <a:r>
-              <a:rPr lang="en-US" dirty="0"/>
-              <a:t>Topic two</a:t>
-            </a:r>
-          </a:p>
-          <a:p>
-            <a:r>
-              <a:rPr lang="en-US" dirty="0"/>
-              <a:t>Topic three</a:t>
-            </a:r>
-          </a:p>
-          <a:p>
-            <a:r>
-              <a:rPr lang="en-US" dirty="0"/>
-              <a:t>Topic four</a:t>
-            </a:r>
-          </a:p>
-          <a:p>
-            <a:r>
-              <a:rPr lang="en-US" dirty="0"/>
-              <a:t>Topic five</a:t>
-            </a:r>
-          </a:p>
-          <a:p>
-            <a:endParaRPr lang="en-US" dirty="0"/>
-          </a:p>
-        </p:txBody>
-      </p:sp>
-      <p:pic>
-        <p:nvPicPr>
-          <p:cNvPr id="8" name="Picture Placeholder 7" descr="Digital Data">
-            <a:extLst>
-              <a:ext uri="{FF2B5EF4-FFF2-40B4-BE49-F238E27FC236}">
-                <a16:creationId xmlns:a16="http://schemas.microsoft.com/office/drawing/2014/main" id="{06D2324F-3B7B-45EF-9584-C8EADD2C8C0B}"/>
-              </a:ext>
-            </a:extLst>
-          </p:cNvPr>
-          <p:cNvPicPr>
-            <a:picLocks noGrp="1" noChangeAspect="1"/>
-          </p:cNvPicPr>
-          <p:nvPr>
-            <p:ph type="pic" sz="quarter" idx="13"/>
-          </p:nvPr>
-        </p:nvPicPr>
-        <p:blipFill rotWithShape="1">
-          <a:blip r:embed="rId2" cstate="screen">
-            <a:extLst>
-              <a:ext uri="{28A0092B-C50C-407E-A947-70E740481C1C}">
-                <a14:useLocalDpi xmlns:a14="http://schemas.microsoft.com/office/drawing/2010/main" val="0"/>
-              </a:ext>
-            </a:extLst>
-          </a:blip>
-          <a:srcRect/>
-          <a:stretch/>
-        </p:blipFill>
-        <p:spPr>
-          <a:xfrm>
-            <a:off x="5208928" y="1596771"/>
-            <a:ext cx="3448558" cy="3448558"/>
-          </a:xfrm>
-        </p:spPr>
-      </p:pic>
-      <p:pic>
-        <p:nvPicPr>
-          <p:cNvPr id="10" name="Picture Placeholder 9" descr="Data Points ">
-            <a:extLst>
-              <a:ext uri="{FF2B5EF4-FFF2-40B4-BE49-F238E27FC236}">
-                <a16:creationId xmlns:a16="http://schemas.microsoft.com/office/drawing/2014/main" id="{71F862F9-0E8A-4DB9-8083-1C3AA6E5D777}"/>
-              </a:ext>
-            </a:extLst>
-          </p:cNvPr>
-          <p:cNvPicPr>
-            <a:picLocks noGrp="1" noChangeAspect="1"/>
-          </p:cNvPicPr>
-          <p:nvPr>
-            <p:ph type="pic" sz="quarter" idx="14"/>
-          </p:nvPr>
-        </p:nvPicPr>
-        <p:blipFill rotWithShape="1">
-          <a:blip r:embed="rId3" cstate="screen">
-            <a:extLst>
-              <a:ext uri="{28A0092B-C50C-407E-A947-70E740481C1C}">
-                <a14:useLocalDpi xmlns:a14="http://schemas.microsoft.com/office/drawing/2010/main" val="0"/>
-              </a:ext>
-            </a:extLst>
-          </a:blip>
-          <a:srcRect/>
-          <a:stretch/>
-        </p:blipFill>
-        <p:spPr>
-          <a:xfrm>
-            <a:off x="8918575" y="596392"/>
-            <a:ext cx="2263776" cy="2263776"/>
-          </a:xfrm>
-        </p:spPr>
-      </p:pic>
-      <p:pic>
-        <p:nvPicPr>
-          <p:cNvPr id="12" name="Picture Placeholder 11" descr="Data Background">
-            <a:extLst>
-              <a:ext uri="{FF2B5EF4-FFF2-40B4-BE49-F238E27FC236}">
-                <a16:creationId xmlns:a16="http://schemas.microsoft.com/office/drawing/2014/main" id="{A63F39B9-0715-40B5-8ECB-9B983F99C690}"/>
-              </a:ext>
-            </a:extLst>
-          </p:cNvPr>
-          <p:cNvPicPr>
-            <a:picLocks noGrp="1" noChangeAspect="1"/>
-          </p:cNvPicPr>
-          <p:nvPr>
-            <p:ph type="pic" sz="quarter" idx="15"/>
-          </p:nvPr>
-        </p:nvPicPr>
-        <p:blipFill rotWithShape="1">
-          <a:blip r:embed="rId4" cstate="screen">
-            <a:extLst>
-              <a:ext uri="{28A0092B-C50C-407E-A947-70E740481C1C}">
-                <a14:useLocalDpi xmlns:a14="http://schemas.microsoft.com/office/drawing/2010/main" val="0"/>
-              </a:ext>
-            </a:extLst>
-          </a:blip>
-          <a:srcRect/>
-          <a:stretch/>
-        </p:blipFill>
-        <p:spPr>
-          <a:xfrm>
-            <a:off x="9091612" y="3324733"/>
-            <a:ext cx="2936876" cy="2936876"/>
-          </a:xfrm>
-        </p:spPr>
-      </p:pic>
-      <p:sp>
-        <p:nvSpPr>
-          <p:cNvPr id="13" name="Date Placeholder 12">
-            <a:extLst>
-              <a:ext uri="{FF2B5EF4-FFF2-40B4-BE49-F238E27FC236}">
-                <a16:creationId xmlns:a16="http://schemas.microsoft.com/office/drawing/2014/main" id="{915FE2C5-E66A-4405-B19E-2C5C546C98E4}"/>
-              </a:ext>
-            </a:extLst>
-          </p:cNvPr>
-          <p:cNvSpPr>
-            <a:spLocks noGrp="1"/>
-          </p:cNvSpPr>
-          <p:nvPr>
-            <p:ph type="dt" sz="half" idx="10"/>
-          </p:nvPr>
-        </p:nvSpPr>
-        <p:spPr>
-          <a:xfrm>
-            <a:off x="550863" y="6507212"/>
-            <a:ext cx="2628900" cy="153888"/>
-          </a:xfrm>
-        </p:spPr>
-        <p:txBody>
-          <a:bodyPr/>
-          <a:lstStyle/>
-          <a:p>
-            <a:r>
-              <a:rPr lang="en-US"/>
-              <a:t>Tuesday, February 2, 20XX</a:t>
-            </a:r>
-          </a:p>
-        </p:txBody>
-      </p:sp>
-      <p:sp>
-        <p:nvSpPr>
-          <p:cNvPr id="14" name="Footer Placeholder 13">
-            <a:extLst>
-              <a:ext uri="{FF2B5EF4-FFF2-40B4-BE49-F238E27FC236}">
-                <a16:creationId xmlns:a16="http://schemas.microsoft.com/office/drawing/2014/main" id="{B01DF4D0-78BC-4C8C-9570-26F0B225433A}"/>
-              </a:ext>
-            </a:extLst>
-          </p:cNvPr>
-          <p:cNvSpPr>
-            <a:spLocks noGrp="1"/>
-          </p:cNvSpPr>
-          <p:nvPr>
-            <p:ph type="ftr" sz="quarter" idx="11"/>
-          </p:nvPr>
-        </p:nvSpPr>
-        <p:spPr>
-          <a:xfrm>
-            <a:off x="3359150" y="6507212"/>
-            <a:ext cx="6379210" cy="153888"/>
-          </a:xfrm>
-        </p:spPr>
-        <p:txBody>
-          <a:bodyPr/>
-          <a:lstStyle/>
-          <a:p>
-            <a:r>
-              <a:rPr lang="en-US" dirty="0"/>
-              <a:t>Sample Footer Text</a:t>
-            </a:r>
-          </a:p>
-        </p:txBody>
-      </p:sp>
-      <p:sp>
-        <p:nvSpPr>
-          <p:cNvPr id="15" name="Slide Number Placeholder 14">
-            <a:extLst>
-              <a:ext uri="{FF2B5EF4-FFF2-40B4-BE49-F238E27FC236}">
-                <a16:creationId xmlns:a16="http://schemas.microsoft.com/office/drawing/2014/main" id="{3B199C97-F175-437D-8311-DB662925C063}"/>
-              </a:ext>
-            </a:extLst>
-          </p:cNvPr>
-          <p:cNvSpPr>
-            <a:spLocks noGrp="1"/>
-          </p:cNvSpPr>
-          <p:nvPr>
-            <p:ph type="sldNum" sz="quarter" idx="12"/>
-          </p:nvPr>
-        </p:nvSpPr>
-        <p:spPr>
-          <a:xfrm>
-            <a:off x="9948863" y="6507212"/>
-            <a:ext cx="1692274" cy="153888"/>
-          </a:xfrm>
-        </p:spPr>
-        <p:txBody>
-          <a:bodyPr/>
-          <a:lstStyle/>
-          <a:p>
-            <a:fld id="{DBA1B0FB-D917-4C8C-928F-313BD683BF39}" type="slidenum">
-              <a:rPr lang="en-US" smtClean="0"/>
-              <a:pPr/>
-              <a:t>2</a:t>
-            </a:fld>
-            <a:endParaRPr lang="en-US"/>
-          </a:p>
-        </p:txBody>
-      </p:sp>
-    </p:spTree>
-    <p:extLst>
-      <p:ext uri="{BB962C8B-B14F-4D97-AF65-F5344CB8AC3E}">
-        <p14:creationId xmlns:p14="http://schemas.microsoft.com/office/powerpoint/2010/main" val="2313234867"/>
-      </p:ext>
-    </p:extLst>
-  </p:cSld>
-  <p:clrMapOvr>
-    <a:masterClrMapping/>
-  </p:clrMapOvr>
-</p:sld>
-</file>
-
-<file path=ppt/slides/slide3.xml><?xml version="1.0" encoding="utf-8"?>
-<p:sld xmlns:a="http://schemas.openxmlformats.org/drawingml/2006/main" xmlns:r="http://schemas.openxmlformats.org/officeDocument/2006/relationships" xmlns:p="http://schemas.openxmlformats.org/presentationml/2006/main">
-  <p:cSld>
-    <p:spTree>
-      <p:nvGrpSpPr>
-        <p:cNvPr id="1" name=""/>
-        <p:cNvGrpSpPr/>
-        <p:nvPr/>
-      </p:nvGrpSpPr>
-      <p:grpSpPr>
-        <a:xfrm>
-          <a:off x="0" y="0"/>
-          <a:ext cx="0" cy="0"/>
-          <a:chOff x="0" y="0"/>
-          <a:chExt cx="0" cy="0"/>
-        </a:xfrm>
-      </p:grpSpPr>
-      <p:sp>
-        <p:nvSpPr>
-          <p:cNvPr id="11" name="Title 10">
-            <a:extLst>
-              <a:ext uri="{FF2B5EF4-FFF2-40B4-BE49-F238E27FC236}">
-                <a16:creationId xmlns:a16="http://schemas.microsoft.com/office/drawing/2014/main" id="{23418ADF-358F-4647-A511-FCFFEDA83429}"/>
-              </a:ext>
-            </a:extLst>
-          </p:cNvPr>
-          <p:cNvSpPr>
-            <a:spLocks noGrp="1"/>
-          </p:cNvSpPr>
-          <p:nvPr>
-            <p:ph type="title"/>
-          </p:nvPr>
-        </p:nvSpPr>
-        <p:spPr>
-          <a:xfrm>
-            <a:off x="550863" y="4507200"/>
-            <a:ext cx="4500562" cy="1562959"/>
-          </a:xfrm>
-        </p:spPr>
-        <p:txBody>
-          <a:bodyPr/>
-          <a:lstStyle/>
-          <a:p>
-            <a:r>
-              <a:rPr lang="en-US" dirty="0"/>
-              <a:t>Introduction</a:t>
-            </a:r>
-          </a:p>
-        </p:txBody>
-      </p:sp>
-      <p:pic>
-        <p:nvPicPr>
-          <p:cNvPr id="18" name="Picture Placeholder 17" descr="A group of people sitting at a table">
-            <a:extLst>
-              <a:ext uri="{FF2B5EF4-FFF2-40B4-BE49-F238E27FC236}">
-                <a16:creationId xmlns:a16="http://schemas.microsoft.com/office/drawing/2014/main" id="{E2536017-F539-430C-A901-70AB81CA612A}"/>
-              </a:ext>
-            </a:extLst>
-          </p:cNvPr>
-          <p:cNvPicPr>
-            <a:picLocks noGrp="1" noChangeAspect="1"/>
-          </p:cNvPicPr>
-          <p:nvPr>
-            <p:ph type="pic" sz="quarter" idx="13"/>
-          </p:nvPr>
-        </p:nvPicPr>
-        <p:blipFill rotWithShape="1">
-          <a:blip r:embed="rId3" cstate="screen">
-            <a:extLst>
-              <a:ext uri="{28A0092B-C50C-407E-A947-70E740481C1C}">
-                <a14:useLocalDpi xmlns:a14="http://schemas.microsoft.com/office/drawing/2010/main" val="0"/>
-              </a:ext>
-            </a:extLst>
-          </a:blip>
-          <a:srcRect t="42" b="42"/>
-          <a:stretch/>
-        </p:blipFill>
-        <p:spPr>
-          <a:xfrm>
-            <a:off x="0" y="0"/>
-            <a:ext cx="3054096" cy="3776472"/>
-          </a:xfrm>
-        </p:spPr>
-      </p:pic>
-      <p:pic>
-        <p:nvPicPr>
-          <p:cNvPr id="20" name="Picture Placeholder 19" descr="Data Points Digital background">
-            <a:extLst>
-              <a:ext uri="{FF2B5EF4-FFF2-40B4-BE49-F238E27FC236}">
-                <a16:creationId xmlns:a16="http://schemas.microsoft.com/office/drawing/2014/main" id="{528A7D8D-1AB5-46C4-93FA-D92C2FD51692}"/>
-              </a:ext>
-            </a:extLst>
-          </p:cNvPr>
-          <p:cNvPicPr>
-            <a:picLocks noGrp="1" noChangeAspect="1"/>
-          </p:cNvPicPr>
-          <p:nvPr>
-            <p:ph type="pic" sz="quarter" idx="14"/>
-          </p:nvPr>
-        </p:nvPicPr>
-        <p:blipFill rotWithShape="1">
-          <a:blip r:embed="rId4" cstate="screen">
-            <a:extLst>
-              <a:ext uri="{28A0092B-C50C-407E-A947-70E740481C1C}">
-                <a14:useLocalDpi xmlns:a14="http://schemas.microsoft.com/office/drawing/2010/main" val="0"/>
-              </a:ext>
-            </a:extLst>
-          </a:blip>
-          <a:srcRect t="42" b="42"/>
-          <a:stretch/>
-        </p:blipFill>
-        <p:spPr>
-          <a:xfrm>
-            <a:off x="3054096" y="0"/>
-            <a:ext cx="3054096" cy="3776472"/>
-          </a:xfrm>
-        </p:spPr>
-      </p:pic>
-      <p:pic>
-        <p:nvPicPr>
-          <p:cNvPr id="25" name="Picture Placeholder 24" descr="Digital Graph Screen">
-            <a:extLst>
-              <a:ext uri="{FF2B5EF4-FFF2-40B4-BE49-F238E27FC236}">
-                <a16:creationId xmlns:a16="http://schemas.microsoft.com/office/drawing/2014/main" id="{B7353C46-ACC1-4078-85C2-26B57B0E58B7}"/>
-              </a:ext>
-            </a:extLst>
-          </p:cNvPr>
-          <p:cNvPicPr>
-            <a:picLocks noGrp="1" noChangeAspect="1"/>
-          </p:cNvPicPr>
-          <p:nvPr>
-            <p:ph type="pic" sz="quarter" idx="16"/>
-          </p:nvPr>
-        </p:nvPicPr>
-        <p:blipFill rotWithShape="1">
-          <a:blip r:embed="rId5" cstate="screen">
-            <a:extLst>
-              <a:ext uri="{28A0092B-C50C-407E-A947-70E740481C1C}">
-                <a14:useLocalDpi xmlns:a14="http://schemas.microsoft.com/office/drawing/2010/main" val="0"/>
-              </a:ext>
-            </a:extLst>
-          </a:blip>
-          <a:srcRect t="42" b="42"/>
-          <a:stretch/>
-        </p:blipFill>
-        <p:spPr>
-          <a:xfrm>
-            <a:off x="9137904" y="0"/>
-            <a:ext cx="3054096" cy="3776472"/>
-          </a:xfrm>
-        </p:spPr>
-      </p:pic>
-      <p:sp>
-        <p:nvSpPr>
-          <p:cNvPr id="4" name="Date Placeholder 3">
-            <a:extLst>
-              <a:ext uri="{FF2B5EF4-FFF2-40B4-BE49-F238E27FC236}">
-                <a16:creationId xmlns:a16="http://schemas.microsoft.com/office/drawing/2014/main" id="{0C329F70-04F7-4C70-BCF8-D4371F54EF2F}"/>
-              </a:ext>
-            </a:extLst>
-          </p:cNvPr>
-          <p:cNvSpPr>
-            <a:spLocks noGrp="1"/>
-          </p:cNvSpPr>
-          <p:nvPr>
-            <p:ph type="dt" sz="half" idx="10"/>
-          </p:nvPr>
-        </p:nvSpPr>
-        <p:spPr>
-          <a:xfrm>
-            <a:off x="550863" y="6507212"/>
-            <a:ext cx="2628900" cy="153888"/>
-          </a:xfrm>
-        </p:spPr>
-        <p:txBody>
-          <a:bodyPr/>
-          <a:lstStyle/>
-          <a:p>
-            <a:r>
-              <a:rPr lang="en-US"/>
-              <a:t>Tuesday, February 2, 20XX</a:t>
-            </a:r>
-            <a:endParaRPr lang="en-US" dirty="0"/>
-          </a:p>
-        </p:txBody>
-      </p:sp>
-      <p:sp>
-        <p:nvSpPr>
-          <p:cNvPr id="5" name="Footer Placeholder 4">
-            <a:extLst>
-              <a:ext uri="{FF2B5EF4-FFF2-40B4-BE49-F238E27FC236}">
-                <a16:creationId xmlns:a16="http://schemas.microsoft.com/office/drawing/2014/main" id="{06A3302E-502D-4151-81C9-5FD6AF9596D6}"/>
-              </a:ext>
-            </a:extLst>
-          </p:cNvPr>
-          <p:cNvSpPr>
-            <a:spLocks noGrp="1"/>
-          </p:cNvSpPr>
-          <p:nvPr>
-            <p:ph type="ftr" sz="quarter" idx="11"/>
-          </p:nvPr>
-        </p:nvSpPr>
-        <p:spPr>
-          <a:xfrm>
-            <a:off x="3359150" y="6507212"/>
-            <a:ext cx="6379210" cy="153888"/>
-          </a:xfrm>
-        </p:spPr>
-        <p:txBody>
-          <a:bodyPr/>
-          <a:lstStyle/>
-          <a:p>
-            <a:r>
-              <a:rPr lang="en-US"/>
-              <a:t>Sample Footer Text</a:t>
-            </a:r>
-          </a:p>
-        </p:txBody>
-      </p:sp>
-      <p:sp>
-        <p:nvSpPr>
-          <p:cNvPr id="6" name="Slide Number Placeholder 5">
-            <a:extLst>
-              <a:ext uri="{FF2B5EF4-FFF2-40B4-BE49-F238E27FC236}">
-                <a16:creationId xmlns:a16="http://schemas.microsoft.com/office/drawing/2014/main" id="{9ED907F8-C614-4D59-A03F-BF9CD5E35703}"/>
-              </a:ext>
-            </a:extLst>
-          </p:cNvPr>
-          <p:cNvSpPr>
-            <a:spLocks noGrp="1"/>
-          </p:cNvSpPr>
-          <p:nvPr>
-            <p:ph type="sldNum" sz="quarter" idx="12"/>
-          </p:nvPr>
-        </p:nvSpPr>
-        <p:spPr>
-          <a:xfrm>
-            <a:off x="9948863" y="6507212"/>
-            <a:ext cx="1692274" cy="153888"/>
-          </a:xfrm>
-        </p:spPr>
-        <p:txBody>
-          <a:bodyPr/>
-          <a:lstStyle/>
-          <a:p>
-            <a:fld id="{DBA1B0FB-D917-4C8C-928F-313BD683BF39}" type="slidenum">
-              <a:rPr lang="en-US" smtClean="0"/>
-              <a:pPr/>
-              <a:t>3</a:t>
-            </a:fld>
-            <a:endParaRPr lang="en-US"/>
-          </a:p>
-        </p:txBody>
-      </p:sp>
-      <p:pic>
-        <p:nvPicPr>
-          <p:cNvPr id="23" name="Picture Placeholder 22" descr="A person drawing on a white board">
-            <a:extLst>
-              <a:ext uri="{FF2B5EF4-FFF2-40B4-BE49-F238E27FC236}">
-                <a16:creationId xmlns:a16="http://schemas.microsoft.com/office/drawing/2014/main" id="{2B3C4F95-A0FA-45D9-BF43-1C398F65B891}"/>
-              </a:ext>
-            </a:extLst>
-          </p:cNvPr>
-          <p:cNvPicPr>
-            <a:picLocks noGrp="1" noChangeAspect="1"/>
-          </p:cNvPicPr>
-          <p:nvPr>
-            <p:ph type="pic" sz="quarter" idx="15"/>
-          </p:nvPr>
-        </p:nvPicPr>
-        <p:blipFill rotWithShape="1">
-          <a:blip r:embed="rId6" cstate="screen">
-            <a:extLst>
-              <a:ext uri="{28A0092B-C50C-407E-A947-70E740481C1C}">
-                <a14:useLocalDpi xmlns:a14="http://schemas.microsoft.com/office/drawing/2010/main" val="0"/>
-              </a:ext>
-            </a:extLst>
-          </a:blip>
-          <a:srcRect t="42" b="42"/>
-          <a:stretch/>
-        </p:blipFill>
-        <p:spPr>
-          <a:xfrm>
-            <a:off x="6083808" y="0"/>
-            <a:ext cx="3054096" cy="3776472"/>
-          </a:xfrm>
-        </p:spPr>
-      </p:pic>
-      <p:sp>
-        <p:nvSpPr>
-          <p:cNvPr id="12" name="Content Placeholder 11">
-            <a:extLst>
-              <a:ext uri="{FF2B5EF4-FFF2-40B4-BE49-F238E27FC236}">
-                <a16:creationId xmlns:a16="http://schemas.microsoft.com/office/drawing/2014/main" id="{E5127060-CDBF-435F-9009-A5451CCE305D}"/>
-              </a:ext>
-            </a:extLst>
-          </p:cNvPr>
-          <p:cNvSpPr>
-            <a:spLocks noGrp="1"/>
-          </p:cNvSpPr>
-          <p:nvPr>
-            <p:ph sz="quarter" idx="15"/>
-          </p:nvPr>
-        </p:nvSpPr>
-        <p:spPr>
-          <a:xfrm>
-            <a:off x="5262563" y="4508500"/>
-            <a:ext cx="6221412" cy="1563688"/>
-          </a:xfrm>
-          <a:noFill/>
-        </p:spPr>
-        <p:txBody>
-          <a:bodyPr>
-            <a:normAutofit/>
-          </a:bodyPr>
-          <a:lstStyle/>
-          <a:p>
-            <a:pPr marL="0" indent="0">
-              <a:buNone/>
-            </a:pPr>
-            <a:r>
-              <a:rPr lang="en-US" sz="1600" b="1" i="0" dirty="0">
-                <a:solidFill>
-                  <a:schemeClr val="tx1"/>
-                </a:solidFill>
-                <a:effectLst/>
-                <a:latin typeface="Open Sans" panose="020B0604020202020204" pitchFamily="34" charset="0"/>
-              </a:rPr>
-              <a:t>In 2019, the largest tobacco companies spent $8.2 billion marketing cigarettes and smokeless tobacco in the United States. This amount translates to about $22.5 million each day, or nearly $1 million every hour.</a:t>
-            </a:r>
-            <a:endParaRPr lang="en-US" sz="1600" dirty="0">
-              <a:solidFill>
-                <a:schemeClr val="tx1"/>
-              </a:solidFill>
-            </a:endParaRPr>
-          </a:p>
-        </p:txBody>
-      </p:sp>
-    </p:spTree>
-    <p:extLst>
-      <p:ext uri="{BB962C8B-B14F-4D97-AF65-F5344CB8AC3E}">
-        <p14:creationId xmlns:p14="http://schemas.microsoft.com/office/powerpoint/2010/main" val="2158886557"/>
-      </p:ext>
-    </p:extLst>
-  </p:cSld>
-  <p:clrMapOvr>
-    <a:masterClrMapping/>
-  </p:clrMapOvr>
-</p:sld>
-</file>
-
-<file path=ppt/slides/slide4.xml><?xml version="1.0" encoding="utf-8"?>
 <p:sld xmlns:a="http://schemas.openxmlformats.org/drawingml/2006/main" xmlns:r="http://schemas.openxmlformats.org/officeDocument/2006/relationships" xmlns:p="http://schemas.openxmlformats.org/presentationml/2006/main">
   <p:cSld>
     <p:bg>
@@ -21787,7 +14373,7 @@
           <a:p>
             <a:fld id="{DBA1B0FB-D917-4C8C-928F-313BD683BF39}" type="slidenum">
               <a:rPr lang="en-US" smtClean="0"/>
-              <a:t>4</a:t>
+              <a:t>2</a:t>
             </a:fld>
             <a:endParaRPr lang="en-US"/>
           </a:p>
@@ -21797,6 +14383,425 @@
     <p:extLst>
       <p:ext uri="{BB962C8B-B14F-4D97-AF65-F5344CB8AC3E}">
         <p14:creationId xmlns:p14="http://schemas.microsoft.com/office/powerpoint/2010/main" val="560021826"/>
+      </p:ext>
+    </p:extLst>
+  </p:cSld>
+  <p:clrMapOvr>
+    <a:masterClrMapping/>
+  </p:clrMapOvr>
+</p:sld>
+</file>
+
+<file path=ppt/slides/slide3.xml><?xml version="1.0" encoding="utf-8"?>
+<p:sld xmlns:a="http://schemas.openxmlformats.org/drawingml/2006/main" xmlns:r="http://schemas.openxmlformats.org/officeDocument/2006/relationships" xmlns:p="http://schemas.openxmlformats.org/presentationml/2006/main">
+  <p:cSld>
+    <p:spTree>
+      <p:nvGrpSpPr>
+        <p:cNvPr id="1" name=""/>
+        <p:cNvGrpSpPr/>
+        <p:nvPr/>
+      </p:nvGrpSpPr>
+      <p:grpSpPr>
+        <a:xfrm>
+          <a:off x="0" y="0"/>
+          <a:ext cx="0" cy="0"/>
+          <a:chOff x="0" y="0"/>
+          <a:chExt cx="0" cy="0"/>
+        </a:xfrm>
+      </p:grpSpPr>
+      <p:pic>
+        <p:nvPicPr>
+          <p:cNvPr id="8" name="Content Placeholder 7">
+            <a:extLst>
+              <a:ext uri="{FF2B5EF4-FFF2-40B4-BE49-F238E27FC236}">
+                <a16:creationId xmlns:a16="http://schemas.microsoft.com/office/drawing/2014/main" id="{CC8E8B5E-C551-8B85-9074-7D35595D674E}"/>
+              </a:ext>
+            </a:extLst>
+          </p:cNvPr>
+          <p:cNvPicPr>
+            <a:picLocks noGrp="1" noChangeAspect="1"/>
+          </p:cNvPicPr>
+          <p:nvPr>
+            <p:ph idx="1"/>
+          </p:nvPr>
+        </p:nvPicPr>
+        <p:blipFill>
+          <a:blip r:embed="rId2"/>
+          <a:stretch>
+            <a:fillRect/>
+          </a:stretch>
+        </p:blipFill>
+        <p:spPr>
+          <a:xfrm>
+            <a:off x="1647730" y="629170"/>
+            <a:ext cx="8896540" cy="6228830"/>
+          </a:xfrm>
+          <a:prstGeom prst="rect">
+            <a:avLst/>
+          </a:prstGeom>
+        </p:spPr>
+      </p:pic>
+      <p:sp>
+        <p:nvSpPr>
+          <p:cNvPr id="6" name="Slide Number Placeholder 5">
+            <a:extLst>
+              <a:ext uri="{FF2B5EF4-FFF2-40B4-BE49-F238E27FC236}">
+                <a16:creationId xmlns:a16="http://schemas.microsoft.com/office/drawing/2014/main" id="{F02439E4-F269-9F78-CFC2-5A554BED0930}"/>
+              </a:ext>
+            </a:extLst>
+          </p:cNvPr>
+          <p:cNvSpPr>
+            <a:spLocks noGrp="1"/>
+          </p:cNvSpPr>
+          <p:nvPr>
+            <p:ph type="sldNum" sz="quarter" idx="12"/>
+          </p:nvPr>
+        </p:nvSpPr>
+        <p:spPr/>
+        <p:txBody>
+          <a:bodyPr/>
+          <a:lstStyle/>
+          <a:p>
+            <a:fld id="{DBA1B0FB-D917-4C8C-928F-313BD683BF39}" type="slidenum">
+              <a:rPr lang="en-US" smtClean="0"/>
+              <a:t>3</a:t>
+            </a:fld>
+            <a:endParaRPr lang="en-US"/>
+          </a:p>
+        </p:txBody>
+      </p:sp>
+      <p:sp>
+        <p:nvSpPr>
+          <p:cNvPr id="9" name="Title 1">
+            <a:extLst>
+              <a:ext uri="{FF2B5EF4-FFF2-40B4-BE49-F238E27FC236}">
+                <a16:creationId xmlns:a16="http://schemas.microsoft.com/office/drawing/2014/main" id="{64FF53B4-D112-B64C-C5CE-150A220C2231}"/>
+              </a:ext>
+            </a:extLst>
+          </p:cNvPr>
+          <p:cNvSpPr>
+            <a:spLocks noGrp="1"/>
+          </p:cNvSpPr>
+          <p:nvPr>
+            <p:ph type="title"/>
+          </p:nvPr>
+        </p:nvSpPr>
+        <p:spPr>
+          <a:xfrm>
+            <a:off x="539688" y="65650"/>
+            <a:ext cx="11091600" cy="1332000"/>
+          </a:xfrm>
+        </p:spPr>
+        <p:txBody>
+          <a:bodyPr/>
+          <a:lstStyle/>
+          <a:p>
+            <a:pPr algn="ctr"/>
+            <a:r>
+              <a:rPr lang="en-US" sz="4600" dirty="0"/>
+              <a:t>Revenue brought in per state (by millions)</a:t>
+            </a:r>
+          </a:p>
+        </p:txBody>
+      </p:sp>
+      <p:sp>
+        <p:nvSpPr>
+          <p:cNvPr id="10" name="Rectangle 9">
+            <a:extLst>
+              <a:ext uri="{FF2B5EF4-FFF2-40B4-BE49-F238E27FC236}">
+                <a16:creationId xmlns:a16="http://schemas.microsoft.com/office/drawing/2014/main" id="{9196E597-92BB-FB53-6036-A03AD9F6BA96}"/>
+              </a:ext>
+            </a:extLst>
+          </p:cNvPr>
+          <p:cNvSpPr/>
+          <p:nvPr/>
+        </p:nvSpPr>
+        <p:spPr>
+          <a:xfrm>
+            <a:off x="8520261" y="6363141"/>
+            <a:ext cx="1947713" cy="429209"/>
+          </a:xfrm>
+          <a:prstGeom prst="rect">
+            <a:avLst/>
+          </a:prstGeom>
+          <a:solidFill>
+            <a:schemeClr val="bg1">
+              <a:lumMod val="65000"/>
+              <a:lumOff val="35000"/>
+            </a:schemeClr>
+          </a:solidFill>
+          <a:ln>
+            <a:noFill/>
+          </a:ln>
+        </p:spPr>
+        <p:style>
+          <a:lnRef idx="2">
+            <a:schemeClr val="accent1">
+              <a:shade val="50000"/>
+            </a:schemeClr>
+          </a:lnRef>
+          <a:fillRef idx="1">
+            <a:schemeClr val="accent1"/>
+          </a:fillRef>
+          <a:effectRef idx="0">
+            <a:schemeClr val="accent1"/>
+          </a:effectRef>
+          <a:fontRef idx="minor">
+            <a:schemeClr val="lt1"/>
+          </a:fontRef>
+        </p:style>
+        <p:txBody>
+          <a:bodyPr rtlCol="0" anchor="ctr"/>
+          <a:lstStyle/>
+          <a:p>
+            <a:pPr algn="ctr"/>
+            <a:endParaRPr lang="en-US"/>
+          </a:p>
+        </p:txBody>
+      </p:sp>
+    </p:spTree>
+    <p:extLst>
+      <p:ext uri="{BB962C8B-B14F-4D97-AF65-F5344CB8AC3E}">
+        <p14:creationId xmlns:p14="http://schemas.microsoft.com/office/powerpoint/2010/main" val="4258608423"/>
+      </p:ext>
+    </p:extLst>
+  </p:cSld>
+  <p:clrMapOvr>
+    <a:masterClrMapping/>
+  </p:clrMapOvr>
+</p:sld>
+</file>
+
+<file path=ppt/slides/slide4.xml><?xml version="1.0" encoding="utf-8"?>
+<p:sld xmlns:a="http://schemas.openxmlformats.org/drawingml/2006/main" xmlns:r="http://schemas.openxmlformats.org/officeDocument/2006/relationships" xmlns:p="http://schemas.openxmlformats.org/presentationml/2006/main">
+  <p:cSld>
+    <p:spTree>
+      <p:nvGrpSpPr>
+        <p:cNvPr id="1" name=""/>
+        <p:cNvGrpSpPr/>
+        <p:nvPr/>
+      </p:nvGrpSpPr>
+      <p:grpSpPr>
+        <a:xfrm>
+          <a:off x="0" y="0"/>
+          <a:ext cx="0" cy="0"/>
+          <a:chOff x="0" y="0"/>
+          <a:chExt cx="0" cy="0"/>
+        </a:xfrm>
+      </p:grpSpPr>
+      <p:pic>
+        <p:nvPicPr>
+          <p:cNvPr id="6" name="Picture 5">
+            <a:extLst>
+              <a:ext uri="{FF2B5EF4-FFF2-40B4-BE49-F238E27FC236}">
+                <a16:creationId xmlns:a16="http://schemas.microsoft.com/office/drawing/2014/main" id="{B4BEBDA1-5766-C3DE-16E0-FF58889B8305}"/>
+              </a:ext>
+            </a:extLst>
+          </p:cNvPr>
+          <p:cNvPicPr>
+            <a:picLocks noChangeAspect="1"/>
+          </p:cNvPicPr>
+          <p:nvPr/>
+        </p:nvPicPr>
+        <p:blipFill>
+          <a:blip r:embed="rId2"/>
+          <a:stretch>
+            <a:fillRect/>
+          </a:stretch>
+        </p:blipFill>
+        <p:spPr>
+          <a:xfrm>
+            <a:off x="357315" y="549276"/>
+            <a:ext cx="11477370" cy="6243074"/>
+          </a:xfrm>
+          <a:prstGeom prst="rect">
+            <a:avLst/>
+          </a:prstGeom>
+        </p:spPr>
+      </p:pic>
+      <p:sp>
+        <p:nvSpPr>
+          <p:cNvPr id="3" name="Rectangle 2">
+            <a:extLst>
+              <a:ext uri="{FF2B5EF4-FFF2-40B4-BE49-F238E27FC236}">
+                <a16:creationId xmlns:a16="http://schemas.microsoft.com/office/drawing/2014/main" id="{999DB238-BBE3-E586-52D8-8D4EE72441A2}"/>
+              </a:ext>
+            </a:extLst>
+          </p:cNvPr>
+          <p:cNvSpPr/>
+          <p:nvPr/>
+        </p:nvSpPr>
+        <p:spPr>
+          <a:xfrm>
+            <a:off x="9683575" y="622713"/>
+            <a:ext cx="1947713" cy="429209"/>
+          </a:xfrm>
+          <a:prstGeom prst="rect">
+            <a:avLst/>
+          </a:prstGeom>
+          <a:solidFill>
+            <a:schemeClr val="bg1">
+              <a:lumMod val="65000"/>
+              <a:lumOff val="35000"/>
+            </a:schemeClr>
+          </a:solidFill>
+          <a:ln>
+            <a:noFill/>
+          </a:ln>
+        </p:spPr>
+        <p:style>
+          <a:lnRef idx="2">
+            <a:schemeClr val="accent1">
+              <a:shade val="50000"/>
+            </a:schemeClr>
+          </a:lnRef>
+          <a:fillRef idx="1">
+            <a:schemeClr val="accent1"/>
+          </a:fillRef>
+          <a:effectRef idx="0">
+            <a:schemeClr val="accent1"/>
+          </a:effectRef>
+          <a:fontRef idx="minor">
+            <a:schemeClr val="lt1"/>
+          </a:fontRef>
+        </p:style>
+        <p:txBody>
+          <a:bodyPr rtlCol="0" anchor="ctr"/>
+          <a:lstStyle/>
+          <a:p>
+            <a:pPr algn="ctr"/>
+            <a:endParaRPr lang="en-US"/>
+          </a:p>
+        </p:txBody>
+      </p:sp>
+      <p:sp>
+        <p:nvSpPr>
+          <p:cNvPr id="2" name="Title 1">
+            <a:extLst>
+              <a:ext uri="{FF2B5EF4-FFF2-40B4-BE49-F238E27FC236}">
+                <a16:creationId xmlns:a16="http://schemas.microsoft.com/office/drawing/2014/main" id="{FCB102D8-1D22-4940-AF19-07CF3A0DC5F4}"/>
+              </a:ext>
+            </a:extLst>
+          </p:cNvPr>
+          <p:cNvSpPr>
+            <a:spLocks noGrp="1"/>
+          </p:cNvSpPr>
+          <p:nvPr>
+            <p:ph type="title"/>
+          </p:nvPr>
+        </p:nvSpPr>
+        <p:spPr>
+          <a:xfrm>
+            <a:off x="539688" y="65650"/>
+            <a:ext cx="11091600" cy="1332000"/>
+          </a:xfrm>
+        </p:spPr>
+        <p:txBody>
+          <a:bodyPr/>
+          <a:lstStyle/>
+          <a:p>
+            <a:pPr algn="ctr"/>
+            <a:r>
+              <a:rPr lang="en-US" dirty="0"/>
+              <a:t>Percent of tobacco users</a:t>
+            </a:r>
+          </a:p>
+        </p:txBody>
+      </p:sp>
+      <p:sp>
+        <p:nvSpPr>
+          <p:cNvPr id="16" name="Slide Number Placeholder 15">
+            <a:extLst>
+              <a:ext uri="{FF2B5EF4-FFF2-40B4-BE49-F238E27FC236}">
+                <a16:creationId xmlns:a16="http://schemas.microsoft.com/office/drawing/2014/main" id="{3F8A62C8-5437-4C47-AC0F-0605F84CBA57}"/>
+              </a:ext>
+            </a:extLst>
+          </p:cNvPr>
+          <p:cNvSpPr>
+            <a:spLocks noGrp="1"/>
+          </p:cNvSpPr>
+          <p:nvPr>
+            <p:ph type="sldNum" sz="quarter" idx="12"/>
+          </p:nvPr>
+        </p:nvSpPr>
+        <p:spPr>
+          <a:xfrm>
+            <a:off x="9948863" y="6507212"/>
+            <a:ext cx="1692274" cy="153888"/>
+          </a:xfrm>
+        </p:spPr>
+        <p:txBody>
+          <a:bodyPr/>
+          <a:lstStyle/>
+          <a:p>
+            <a:fld id="{DBA1B0FB-D917-4C8C-928F-313BD683BF39}" type="slidenum">
+              <a:rPr lang="en-US" smtClean="0"/>
+              <a:pPr/>
+              <a:t>4</a:t>
+            </a:fld>
+            <a:endParaRPr lang="en-US" dirty="0"/>
+          </a:p>
+        </p:txBody>
+      </p:sp>
+      <p:sp>
+        <p:nvSpPr>
+          <p:cNvPr id="4" name="Rectangle 3">
+            <a:extLst>
+              <a:ext uri="{FF2B5EF4-FFF2-40B4-BE49-F238E27FC236}">
+                <a16:creationId xmlns:a16="http://schemas.microsoft.com/office/drawing/2014/main" id="{A5827A08-1186-53FC-2AFC-A2153E4C1799}"/>
+              </a:ext>
+            </a:extLst>
+          </p:cNvPr>
+          <p:cNvSpPr/>
+          <p:nvPr/>
+        </p:nvSpPr>
+        <p:spPr>
+          <a:xfrm>
+            <a:off x="7847045" y="6410130"/>
+            <a:ext cx="2247803" cy="269381"/>
+          </a:xfrm>
+          <a:prstGeom prst="rect">
+            <a:avLst/>
+          </a:prstGeom>
+          <a:solidFill>
+            <a:schemeClr val="bg1">
+              <a:lumMod val="65000"/>
+              <a:lumOff val="35000"/>
+            </a:schemeClr>
+          </a:solidFill>
+          <a:ln>
+            <a:noFill/>
+          </a:ln>
+        </p:spPr>
+        <p:style>
+          <a:lnRef idx="2">
+            <a:schemeClr val="accent1">
+              <a:shade val="50000"/>
+            </a:schemeClr>
+          </a:lnRef>
+          <a:fillRef idx="1">
+            <a:schemeClr val="accent1"/>
+          </a:fillRef>
+          <a:effectRef idx="0">
+            <a:schemeClr val="accent1"/>
+          </a:effectRef>
+          <a:fontRef idx="minor">
+            <a:schemeClr val="lt1"/>
+          </a:fontRef>
+        </p:style>
+        <p:txBody>
+          <a:bodyPr rtlCol="0" anchor="ctr"/>
+          <a:lstStyle/>
+          <a:p>
+            <a:pPr algn="ctr"/>
+            <a:endParaRPr lang="en-US"/>
+          </a:p>
+        </p:txBody>
+      </p:sp>
+    </p:spTree>
+    <p:extLst>
+      <p:ext uri="{BB962C8B-B14F-4D97-AF65-F5344CB8AC3E}">
+        <p14:creationId xmlns:p14="http://schemas.microsoft.com/office/powerpoint/2010/main" val="2496947791"/>
       </p:ext>
     </p:extLst>
   </p:cSld>
@@ -22032,245 +15037,6 @@
 </file>
 
 <file path=ppt/slides/slide6.xml><?xml version="1.0" encoding="utf-8"?>
-<p:sld xmlns:a="http://schemas.openxmlformats.org/drawingml/2006/main" xmlns:r="http://schemas.openxmlformats.org/officeDocument/2006/relationships" xmlns:p="http://schemas.openxmlformats.org/presentationml/2006/main">
-  <p:cSld>
-    <p:spTree>
-      <p:nvGrpSpPr>
-        <p:cNvPr id="1" name=""/>
-        <p:cNvGrpSpPr/>
-        <p:nvPr/>
-      </p:nvGrpSpPr>
-      <p:grpSpPr>
-        <a:xfrm>
-          <a:off x="0" y="0"/>
-          <a:ext cx="0" cy="0"/>
-          <a:chOff x="0" y="0"/>
-          <a:chExt cx="0" cy="0"/>
-        </a:xfrm>
-      </p:grpSpPr>
-      <p:pic>
-        <p:nvPicPr>
-          <p:cNvPr id="6" name="Picture 5">
-            <a:extLst>
-              <a:ext uri="{FF2B5EF4-FFF2-40B4-BE49-F238E27FC236}">
-                <a16:creationId xmlns:a16="http://schemas.microsoft.com/office/drawing/2014/main" id="{B4BEBDA1-5766-C3DE-16E0-FF58889B8305}"/>
-              </a:ext>
-            </a:extLst>
-          </p:cNvPr>
-          <p:cNvPicPr>
-            <a:picLocks noChangeAspect="1"/>
-          </p:cNvPicPr>
-          <p:nvPr/>
-        </p:nvPicPr>
-        <p:blipFill>
-          <a:blip r:embed="rId2"/>
-          <a:stretch>
-            <a:fillRect/>
-          </a:stretch>
-        </p:blipFill>
-        <p:spPr>
-          <a:xfrm>
-            <a:off x="357315" y="549276"/>
-            <a:ext cx="11477370" cy="6243074"/>
-          </a:xfrm>
-          <a:prstGeom prst="rect">
-            <a:avLst/>
-          </a:prstGeom>
-        </p:spPr>
-      </p:pic>
-      <p:sp>
-        <p:nvSpPr>
-          <p:cNvPr id="3" name="Rectangle 2">
-            <a:extLst>
-              <a:ext uri="{FF2B5EF4-FFF2-40B4-BE49-F238E27FC236}">
-                <a16:creationId xmlns:a16="http://schemas.microsoft.com/office/drawing/2014/main" id="{999DB238-BBE3-E586-52D8-8D4EE72441A2}"/>
-              </a:ext>
-            </a:extLst>
-          </p:cNvPr>
-          <p:cNvSpPr/>
-          <p:nvPr/>
-        </p:nvSpPr>
-        <p:spPr>
-          <a:xfrm>
-            <a:off x="9683575" y="622713"/>
-            <a:ext cx="1947713" cy="429209"/>
-          </a:xfrm>
-          <a:prstGeom prst="rect">
-            <a:avLst/>
-          </a:prstGeom>
-          <a:solidFill>
-            <a:schemeClr val="bg1">
-              <a:lumMod val="65000"/>
-              <a:lumOff val="35000"/>
-            </a:schemeClr>
-          </a:solidFill>
-          <a:ln>
-            <a:noFill/>
-          </a:ln>
-        </p:spPr>
-        <p:style>
-          <a:lnRef idx="2">
-            <a:schemeClr val="accent1">
-              <a:shade val="50000"/>
-            </a:schemeClr>
-          </a:lnRef>
-          <a:fillRef idx="1">
-            <a:schemeClr val="accent1"/>
-          </a:fillRef>
-          <a:effectRef idx="0">
-            <a:schemeClr val="accent1"/>
-          </a:effectRef>
-          <a:fontRef idx="minor">
-            <a:schemeClr val="lt1"/>
-          </a:fontRef>
-        </p:style>
-        <p:txBody>
-          <a:bodyPr rtlCol="0" anchor="ctr"/>
-          <a:lstStyle/>
-          <a:p>
-            <a:pPr algn="ctr"/>
-            <a:endParaRPr lang="en-US"/>
-          </a:p>
-        </p:txBody>
-      </p:sp>
-      <p:sp>
-        <p:nvSpPr>
-          <p:cNvPr id="2" name="Title 1">
-            <a:extLst>
-              <a:ext uri="{FF2B5EF4-FFF2-40B4-BE49-F238E27FC236}">
-                <a16:creationId xmlns:a16="http://schemas.microsoft.com/office/drawing/2014/main" id="{FCB102D8-1D22-4940-AF19-07CF3A0DC5F4}"/>
-              </a:ext>
-            </a:extLst>
-          </p:cNvPr>
-          <p:cNvSpPr>
-            <a:spLocks noGrp="1"/>
-          </p:cNvSpPr>
-          <p:nvPr>
-            <p:ph type="title"/>
-          </p:nvPr>
-        </p:nvSpPr>
-        <p:spPr>
-          <a:xfrm>
-            <a:off x="550862" y="549275"/>
-            <a:ext cx="11091600" cy="1332000"/>
-          </a:xfrm>
-        </p:spPr>
-        <p:txBody>
-          <a:bodyPr/>
-          <a:lstStyle/>
-          <a:p>
-            <a:pPr algn="ctr"/>
-            <a:r>
-              <a:rPr lang="en-US" dirty="0"/>
-              <a:t>Percent of tobacco users per day</a:t>
-            </a:r>
-          </a:p>
-        </p:txBody>
-      </p:sp>
-      <p:sp>
-        <p:nvSpPr>
-          <p:cNvPr id="16" name="Slide Number Placeholder 15">
-            <a:extLst>
-              <a:ext uri="{FF2B5EF4-FFF2-40B4-BE49-F238E27FC236}">
-                <a16:creationId xmlns:a16="http://schemas.microsoft.com/office/drawing/2014/main" id="{3F8A62C8-5437-4C47-AC0F-0605F84CBA57}"/>
-              </a:ext>
-            </a:extLst>
-          </p:cNvPr>
-          <p:cNvSpPr>
-            <a:spLocks noGrp="1"/>
-          </p:cNvSpPr>
-          <p:nvPr>
-            <p:ph type="sldNum" sz="quarter" idx="12"/>
-          </p:nvPr>
-        </p:nvSpPr>
-        <p:spPr>
-          <a:xfrm>
-            <a:off x="9948863" y="6507212"/>
-            <a:ext cx="1692274" cy="153888"/>
-          </a:xfrm>
-        </p:spPr>
-        <p:txBody>
-          <a:bodyPr/>
-          <a:lstStyle/>
-          <a:p>
-            <a:fld id="{DBA1B0FB-D917-4C8C-928F-313BD683BF39}" type="slidenum">
-              <a:rPr lang="en-US" smtClean="0"/>
-              <a:pPr/>
-              <a:t>6</a:t>
-            </a:fld>
-            <a:endParaRPr lang="en-US" dirty="0"/>
-          </a:p>
-        </p:txBody>
-      </p:sp>
-      <p:sp>
-        <p:nvSpPr>
-          <p:cNvPr id="4" name="Rectangle 3">
-            <a:extLst>
-              <a:ext uri="{FF2B5EF4-FFF2-40B4-BE49-F238E27FC236}">
-                <a16:creationId xmlns:a16="http://schemas.microsoft.com/office/drawing/2014/main" id="{A5827A08-1186-53FC-2AFC-A2153E4C1799}"/>
-              </a:ext>
-            </a:extLst>
-          </p:cNvPr>
-          <p:cNvSpPr/>
-          <p:nvPr/>
-        </p:nvSpPr>
-        <p:spPr>
-          <a:xfrm>
-            <a:off x="7847045" y="6410130"/>
-            <a:ext cx="2247803" cy="269381"/>
-          </a:xfrm>
-          <a:prstGeom prst="rect">
-            <a:avLst/>
-          </a:prstGeom>
-          <a:solidFill>
-            <a:schemeClr val="bg1">
-              <a:lumMod val="65000"/>
-              <a:lumOff val="35000"/>
-            </a:schemeClr>
-          </a:solidFill>
-          <a:ln>
-            <a:noFill/>
-          </a:ln>
-        </p:spPr>
-        <p:style>
-          <a:lnRef idx="2">
-            <a:schemeClr val="accent1">
-              <a:shade val="50000"/>
-            </a:schemeClr>
-          </a:lnRef>
-          <a:fillRef idx="1">
-            <a:schemeClr val="accent1"/>
-          </a:fillRef>
-          <a:effectRef idx="0">
-            <a:schemeClr val="accent1"/>
-          </a:effectRef>
-          <a:fontRef idx="minor">
-            <a:schemeClr val="lt1"/>
-          </a:fontRef>
-        </p:style>
-        <p:txBody>
-          <a:bodyPr rtlCol="0" anchor="ctr"/>
-          <a:lstStyle/>
-          <a:p>
-            <a:pPr algn="ctr"/>
-            <a:endParaRPr lang="en-US"/>
-          </a:p>
-        </p:txBody>
-      </p:sp>
-    </p:spTree>
-    <p:extLst>
-      <p:ext uri="{BB962C8B-B14F-4D97-AF65-F5344CB8AC3E}">
-        <p14:creationId xmlns:p14="http://schemas.microsoft.com/office/powerpoint/2010/main" val="2496947791"/>
-      </p:ext>
-    </p:extLst>
-  </p:cSld>
-  <p:clrMapOvr>
-    <a:masterClrMapping/>
-  </p:clrMapOvr>
-</p:sld>
-</file>
-
-<file path=ppt/slides/slide7.xml><?xml version="1.0" encoding="utf-8"?>
 <p:sld xmlns:a="http://schemas.openxmlformats.org/drawingml/2006/main" xmlns:r="http://schemas.openxmlformats.org/officeDocument/2006/relationships" xmlns:p="http://schemas.openxmlformats.org/presentationml/2006/main">
   <p:cSld>
     <p:bg>
@@ -23486,7 +16252,7 @@
                   <a:spcPts val="600"/>
                 </a:spcAft>
               </a:pPr>
-              <a:t>7</a:t>
+              <a:t>6</a:t>
             </a:fld>
             <a:endParaRPr lang="en-US">
               <a:solidFill>
@@ -23498,37 +16264,12 @@
           </a:p>
         </p:txBody>
       </p:sp>
-      <p:sp>
-        <p:nvSpPr>
-          <p:cNvPr id="5" name="Content Placeholder 4">
-            <a:extLst>
-              <a:ext uri="{FF2B5EF4-FFF2-40B4-BE49-F238E27FC236}">
-                <a16:creationId xmlns:a16="http://schemas.microsoft.com/office/drawing/2014/main" id="{45C8FD3C-3E89-2224-4616-67A455350C1E}"/>
-              </a:ext>
-            </a:extLst>
-          </p:cNvPr>
-          <p:cNvSpPr>
-            <a:spLocks noGrp="1"/>
-          </p:cNvSpPr>
-          <p:nvPr>
-            <p:ph sz="quarter" idx="15"/>
-          </p:nvPr>
-        </p:nvSpPr>
-        <p:spPr/>
-        <p:txBody>
-          <a:bodyPr/>
-          <a:lstStyle/>
-          <a:p>
-            <a:endParaRPr lang="en-US"/>
-          </a:p>
-        </p:txBody>
-      </p:sp>
       <p:pic>
         <p:nvPicPr>
-          <p:cNvPr id="11" name="Picture 10">
-            <a:extLst>
-              <a:ext uri="{FF2B5EF4-FFF2-40B4-BE49-F238E27FC236}">
-                <a16:creationId xmlns:a16="http://schemas.microsoft.com/office/drawing/2014/main" id="{D5EC9054-E2E6-25B3-DCE8-9C7ECD3FE293}"/>
+          <p:cNvPr id="2" name="Picture 1">
+            <a:extLst>
+              <a:ext uri="{FF2B5EF4-FFF2-40B4-BE49-F238E27FC236}">
+                <a16:creationId xmlns:a16="http://schemas.microsoft.com/office/drawing/2014/main" id="{D9D7B5E1-1DE6-023D-EF6B-7BB0408B23CF}"/>
               </a:ext>
             </a:extLst>
           </p:cNvPr>
@@ -23545,8 +16286,8 @@
         </p:blipFill>
         <p:spPr>
           <a:xfrm>
-            <a:off x="409862" y="1731117"/>
-            <a:ext cx="11418249" cy="4892280"/>
+            <a:off x="700935" y="1053718"/>
+            <a:ext cx="10664169" cy="5607382"/>
           </a:xfrm>
           <a:prstGeom prst="rect">
             <a:avLst/>
@@ -23557,6 +16298,176 @@
     <p:extLst>
       <p:ext uri="{BB962C8B-B14F-4D97-AF65-F5344CB8AC3E}">
         <p14:creationId xmlns:p14="http://schemas.microsoft.com/office/powerpoint/2010/main" val="395518310"/>
+      </p:ext>
+    </p:extLst>
+  </p:cSld>
+  <p:clrMapOvr>
+    <a:masterClrMapping/>
+  </p:clrMapOvr>
+</p:sld>
+</file>
+
+<file path=ppt/slides/slide7.xml><?xml version="1.0" encoding="utf-8"?>
+<p:sld xmlns:a="http://schemas.openxmlformats.org/drawingml/2006/main" xmlns:r="http://schemas.openxmlformats.org/officeDocument/2006/relationships" xmlns:p="http://schemas.openxmlformats.org/presentationml/2006/main">
+  <p:cSld>
+    <p:spTree>
+      <p:nvGrpSpPr>
+        <p:cNvPr id="1" name=""/>
+        <p:cNvGrpSpPr/>
+        <p:nvPr/>
+      </p:nvGrpSpPr>
+      <p:grpSpPr>
+        <a:xfrm>
+          <a:off x="0" y="0"/>
+          <a:ext cx="0" cy="0"/>
+          <a:chOff x="0" y="0"/>
+          <a:chExt cx="0" cy="0"/>
+        </a:xfrm>
+      </p:grpSpPr>
+      <p:sp>
+        <p:nvSpPr>
+          <p:cNvPr id="2" name="Title 1">
+            <a:extLst>
+              <a:ext uri="{FF2B5EF4-FFF2-40B4-BE49-F238E27FC236}">
+                <a16:creationId xmlns:a16="http://schemas.microsoft.com/office/drawing/2014/main" id="{01116326-EBED-DB89-AB62-F815AC511EBF}"/>
+              </a:ext>
+            </a:extLst>
+          </p:cNvPr>
+          <p:cNvSpPr>
+            <a:spLocks noGrp="1"/>
+          </p:cNvSpPr>
+          <p:nvPr>
+            <p:ph type="title"/>
+          </p:nvPr>
+        </p:nvSpPr>
+        <p:spPr/>
+        <p:txBody>
+          <a:bodyPr/>
+          <a:lstStyle/>
+          <a:p>
+            <a:r>
+              <a:rPr lang="en-US" dirty="0"/>
+              <a:t>Tobacco related deaths per year</a:t>
+            </a:r>
+          </a:p>
+        </p:txBody>
+      </p:sp>
+      <p:sp>
+        <p:nvSpPr>
+          <p:cNvPr id="3" name="Content Placeholder 2">
+            <a:extLst>
+              <a:ext uri="{FF2B5EF4-FFF2-40B4-BE49-F238E27FC236}">
+                <a16:creationId xmlns:a16="http://schemas.microsoft.com/office/drawing/2014/main" id="{24063F43-F470-A9BE-2DA2-D6C5E756B351}"/>
+              </a:ext>
+            </a:extLst>
+          </p:cNvPr>
+          <p:cNvSpPr>
+            <a:spLocks noGrp="1"/>
+          </p:cNvSpPr>
+          <p:nvPr>
+            <p:ph idx="1"/>
+          </p:nvPr>
+        </p:nvSpPr>
+        <p:spPr/>
+        <p:txBody>
+          <a:bodyPr/>
+          <a:lstStyle/>
+          <a:p>
+            <a:endParaRPr lang="en-US"/>
+          </a:p>
+        </p:txBody>
+      </p:sp>
+      <p:sp>
+        <p:nvSpPr>
+          <p:cNvPr id="5" name="Footer Placeholder 4">
+            <a:extLst>
+              <a:ext uri="{FF2B5EF4-FFF2-40B4-BE49-F238E27FC236}">
+                <a16:creationId xmlns:a16="http://schemas.microsoft.com/office/drawing/2014/main" id="{2026AD1F-D85E-97E1-0519-B941DB91015E}"/>
+              </a:ext>
+            </a:extLst>
+          </p:cNvPr>
+          <p:cNvSpPr>
+            <a:spLocks noGrp="1"/>
+          </p:cNvSpPr>
+          <p:nvPr>
+            <p:ph type="ftr" sz="quarter" idx="11"/>
+          </p:nvPr>
+        </p:nvSpPr>
+        <p:spPr/>
+        <p:txBody>
+          <a:bodyPr/>
+          <a:lstStyle/>
+          <a:p>
+            <a:r>
+              <a:rPr lang="en-US"/>
+              <a:t>Sample Footer Text</a:t>
+            </a:r>
+          </a:p>
+        </p:txBody>
+      </p:sp>
+      <p:sp>
+        <p:nvSpPr>
+          <p:cNvPr id="6" name="Slide Number Placeholder 5">
+            <a:extLst>
+              <a:ext uri="{FF2B5EF4-FFF2-40B4-BE49-F238E27FC236}">
+                <a16:creationId xmlns:a16="http://schemas.microsoft.com/office/drawing/2014/main" id="{DDECB420-8F94-E21B-3F03-1FDC1987E29F}"/>
+              </a:ext>
+            </a:extLst>
+          </p:cNvPr>
+          <p:cNvSpPr>
+            <a:spLocks noGrp="1"/>
+          </p:cNvSpPr>
+          <p:nvPr>
+            <p:ph type="sldNum" sz="quarter" idx="12"/>
+          </p:nvPr>
+        </p:nvSpPr>
+        <p:spPr/>
+        <p:txBody>
+          <a:bodyPr/>
+          <a:lstStyle/>
+          <a:p>
+            <a:fld id="{DBA1B0FB-D917-4C8C-928F-313BD683BF39}" type="slidenum">
+              <a:rPr lang="en-US" smtClean="0"/>
+              <a:t>7</a:t>
+            </a:fld>
+            <a:endParaRPr lang="en-US"/>
+          </a:p>
+        </p:txBody>
+      </p:sp>
+      <p:pic>
+        <p:nvPicPr>
+          <p:cNvPr id="8" name="Picture 7">
+            <a:extLst>
+              <a:ext uri="{FF2B5EF4-FFF2-40B4-BE49-F238E27FC236}">
+                <a16:creationId xmlns:a16="http://schemas.microsoft.com/office/drawing/2014/main" id="{3FF8C070-71A6-AD75-5C35-FDCE1A4DF6FC}"/>
+              </a:ext>
+            </a:extLst>
+          </p:cNvPr>
+          <p:cNvPicPr>
+            <a:picLocks noChangeAspect="1"/>
+          </p:cNvPicPr>
+          <p:nvPr/>
+        </p:nvPicPr>
+        <p:blipFill>
+          <a:blip r:embed="rId2"/>
+          <a:stretch>
+            <a:fillRect/>
+          </a:stretch>
+        </p:blipFill>
+        <p:spPr>
+          <a:xfrm>
+            <a:off x="1715599" y="1386841"/>
+            <a:ext cx="8240477" cy="5471160"/>
+          </a:xfrm>
+          <a:prstGeom prst="rect">
+            <a:avLst/>
+          </a:prstGeom>
+        </p:spPr>
+      </p:pic>
+    </p:spTree>
+    <p:extLst>
+      <p:ext uri="{BB962C8B-B14F-4D97-AF65-F5344CB8AC3E}">
+        <p14:creationId xmlns:p14="http://schemas.microsoft.com/office/powerpoint/2010/main" val="3282201367"/>
       </p:ext>
     </p:extLst>
   </p:cSld>
@@ -23583,12 +16494,340 @@
           <a:chExt cx="0" cy="0"/>
         </a:xfrm>
       </p:grpSpPr>
-      <p:sp>
-        <p:nvSpPr>
-          <p:cNvPr id="6" name="Title 5">
-            <a:extLst>
-              <a:ext uri="{FF2B5EF4-FFF2-40B4-BE49-F238E27FC236}">
-                <a16:creationId xmlns:a16="http://schemas.microsoft.com/office/drawing/2014/main" id="{ED2A30C0-1BC4-4764-9C0F-5D811CAB8312}"/>
+      <p:grpSp>
+        <p:nvGrpSpPr>
+          <p:cNvPr id="25" name="Group 24">
+            <a:extLst>
+              <a:ext uri="{FF2B5EF4-FFF2-40B4-BE49-F238E27FC236}">
+                <a16:creationId xmlns:a16="http://schemas.microsoft.com/office/drawing/2014/main" id="{D10F3D66-0109-4903-90B9-66D0E288F721}"/>
+              </a:ext>
+              <a:ext uri="{C183D7F6-B498-43B3-948B-1728B52AA6E4}">
+                <adec:decorative xmlns:adec="http://schemas.microsoft.com/office/drawing/2017/decorative" val="1"/>
+              </a:ext>
+            </a:extLst>
+          </p:cNvPr>
+          <p:cNvGrpSpPr/>
+          <p:nvPr/>
+        </p:nvGrpSpPr>
+        <p:grpSpPr>
+          <a:xfrm>
+            <a:off x="10379261" y="2030035"/>
+            <a:ext cx="1335600" cy="1262947"/>
+            <a:chOff x="10145015" y="2343978"/>
+            <a:chExt cx="1335600" cy="1262947"/>
+          </a:xfrm>
+        </p:grpSpPr>
+        <p:sp>
+          <p:nvSpPr>
+            <p:cNvPr id="26" name="Freeform: Shape 25">
+              <a:extLst>
+                <a:ext uri="{FF2B5EF4-FFF2-40B4-BE49-F238E27FC236}">
+                  <a16:creationId xmlns:a16="http://schemas.microsoft.com/office/drawing/2014/main" id="{57DAB968-9B52-4EFF-AD39-7657DFEA6E48}"/>
+                </a:ext>
+              </a:extLst>
+            </p:cNvPr>
+            <p:cNvSpPr>
+              <a:spLocks noChangeAspect="1"/>
+            </p:cNvSpPr>
+            <p:nvPr/>
+          </p:nvSpPr>
+          <p:spPr>
+            <a:xfrm rot="8100000">
+              <a:off x="10400615" y="2343978"/>
+              <a:ext cx="1080000" cy="1262947"/>
+            </a:xfrm>
+            <a:custGeom>
+              <a:avLst/>
+              <a:gdLst>
+                <a:gd name="connsiteX0" fmla="*/ 540000 w 1080000"/>
+                <a:gd name="connsiteY0" fmla="*/ 0 h 1262947"/>
+                <a:gd name="connsiteX1" fmla="*/ 1080000 w 1080000"/>
+                <a:gd name="connsiteY1" fmla="*/ 931034 h 1262947"/>
+                <a:gd name="connsiteX2" fmla="*/ 1064374 w 1080000"/>
+                <a:gd name="connsiteY2" fmla="*/ 931034 h 1262947"/>
+                <a:gd name="connsiteX3" fmla="*/ 1069029 w 1080000"/>
+                <a:gd name="connsiteY3" fmla="*/ 938533 h 1262947"/>
+                <a:gd name="connsiteX4" fmla="*/ 1080000 w 1080000"/>
+                <a:gd name="connsiteY4" fmla="*/ 992947 h 1262947"/>
+                <a:gd name="connsiteX5" fmla="*/ 540000 w 1080000"/>
+                <a:gd name="connsiteY5" fmla="*/ 1262947 h 1262947"/>
+                <a:gd name="connsiteX6" fmla="*/ 0 w 1080000"/>
+                <a:gd name="connsiteY6" fmla="*/ 992947 h 1262947"/>
+                <a:gd name="connsiteX7" fmla="*/ 10971 w 1080000"/>
+                <a:gd name="connsiteY7" fmla="*/ 938533 h 1262947"/>
+                <a:gd name="connsiteX8" fmla="*/ 15626 w 1080000"/>
+                <a:gd name="connsiteY8" fmla="*/ 931034 h 1262947"/>
+                <a:gd name="connsiteX9" fmla="*/ 0 w 1080000"/>
+                <a:gd name="connsiteY9" fmla="*/ 931034 h 1262947"/>
+                <a:gd name="connsiteX0" fmla="*/ 540000 w 1080000"/>
+                <a:gd name="connsiteY0" fmla="*/ 0 h 1262947"/>
+                <a:gd name="connsiteX1" fmla="*/ 1080000 w 1080000"/>
+                <a:gd name="connsiteY1" fmla="*/ 931034 h 1262947"/>
+                <a:gd name="connsiteX2" fmla="*/ 1064374 w 1080000"/>
+                <a:gd name="connsiteY2" fmla="*/ 931034 h 1262947"/>
+                <a:gd name="connsiteX3" fmla="*/ 1069029 w 1080000"/>
+                <a:gd name="connsiteY3" fmla="*/ 938533 h 1262947"/>
+                <a:gd name="connsiteX4" fmla="*/ 1080000 w 1080000"/>
+                <a:gd name="connsiteY4" fmla="*/ 992947 h 1262947"/>
+                <a:gd name="connsiteX5" fmla="*/ 540000 w 1080000"/>
+                <a:gd name="connsiteY5" fmla="*/ 1262947 h 1262947"/>
+                <a:gd name="connsiteX6" fmla="*/ 0 w 1080000"/>
+                <a:gd name="connsiteY6" fmla="*/ 992947 h 1262947"/>
+                <a:gd name="connsiteX7" fmla="*/ 10971 w 1080000"/>
+                <a:gd name="connsiteY7" fmla="*/ 938533 h 1262947"/>
+                <a:gd name="connsiteX8" fmla="*/ 15626 w 1080000"/>
+                <a:gd name="connsiteY8" fmla="*/ 931034 h 1262947"/>
+                <a:gd name="connsiteX9" fmla="*/ 540000 w 1080000"/>
+                <a:gd name="connsiteY9" fmla="*/ 0 h 1262947"/>
+                <a:gd name="connsiteX0" fmla="*/ 540000 w 1080000"/>
+                <a:gd name="connsiteY0" fmla="*/ 0 h 1262947"/>
+                <a:gd name="connsiteX1" fmla="*/ 1064374 w 1080000"/>
+                <a:gd name="connsiteY1" fmla="*/ 931034 h 1262947"/>
+                <a:gd name="connsiteX2" fmla="*/ 1069029 w 1080000"/>
+                <a:gd name="connsiteY2" fmla="*/ 938533 h 1262947"/>
+                <a:gd name="connsiteX3" fmla="*/ 1080000 w 1080000"/>
+                <a:gd name="connsiteY3" fmla="*/ 992947 h 1262947"/>
+                <a:gd name="connsiteX4" fmla="*/ 540000 w 1080000"/>
+                <a:gd name="connsiteY4" fmla="*/ 1262947 h 1262947"/>
+                <a:gd name="connsiteX5" fmla="*/ 0 w 1080000"/>
+                <a:gd name="connsiteY5" fmla="*/ 992947 h 1262947"/>
+                <a:gd name="connsiteX6" fmla="*/ 10971 w 1080000"/>
+                <a:gd name="connsiteY6" fmla="*/ 938533 h 1262947"/>
+                <a:gd name="connsiteX7" fmla="*/ 15626 w 1080000"/>
+                <a:gd name="connsiteY7" fmla="*/ 931034 h 1262947"/>
+                <a:gd name="connsiteX8" fmla="*/ 540000 w 1080000"/>
+                <a:gd name="connsiteY8" fmla="*/ 0 h 1262947"/>
+              </a:gdLst>
+              <a:ahLst/>
+              <a:cxnLst>
+                <a:cxn ang="0">
+                  <a:pos x="connsiteX0" y="connsiteY0"/>
+                </a:cxn>
+                <a:cxn ang="0">
+                  <a:pos x="connsiteX1" y="connsiteY1"/>
+                </a:cxn>
+                <a:cxn ang="0">
+                  <a:pos x="connsiteX2" y="connsiteY2"/>
+                </a:cxn>
+                <a:cxn ang="0">
+                  <a:pos x="connsiteX3" y="connsiteY3"/>
+                </a:cxn>
+                <a:cxn ang="0">
+                  <a:pos x="connsiteX4" y="connsiteY4"/>
+                </a:cxn>
+                <a:cxn ang="0">
+                  <a:pos x="connsiteX5" y="connsiteY5"/>
+                </a:cxn>
+                <a:cxn ang="0">
+                  <a:pos x="connsiteX6" y="connsiteY6"/>
+                </a:cxn>
+                <a:cxn ang="0">
+                  <a:pos x="connsiteX7" y="connsiteY7"/>
+                </a:cxn>
+                <a:cxn ang="0">
+                  <a:pos x="connsiteX8" y="connsiteY8"/>
+                </a:cxn>
+              </a:cxnLst>
+              <a:rect l="l" t="t" r="r" b="b"/>
+              <a:pathLst>
+                <a:path w="1080000" h="1262947">
+                  <a:moveTo>
+                    <a:pt x="540000" y="0"/>
+                  </a:moveTo>
+                  <a:lnTo>
+                    <a:pt x="1064374" y="931034"/>
+                  </a:lnTo>
+                  <a:lnTo>
+                    <a:pt x="1069029" y="938533"/>
+                  </a:lnTo>
+                  <a:cubicBezTo>
+                    <a:pt x="1076223" y="956109"/>
+                    <a:pt x="1080000" y="974307"/>
+                    <a:pt x="1080000" y="992947"/>
+                  </a:cubicBezTo>
+                  <a:cubicBezTo>
+                    <a:pt x="1080000" y="1142064"/>
+                    <a:pt x="838234" y="1262947"/>
+                    <a:pt x="540000" y="1262947"/>
+                  </a:cubicBezTo>
+                  <a:cubicBezTo>
+                    <a:pt x="241766" y="1262947"/>
+                    <a:pt x="0" y="1142064"/>
+                    <a:pt x="0" y="992947"/>
+                  </a:cubicBezTo>
+                  <a:cubicBezTo>
+                    <a:pt x="0" y="974307"/>
+                    <a:pt x="3778" y="956109"/>
+                    <a:pt x="10971" y="938533"/>
+                  </a:cubicBezTo>
+                  <a:lnTo>
+                    <a:pt x="15626" y="931034"/>
+                  </a:lnTo>
+                  <a:lnTo>
+                    <a:pt x="540000" y="0"/>
+                  </a:lnTo>
+                  <a:close/>
+                </a:path>
+              </a:pathLst>
+            </a:custGeom>
+            <a:gradFill>
+              <a:gsLst>
+                <a:gs pos="60000">
+                  <a:schemeClr val="bg2">
+                    <a:lumMod val="90000"/>
+                    <a:lumOff val="10000"/>
+                  </a:schemeClr>
+                </a:gs>
+                <a:gs pos="30000">
+                  <a:schemeClr val="bg2">
+                    <a:lumMod val="90000"/>
+                    <a:lumOff val="10000"/>
+                  </a:schemeClr>
+                </a:gs>
+                <a:gs pos="40000">
+                  <a:schemeClr val="bg2">
+                    <a:lumMod val="80000"/>
+                    <a:lumOff val="20000"/>
+                  </a:schemeClr>
+                </a:gs>
+                <a:gs pos="100000">
+                  <a:schemeClr val="bg2"/>
+                </a:gs>
+              </a:gsLst>
+              <a:lin ang="600000" scaled="0"/>
+            </a:gradFill>
+            <a:ln>
+              <a:noFill/>
+            </a:ln>
+            <a:effectLst>
+              <a:innerShdw blurRad="254000" dist="101600" dir="7320000">
+                <a:schemeClr val="accent1">
+                  <a:lumMod val="60000"/>
+                  <a:lumOff val="40000"/>
+                  <a:alpha val="40000"/>
+                </a:schemeClr>
+              </a:innerShdw>
+            </a:effectLst>
+          </p:spPr>
+          <p:style>
+            <a:lnRef idx="2">
+              <a:schemeClr val="accent1">
+                <a:shade val="50000"/>
+              </a:schemeClr>
+            </a:lnRef>
+            <a:fillRef idx="1">
+              <a:schemeClr val="accent1"/>
+            </a:fillRef>
+            <a:effectRef idx="0">
+              <a:schemeClr val="accent1"/>
+            </a:effectRef>
+            <a:fontRef idx="minor">
+              <a:schemeClr val="lt1"/>
+            </a:fontRef>
+          </p:style>
+          <p:txBody>
+            <a:bodyPr rot="0" spcFirstLastPara="0" vertOverflow="overflow" horzOverflow="overflow" vert="horz" wrap="square" lIns="91440" tIns="45720" rIns="91440" bIns="45720" numCol="1" spcCol="0" rtlCol="0" fromWordArt="0" anchor="ctr" anchorCtr="0" forceAA="0" compatLnSpc="1">
+              <a:prstTxWarp prst="textNoShape">
+                <a:avLst/>
+              </a:prstTxWarp>
+              <a:noAutofit/>
+            </a:bodyPr>
+            <a:lstStyle/>
+            <a:p>
+              <a:pPr algn="ctr"/>
+              <a:endParaRPr lang="en-US"/>
+            </a:p>
+          </p:txBody>
+        </p:sp>
+        <p:sp>
+          <p:nvSpPr>
+            <p:cNvPr id="27" name="Oval 26">
+              <a:extLst>
+                <a:ext uri="{FF2B5EF4-FFF2-40B4-BE49-F238E27FC236}">
+                  <a16:creationId xmlns:a16="http://schemas.microsoft.com/office/drawing/2014/main" id="{962BE440-9634-4380-B142-5DB692420C52}"/>
+                </a:ext>
+              </a:extLst>
+            </p:cNvPr>
+            <p:cNvSpPr/>
+            <p:nvPr/>
+          </p:nvSpPr>
+          <p:spPr>
+            <a:xfrm rot="13500000">
+              <a:off x="10415015" y="2179851"/>
+              <a:ext cx="540000" cy="1080000"/>
+            </a:xfrm>
+            <a:prstGeom prst="ellipse">
+              <a:avLst/>
+            </a:prstGeom>
+            <a:gradFill>
+              <a:gsLst>
+                <a:gs pos="100000">
+                  <a:schemeClr val="accent1">
+                    <a:lumMod val="60000"/>
+                    <a:lumOff val="40000"/>
+                    <a:alpha val="0"/>
+                  </a:schemeClr>
+                </a:gs>
+                <a:gs pos="0">
+                  <a:schemeClr val="bg2">
+                    <a:lumMod val="75000"/>
+                    <a:lumOff val="25000"/>
+                    <a:alpha val="33000"/>
+                  </a:schemeClr>
+                </a:gs>
+              </a:gsLst>
+              <a:lin ang="5400000" scaled="0"/>
+            </a:gradFill>
+            <a:ln>
+              <a:noFill/>
+            </a:ln>
+            <a:effectLst>
+              <a:innerShdw blurRad="1270000" dist="2540000">
+                <a:schemeClr val="accent1">
+                  <a:lumMod val="60000"/>
+                  <a:lumOff val="40000"/>
+                  <a:alpha val="0"/>
+                </a:schemeClr>
+              </a:innerShdw>
+            </a:effectLst>
+          </p:spPr>
+          <p:style>
+            <a:lnRef idx="2">
+              <a:schemeClr val="accent1">
+                <a:shade val="50000"/>
+              </a:schemeClr>
+            </a:lnRef>
+            <a:fillRef idx="1">
+              <a:schemeClr val="accent1"/>
+            </a:fillRef>
+            <a:effectRef idx="0">
+              <a:schemeClr val="accent1"/>
+            </a:effectRef>
+            <a:fontRef idx="minor">
+              <a:schemeClr val="lt1"/>
+            </a:fontRef>
+          </p:style>
+          <p:txBody>
+            <a:bodyPr rot="0" spcFirstLastPara="0" vertOverflow="overflow" horzOverflow="overflow" vert="horz" wrap="square" lIns="91440" tIns="45720" rIns="91440" bIns="45720" numCol="1" spcCol="0" rtlCol="0" fromWordArt="0" anchor="ctr" anchorCtr="0" forceAA="0" compatLnSpc="1">
+              <a:prstTxWarp prst="textNoShape">
+                <a:avLst/>
+              </a:prstTxWarp>
+              <a:noAutofit/>
+            </a:bodyPr>
+            <a:lstStyle/>
+            <a:p>
+              <a:pPr algn="ctr"/>
+              <a:endParaRPr lang="en-US"/>
+            </a:p>
+          </p:txBody>
+        </p:sp>
+      </p:grpSp>
+      <p:sp>
+        <p:nvSpPr>
+          <p:cNvPr id="7" name="Title 6">
+            <a:extLst>
+              <a:ext uri="{FF2B5EF4-FFF2-40B4-BE49-F238E27FC236}">
+                <a16:creationId xmlns:a16="http://schemas.microsoft.com/office/drawing/2014/main" id="{4B18D636-CC10-4B1E-AA38-419DCCF2D9C9}"/>
               </a:ext>
             </a:extLst>
           </p:cNvPr>
@@ -23596,168 +16835,34 @@
             <a:spLocks noGrp="1"/>
           </p:cNvSpPr>
           <p:nvPr>
-            <p:ph type="ctrTitle"/>
+            <p:ph type="title"/>
           </p:nvPr>
         </p:nvSpPr>
         <p:spPr>
           <a:xfrm>
-            <a:off x="548640" y="548640"/>
-            <a:ext cx="8281987" cy="1253041"/>
+            <a:off x="550862" y="549275"/>
+            <a:ext cx="11097551" cy="1332000"/>
           </a:xfrm>
         </p:spPr>
         <p:txBody>
-          <a:bodyPr/>
+          <a:bodyPr>
+            <a:normAutofit/>
+          </a:bodyPr>
           <a:lstStyle/>
           <a:p>
             <a:r>
               <a:rPr lang="en-US" dirty="0"/>
-              <a:t>Team</a:t>
+              <a:t>WHO Overall Score 2014-2020</a:t>
             </a:r>
           </a:p>
         </p:txBody>
       </p:sp>
-      <p:pic>
-        <p:nvPicPr>
-          <p:cNvPr id="17" name="Picture Placeholder 16" descr="A man smiling in the office">
-            <a:extLst>
-              <a:ext uri="{FF2B5EF4-FFF2-40B4-BE49-F238E27FC236}">
-                <a16:creationId xmlns:a16="http://schemas.microsoft.com/office/drawing/2014/main" id="{05ED5B1E-974F-476C-A3C9-572D3602E95E}"/>
-              </a:ext>
-            </a:extLst>
-          </p:cNvPr>
-          <p:cNvPicPr>
-            <a:picLocks noGrp="1" noChangeAspect="1"/>
-          </p:cNvPicPr>
-          <p:nvPr>
-            <p:ph type="pic" sz="quarter" idx="13"/>
-          </p:nvPr>
-        </p:nvPicPr>
-        <p:blipFill rotWithShape="1">
-          <a:blip r:embed="rId3" cstate="screen">
-            <a:extLst>
-              <a:ext uri="{28A0092B-C50C-407E-A947-70E740481C1C}">
-                <a14:useLocalDpi xmlns:a14="http://schemas.microsoft.com/office/drawing/2010/main" val="0"/>
-              </a:ext>
-            </a:extLst>
-          </a:blip>
-          <a:srcRect/>
-          <a:stretch/>
-        </p:blipFill>
-        <p:spPr>
-          <a:xfrm>
-            <a:off x="1078992" y="1990724"/>
-            <a:ext cx="1691640" cy="1435608"/>
-          </a:xfrm>
-        </p:spPr>
-      </p:pic>
-      <p:pic>
-        <p:nvPicPr>
-          <p:cNvPr id="36" name="Picture Placeholder 35" descr="A lady smiling in the office">
-            <a:extLst>
-              <a:ext uri="{FF2B5EF4-FFF2-40B4-BE49-F238E27FC236}">
-                <a16:creationId xmlns:a16="http://schemas.microsoft.com/office/drawing/2014/main" id="{F3CCCCDF-EA66-4F5E-98F3-A05239CBBAC4}"/>
-              </a:ext>
-            </a:extLst>
-          </p:cNvPr>
-          <p:cNvPicPr>
-            <a:picLocks noGrp="1" noChangeAspect="1"/>
-          </p:cNvPicPr>
-          <p:nvPr>
-            <p:ph type="pic" sz="quarter" idx="14"/>
-          </p:nvPr>
-        </p:nvPicPr>
-        <p:blipFill rotWithShape="1">
-          <a:blip r:embed="rId4" cstate="screen">
-            <a:extLst>
-              <a:ext uri="{28A0092B-C50C-407E-A947-70E740481C1C}">
-                <a14:useLocalDpi xmlns:a14="http://schemas.microsoft.com/office/drawing/2010/main" val="0"/>
-              </a:ext>
-            </a:extLst>
-          </a:blip>
-          <a:srcRect/>
-          <a:stretch/>
-        </p:blipFill>
-        <p:spPr>
-          <a:xfrm>
-            <a:off x="3838384" y="1990724"/>
-            <a:ext cx="1691640" cy="1435608"/>
-          </a:xfrm>
-        </p:spPr>
-      </p:pic>
-      <p:pic>
-        <p:nvPicPr>
-          <p:cNvPr id="38" name="Picture Placeholder 37" descr="A lady in the office smiling at the camera&#10;">
-            <a:extLst>
-              <a:ext uri="{FF2B5EF4-FFF2-40B4-BE49-F238E27FC236}">
-                <a16:creationId xmlns:a16="http://schemas.microsoft.com/office/drawing/2014/main" id="{8A6BB597-41F4-432E-8432-8F39511B2941}"/>
-              </a:ext>
-            </a:extLst>
-          </p:cNvPr>
-          <p:cNvPicPr>
-            <a:picLocks noGrp="1" noChangeAspect="1"/>
-          </p:cNvPicPr>
-          <p:nvPr>
-            <p:ph type="pic" sz="quarter" idx="15"/>
-          </p:nvPr>
-        </p:nvPicPr>
-        <p:blipFill rotWithShape="1">
-          <a:blip r:embed="rId5" cstate="screen">
-            <a:extLst>
-              <a:ext uri="{28A0092B-C50C-407E-A947-70E740481C1C}">
-                <a14:useLocalDpi xmlns:a14="http://schemas.microsoft.com/office/drawing/2010/main" val="0"/>
-              </a:ext>
-            </a:extLst>
-          </a:blip>
-          <a:srcRect/>
-          <a:stretch/>
-        </p:blipFill>
-        <p:spPr>
-          <a:xfrm>
-            <a:off x="6661976" y="1993392"/>
-            <a:ext cx="1691640" cy="1435608"/>
-          </a:xfrm>
-        </p:spPr>
-      </p:pic>
-      <p:pic>
-        <p:nvPicPr>
-          <p:cNvPr id="40" name="Picture Placeholder 39" descr="Smiling man with a beard">
-            <a:extLst>
-              <a:ext uri="{FF2B5EF4-FFF2-40B4-BE49-F238E27FC236}">
-                <a16:creationId xmlns:a16="http://schemas.microsoft.com/office/drawing/2014/main" id="{76B2FC80-9F3B-46D8-94D9-882D90A858F6}"/>
-              </a:ext>
-            </a:extLst>
-          </p:cNvPr>
-          <p:cNvPicPr>
-            <a:picLocks noGrp="1" noChangeAspect="1"/>
-          </p:cNvPicPr>
-          <p:nvPr>
-            <p:ph type="pic" sz="quarter" idx="16"/>
-          </p:nvPr>
-        </p:nvPicPr>
-        <p:blipFill rotWithShape="1">
-          <a:blip r:embed="rId6" cstate="screen">
-            <a:extLst>
-              <a:ext uri="{28A0092B-C50C-407E-A947-70E740481C1C}">
-                <a14:useLocalDpi xmlns:a14="http://schemas.microsoft.com/office/drawing/2010/main" val="0"/>
-              </a:ext>
-            </a:extLst>
-          </a:blip>
-          <a:srcRect/>
-          <a:stretch/>
-        </p:blipFill>
-        <p:spPr>
-          <a:xfrm>
-            <a:off x="9485568" y="1990724"/>
-            <a:ext cx="1691640" cy="1435608"/>
-          </a:xfrm>
-        </p:spPr>
-      </p:pic>
-      <p:sp>
-        <p:nvSpPr>
-          <p:cNvPr id="41" name="Text Placeholder 40">
-            <a:extLst>
-              <a:ext uri="{FF2B5EF4-FFF2-40B4-BE49-F238E27FC236}">
-                <a16:creationId xmlns:a16="http://schemas.microsoft.com/office/drawing/2014/main" id="{91181F6D-A54F-4289-8C36-80ECE3B2C8E2}"/>
+      <p:sp>
+        <p:nvSpPr>
+          <p:cNvPr id="10" name="Content Placeholder 9">
+            <a:extLst>
+              <a:ext uri="{FF2B5EF4-FFF2-40B4-BE49-F238E27FC236}">
+                <a16:creationId xmlns:a16="http://schemas.microsoft.com/office/drawing/2014/main" id="{1DB251F7-EBE7-46AC-A920-FFE2C5AF68EA}"/>
               </a:ext>
             </a:extLst>
           </p:cNvPr>
@@ -23765,13 +16870,13 @@
             <a:spLocks noGrp="1"/>
           </p:cNvSpPr>
           <p:nvPr>
-            <p:ph type="body" sz="quarter" idx="18"/>
+            <p:ph sz="half" idx="2"/>
           </p:nvPr>
         </p:nvSpPr>
         <p:spPr>
           <a:xfrm>
-            <a:off x="1079500" y="3781425"/>
-            <a:ext cx="1711325" cy="365760"/>
+            <a:off x="8087485" y="2436466"/>
+            <a:ext cx="3849373" cy="4070746"/>
           </a:xfrm>
         </p:spPr>
         <p:txBody>
@@ -23780,248 +16885,37 @@
           <a:p>
             <a:r>
               <a:rPr lang="en-US" dirty="0"/>
-              <a:t>Name</a:t>
+              <a:t>Scale being from 1-5</a:t>
             </a:r>
           </a:p>
-        </p:txBody>
-      </p:sp>
-      <p:sp>
-        <p:nvSpPr>
-          <p:cNvPr id="15" name="Subtitle 14">
-            <a:extLst>
-              <a:ext uri="{FF2B5EF4-FFF2-40B4-BE49-F238E27FC236}">
-                <a16:creationId xmlns:a16="http://schemas.microsoft.com/office/drawing/2014/main" id="{84D39D81-9726-4BD7-BDC0-FA0B2AD0D219}"/>
-              </a:ext>
-            </a:extLst>
-          </p:cNvPr>
-          <p:cNvSpPr>
-            <a:spLocks noGrp="1"/>
-          </p:cNvSpPr>
-          <p:nvPr>
-            <p:ph type="body" sz="quarter" idx="17"/>
-          </p:nvPr>
-        </p:nvSpPr>
-        <p:spPr>
-          <a:xfrm>
-            <a:off x="1078733" y="4232949"/>
-            <a:ext cx="1711572" cy="638175"/>
-          </a:xfrm>
-        </p:spPr>
-        <p:txBody>
-          <a:bodyPr/>
-          <a:lstStyle/>
           <a:p>
             <a:r>
               <a:rPr lang="en-US" dirty="0"/>
-              <a:t>Title</a:t>
+              <a:t>Based on Price, Tax Share, Tax Structure, and Affordability Change </a:t>
             </a:r>
           </a:p>
-        </p:txBody>
-      </p:sp>
-      <p:sp>
-        <p:nvSpPr>
-          <p:cNvPr id="43" name="Text Placeholder 42">
-            <a:extLst>
-              <a:ext uri="{FF2B5EF4-FFF2-40B4-BE49-F238E27FC236}">
-                <a16:creationId xmlns:a16="http://schemas.microsoft.com/office/drawing/2014/main" id="{E4387CED-5FBE-4AFF-B64D-975B5574F16F}"/>
-              </a:ext>
-            </a:extLst>
-          </p:cNvPr>
-          <p:cNvSpPr>
-            <a:spLocks noGrp="1"/>
-          </p:cNvSpPr>
-          <p:nvPr>
-            <p:ph type="body" sz="quarter" idx="20"/>
-          </p:nvPr>
-        </p:nvSpPr>
-        <p:spPr>
-          <a:xfrm>
-            <a:off x="3839151" y="3781425"/>
-            <a:ext cx="1711325" cy="365760"/>
-          </a:xfrm>
-        </p:spPr>
-        <p:txBody>
-          <a:bodyPr/>
-          <a:lstStyle/>
           <a:p>
             <a:r>
               <a:rPr lang="en-US" dirty="0"/>
-              <a:t>Name</a:t>
+              <a:t>United States ranks 90</a:t>
             </a:r>
-          </a:p>
-        </p:txBody>
-      </p:sp>
-      <p:sp>
-        <p:nvSpPr>
-          <p:cNvPr id="42" name="Text Placeholder 41">
-            <a:extLst>
-              <a:ext uri="{FF2B5EF4-FFF2-40B4-BE49-F238E27FC236}">
-                <a16:creationId xmlns:a16="http://schemas.microsoft.com/office/drawing/2014/main" id="{CCDF84CD-BC27-4182-9FBA-9D4FEED95410}"/>
-              </a:ext>
-            </a:extLst>
-          </p:cNvPr>
-          <p:cNvSpPr>
-            <a:spLocks noGrp="1"/>
-          </p:cNvSpPr>
-          <p:nvPr>
-            <p:ph type="body" sz="quarter" idx="19"/>
-          </p:nvPr>
-        </p:nvSpPr>
-        <p:spPr>
-          <a:xfrm>
-            <a:off x="3838384" y="4232949"/>
-            <a:ext cx="1711572" cy="638175"/>
-          </a:xfrm>
-        </p:spPr>
-        <p:txBody>
-          <a:bodyPr/>
-          <a:lstStyle/>
-          <a:p>
+            <a:r>
+              <a:rPr lang="en-US" baseline="30000" dirty="0"/>
+              <a:t>th</a:t>
+            </a:r>
             <a:r>
               <a:rPr lang="en-US" dirty="0"/>
-              <a:t>Title</a:t>
+              <a:t> worldwide</a:t>
             </a:r>
           </a:p>
         </p:txBody>
       </p:sp>
       <p:sp>
         <p:nvSpPr>
-          <p:cNvPr id="45" name="Text Placeholder 44">
-            <a:extLst>
-              <a:ext uri="{FF2B5EF4-FFF2-40B4-BE49-F238E27FC236}">
-                <a16:creationId xmlns:a16="http://schemas.microsoft.com/office/drawing/2014/main" id="{FE5CD03B-066A-46AF-8FB8-E8A78074ABEF}"/>
-              </a:ext>
-            </a:extLst>
-          </p:cNvPr>
-          <p:cNvSpPr>
-            <a:spLocks noGrp="1"/>
-          </p:cNvSpPr>
-          <p:nvPr>
-            <p:ph type="body" sz="quarter" idx="22"/>
-          </p:nvPr>
-        </p:nvSpPr>
-        <p:spPr>
-          <a:xfrm>
-            <a:off x="6662743" y="3781425"/>
-            <a:ext cx="1711325" cy="365760"/>
-          </a:xfrm>
-        </p:spPr>
-        <p:txBody>
-          <a:bodyPr/>
-          <a:lstStyle/>
-          <a:p>
-            <a:r>
-              <a:rPr lang="en-US" dirty="0"/>
-              <a:t>Name</a:t>
-            </a:r>
-          </a:p>
-        </p:txBody>
-      </p:sp>
-      <p:sp>
-        <p:nvSpPr>
-          <p:cNvPr id="44" name="Text Placeholder 43">
-            <a:extLst>
-              <a:ext uri="{FF2B5EF4-FFF2-40B4-BE49-F238E27FC236}">
-                <a16:creationId xmlns:a16="http://schemas.microsoft.com/office/drawing/2014/main" id="{10E83414-3440-46C7-8C07-7D073B69C422}"/>
-              </a:ext>
-            </a:extLst>
-          </p:cNvPr>
-          <p:cNvSpPr>
-            <a:spLocks noGrp="1"/>
-          </p:cNvSpPr>
-          <p:nvPr>
-            <p:ph type="body" sz="quarter" idx="21"/>
-          </p:nvPr>
-        </p:nvSpPr>
-        <p:spPr>
-          <a:xfrm>
-            <a:off x="6661976" y="4232949"/>
-            <a:ext cx="1711572" cy="638175"/>
-          </a:xfrm>
-        </p:spPr>
-        <p:txBody>
-          <a:bodyPr/>
-          <a:lstStyle/>
-          <a:p>
-            <a:r>
-              <a:rPr lang="en-US" dirty="0"/>
-              <a:t>Title</a:t>
-            </a:r>
-          </a:p>
-        </p:txBody>
-      </p:sp>
-      <p:sp>
-        <p:nvSpPr>
-          <p:cNvPr id="47" name="Text Placeholder 46">
-            <a:extLst>
-              <a:ext uri="{FF2B5EF4-FFF2-40B4-BE49-F238E27FC236}">
-                <a16:creationId xmlns:a16="http://schemas.microsoft.com/office/drawing/2014/main" id="{F4640D91-CB97-4FCC-8FEF-F4B22B844DC4}"/>
-              </a:ext>
-            </a:extLst>
-          </p:cNvPr>
-          <p:cNvSpPr>
-            <a:spLocks noGrp="1"/>
-          </p:cNvSpPr>
-          <p:nvPr>
-            <p:ph type="body" sz="quarter" idx="24"/>
-          </p:nvPr>
-        </p:nvSpPr>
-        <p:spPr>
-          <a:xfrm>
-            <a:off x="9433112" y="3787288"/>
-            <a:ext cx="1711325" cy="365760"/>
-          </a:xfrm>
-        </p:spPr>
-        <p:txBody>
-          <a:bodyPr/>
-          <a:lstStyle/>
-          <a:p>
-            <a:r>
-              <a:rPr lang="en-US" dirty="0"/>
-              <a:t>Name</a:t>
-            </a:r>
-          </a:p>
-        </p:txBody>
-      </p:sp>
-      <p:sp>
-        <p:nvSpPr>
-          <p:cNvPr id="3" name="Text Placeholder 2">
-            <a:extLst>
-              <a:ext uri="{FF2B5EF4-FFF2-40B4-BE49-F238E27FC236}">
-                <a16:creationId xmlns:a16="http://schemas.microsoft.com/office/drawing/2014/main" id="{B1C6A53C-7538-4FF9-BC09-EFC116FE7054}"/>
-              </a:ext>
-            </a:extLst>
-          </p:cNvPr>
-          <p:cNvSpPr>
-            <a:spLocks noGrp="1"/>
-          </p:cNvSpPr>
-          <p:nvPr>
-            <p:ph type="body" sz="quarter" idx="23"/>
-          </p:nvPr>
-        </p:nvSpPr>
-        <p:spPr>
-          <a:xfrm>
-            <a:off x="9432345" y="4238812"/>
-            <a:ext cx="1711572" cy="638175"/>
-          </a:xfrm>
-        </p:spPr>
-        <p:txBody>
-          <a:bodyPr/>
-          <a:lstStyle/>
-          <a:p>
-            <a:r>
-              <a:rPr lang="en-US" dirty="0"/>
-              <a:t>Title</a:t>
-            </a:r>
-          </a:p>
-        </p:txBody>
-      </p:sp>
-      <p:sp>
-        <p:nvSpPr>
-          <p:cNvPr id="7" name="Date Placeholder 6">
-            <a:extLst>
-              <a:ext uri="{FF2B5EF4-FFF2-40B4-BE49-F238E27FC236}">
-                <a16:creationId xmlns:a16="http://schemas.microsoft.com/office/drawing/2014/main" id="{45F69D6A-822D-4DB9-A2CC-D9106F1F2B68}"/>
+          <p:cNvPr id="4" name="Date Placeholder 3">
+            <a:extLst>
+              <a:ext uri="{FF2B5EF4-FFF2-40B4-BE49-F238E27FC236}">
+                <a16:creationId xmlns:a16="http://schemas.microsoft.com/office/drawing/2014/main" id="{0C329F70-04F7-4C70-BCF8-D4371F54EF2F}"/>
               </a:ext>
             </a:extLst>
           </p:cNvPr>
@@ -24052,10 +16946,10 @@
       </p:sp>
       <p:sp>
         <p:nvSpPr>
-          <p:cNvPr id="8" name="Footer Placeholder 7">
-            <a:extLst>
-              <a:ext uri="{FF2B5EF4-FFF2-40B4-BE49-F238E27FC236}">
-                <a16:creationId xmlns:a16="http://schemas.microsoft.com/office/drawing/2014/main" id="{6375D7F3-165A-439B-8D1D-6553B68C2886}"/>
+          <p:cNvPr id="5" name="Footer Placeholder 4">
+            <a:extLst>
+              <a:ext uri="{FF2B5EF4-FFF2-40B4-BE49-F238E27FC236}">
+                <a16:creationId xmlns:a16="http://schemas.microsoft.com/office/drawing/2014/main" id="{06A3302E-502D-4151-81C9-5FD6AF9596D6}"/>
               </a:ext>
             </a:extLst>
           </p:cNvPr>
@@ -24083,12 +16977,42 @@
           </a:p>
         </p:txBody>
       </p:sp>
-      <p:sp>
-        <p:nvSpPr>
-          <p:cNvPr id="9" name="Slide Number Placeholder 8">
-            <a:extLst>
-              <a:ext uri="{FF2B5EF4-FFF2-40B4-BE49-F238E27FC236}">
-                <a16:creationId xmlns:a16="http://schemas.microsoft.com/office/drawing/2014/main" id="{7AF9A883-CC44-4401-AE67-8FCEACB7DDDA}"/>
+      <p:pic>
+        <p:nvPicPr>
+          <p:cNvPr id="3" name="Picture 2">
+            <a:extLst>
+              <a:ext uri="{FF2B5EF4-FFF2-40B4-BE49-F238E27FC236}">
+                <a16:creationId xmlns:a16="http://schemas.microsoft.com/office/drawing/2014/main" id="{4F716C6D-AF02-66F8-A8EA-49D31657DBFD}"/>
+              </a:ext>
+            </a:extLst>
+          </p:cNvPr>
+          <p:cNvPicPr>
+            <a:picLocks noChangeAspect="1"/>
+          </p:cNvPicPr>
+          <p:nvPr/>
+        </p:nvPicPr>
+        <p:blipFill>
+          <a:blip r:embed="rId3"/>
+          <a:stretch>
+            <a:fillRect/>
+          </a:stretch>
+        </p:blipFill>
+        <p:spPr>
+          <a:xfrm>
+            <a:off x="188782" y="1969495"/>
+            <a:ext cx="7719317" cy="4192484"/>
+          </a:xfrm>
+          <a:prstGeom prst="rect">
+            <a:avLst/>
+          </a:prstGeom>
+        </p:spPr>
+      </p:pic>
+      <p:sp>
+        <p:nvSpPr>
+          <p:cNvPr id="6" name="Slide Number Placeholder 5">
+            <a:extLst>
+              <a:ext uri="{FF2B5EF4-FFF2-40B4-BE49-F238E27FC236}">
+                <a16:creationId xmlns:a16="http://schemas.microsoft.com/office/drawing/2014/main" id="{9ED907F8-C614-4D59-A03F-BF9CD5E35703}"/>
               </a:ext>
             </a:extLst>
           </p:cNvPr>
@@ -24118,10 +17042,171 @@
           </a:p>
         </p:txBody>
       </p:sp>
+      <p:sp>
+        <p:nvSpPr>
+          <p:cNvPr id="22" name="Freeform: Shape 21">
+            <a:extLst>
+              <a:ext uri="{FF2B5EF4-FFF2-40B4-BE49-F238E27FC236}">
+                <a16:creationId xmlns:a16="http://schemas.microsoft.com/office/drawing/2014/main" id="{C6F3814E-455F-456B-B1AF-7B993965A2C0}"/>
+              </a:ext>
+              <a:ext uri="{C183D7F6-B498-43B3-948B-1728B52AA6E4}">
+                <adec:decorative xmlns:adec="http://schemas.microsoft.com/office/drawing/2017/decorative" val="1"/>
+              </a:ext>
+            </a:extLst>
+          </p:cNvPr>
+          <p:cNvSpPr>
+            <a:spLocks noChangeAspect="1"/>
+          </p:cNvSpPr>
+          <p:nvPr/>
+        </p:nvSpPr>
+        <p:spPr>
+          <a:xfrm>
+            <a:off x="4295775" y="0"/>
+            <a:ext cx="360000" cy="274638"/>
+          </a:xfrm>
+          <a:custGeom>
+            <a:avLst/>
+            <a:gdLst>
+              <a:gd name="connsiteX0" fmla="*/ 30714 w 360000"/>
+              <a:gd name="connsiteY0" fmla="*/ 0 h 274638"/>
+              <a:gd name="connsiteX1" fmla="*/ 329286 w 360000"/>
+              <a:gd name="connsiteY1" fmla="*/ 0 h 274638"/>
+              <a:gd name="connsiteX2" fmla="*/ 345855 w 360000"/>
+              <a:gd name="connsiteY2" fmla="*/ 24574 h 274638"/>
+              <a:gd name="connsiteX3" fmla="*/ 360000 w 360000"/>
+              <a:gd name="connsiteY3" fmla="*/ 94638 h 274638"/>
+              <a:gd name="connsiteX4" fmla="*/ 180000 w 360000"/>
+              <a:gd name="connsiteY4" fmla="*/ 274638 h 274638"/>
+              <a:gd name="connsiteX5" fmla="*/ 0 w 360000"/>
+              <a:gd name="connsiteY5" fmla="*/ 94638 h 274638"/>
+              <a:gd name="connsiteX6" fmla="*/ 14145 w 360000"/>
+              <a:gd name="connsiteY6" fmla="*/ 24574 h 274638"/>
+            </a:gdLst>
+            <a:ahLst/>
+            <a:cxnLst>
+              <a:cxn ang="0">
+                <a:pos x="connsiteX0" y="connsiteY0"/>
+              </a:cxn>
+              <a:cxn ang="0">
+                <a:pos x="connsiteX1" y="connsiteY1"/>
+              </a:cxn>
+              <a:cxn ang="0">
+                <a:pos x="connsiteX2" y="connsiteY2"/>
+              </a:cxn>
+              <a:cxn ang="0">
+                <a:pos x="connsiteX3" y="connsiteY3"/>
+              </a:cxn>
+              <a:cxn ang="0">
+                <a:pos x="connsiteX4" y="connsiteY4"/>
+              </a:cxn>
+              <a:cxn ang="0">
+                <a:pos x="connsiteX5" y="connsiteY5"/>
+              </a:cxn>
+              <a:cxn ang="0">
+                <a:pos x="connsiteX6" y="connsiteY6"/>
+              </a:cxn>
+            </a:cxnLst>
+            <a:rect l="l" t="t" r="r" b="b"/>
+            <a:pathLst>
+              <a:path w="360000" h="274638">
+                <a:moveTo>
+                  <a:pt x="30714" y="0"/>
+                </a:moveTo>
+                <a:lnTo>
+                  <a:pt x="329286" y="0"/>
+                </a:lnTo>
+                <a:lnTo>
+                  <a:pt x="345855" y="24574"/>
+                </a:lnTo>
+                <a:cubicBezTo>
+                  <a:pt x="354963" y="46109"/>
+                  <a:pt x="360000" y="69785"/>
+                  <a:pt x="360000" y="94638"/>
+                </a:cubicBezTo>
+                <a:cubicBezTo>
+                  <a:pt x="360000" y="194049"/>
+                  <a:pt x="279411" y="274638"/>
+                  <a:pt x="180000" y="274638"/>
+                </a:cubicBezTo>
+                <a:cubicBezTo>
+                  <a:pt x="80589" y="274638"/>
+                  <a:pt x="0" y="194049"/>
+                  <a:pt x="0" y="94638"/>
+                </a:cubicBezTo>
+                <a:cubicBezTo>
+                  <a:pt x="0" y="69785"/>
+                  <a:pt x="5037" y="46109"/>
+                  <a:pt x="14145" y="24574"/>
+                </a:cubicBezTo>
+                <a:close/>
+              </a:path>
+            </a:pathLst>
+          </a:custGeom>
+          <a:gradFill flip="none" rotWithShape="1">
+            <a:gsLst>
+              <a:gs pos="100000">
+                <a:schemeClr val="bg2">
+                  <a:lumMod val="50000"/>
+                  <a:lumOff val="50000"/>
+                </a:schemeClr>
+              </a:gs>
+              <a:gs pos="60000">
+                <a:schemeClr val="bg2"/>
+              </a:gs>
+            </a:gsLst>
+            <a:path path="circle">
+              <a:fillToRect l="100000" b="100000"/>
+            </a:path>
+            <a:tileRect t="-100000" r="-100000"/>
+          </a:gradFill>
+          <a:ln>
+            <a:noFill/>
+          </a:ln>
+          <a:effectLst>
+            <a:innerShdw blurRad="127000" dist="63500" dir="2700000">
+              <a:schemeClr val="accent1">
+                <a:lumMod val="60000"/>
+                <a:lumOff val="40000"/>
+                <a:alpha val="20000"/>
+              </a:schemeClr>
+            </a:innerShdw>
+            <a:softEdge rad="0"/>
+          </a:effectLst>
+        </p:spPr>
+        <p:style>
+          <a:lnRef idx="2">
+            <a:schemeClr val="accent1">
+              <a:shade val="50000"/>
+            </a:schemeClr>
+          </a:lnRef>
+          <a:fillRef idx="1">
+            <a:schemeClr val="accent1"/>
+          </a:fillRef>
+          <a:effectRef idx="0">
+            <a:schemeClr val="accent1"/>
+          </a:effectRef>
+          <a:fontRef idx="minor">
+            <a:schemeClr val="lt1"/>
+          </a:fontRef>
+        </p:style>
+        <p:txBody>
+          <a:bodyPr rot="0" spcFirstLastPara="0" vertOverflow="overflow" horzOverflow="overflow" vert="horz" wrap="square" lIns="91440" tIns="45720" rIns="91440" bIns="45720" numCol="1" spcCol="0" rtlCol="0" fromWordArt="0" anchor="ctr" anchorCtr="0" forceAA="0" compatLnSpc="1">
+            <a:prstTxWarp prst="textNoShape">
+              <a:avLst/>
+            </a:prstTxWarp>
+            <a:noAutofit/>
+          </a:bodyPr>
+          <a:lstStyle/>
+          <a:p>
+            <a:pPr algn="ctr"/>
+            <a:endParaRPr lang="en-US"/>
+          </a:p>
+        </p:txBody>
+      </p:sp>
     </p:spTree>
     <p:extLst>
       <p:ext uri="{BB962C8B-B14F-4D97-AF65-F5344CB8AC3E}">
-        <p14:creationId xmlns:p14="http://schemas.microsoft.com/office/powerpoint/2010/main" val="2979876663"/>
+        <p14:creationId xmlns:p14="http://schemas.microsoft.com/office/powerpoint/2010/main" val="3891345585"/>
       </p:ext>
     </p:extLst>
   </p:cSld>
@@ -24150,10 +17235,10 @@
       </p:grpSpPr>
       <p:sp>
         <p:nvSpPr>
-          <p:cNvPr id="3" name="Title 2">
-            <a:extLst>
-              <a:ext uri="{FF2B5EF4-FFF2-40B4-BE49-F238E27FC236}">
-                <a16:creationId xmlns:a16="http://schemas.microsoft.com/office/drawing/2014/main" id="{FAD72D26-24EF-4CBD-9431-A558CB7CA906}"/>
+          <p:cNvPr id="22" name="Title 21">
+            <a:extLst>
+              <a:ext uri="{FF2B5EF4-FFF2-40B4-BE49-F238E27FC236}">
+                <a16:creationId xmlns:a16="http://schemas.microsoft.com/office/drawing/2014/main" id="{F8FAEED9-1ECD-45F9-87A0-9394BAEABB79}"/>
               </a:ext>
             </a:extLst>
           </p:cNvPr>
@@ -24161,13 +17246,13 @@
             <a:spLocks noGrp="1"/>
           </p:cNvSpPr>
           <p:nvPr>
-            <p:ph type="title"/>
+            <p:ph type="ctrTitle"/>
           </p:nvPr>
         </p:nvSpPr>
         <p:spPr>
           <a:xfrm>
-            <a:off x="550862" y="549275"/>
-            <a:ext cx="11091600" cy="1332000"/>
+            <a:off x="550863" y="549275"/>
+            <a:ext cx="5437187" cy="2986234"/>
           </a:xfrm>
         </p:spPr>
         <p:txBody>
@@ -24176,48 +17261,130 @@
           <a:p>
             <a:r>
               <a:rPr lang="en-US" dirty="0"/>
-              <a:t>Timeline</a:t>
+              <a:t>Thank You</a:t>
             </a:r>
           </a:p>
         </p:txBody>
       </p:sp>
-      <p:graphicFrame>
-        <p:nvGraphicFramePr>
-          <p:cNvPr id="4" name="Content Placeholder 3" descr="Timeline Smart Art Placeholder ">
-            <a:extLst>
-              <a:ext uri="{FF2B5EF4-FFF2-40B4-BE49-F238E27FC236}">
-                <a16:creationId xmlns:a16="http://schemas.microsoft.com/office/drawing/2014/main" id="{93897051-DA8D-4072-A594-51769F8D52F5}"/>
-              </a:ext>
-            </a:extLst>
-          </p:cNvPr>
-          <p:cNvGraphicFramePr>
-            <a:graphicFrameLocks noGrp="1"/>
-          </p:cNvGraphicFramePr>
+      <p:sp>
+        <p:nvSpPr>
+          <p:cNvPr id="23" name="Subtitle 22">
+            <a:extLst>
+              <a:ext uri="{FF2B5EF4-FFF2-40B4-BE49-F238E27FC236}">
+                <a16:creationId xmlns:a16="http://schemas.microsoft.com/office/drawing/2014/main" id="{8E5E4638-9BCB-4C2E-914F-CC868E2020D5}"/>
+              </a:ext>
+            </a:extLst>
+          </p:cNvPr>
+          <p:cNvSpPr>
+            <a:spLocks noGrp="1"/>
+          </p:cNvSpPr>
           <p:nvPr>
-            <p:ph idx="1"/>
-            <p:extLst>
-              <p:ext uri="{D42A27DB-BD31-4B8C-83A1-F6EECF244321}">
-                <p14:modId xmlns:p14="http://schemas.microsoft.com/office/powerpoint/2010/main" val="3844914864"/>
-              </p:ext>
-            </p:extLst>
+            <p:ph type="subTitle" idx="1"/>
           </p:nvPr>
-        </p:nvGraphicFramePr>
-        <p:xfrm>
-          <a:off x="550863" y="2112963"/>
-          <a:ext cx="11090275" cy="3979862"/>
-        </p:xfrm>
-        <a:graphic>
-          <a:graphicData uri="http://schemas.openxmlformats.org/drawingml/2006/diagram">
-            <dgm:relIds xmlns:dgm="http://schemas.openxmlformats.org/drawingml/2006/diagram" xmlns:r="http://schemas.openxmlformats.org/officeDocument/2006/relationships" r:dm="rId3" r:lo="rId4" r:qs="rId5" r:cs="rId6"/>
-          </a:graphicData>
-        </a:graphic>
-      </p:graphicFrame>
-      <p:sp>
-        <p:nvSpPr>
-          <p:cNvPr id="2" name="Date Placeholder 1">
-            <a:extLst>
-              <a:ext uri="{FF2B5EF4-FFF2-40B4-BE49-F238E27FC236}">
-                <a16:creationId xmlns:a16="http://schemas.microsoft.com/office/drawing/2014/main" id="{81FCAF0A-629F-4EC6-B3E6-563ED999F360}"/>
+        </p:nvSpPr>
+        <p:spPr>
+          <a:xfrm>
+            <a:off x="550863" y="3827610"/>
+            <a:ext cx="5437187" cy="2265216"/>
+          </a:xfrm>
+        </p:spPr>
+        <p:txBody>
+          <a:bodyPr/>
+          <a:lstStyle/>
+          <a:p>
+            <a:r>
+              <a:rPr lang="en-US" dirty="0"/>
+              <a:t>Presenter name</a:t>
+            </a:r>
+          </a:p>
+          <a:p>
+            <a:r>
+              <a:rPr lang="en-US" dirty="0"/>
+              <a:t>Email address</a:t>
+            </a:r>
+          </a:p>
+          <a:p>
+            <a:r>
+              <a:rPr lang="en-US" dirty="0"/>
+              <a:t>Website address</a:t>
+            </a:r>
+          </a:p>
+        </p:txBody>
+      </p:sp>
+      <p:pic>
+        <p:nvPicPr>
+          <p:cNvPr id="27" name="Picture Placeholder 26" descr="Data Points Digital background">
+            <a:extLst>
+              <a:ext uri="{FF2B5EF4-FFF2-40B4-BE49-F238E27FC236}">
+                <a16:creationId xmlns:a16="http://schemas.microsoft.com/office/drawing/2014/main" id="{9E660784-34E2-4CDA-926A-DDD6AAF35046}"/>
+              </a:ext>
+            </a:extLst>
+          </p:cNvPr>
+          <p:cNvPicPr>
+            <a:picLocks noGrp="1" noChangeAspect="1"/>
+          </p:cNvPicPr>
+          <p:nvPr>
+            <p:ph type="pic" sz="quarter" idx="15"/>
+          </p:nvPr>
+        </p:nvPicPr>
+        <p:blipFill rotWithShape="1">
+          <a:blip r:embed="rId2" cstate="screen">
+            <a:extLst>
+              <a:ext uri="{28A0092B-C50C-407E-A947-70E740481C1C}">
+                <a14:useLocalDpi xmlns:a14="http://schemas.microsoft.com/office/drawing/2010/main" val="0"/>
+              </a:ext>
+            </a:extLst>
+          </a:blip>
+          <a:srcRect/>
+          <a:stretch/>
+        </p:blipFill>
+        <p:spPr>
+          <a:xfrm>
+            <a:off x="6556248" y="548640"/>
+            <a:ext cx="5084064" cy="2880360"/>
+          </a:xfrm>
+        </p:spPr>
+      </p:pic>
+      <p:pic>
+        <p:nvPicPr>
+          <p:cNvPr id="33" name="Picture Placeholder 32" descr="Data Points Digital background">
+            <a:extLst>
+              <a:ext uri="{FF2B5EF4-FFF2-40B4-BE49-F238E27FC236}">
+                <a16:creationId xmlns:a16="http://schemas.microsoft.com/office/drawing/2014/main" id="{48106962-23C6-4DFE-BB3A-E5FFF03F38CE}"/>
+              </a:ext>
+            </a:extLst>
+          </p:cNvPr>
+          <p:cNvPicPr>
+            <a:picLocks noGrp="1" noChangeAspect="1"/>
+          </p:cNvPicPr>
+          <p:nvPr>
+            <p:ph type="pic" sz="quarter" idx="16"/>
+          </p:nvPr>
+        </p:nvPicPr>
+        <p:blipFill rotWithShape="1">
+          <a:blip r:embed="rId3" cstate="screen">
+            <a:extLst>
+              <a:ext uri="{28A0092B-C50C-407E-A947-70E740481C1C}">
+                <a14:useLocalDpi xmlns:a14="http://schemas.microsoft.com/office/drawing/2010/main" val="0"/>
+              </a:ext>
+            </a:extLst>
+          </a:blip>
+          <a:srcRect/>
+          <a:stretch/>
+        </p:blipFill>
+        <p:spPr>
+          <a:xfrm>
+            <a:off x="6556248" y="3429000"/>
+            <a:ext cx="5084064" cy="2880360"/>
+          </a:xfrm>
+        </p:spPr>
+      </p:pic>
+      <p:sp>
+        <p:nvSpPr>
+          <p:cNvPr id="4" name="Date Placeholder 3">
+            <a:extLst>
+              <a:ext uri="{FF2B5EF4-FFF2-40B4-BE49-F238E27FC236}">
+                <a16:creationId xmlns:a16="http://schemas.microsoft.com/office/drawing/2014/main" id="{7823E305-6365-4345-8BD1-4A31C61D96CB}"/>
               </a:ext>
             </a:extLst>
           </p:cNvPr>
@@ -24242,16 +17409,15 @@
               <a:rPr lang="en-US"/>
               <a:t>Tuesday, February 2, 20XX</a:t>
             </a:r>
-            <a:endParaRPr lang="en-US" dirty="0"/>
-          </a:p>
-        </p:txBody>
-      </p:sp>
-      <p:sp>
-        <p:nvSpPr>
-          <p:cNvPr id="7" name="Footer Placeholder 6">
-            <a:extLst>
-              <a:ext uri="{FF2B5EF4-FFF2-40B4-BE49-F238E27FC236}">
-                <a16:creationId xmlns:a16="http://schemas.microsoft.com/office/drawing/2014/main" id="{920A7C57-D6C5-4BA0-AB3C-41D4E3436B0E}"/>
+          </a:p>
+        </p:txBody>
+      </p:sp>
+      <p:sp>
+        <p:nvSpPr>
+          <p:cNvPr id="5" name="Footer Placeholder 4">
+            <a:extLst>
+              <a:ext uri="{FF2B5EF4-FFF2-40B4-BE49-F238E27FC236}">
+                <a16:creationId xmlns:a16="http://schemas.microsoft.com/office/drawing/2014/main" id="{0B37A3FF-ED32-4C4A-A21F-848A3BF6F896}"/>
               </a:ext>
             </a:extLst>
           </p:cNvPr>
@@ -24284,7 +17450,7 @@
           <p:cNvPr id="6" name="Slide Number Placeholder 5">
             <a:extLst>
               <a:ext uri="{FF2B5EF4-FFF2-40B4-BE49-F238E27FC236}">
-                <a16:creationId xmlns:a16="http://schemas.microsoft.com/office/drawing/2014/main" id="{5E5CAC52-3FD1-464A-805A-B8F7AF04574A}"/>
+                <a16:creationId xmlns:a16="http://schemas.microsoft.com/office/drawing/2014/main" id="{36E60F23-FB58-4EF8-82FD-E86CED25FDD4}"/>
               </a:ext>
             </a:extLst>
           </p:cNvPr>
@@ -24317,7 +17483,7 @@
     </p:spTree>
     <p:extLst>
       <p:ext uri="{BB962C8B-B14F-4D97-AF65-F5344CB8AC3E}">
-        <p14:creationId xmlns:p14="http://schemas.microsoft.com/office/powerpoint/2010/main" val="2624630061"/>
+        <p14:creationId xmlns:p14="http://schemas.microsoft.com/office/powerpoint/2010/main" val="3247798845"/>
       </p:ext>
     </p:extLst>
   </p:cSld>
@@ -25119,6 +18285,15 @@
 </file>
 
 <file path=customXml/item1.xml><?xml version="1.0" encoding="utf-8"?>
+<?mso-contentType ?>
+<FormTemplates xmlns="http://schemas.microsoft.com/sharepoint/v3/contenttype/forms">
+  <Display>DocumentLibraryForm</Display>
+  <Edit>DocumentLibraryForm</Edit>
+  <New>DocumentLibraryForm</New>
+</FormTemplates>
+</file>
+
+<file path=customXml/item2.xml><?xml version="1.0" encoding="utf-8"?>
 <ct:contentTypeSchema xmlns:ct="http://schemas.microsoft.com/office/2006/metadata/contentType" xmlns:ma="http://schemas.microsoft.com/office/2006/metadata/properties/metaAttributes" ct:_="" ma:_="" ma:contentTypeName="Document" ma:contentTypeID="0x01010079F111ED35F8CC479449609E8A0923A6" ma:contentTypeVersion="18" ma:contentTypeDescription="Create a new document." ma:contentTypeScope="" ma:versionID="22a266b9fa9a230c5a512669d8b298c3">
   <xsd:schema xmlns:xsd="http://www.w3.org/2001/XMLSchema" xmlns:xs="http://www.w3.org/2001/XMLSchema" xmlns:p="http://schemas.microsoft.com/office/2006/metadata/properties" xmlns:ns1="http://schemas.microsoft.com/sharepoint/v3" xmlns:ns2="71af3243-3dd4-4a8d-8c0d-dd76da1f02a5" xmlns:ns3="16c05727-aa75-4e4a-9b5f-8a80a1165891" xmlns:ns4="230e9df3-be65-4c73-a93b-d1236ebd677e" targetNamespace="http://schemas.microsoft.com/office/2006/metadata/properties" ma:root="true" ma:fieldsID="eddc33fff6b14141ee5c74a0d29ea6a1" ns1:_="" ns2:_="" ns3:_="" ns4:_="">
     <xsd:import namespace="http://schemas.microsoft.com/sharepoint/v3"/>
@@ -25394,15 +18569,6 @@
 </ct:contentTypeSchema>
 </file>
 
-<file path=customXml/item2.xml><?xml version="1.0" encoding="utf-8"?>
-<?mso-contentType ?>
-<FormTemplates xmlns="http://schemas.microsoft.com/sharepoint/v3/contenttype/forms">
-  <Display>DocumentLibraryForm</Display>
-  <Edit>DocumentLibraryForm</Edit>
-  <New>DocumentLibraryForm</New>
-</FormTemplates>
-</file>
-
 <file path=customXml/item3.xml><?xml version="1.0" encoding="utf-8"?>
 <p:properties xmlns:p="http://schemas.microsoft.com/office/2006/metadata/properties" xmlns:xsi="http://www.w3.org/2001/XMLSchema-instance" xmlns:pc="http://schemas.microsoft.com/office/infopath/2007/PartnerControls">
   <documentManagement>
@@ -25423,6 +18589,14 @@
 </file>
 
 <file path=customXml/itemProps1.xml><?xml version="1.0" encoding="utf-8"?>
+<ds:datastoreItem xmlns:ds="http://schemas.openxmlformats.org/officeDocument/2006/customXml" ds:itemID="{904751AB-E840-446F-8D49-E697067EC887}">
+  <ds:schemaRefs>
+    <ds:schemaRef ds:uri="http://schemas.microsoft.com/sharepoint/v3/contenttype/forms"/>
+  </ds:schemaRefs>
+</ds:datastoreItem>
+</file>
+
+<file path=customXml/itemProps2.xml><?xml version="1.0" encoding="utf-8"?>
 <ds:datastoreItem xmlns:ds="http://schemas.openxmlformats.org/officeDocument/2006/customXml" ds:itemID="{DE4876F9-7AE1-498D-B8FE-1E3AD703D2AF}">
   <ds:schemaRefs>
     <ds:schemaRef ds:uri="http://schemas.microsoft.com/office/2006/metadata/contentType"/>
@@ -25439,14 +18613,6 @@
     <ds:schemaRef ds:uri="http://purl.org/dc/elements/1.1/"/>
     <ds:schemaRef ds:uri="http://purl.org/dc/terms/"/>
     <ds:schemaRef ds:uri="http://schemas.microsoft.com/internal/obd"/>
-  </ds:schemaRefs>
-</ds:datastoreItem>
-</file>
-
-<file path=customXml/itemProps2.xml><?xml version="1.0" encoding="utf-8"?>
-<ds:datastoreItem xmlns:ds="http://schemas.openxmlformats.org/officeDocument/2006/customXml" ds:itemID="{904751AB-E840-446F-8D49-E697067EC887}">
-  <ds:schemaRefs>
-    <ds:schemaRef ds:uri="http://schemas.microsoft.com/sharepoint/v3/contenttype/forms"/>
   </ds:schemaRefs>
 </ds:datastoreItem>
 </file>

--- a/notebook/Tobacco.pptx
+++ b/notebook/Tobacco.pptx
@@ -5,21 +5,23 @@
     <p:sldMasterId id="2147483684" r:id="rId4"/>
   </p:sldMasterIdLst>
   <p:notesMasterIdLst>
-    <p:notesMasterId r:id="rId14"/>
+    <p:notesMasterId r:id="rId16"/>
   </p:notesMasterIdLst>
   <p:handoutMasterIdLst>
-    <p:handoutMasterId r:id="rId15"/>
+    <p:handoutMasterId r:id="rId17"/>
   </p:handoutMasterIdLst>
   <p:sldIdLst>
     <p:sldId id="257" r:id="rId5"/>
-    <p:sldId id="317" r:id="rId6"/>
-    <p:sldId id="395" r:id="rId7"/>
-    <p:sldId id="278" r:id="rId8"/>
-    <p:sldId id="277" r:id="rId9"/>
-    <p:sldId id="279" r:id="rId10"/>
-    <p:sldId id="396" r:id="rId11"/>
-    <p:sldId id="270" r:id="rId12"/>
-    <p:sldId id="391" r:id="rId13"/>
+    <p:sldId id="397" r:id="rId6"/>
+    <p:sldId id="317" r:id="rId7"/>
+    <p:sldId id="395" r:id="rId8"/>
+    <p:sldId id="278" r:id="rId9"/>
+    <p:sldId id="277" r:id="rId10"/>
+    <p:sldId id="279" r:id="rId11"/>
+    <p:sldId id="396" r:id="rId12"/>
+    <p:sldId id="270" r:id="rId13"/>
+    <p:sldId id="398" r:id="rId14"/>
+    <p:sldId id="391" r:id="rId15"/>
   </p:sldIdLst>
   <p:sldSz cx="12192000" cy="6858000"/>
   <p:notesSz cx="6858000" cy="9144000"/>
@@ -827,7 +829,7 @@
           <a:p>
             <a:fld id="{1983A999-5E0E-42CA-8400-604AE921FF7C}" type="slidenum">
               <a:rPr lang="en-US" smtClean="0"/>
-              <a:t>2</a:t>
+              <a:t>3</a:t>
             </a:fld>
             <a:endParaRPr lang="en-US"/>
           </a:p>
@@ -911,7 +913,7 @@
           <a:p>
             <a:fld id="{1983A999-5E0E-42CA-8400-604AE921FF7C}" type="slidenum">
               <a:rPr lang="en-US" smtClean="0"/>
-              <a:t>8</a:t>
+              <a:t>9</a:t>
             </a:fld>
             <a:endParaRPr lang="en-US"/>
           </a:p>
@@ -13104,10 +13106,2680 @@
   <p:clrMapOvr>
     <a:masterClrMapping/>
   </p:clrMapOvr>
+  <mc:AlternateContent xmlns:mc="http://schemas.openxmlformats.org/markup-compatibility/2006">
+    <mc:Choice xmlns:p14="http://schemas.microsoft.com/office/powerpoint/2010/main" Requires="p14">
+      <p:transition spd="med" p14:dur="700">
+        <p:fade/>
+      </p:transition>
+    </mc:Choice>
+    <mc:Fallback>
+      <p:transition spd="med">
+        <p:fade/>
+      </p:transition>
+    </mc:Fallback>
+  </mc:AlternateContent>
+</p:sld>
+</file>
+
+<file path=ppt/slides/slide10.xml><?xml version="1.0" encoding="utf-8"?>
+<p:sld xmlns:a="http://schemas.openxmlformats.org/drawingml/2006/main" xmlns:r="http://schemas.openxmlformats.org/officeDocument/2006/relationships" xmlns:p="http://schemas.openxmlformats.org/presentationml/2006/main">
+  <p:cSld>
+    <p:spTree>
+      <p:nvGrpSpPr>
+        <p:cNvPr id="1" name=""/>
+        <p:cNvGrpSpPr/>
+        <p:nvPr/>
+      </p:nvGrpSpPr>
+      <p:grpSpPr>
+        <a:xfrm>
+          <a:off x="0" y="0"/>
+          <a:ext cx="0" cy="0"/>
+          <a:chOff x="0" y="0"/>
+          <a:chExt cx="0" cy="0"/>
+        </a:xfrm>
+      </p:grpSpPr>
+      <p:sp>
+        <p:nvSpPr>
+          <p:cNvPr id="4" name="Slide Number Placeholder 3">
+            <a:extLst>
+              <a:ext uri="{FF2B5EF4-FFF2-40B4-BE49-F238E27FC236}">
+                <a16:creationId xmlns:a16="http://schemas.microsoft.com/office/drawing/2014/main" id="{70E41F69-48F0-E2D4-0E3D-84D5C1843D9A}"/>
+              </a:ext>
+            </a:extLst>
+          </p:cNvPr>
+          <p:cNvSpPr>
+            <a:spLocks noGrp="1"/>
+          </p:cNvSpPr>
+          <p:nvPr>
+            <p:ph type="sldNum" sz="quarter" idx="12"/>
+          </p:nvPr>
+        </p:nvSpPr>
+        <p:spPr/>
+        <p:txBody>
+          <a:bodyPr/>
+          <a:lstStyle/>
+          <a:p>
+            <a:fld id="{DBA1B0FB-D917-4C8C-928F-313BD683BF39}" type="slidenum">
+              <a:rPr lang="en-US" smtClean="0"/>
+              <a:t>10</a:t>
+            </a:fld>
+            <a:endParaRPr lang="en-US"/>
+          </a:p>
+        </p:txBody>
+      </p:sp>
+      <p:sp>
+        <p:nvSpPr>
+          <p:cNvPr id="5" name="TextBox 4">
+            <a:extLst>
+              <a:ext uri="{FF2B5EF4-FFF2-40B4-BE49-F238E27FC236}">
+                <a16:creationId xmlns:a16="http://schemas.microsoft.com/office/drawing/2014/main" id="{3E6FC4C0-90CE-3A7D-74C2-FA57671DB58B}"/>
+              </a:ext>
+            </a:extLst>
+          </p:cNvPr>
+          <p:cNvSpPr txBox="1"/>
+          <p:nvPr/>
+        </p:nvSpPr>
+        <p:spPr>
+          <a:xfrm>
+            <a:off x="944880" y="1005840"/>
+            <a:ext cx="6240780" cy="923330"/>
+          </a:xfrm>
+          <a:prstGeom prst="rect">
+            <a:avLst/>
+          </a:prstGeom>
+          <a:noFill/>
+        </p:spPr>
+        <p:txBody>
+          <a:bodyPr wrap="square" rtlCol="0">
+            <a:spAutoFit/>
+          </a:bodyPr>
+          <a:lstStyle/>
+          <a:p>
+            <a:r>
+              <a:rPr lang="en-US" sz="5400" dirty="0">
+                <a:latin typeface="Times New Roman" panose="02020603050405020304" pitchFamily="18" charset="0"/>
+                <a:cs typeface="Times New Roman" panose="02020603050405020304" pitchFamily="18" charset="0"/>
+              </a:rPr>
+              <a:t>Conclusion</a:t>
+            </a:r>
+          </a:p>
+        </p:txBody>
+      </p:sp>
+      <p:sp>
+        <p:nvSpPr>
+          <p:cNvPr id="6" name="TextBox 5">
+            <a:extLst>
+              <a:ext uri="{FF2B5EF4-FFF2-40B4-BE49-F238E27FC236}">
+                <a16:creationId xmlns:a16="http://schemas.microsoft.com/office/drawing/2014/main" id="{BDCCCFB9-CA48-8C24-96C7-7F2473287B00}"/>
+              </a:ext>
+            </a:extLst>
+          </p:cNvPr>
+          <p:cNvSpPr txBox="1"/>
+          <p:nvPr/>
+        </p:nvSpPr>
+        <p:spPr>
+          <a:xfrm>
+            <a:off x="1036320" y="2225040"/>
+            <a:ext cx="9951720" cy="3693319"/>
+          </a:xfrm>
+          <a:prstGeom prst="rect">
+            <a:avLst/>
+          </a:prstGeom>
+          <a:noFill/>
+        </p:spPr>
+        <p:txBody>
+          <a:bodyPr wrap="square" rtlCol="0">
+            <a:spAutoFit/>
+          </a:bodyPr>
+          <a:lstStyle/>
+          <a:p>
+            <a:pPr marL="285750" indent="-285750">
+              <a:buFont typeface="Arial" panose="020B0604020202020204" pitchFamily="34" charset="0"/>
+              <a:buChar char="•"/>
+            </a:pPr>
+            <a:r>
+              <a:rPr lang="en-US" sz="2400" dirty="0"/>
+              <a:t>The farming community in the US still has a large reliance on tobacco sales</a:t>
+            </a:r>
+          </a:p>
+          <a:p>
+            <a:pPr marL="285750" indent="-285750">
+              <a:buFont typeface="Arial" panose="020B0604020202020204" pitchFamily="34" charset="0"/>
+              <a:buChar char="•"/>
+            </a:pPr>
+            <a:r>
+              <a:rPr lang="en-US" sz="2400" dirty="0"/>
+              <a:t>When you divide the financial revenue by the number of deaths per year, you get $507,503.38 per life.</a:t>
+            </a:r>
+          </a:p>
+          <a:p>
+            <a:pPr marL="285750" indent="-285750">
+              <a:buFont typeface="Arial" panose="020B0604020202020204" pitchFamily="34" charset="0"/>
+              <a:buChar char="•"/>
+            </a:pPr>
+            <a:r>
+              <a:rPr lang="en-US" sz="2400" dirty="0"/>
+              <a:t>States that have higher revenue does not always have a direct correlation with tobacco users</a:t>
+            </a:r>
+          </a:p>
+          <a:p>
+            <a:pPr marL="285750" indent="-285750">
+              <a:buFont typeface="Arial" panose="020B0604020202020204" pitchFamily="34" charset="0"/>
+              <a:buChar char="•"/>
+            </a:pPr>
+            <a:r>
+              <a:rPr lang="en-US" sz="2400" dirty="0"/>
+              <a:t>Further exploration would consist of what laws and taxes enforced have been proven to be successful and how can we implement them further</a:t>
+            </a:r>
+          </a:p>
+          <a:p>
+            <a:pPr marL="285750" indent="-285750">
+              <a:buFont typeface="Arial" panose="020B0604020202020204" pitchFamily="34" charset="0"/>
+              <a:buChar char="•"/>
+            </a:pPr>
+            <a:r>
+              <a:rPr lang="en-US" sz="2400" dirty="0"/>
+              <a:t>What other crops can supplement the income that tobacco currently provides?</a:t>
+            </a:r>
+          </a:p>
+          <a:p>
+            <a:pPr marL="285750" indent="-285750">
+              <a:buFont typeface="Arial" panose="020B0604020202020204" pitchFamily="34" charset="0"/>
+              <a:buChar char="•"/>
+            </a:pPr>
+            <a:endParaRPr lang="en-US" dirty="0"/>
+          </a:p>
+        </p:txBody>
+      </p:sp>
+    </p:spTree>
+    <p:extLst>
+      <p:ext uri="{BB962C8B-B14F-4D97-AF65-F5344CB8AC3E}">
+        <p14:creationId xmlns:p14="http://schemas.microsoft.com/office/powerpoint/2010/main" val="511791689"/>
+      </p:ext>
+    </p:extLst>
+  </p:cSld>
+  <p:clrMapOvr>
+    <a:masterClrMapping/>
+  </p:clrMapOvr>
+</p:sld>
+</file>
+
+<file path=ppt/slides/slide11.xml><?xml version="1.0" encoding="utf-8"?>
+<p:sld xmlns:a="http://schemas.openxmlformats.org/drawingml/2006/main" xmlns:r="http://schemas.openxmlformats.org/officeDocument/2006/relationships" xmlns:p="http://schemas.openxmlformats.org/presentationml/2006/main">
+  <p:cSld>
+    <p:spTree>
+      <p:nvGrpSpPr>
+        <p:cNvPr id="1" name=""/>
+        <p:cNvGrpSpPr/>
+        <p:nvPr/>
+      </p:nvGrpSpPr>
+      <p:grpSpPr>
+        <a:xfrm>
+          <a:off x="0" y="0"/>
+          <a:ext cx="0" cy="0"/>
+          <a:chOff x="0" y="0"/>
+          <a:chExt cx="0" cy="0"/>
+        </a:xfrm>
+      </p:grpSpPr>
+      <p:sp>
+        <p:nvSpPr>
+          <p:cNvPr id="3" name="Rectangle 2">
+            <a:extLst>
+              <a:ext uri="{FF2B5EF4-FFF2-40B4-BE49-F238E27FC236}">
+                <a16:creationId xmlns:a16="http://schemas.microsoft.com/office/drawing/2014/main" id="{CC62F63B-E1EE-6521-AD78-5C0724DEBE43}"/>
+              </a:ext>
+            </a:extLst>
+          </p:cNvPr>
+          <p:cNvSpPr/>
+          <p:nvPr/>
+        </p:nvSpPr>
+        <p:spPr>
+          <a:xfrm>
+            <a:off x="5257800" y="5303520"/>
+            <a:ext cx="1203356" cy="1417320"/>
+          </a:xfrm>
+          <a:prstGeom prst="rect">
+            <a:avLst/>
+          </a:prstGeom>
+          <a:solidFill>
+            <a:schemeClr val="accent6">
+              <a:lumMod val="50000"/>
+            </a:schemeClr>
+          </a:solidFill>
+          <a:ln>
+            <a:noFill/>
+          </a:ln>
+        </p:spPr>
+        <p:style>
+          <a:lnRef idx="2">
+            <a:schemeClr val="accent1">
+              <a:shade val="50000"/>
+            </a:schemeClr>
+          </a:lnRef>
+          <a:fillRef idx="1">
+            <a:schemeClr val="accent1"/>
+          </a:fillRef>
+          <a:effectRef idx="0">
+            <a:schemeClr val="accent1"/>
+          </a:effectRef>
+          <a:fontRef idx="minor">
+            <a:schemeClr val="lt1"/>
+          </a:fontRef>
+        </p:style>
+        <p:txBody>
+          <a:bodyPr rtlCol="0" anchor="ctr"/>
+          <a:lstStyle/>
+          <a:p>
+            <a:pPr algn="ctr"/>
+            <a:endParaRPr lang="en-US"/>
+          </a:p>
+        </p:txBody>
+      </p:sp>
+      <p:sp>
+        <p:nvSpPr>
+          <p:cNvPr id="7" name="Rectangle 6">
+            <a:extLst>
+              <a:ext uri="{FF2B5EF4-FFF2-40B4-BE49-F238E27FC236}">
+                <a16:creationId xmlns:a16="http://schemas.microsoft.com/office/drawing/2014/main" id="{8008F143-ED89-A67D-4478-186D5E2AE66B}"/>
+              </a:ext>
+            </a:extLst>
+          </p:cNvPr>
+          <p:cNvSpPr/>
+          <p:nvPr/>
+        </p:nvSpPr>
+        <p:spPr>
+          <a:xfrm>
+            <a:off x="11167206" y="0"/>
+            <a:ext cx="1131474" cy="1531620"/>
+          </a:xfrm>
+          <a:prstGeom prst="rect">
+            <a:avLst/>
+          </a:prstGeom>
+          <a:solidFill>
+            <a:schemeClr val="accent6">
+              <a:lumMod val="50000"/>
+            </a:schemeClr>
+          </a:solidFill>
+          <a:ln>
+            <a:noFill/>
+          </a:ln>
+        </p:spPr>
+        <p:style>
+          <a:lnRef idx="2">
+            <a:schemeClr val="accent1">
+              <a:shade val="50000"/>
+            </a:schemeClr>
+          </a:lnRef>
+          <a:fillRef idx="1">
+            <a:schemeClr val="accent1"/>
+          </a:fillRef>
+          <a:effectRef idx="0">
+            <a:schemeClr val="accent1"/>
+          </a:effectRef>
+          <a:fontRef idx="minor">
+            <a:schemeClr val="lt1"/>
+          </a:fontRef>
+        </p:style>
+        <p:txBody>
+          <a:bodyPr rtlCol="0" anchor="ctr"/>
+          <a:lstStyle/>
+          <a:p>
+            <a:pPr algn="ctr"/>
+            <a:endParaRPr lang="en-US"/>
+          </a:p>
+        </p:txBody>
+      </p:sp>
+      <p:sp>
+        <p:nvSpPr>
+          <p:cNvPr id="22" name="Title 21">
+            <a:extLst>
+              <a:ext uri="{FF2B5EF4-FFF2-40B4-BE49-F238E27FC236}">
+                <a16:creationId xmlns:a16="http://schemas.microsoft.com/office/drawing/2014/main" id="{F8FAEED9-1ECD-45F9-87A0-9394BAEABB79}"/>
+              </a:ext>
+            </a:extLst>
+          </p:cNvPr>
+          <p:cNvSpPr>
+            <a:spLocks noGrp="1"/>
+          </p:cNvSpPr>
+          <p:nvPr>
+            <p:ph type="ctrTitle"/>
+          </p:nvPr>
+        </p:nvSpPr>
+        <p:spPr>
+          <a:xfrm>
+            <a:off x="3742562" y="871854"/>
+            <a:ext cx="5437187" cy="2986234"/>
+          </a:xfrm>
+        </p:spPr>
+        <p:txBody>
+          <a:bodyPr/>
+          <a:lstStyle/>
+          <a:p>
+            <a:pPr algn="ctr"/>
+            <a:r>
+              <a:rPr lang="en-US" dirty="0"/>
+              <a:t>Thank You</a:t>
+            </a:r>
+          </a:p>
+        </p:txBody>
+      </p:sp>
+      <p:sp>
+        <p:nvSpPr>
+          <p:cNvPr id="23" name="Subtitle 22">
+            <a:extLst>
+              <a:ext uri="{FF2B5EF4-FFF2-40B4-BE49-F238E27FC236}">
+                <a16:creationId xmlns:a16="http://schemas.microsoft.com/office/drawing/2014/main" id="{8E5E4638-9BCB-4C2E-914F-CC868E2020D5}"/>
+              </a:ext>
+            </a:extLst>
+          </p:cNvPr>
+          <p:cNvSpPr>
+            <a:spLocks noGrp="1"/>
+          </p:cNvSpPr>
+          <p:nvPr>
+            <p:ph type="subTitle" idx="1"/>
+          </p:nvPr>
+        </p:nvSpPr>
+        <p:spPr>
+          <a:xfrm>
+            <a:off x="3742561" y="3983184"/>
+            <a:ext cx="5437187" cy="2265216"/>
+          </a:xfrm>
+        </p:spPr>
+        <p:txBody>
+          <a:bodyPr/>
+          <a:lstStyle/>
+          <a:p>
+            <a:pPr algn="ctr"/>
+            <a:r>
+              <a:rPr lang="en-US" dirty="0"/>
+              <a:t>Andrew Case</a:t>
+            </a:r>
+          </a:p>
+        </p:txBody>
+      </p:sp>
+      <p:sp>
+        <p:nvSpPr>
+          <p:cNvPr id="6" name="Slide Number Placeholder 5">
+            <a:extLst>
+              <a:ext uri="{FF2B5EF4-FFF2-40B4-BE49-F238E27FC236}">
+                <a16:creationId xmlns:a16="http://schemas.microsoft.com/office/drawing/2014/main" id="{36E60F23-FB58-4EF8-82FD-E86CED25FDD4}"/>
+              </a:ext>
+            </a:extLst>
+          </p:cNvPr>
+          <p:cNvSpPr>
+            <a:spLocks noGrp="1"/>
+          </p:cNvSpPr>
+          <p:nvPr>
+            <p:ph type="sldNum" sz="quarter" idx="12"/>
+          </p:nvPr>
+        </p:nvSpPr>
+        <p:spPr>
+          <a:xfrm>
+            <a:off x="9948863" y="6507212"/>
+            <a:ext cx="1692274" cy="153888"/>
+          </a:xfrm>
+        </p:spPr>
+        <p:txBody>
+          <a:bodyPr/>
+          <a:lstStyle/>
+          <a:p>
+            <a:fld id="{DBA1B0FB-D917-4C8C-928F-313BD683BF39}" type="slidenum">
+              <a:rPr lang="en-US" smtClean="0"/>
+              <a:pPr/>
+              <a:t>11</a:t>
+            </a:fld>
+            <a:endParaRPr lang="en-US"/>
+          </a:p>
+        </p:txBody>
+      </p:sp>
+      <p:sp>
+        <p:nvSpPr>
+          <p:cNvPr id="2" name="Rectangle 1">
+            <a:extLst>
+              <a:ext uri="{FF2B5EF4-FFF2-40B4-BE49-F238E27FC236}">
+                <a16:creationId xmlns:a16="http://schemas.microsoft.com/office/drawing/2014/main" id="{1982006A-3798-8239-D64C-183900C4B118}"/>
+              </a:ext>
+            </a:extLst>
+          </p:cNvPr>
+          <p:cNvSpPr/>
+          <p:nvPr/>
+        </p:nvSpPr>
+        <p:spPr>
+          <a:xfrm>
+            <a:off x="539688" y="5303520"/>
+            <a:ext cx="946212" cy="944880"/>
+          </a:xfrm>
+          <a:prstGeom prst="rect">
+            <a:avLst/>
+          </a:prstGeom>
+          <a:solidFill>
+            <a:schemeClr val="accent6">
+              <a:lumMod val="50000"/>
+            </a:schemeClr>
+          </a:solidFill>
+          <a:ln>
+            <a:noFill/>
+          </a:ln>
+        </p:spPr>
+        <p:style>
+          <a:lnRef idx="2">
+            <a:schemeClr val="accent1">
+              <a:shade val="50000"/>
+            </a:schemeClr>
+          </a:lnRef>
+          <a:fillRef idx="1">
+            <a:schemeClr val="accent1"/>
+          </a:fillRef>
+          <a:effectRef idx="0">
+            <a:schemeClr val="accent1"/>
+          </a:effectRef>
+          <a:fontRef idx="minor">
+            <a:schemeClr val="lt1"/>
+          </a:fontRef>
+        </p:style>
+        <p:txBody>
+          <a:bodyPr rtlCol="0" anchor="ctr"/>
+          <a:lstStyle/>
+          <a:p>
+            <a:pPr algn="ctr"/>
+            <a:endParaRPr lang="en-US"/>
+          </a:p>
+        </p:txBody>
+      </p:sp>
+    </p:spTree>
+    <p:extLst>
+      <p:ext uri="{BB962C8B-B14F-4D97-AF65-F5344CB8AC3E}">
+        <p14:creationId xmlns:p14="http://schemas.microsoft.com/office/powerpoint/2010/main" val="3247798845"/>
+      </p:ext>
+    </p:extLst>
+  </p:cSld>
+  <p:clrMapOvr>
+    <a:masterClrMapping/>
+  </p:clrMapOvr>
+  <mc:AlternateContent xmlns:mc="http://schemas.openxmlformats.org/markup-compatibility/2006">
+    <mc:Choice xmlns:p14="http://schemas.microsoft.com/office/powerpoint/2010/main" Requires="p14">
+      <p:transition spd="med" p14:dur="700">
+        <p:fade/>
+      </p:transition>
+    </mc:Choice>
+    <mc:Fallback>
+      <p:transition spd="med">
+        <p:fade/>
+      </p:transition>
+    </mc:Fallback>
+  </mc:AlternateContent>
 </p:sld>
 </file>
 
 <file path=ppt/slides/slide2.xml><?xml version="1.0" encoding="utf-8"?>
+<p:sld xmlns:a="http://schemas.openxmlformats.org/drawingml/2006/main" xmlns:r="http://schemas.openxmlformats.org/officeDocument/2006/relationships" xmlns:p="http://schemas.openxmlformats.org/presentationml/2006/main">
+  <p:cSld>
+    <p:bg>
+      <p:bgPr>
+        <a:solidFill>
+          <a:schemeClr val="bg2"/>
+        </a:solidFill>
+        <a:effectLst/>
+      </p:bgPr>
+    </p:bg>
+    <p:spTree>
+      <p:nvGrpSpPr>
+        <p:cNvPr id="1" name=""/>
+        <p:cNvGrpSpPr/>
+        <p:nvPr/>
+      </p:nvGrpSpPr>
+      <p:grpSpPr>
+        <a:xfrm>
+          <a:off x="0" y="0"/>
+          <a:ext cx="0" cy="0"/>
+          <a:chOff x="0" y="0"/>
+          <a:chExt cx="0" cy="0"/>
+        </a:xfrm>
+      </p:grpSpPr>
+      <p:sp>
+        <p:nvSpPr>
+          <p:cNvPr id="11" name="Freeform: Shape 10">
+            <a:extLst>
+              <a:ext uri="{FF2B5EF4-FFF2-40B4-BE49-F238E27FC236}">
+                <a16:creationId xmlns:a16="http://schemas.microsoft.com/office/drawing/2014/main" id="{82184FF4-7029-4ED7-813A-192E60608764}"/>
+              </a:ext>
+              <a:ext uri="{C183D7F6-B498-43B3-948B-1728B52AA6E4}">
+                <adec:decorative xmlns:adec="http://schemas.microsoft.com/office/drawing/2017/decorative" val="1"/>
+              </a:ext>
+            </a:extLst>
+          </p:cNvPr>
+          <p:cNvSpPr>
+            <a:spLocks noGrp="1" noRot="1" noChangeAspect="1" noMove="1" noResize="1" noEditPoints="1" noAdjustHandles="1" noChangeArrowheads="1" noChangeShapeType="1" noTextEdit="1"/>
+          </p:cNvSpPr>
+          <p:nvPr>
+            <p:extLst>
+              <p:ext uri="{386F3935-93C4-4BCD-93E2-E3B085C9AB24}">
+                <p16:designElem xmlns:p16="http://schemas.microsoft.com/office/powerpoint/2015/main" val="1"/>
+              </p:ext>
+            </p:extLst>
+          </p:nvPr>
+        </p:nvSpPr>
+        <p:spPr>
+          <a:xfrm rot="2700000">
+            <a:off x="612445" y="481888"/>
+            <a:ext cx="1080000" cy="1262947"/>
+          </a:xfrm>
+          <a:custGeom>
+            <a:avLst/>
+            <a:gdLst/>
+            <a:ahLst/>
+            <a:cxnLst/>
+            <a:rect l="l" t="t" r="r" b="b"/>
+            <a:pathLst>
+              <a:path w="1080000" h="1262947">
+                <a:moveTo>
+                  <a:pt x="540000" y="0"/>
+                </a:moveTo>
+                <a:lnTo>
+                  <a:pt x="1064374" y="931034"/>
+                </a:lnTo>
+                <a:lnTo>
+                  <a:pt x="1069029" y="938533"/>
+                </a:lnTo>
+                <a:cubicBezTo>
+                  <a:pt x="1076223" y="956109"/>
+                  <a:pt x="1080000" y="974307"/>
+                  <a:pt x="1080000" y="992947"/>
+                </a:cubicBezTo>
+                <a:cubicBezTo>
+                  <a:pt x="1080000" y="1142064"/>
+                  <a:pt x="838234" y="1262947"/>
+                  <a:pt x="540000" y="1262947"/>
+                </a:cubicBezTo>
+                <a:cubicBezTo>
+                  <a:pt x="241766" y="1262947"/>
+                  <a:pt x="0" y="1142064"/>
+                  <a:pt x="0" y="992947"/>
+                </a:cubicBezTo>
+                <a:cubicBezTo>
+                  <a:pt x="0" y="974307"/>
+                  <a:pt x="3778" y="956109"/>
+                  <a:pt x="10971" y="938533"/>
+                </a:cubicBezTo>
+                <a:lnTo>
+                  <a:pt x="15626" y="931034"/>
+                </a:lnTo>
+                <a:lnTo>
+                  <a:pt x="540000" y="0"/>
+                </a:lnTo>
+                <a:close/>
+              </a:path>
+            </a:pathLst>
+          </a:custGeom>
+          <a:gradFill>
+            <a:gsLst>
+              <a:gs pos="60000">
+                <a:schemeClr val="bg2">
+                  <a:lumMod val="90000"/>
+                  <a:lumOff val="10000"/>
+                </a:schemeClr>
+              </a:gs>
+              <a:gs pos="30000">
+                <a:schemeClr val="bg2">
+                  <a:lumMod val="90000"/>
+                  <a:lumOff val="10000"/>
+                </a:schemeClr>
+              </a:gs>
+              <a:gs pos="40000">
+                <a:schemeClr val="bg2">
+                  <a:lumMod val="75000"/>
+                  <a:lumOff val="25000"/>
+                </a:schemeClr>
+              </a:gs>
+              <a:gs pos="100000">
+                <a:schemeClr val="bg2"/>
+              </a:gs>
+            </a:gsLst>
+            <a:lin ang="600000" scaled="0"/>
+          </a:gradFill>
+          <a:ln>
+            <a:noFill/>
+          </a:ln>
+          <a:effectLst>
+            <a:innerShdw blurRad="254000" dist="101600" dir="2700000">
+              <a:schemeClr val="accent1">
+                <a:lumMod val="60000"/>
+                <a:lumOff val="40000"/>
+                <a:alpha val="40000"/>
+              </a:schemeClr>
+            </a:innerShdw>
+          </a:effectLst>
+        </p:spPr>
+        <p:style>
+          <a:lnRef idx="2">
+            <a:schemeClr val="accent1">
+              <a:shade val="50000"/>
+            </a:schemeClr>
+          </a:lnRef>
+          <a:fillRef idx="1">
+            <a:schemeClr val="accent1"/>
+          </a:fillRef>
+          <a:effectRef idx="0">
+            <a:schemeClr val="accent1"/>
+          </a:effectRef>
+          <a:fontRef idx="minor">
+            <a:schemeClr val="lt1"/>
+          </a:fontRef>
+        </p:style>
+        <p:txBody>
+          <a:bodyPr rot="0" spcFirstLastPara="0" vertOverflow="overflow" horzOverflow="overflow" vert="horz" wrap="square" lIns="91440" tIns="45720" rIns="91440" bIns="45720" numCol="1" spcCol="0" rtlCol="0" fromWordArt="0" anchor="ctr" anchorCtr="0" forceAA="0" compatLnSpc="1">
+            <a:prstTxWarp prst="textNoShape">
+              <a:avLst/>
+            </a:prstTxWarp>
+            <a:noAutofit/>
+          </a:bodyPr>
+          <a:lstStyle/>
+          <a:p>
+            <a:pPr algn="ctr"/>
+            <a:endParaRPr lang="en-US"/>
+          </a:p>
+        </p:txBody>
+      </p:sp>
+      <p:sp>
+        <p:nvSpPr>
+          <p:cNvPr id="13" name="Oval 12">
+            <a:extLst>
+              <a:ext uri="{FF2B5EF4-FFF2-40B4-BE49-F238E27FC236}">
+                <a16:creationId xmlns:a16="http://schemas.microsoft.com/office/drawing/2014/main" id="{AAA7AB09-557C-41AD-9113-FF9F68FA1035}"/>
+              </a:ext>
+              <a:ext uri="{C183D7F6-B498-43B3-948B-1728B52AA6E4}">
+                <adec:decorative xmlns:adec="http://schemas.microsoft.com/office/drawing/2017/decorative" val="1"/>
+              </a:ext>
+            </a:extLst>
+          </p:cNvPr>
+          <p:cNvSpPr>
+            <a:spLocks noGrp="1" noRot="1" noChangeAspect="1" noMove="1" noResize="1" noEditPoints="1" noAdjustHandles="1" noChangeArrowheads="1" noChangeShapeType="1" noTextEdit="1"/>
+          </p:cNvSpPr>
+          <p:nvPr>
+            <p:extLst>
+              <p:ext uri="{386F3935-93C4-4BCD-93E2-E3B085C9AB24}">
+                <p16:designElem xmlns:p16="http://schemas.microsoft.com/office/powerpoint/2015/main" val="1"/>
+              </p:ext>
+            </p:extLst>
+          </p:nvPr>
+        </p:nvSpPr>
+        <p:spPr>
+          <a:xfrm rot="8100000">
+            <a:off x="626845" y="828962"/>
+            <a:ext cx="540000" cy="1080000"/>
+          </a:xfrm>
+          <a:prstGeom prst="ellipse">
+            <a:avLst/>
+          </a:prstGeom>
+          <a:gradFill>
+            <a:gsLst>
+              <a:gs pos="100000">
+                <a:schemeClr val="bg2">
+                  <a:lumMod val="90000"/>
+                  <a:lumOff val="10000"/>
+                </a:schemeClr>
+              </a:gs>
+              <a:gs pos="50000">
+                <a:schemeClr val="bg2">
+                  <a:lumMod val="95000"/>
+                  <a:lumOff val="5000"/>
+                </a:schemeClr>
+              </a:gs>
+            </a:gsLst>
+            <a:lin ang="5400000" scaled="0"/>
+          </a:gradFill>
+          <a:ln>
+            <a:noFill/>
+          </a:ln>
+          <a:effectLst>
+            <a:innerShdw blurRad="1270000" dist="2540000">
+              <a:schemeClr val="accent1">
+                <a:lumMod val="60000"/>
+                <a:lumOff val="40000"/>
+                <a:alpha val="0"/>
+              </a:schemeClr>
+            </a:innerShdw>
+          </a:effectLst>
+        </p:spPr>
+        <p:style>
+          <a:lnRef idx="2">
+            <a:schemeClr val="accent1">
+              <a:shade val="50000"/>
+            </a:schemeClr>
+          </a:lnRef>
+          <a:fillRef idx="1">
+            <a:schemeClr val="accent1"/>
+          </a:fillRef>
+          <a:effectRef idx="0">
+            <a:schemeClr val="accent1"/>
+          </a:effectRef>
+          <a:fontRef idx="minor">
+            <a:schemeClr val="lt1"/>
+          </a:fontRef>
+        </p:style>
+        <p:txBody>
+          <a:bodyPr rot="0" spcFirstLastPara="0" vertOverflow="overflow" horzOverflow="overflow" vert="horz" wrap="square" lIns="91440" tIns="45720" rIns="91440" bIns="45720" numCol="1" spcCol="0" rtlCol="0" fromWordArt="0" anchor="ctr" anchorCtr="0" forceAA="0" compatLnSpc="1">
+            <a:prstTxWarp prst="textNoShape">
+              <a:avLst/>
+            </a:prstTxWarp>
+            <a:noAutofit/>
+          </a:bodyPr>
+          <a:lstStyle/>
+          <a:p>
+            <a:pPr algn="ctr"/>
+            <a:endParaRPr lang="en-US"/>
+          </a:p>
+        </p:txBody>
+      </p:sp>
+      <p:sp>
+        <p:nvSpPr>
+          <p:cNvPr id="15" name="Oval 14">
+            <a:extLst>
+              <a:ext uri="{FF2B5EF4-FFF2-40B4-BE49-F238E27FC236}">
+                <a16:creationId xmlns:a16="http://schemas.microsoft.com/office/drawing/2014/main" id="{EF99ECAA-1F11-4937-BBA6-51935AB44C9D}"/>
+              </a:ext>
+              <a:ext uri="{C183D7F6-B498-43B3-948B-1728B52AA6E4}">
+                <adec:decorative xmlns:adec="http://schemas.microsoft.com/office/drawing/2017/decorative" val="1"/>
+              </a:ext>
+            </a:extLst>
+          </p:cNvPr>
+          <p:cNvSpPr>
+            <a:spLocks noGrp="1" noRot="1" noChangeAspect="1" noMove="1" noResize="1" noEditPoints="1" noAdjustHandles="1" noChangeArrowheads="1" noChangeShapeType="1" noTextEdit="1"/>
+          </p:cNvSpPr>
+          <p:nvPr>
+            <p:extLst>
+              <p:ext uri="{386F3935-93C4-4BCD-93E2-E3B085C9AB24}">
+                <p16:designElem xmlns:p16="http://schemas.microsoft.com/office/powerpoint/2015/main" val="1"/>
+              </p:ext>
+            </p:extLst>
+          </p:nvPr>
+        </p:nvSpPr>
+        <p:spPr>
+          <a:xfrm>
+            <a:off x="1800802" y="2472855"/>
+            <a:ext cx="360000" cy="360000"/>
+          </a:xfrm>
+          <a:prstGeom prst="ellipse">
+            <a:avLst/>
+          </a:prstGeom>
+          <a:gradFill flip="none" rotWithShape="1">
+            <a:gsLst>
+              <a:gs pos="100000">
+                <a:schemeClr val="bg2">
+                  <a:lumMod val="50000"/>
+                  <a:lumOff val="50000"/>
+                </a:schemeClr>
+              </a:gs>
+              <a:gs pos="60000">
+                <a:schemeClr val="bg2"/>
+              </a:gs>
+            </a:gsLst>
+            <a:path path="circle">
+              <a:fillToRect l="100000" b="100000"/>
+            </a:path>
+            <a:tileRect t="-100000" r="-100000"/>
+          </a:gradFill>
+          <a:ln>
+            <a:noFill/>
+          </a:ln>
+          <a:effectLst>
+            <a:innerShdw blurRad="127000" dist="63500" dir="2700000">
+              <a:schemeClr val="accent1">
+                <a:lumMod val="60000"/>
+                <a:lumOff val="40000"/>
+                <a:alpha val="20000"/>
+              </a:schemeClr>
+            </a:innerShdw>
+            <a:softEdge rad="0"/>
+          </a:effectLst>
+        </p:spPr>
+        <p:style>
+          <a:lnRef idx="2">
+            <a:schemeClr val="accent1">
+              <a:shade val="50000"/>
+            </a:schemeClr>
+          </a:lnRef>
+          <a:fillRef idx="1">
+            <a:schemeClr val="accent1"/>
+          </a:fillRef>
+          <a:effectRef idx="0">
+            <a:schemeClr val="accent1"/>
+          </a:effectRef>
+          <a:fontRef idx="minor">
+            <a:schemeClr val="lt1"/>
+          </a:fontRef>
+        </p:style>
+        <p:txBody>
+          <a:bodyPr rot="0" spcFirstLastPara="0" vertOverflow="overflow" horzOverflow="overflow" vert="horz" wrap="square" lIns="91440" tIns="45720" rIns="91440" bIns="45720" numCol="1" spcCol="0" rtlCol="0" fromWordArt="0" anchor="ctr" anchorCtr="0" forceAA="0" compatLnSpc="1">
+            <a:prstTxWarp prst="textNoShape">
+              <a:avLst/>
+            </a:prstTxWarp>
+            <a:noAutofit/>
+          </a:bodyPr>
+          <a:lstStyle/>
+          <a:p>
+            <a:pPr algn="ctr"/>
+            <a:endParaRPr lang="en-US"/>
+          </a:p>
+        </p:txBody>
+      </p:sp>
+      <p:grpSp>
+        <p:nvGrpSpPr>
+          <p:cNvPr id="17" name="Group 16">
+            <a:extLst>
+              <a:ext uri="{FF2B5EF4-FFF2-40B4-BE49-F238E27FC236}">
+                <a16:creationId xmlns:a16="http://schemas.microsoft.com/office/drawing/2014/main" id="{79DE9FAB-6BBA-4CFE-B67D-77B47F01ECA4}"/>
+              </a:ext>
+              <a:ext uri="{C183D7F6-B498-43B3-948B-1728B52AA6E4}">
+                <adec:decorative xmlns:adec="http://schemas.microsoft.com/office/drawing/2017/decorative" val="1"/>
+              </a:ext>
+            </a:extLst>
+          </p:cNvPr>
+          <p:cNvGrpSpPr>
+            <a:grpSpLocks noGrp="1" noUngrp="1" noRot="1" noChangeAspect="1" noMove="1" noResize="1"/>
+          </p:cNvGrpSpPr>
+          <p:nvPr>
+            <p:extLst>
+              <p:ext uri="{386F3935-93C4-4BCD-93E2-E3B085C9AB24}">
+                <p16:designElem xmlns:p16="http://schemas.microsoft.com/office/powerpoint/2015/main" val="1"/>
+              </p:ext>
+            </p:extLst>
+          </p:nvPr>
+        </p:nvGrpSpPr>
+        <p:grpSpPr>
+          <a:xfrm>
+            <a:off x="1329952" y="4524379"/>
+            <a:ext cx="1980001" cy="1363916"/>
+            <a:chOff x="4879602" y="3781429"/>
+            <a:chExt cx="1980001" cy="1363916"/>
+          </a:xfrm>
+        </p:grpSpPr>
+        <p:sp>
+          <p:nvSpPr>
+            <p:cNvPr id="18" name="Freeform: Shape 17">
+              <a:extLst>
+                <a:ext uri="{FF2B5EF4-FFF2-40B4-BE49-F238E27FC236}">
+                  <a16:creationId xmlns:a16="http://schemas.microsoft.com/office/drawing/2014/main" id="{79FAC916-D9BB-4794-81B4-7C47C67E850D}"/>
+                </a:ext>
+                <a:ext uri="{C183D7F6-B498-43B3-948B-1728B52AA6E4}">
+                  <adec:decorative xmlns:adec="http://schemas.microsoft.com/office/drawing/2017/decorative" val="1"/>
+                </a:ext>
+              </a:extLst>
+            </p:cNvPr>
+            <p:cNvSpPr>
+              <a:spLocks noChangeAspect="1"/>
+            </p:cNvSpPr>
+            <p:nvPr>
+              <p:extLst>
+                <p:ext uri="{386F3935-93C4-4BCD-93E2-E3B085C9AB24}">
+                  <p16:designElem xmlns:p16="http://schemas.microsoft.com/office/powerpoint/2015/main" val="1"/>
+                </p:ext>
+              </p:extLst>
+            </p:nvPr>
+          </p:nvSpPr>
+          <p:spPr>
+            <a:xfrm rot="18900000" flipV="1">
+              <a:off x="5005634" y="4191206"/>
+              <a:ext cx="1853969" cy="926985"/>
+            </a:xfrm>
+            <a:custGeom>
+              <a:avLst/>
+              <a:gdLst>
+                <a:gd name="connsiteX0" fmla="*/ 1329373 w 2658746"/>
+                <a:gd name="connsiteY0" fmla="*/ 0 h 1329373"/>
+                <a:gd name="connsiteX1" fmla="*/ 2658746 w 2658746"/>
+                <a:gd name="connsiteY1" fmla="*/ 1329373 h 1329373"/>
+                <a:gd name="connsiteX2" fmla="*/ 1994059 w 2658746"/>
+                <a:gd name="connsiteY2" fmla="*/ 1329373 h 1329373"/>
+                <a:gd name="connsiteX3" fmla="*/ 1329373 w 2658746"/>
+                <a:gd name="connsiteY3" fmla="*/ 664687 h 1329373"/>
+                <a:gd name="connsiteX4" fmla="*/ 664687 w 2658746"/>
+                <a:gd name="connsiteY4" fmla="*/ 1329373 h 1329373"/>
+                <a:gd name="connsiteX5" fmla="*/ 0 w 2658746"/>
+                <a:gd name="connsiteY5" fmla="*/ 1329373 h 1329373"/>
+                <a:gd name="connsiteX6" fmla="*/ 1329373 w 2658746"/>
+                <a:gd name="connsiteY6" fmla="*/ 0 h 1329373"/>
+              </a:gdLst>
+              <a:ahLst/>
+              <a:cxnLst>
+                <a:cxn ang="0">
+                  <a:pos x="connsiteX0" y="connsiteY0"/>
+                </a:cxn>
+                <a:cxn ang="0">
+                  <a:pos x="connsiteX1" y="connsiteY1"/>
+                </a:cxn>
+                <a:cxn ang="0">
+                  <a:pos x="connsiteX2" y="connsiteY2"/>
+                </a:cxn>
+                <a:cxn ang="0">
+                  <a:pos x="connsiteX3" y="connsiteY3"/>
+                </a:cxn>
+                <a:cxn ang="0">
+                  <a:pos x="connsiteX4" y="connsiteY4"/>
+                </a:cxn>
+                <a:cxn ang="0">
+                  <a:pos x="connsiteX5" y="connsiteY5"/>
+                </a:cxn>
+                <a:cxn ang="0">
+                  <a:pos x="connsiteX6" y="connsiteY6"/>
+                </a:cxn>
+              </a:cxnLst>
+              <a:rect l="l" t="t" r="r" b="b"/>
+              <a:pathLst>
+                <a:path w="2658746" h="1329373">
+                  <a:moveTo>
+                    <a:pt x="1329373" y="0"/>
+                  </a:moveTo>
+                  <a:cubicBezTo>
+                    <a:pt x="2063565" y="0"/>
+                    <a:pt x="2658746" y="595181"/>
+                    <a:pt x="2658746" y="1329373"/>
+                  </a:cubicBezTo>
+                  <a:lnTo>
+                    <a:pt x="1994059" y="1329373"/>
+                  </a:lnTo>
+                  <a:cubicBezTo>
+                    <a:pt x="1994059" y="962277"/>
+                    <a:pt x="1696469" y="664687"/>
+                    <a:pt x="1329373" y="664687"/>
+                  </a:cubicBezTo>
+                  <a:cubicBezTo>
+                    <a:pt x="962277" y="664687"/>
+                    <a:pt x="664687" y="962277"/>
+                    <a:pt x="664687" y="1329373"/>
+                  </a:cubicBezTo>
+                  <a:lnTo>
+                    <a:pt x="0" y="1329373"/>
+                  </a:lnTo>
+                  <a:cubicBezTo>
+                    <a:pt x="0" y="595181"/>
+                    <a:pt x="595181" y="0"/>
+                    <a:pt x="1329373" y="0"/>
+                  </a:cubicBezTo>
+                  <a:close/>
+                </a:path>
+              </a:pathLst>
+            </a:custGeom>
+            <a:solidFill>
+              <a:schemeClr val="bg2"/>
+            </a:solidFill>
+            <a:ln>
+              <a:noFill/>
+            </a:ln>
+            <a:effectLst>
+              <a:innerShdw blurRad="254000" dist="50800" dir="16200000">
+                <a:schemeClr val="accent1">
+                  <a:lumMod val="40000"/>
+                  <a:lumOff val="60000"/>
+                  <a:alpha val="40000"/>
+                </a:schemeClr>
+              </a:innerShdw>
+            </a:effectLst>
+          </p:spPr>
+          <p:style>
+            <a:lnRef idx="2">
+              <a:schemeClr val="accent1">
+                <a:shade val="50000"/>
+              </a:schemeClr>
+            </a:lnRef>
+            <a:fillRef idx="1">
+              <a:schemeClr val="accent1"/>
+            </a:fillRef>
+            <a:effectRef idx="0">
+              <a:schemeClr val="accent1"/>
+            </a:effectRef>
+            <a:fontRef idx="minor">
+              <a:schemeClr val="lt1"/>
+            </a:fontRef>
+          </p:style>
+          <p:txBody>
+            <a:bodyPr rtlCol="0" anchor="ctr"/>
+            <a:lstStyle/>
+            <a:p>
+              <a:pPr algn="ctr"/>
+              <a:endParaRPr lang="en-US" dirty="0"/>
+            </a:p>
+          </p:txBody>
+        </p:sp>
+        <p:sp>
+          <p:nvSpPr>
+            <p:cNvPr id="19" name="Freeform: Shape 18">
+              <a:extLst>
+                <a:ext uri="{FF2B5EF4-FFF2-40B4-BE49-F238E27FC236}">
+                  <a16:creationId xmlns:a16="http://schemas.microsoft.com/office/drawing/2014/main" id="{B5CA2231-7A65-4D16-8400-A210CC41DB73}"/>
+                </a:ext>
+                <a:ext uri="{C183D7F6-B498-43B3-948B-1728B52AA6E4}">
+                  <adec:decorative xmlns:adec="http://schemas.microsoft.com/office/drawing/2017/decorative" val="1"/>
+                </a:ext>
+              </a:extLst>
+            </p:cNvPr>
+            <p:cNvSpPr>
+              <a:spLocks noChangeAspect="1"/>
+            </p:cNvSpPr>
+            <p:nvPr>
+              <p:extLst>
+                <p:ext uri="{386F3935-93C4-4BCD-93E2-E3B085C9AB24}">
+                  <p16:designElem xmlns:p16="http://schemas.microsoft.com/office/powerpoint/2015/main" val="1"/>
+                </p:ext>
+              </p:extLst>
+            </p:nvPr>
+          </p:nvSpPr>
+          <p:spPr>
+            <a:xfrm rot="18900000" flipV="1">
+              <a:off x="4957101" y="4052255"/>
+              <a:ext cx="1853969" cy="1093090"/>
+            </a:xfrm>
+            <a:custGeom>
+              <a:avLst/>
+              <a:gdLst>
+                <a:gd name="connsiteX0" fmla="*/ 1329373 w 2658746"/>
+                <a:gd name="connsiteY0" fmla="*/ 0 h 1329373"/>
+                <a:gd name="connsiteX1" fmla="*/ 2658746 w 2658746"/>
+                <a:gd name="connsiteY1" fmla="*/ 1329373 h 1329373"/>
+                <a:gd name="connsiteX2" fmla="*/ 1994059 w 2658746"/>
+                <a:gd name="connsiteY2" fmla="*/ 1329373 h 1329373"/>
+                <a:gd name="connsiteX3" fmla="*/ 1329373 w 2658746"/>
+                <a:gd name="connsiteY3" fmla="*/ 664687 h 1329373"/>
+                <a:gd name="connsiteX4" fmla="*/ 664687 w 2658746"/>
+                <a:gd name="connsiteY4" fmla="*/ 1329373 h 1329373"/>
+                <a:gd name="connsiteX5" fmla="*/ 0 w 2658746"/>
+                <a:gd name="connsiteY5" fmla="*/ 1329373 h 1329373"/>
+                <a:gd name="connsiteX6" fmla="*/ 1329373 w 2658746"/>
+                <a:gd name="connsiteY6" fmla="*/ 0 h 1329373"/>
+              </a:gdLst>
+              <a:ahLst/>
+              <a:cxnLst>
+                <a:cxn ang="0">
+                  <a:pos x="connsiteX0" y="connsiteY0"/>
+                </a:cxn>
+                <a:cxn ang="0">
+                  <a:pos x="connsiteX1" y="connsiteY1"/>
+                </a:cxn>
+                <a:cxn ang="0">
+                  <a:pos x="connsiteX2" y="connsiteY2"/>
+                </a:cxn>
+                <a:cxn ang="0">
+                  <a:pos x="connsiteX3" y="connsiteY3"/>
+                </a:cxn>
+                <a:cxn ang="0">
+                  <a:pos x="connsiteX4" y="connsiteY4"/>
+                </a:cxn>
+                <a:cxn ang="0">
+                  <a:pos x="connsiteX5" y="connsiteY5"/>
+                </a:cxn>
+                <a:cxn ang="0">
+                  <a:pos x="connsiteX6" y="connsiteY6"/>
+                </a:cxn>
+              </a:cxnLst>
+              <a:rect l="l" t="t" r="r" b="b"/>
+              <a:pathLst>
+                <a:path w="2658746" h="1329373">
+                  <a:moveTo>
+                    <a:pt x="1329373" y="0"/>
+                  </a:moveTo>
+                  <a:cubicBezTo>
+                    <a:pt x="2063565" y="0"/>
+                    <a:pt x="2658746" y="595181"/>
+                    <a:pt x="2658746" y="1329373"/>
+                  </a:cubicBezTo>
+                  <a:lnTo>
+                    <a:pt x="1994059" y="1329373"/>
+                  </a:lnTo>
+                  <a:cubicBezTo>
+                    <a:pt x="1994059" y="962277"/>
+                    <a:pt x="1696469" y="664687"/>
+                    <a:pt x="1329373" y="664687"/>
+                  </a:cubicBezTo>
+                  <a:cubicBezTo>
+                    <a:pt x="962277" y="664687"/>
+                    <a:pt x="664687" y="962277"/>
+                    <a:pt x="664687" y="1329373"/>
+                  </a:cubicBezTo>
+                  <a:lnTo>
+                    <a:pt x="0" y="1329373"/>
+                  </a:lnTo>
+                  <a:cubicBezTo>
+                    <a:pt x="0" y="595181"/>
+                    <a:pt x="595181" y="0"/>
+                    <a:pt x="1329373" y="0"/>
+                  </a:cubicBezTo>
+                  <a:close/>
+                </a:path>
+              </a:pathLst>
+            </a:custGeom>
+            <a:solidFill>
+              <a:schemeClr val="bg2">
+                <a:lumMod val="50000"/>
+                <a:lumOff val="50000"/>
+                <a:alpha val="40000"/>
+              </a:schemeClr>
+            </a:solidFill>
+            <a:ln>
+              <a:noFill/>
+            </a:ln>
+            <a:effectLst>
+              <a:softEdge rad="190500"/>
+            </a:effectLst>
+          </p:spPr>
+          <p:style>
+            <a:lnRef idx="2">
+              <a:schemeClr val="accent1">
+                <a:shade val="50000"/>
+              </a:schemeClr>
+            </a:lnRef>
+            <a:fillRef idx="1">
+              <a:schemeClr val="accent1"/>
+            </a:fillRef>
+            <a:effectRef idx="0">
+              <a:schemeClr val="accent1"/>
+            </a:effectRef>
+            <a:fontRef idx="minor">
+              <a:schemeClr val="lt1"/>
+            </a:fontRef>
+          </p:style>
+          <p:txBody>
+            <a:bodyPr rtlCol="0" anchor="ctr"/>
+            <a:lstStyle/>
+            <a:p>
+              <a:pPr algn="ctr"/>
+              <a:endParaRPr lang="en-US" dirty="0">
+                <a:solidFill>
+                  <a:schemeClr val="tx1"/>
+                </a:solidFill>
+              </a:endParaRPr>
+            </a:p>
+          </p:txBody>
+        </p:sp>
+        <p:sp>
+          <p:nvSpPr>
+            <p:cNvPr id="20" name="Oval 19">
+              <a:extLst>
+                <a:ext uri="{FF2B5EF4-FFF2-40B4-BE49-F238E27FC236}">
+                  <a16:creationId xmlns:a16="http://schemas.microsoft.com/office/drawing/2014/main" id="{4B089C8C-B82B-4704-88E2-E857A5E21529}"/>
+                </a:ext>
+                <a:ext uri="{C183D7F6-B498-43B3-948B-1728B52AA6E4}">
+                  <adec:decorative xmlns:adec="http://schemas.microsoft.com/office/drawing/2017/decorative" val="1"/>
+                </a:ext>
+              </a:extLst>
+            </p:cNvPr>
+            <p:cNvSpPr/>
+            <p:nvPr>
+              <p:extLst>
+                <p:ext uri="{386F3935-93C4-4BCD-93E2-E3B085C9AB24}">
+                  <p16:designElem xmlns:p16="http://schemas.microsoft.com/office/powerpoint/2015/main" val="1"/>
+                </p:ext>
+              </p:extLst>
+            </p:nvPr>
+          </p:nvSpPr>
+          <p:spPr>
+            <a:xfrm rot="13500000" flipV="1">
+              <a:off x="6040374" y="3601683"/>
+              <a:ext cx="107098" cy="466589"/>
+            </a:xfrm>
+            <a:prstGeom prst="ellipse">
+              <a:avLst/>
+            </a:prstGeom>
+            <a:solidFill>
+              <a:schemeClr val="bg2">
+                <a:lumMod val="90000"/>
+                <a:lumOff val="10000"/>
+              </a:schemeClr>
+            </a:solidFill>
+            <a:ln>
+              <a:noFill/>
+            </a:ln>
+            <a:effectLst>
+              <a:innerShdw blurRad="63500" dist="2540000">
+                <a:schemeClr val="accent1">
+                  <a:lumMod val="60000"/>
+                  <a:lumOff val="40000"/>
+                  <a:alpha val="0"/>
+                </a:schemeClr>
+              </a:innerShdw>
+            </a:effectLst>
+          </p:spPr>
+          <p:style>
+            <a:lnRef idx="2">
+              <a:schemeClr val="accent1">
+                <a:shade val="50000"/>
+              </a:schemeClr>
+            </a:lnRef>
+            <a:fillRef idx="1">
+              <a:schemeClr val="accent1"/>
+            </a:fillRef>
+            <a:effectRef idx="0">
+              <a:schemeClr val="accent1"/>
+            </a:effectRef>
+            <a:fontRef idx="minor">
+              <a:schemeClr val="lt1"/>
+            </a:fontRef>
+          </p:style>
+          <p:txBody>
+            <a:bodyPr rot="0" spcFirstLastPara="0" vertOverflow="overflow" horzOverflow="overflow" vert="horz" wrap="square" lIns="91440" tIns="45720" rIns="91440" bIns="45720" numCol="1" spcCol="0" rtlCol="0" fromWordArt="0" anchor="ctr" anchorCtr="0" forceAA="0" compatLnSpc="1">
+              <a:prstTxWarp prst="textNoShape">
+                <a:avLst/>
+              </a:prstTxWarp>
+              <a:noAutofit/>
+            </a:bodyPr>
+            <a:lstStyle/>
+            <a:p>
+              <a:pPr algn="ctr"/>
+              <a:endParaRPr lang="en-US"/>
+            </a:p>
+          </p:txBody>
+        </p:sp>
+        <p:sp>
+          <p:nvSpPr>
+            <p:cNvPr id="21" name="Oval 20">
+              <a:extLst>
+                <a:ext uri="{FF2B5EF4-FFF2-40B4-BE49-F238E27FC236}">
+                  <a16:creationId xmlns:a16="http://schemas.microsoft.com/office/drawing/2014/main" id="{434B90C8-5B4D-456E-AD99-80EF748FDD72}"/>
+                </a:ext>
+                <a:ext uri="{C183D7F6-B498-43B3-948B-1728B52AA6E4}">
+                  <adec:decorative xmlns:adec="http://schemas.microsoft.com/office/drawing/2017/decorative" val="1"/>
+                </a:ext>
+              </a:extLst>
+            </p:cNvPr>
+            <p:cNvSpPr/>
+            <p:nvPr>
+              <p:extLst>
+                <p:ext uri="{386F3935-93C4-4BCD-93E2-E3B085C9AB24}">
+                  <p16:designElem xmlns:p16="http://schemas.microsoft.com/office/powerpoint/2015/main" val="1"/>
+                </p:ext>
+              </p:extLst>
+            </p:nvPr>
+          </p:nvSpPr>
+          <p:spPr>
+            <a:xfrm rot="13500000" flipV="1">
+              <a:off x="5059348" y="4582709"/>
+              <a:ext cx="107098" cy="466589"/>
+            </a:xfrm>
+            <a:prstGeom prst="ellipse">
+              <a:avLst/>
+            </a:prstGeom>
+            <a:solidFill>
+              <a:schemeClr val="bg2">
+                <a:lumMod val="90000"/>
+                <a:lumOff val="10000"/>
+              </a:schemeClr>
+            </a:solidFill>
+            <a:ln>
+              <a:noFill/>
+            </a:ln>
+            <a:effectLst>
+              <a:innerShdw blurRad="63500" dist="2540000">
+                <a:schemeClr val="accent1">
+                  <a:lumMod val="60000"/>
+                  <a:lumOff val="40000"/>
+                  <a:alpha val="0"/>
+                </a:schemeClr>
+              </a:innerShdw>
+            </a:effectLst>
+          </p:spPr>
+          <p:style>
+            <a:lnRef idx="2">
+              <a:schemeClr val="accent1">
+                <a:shade val="50000"/>
+              </a:schemeClr>
+            </a:lnRef>
+            <a:fillRef idx="1">
+              <a:schemeClr val="accent1"/>
+            </a:fillRef>
+            <a:effectRef idx="0">
+              <a:schemeClr val="accent1"/>
+            </a:effectRef>
+            <a:fontRef idx="minor">
+              <a:schemeClr val="lt1"/>
+            </a:fontRef>
+          </p:style>
+          <p:txBody>
+            <a:bodyPr rot="0" spcFirstLastPara="0" vertOverflow="overflow" horzOverflow="overflow" vert="horz" wrap="square" lIns="91440" tIns="45720" rIns="91440" bIns="45720" numCol="1" spcCol="0" rtlCol="0" fromWordArt="0" anchor="ctr" anchorCtr="0" forceAA="0" compatLnSpc="1">
+              <a:prstTxWarp prst="textNoShape">
+                <a:avLst/>
+              </a:prstTxWarp>
+              <a:noAutofit/>
+            </a:bodyPr>
+            <a:lstStyle/>
+            <a:p>
+              <a:pPr algn="ctr"/>
+              <a:endParaRPr lang="en-US"/>
+            </a:p>
+          </p:txBody>
+        </p:sp>
+      </p:grpSp>
+      <p:sp useBgFill="1">
+        <p:nvSpPr>
+          <p:cNvPr id="23" name="Rectangle 22">
+            <a:extLst>
+              <a:ext uri="{FF2B5EF4-FFF2-40B4-BE49-F238E27FC236}">
+                <a16:creationId xmlns:a16="http://schemas.microsoft.com/office/drawing/2014/main" id="{1DB043B4-68C6-45B9-82AC-A5800EADB8DB}"/>
+              </a:ext>
+              <a:ext uri="{C183D7F6-B498-43B3-948B-1728B52AA6E4}">
+                <adec:decorative xmlns:adec="http://schemas.microsoft.com/office/drawing/2017/decorative" val="1"/>
+              </a:ext>
+            </a:extLst>
+          </p:cNvPr>
+          <p:cNvSpPr>
+            <a:spLocks noGrp="1" noRot="1" noChangeAspect="1" noMove="1" noResize="1" noEditPoints="1" noAdjustHandles="1" noChangeArrowheads="1" noChangeShapeType="1" noTextEdit="1"/>
+          </p:cNvSpPr>
+          <p:nvPr>
+            <p:extLst>
+              <p:ext uri="{386F3935-93C4-4BCD-93E2-E3B085C9AB24}">
+                <p16:designElem xmlns:p16="http://schemas.microsoft.com/office/powerpoint/2015/main" val="1"/>
+              </p:ext>
+            </p:extLst>
+          </p:nvPr>
+        </p:nvSpPr>
+        <p:spPr>
+          <a:xfrm>
+            <a:off x="0" y="0"/>
+            <a:ext cx="12192000" cy="6858000"/>
+          </a:xfrm>
+          <a:prstGeom prst="rect">
+            <a:avLst/>
+          </a:prstGeom>
+          <a:ln w="12700" cap="flat" cmpd="sng" algn="ctr">
+            <a:noFill/>
+            <a:prstDash val="solid"/>
+            <a:miter lim="800000"/>
+          </a:ln>
+          <a:effectLst/>
+          <a:extLst>
+            <a:ext uri="{91240B29-F687-4F45-9708-019B960494DF}">
+              <a14:hiddenLine xmlns:a14="http://schemas.microsoft.com/office/drawing/2010/main" w="12700" cap="flat" cmpd="sng" algn="ctr">
+                <a:solidFill>
+                  <a:schemeClr val="accent1">
+                    <a:shade val="50000"/>
+                  </a:schemeClr>
+                </a:solidFill>
+                <a:prstDash val="solid"/>
+                <a:miter lim="800000"/>
+              </a14:hiddenLine>
+            </a:ext>
+          </a:extLst>
+        </p:spPr>
+        <p:style>
+          <a:lnRef idx="2">
+            <a:schemeClr val="accent1">
+              <a:shade val="50000"/>
+            </a:schemeClr>
+          </a:lnRef>
+          <a:fillRef idx="1">
+            <a:schemeClr val="accent1"/>
+          </a:fillRef>
+          <a:effectRef idx="0">
+            <a:schemeClr val="accent1"/>
+          </a:effectRef>
+          <a:fontRef idx="minor">
+            <a:schemeClr val="lt1"/>
+          </a:fontRef>
+        </p:style>
+        <p:txBody>
+          <a:bodyPr rtlCol="0" anchor="ctr"/>
+          <a:lstStyle/>
+          <a:p>
+            <a:pPr algn="ctr"/>
+            <a:endParaRPr lang="en-US"/>
+          </a:p>
+        </p:txBody>
+      </p:sp>
+      <p:sp>
+        <p:nvSpPr>
+          <p:cNvPr id="3" name="Subtitle 2">
+            <a:extLst>
+              <a:ext uri="{FF2B5EF4-FFF2-40B4-BE49-F238E27FC236}">
+                <a16:creationId xmlns:a16="http://schemas.microsoft.com/office/drawing/2014/main" id="{C5864CD6-4BA7-B74E-5ABF-A86AC5898A24}"/>
+              </a:ext>
+            </a:extLst>
+          </p:cNvPr>
+          <p:cNvSpPr>
+            <a:spLocks noGrp="1"/>
+          </p:cNvSpPr>
+          <p:nvPr>
+            <p:ph type="subTitle" idx="1"/>
+          </p:nvPr>
+        </p:nvSpPr>
+        <p:spPr>
+          <a:xfrm>
+            <a:off x="550863" y="2947480"/>
+            <a:ext cx="4084599" cy="3145345"/>
+          </a:xfrm>
+        </p:spPr>
+        <p:txBody>
+          <a:bodyPr vert="horz" wrap="square" lIns="0" tIns="0" rIns="0" bIns="0" rtlCol="0">
+            <a:normAutofit/>
+          </a:bodyPr>
+          <a:lstStyle/>
+          <a:p>
+            <a:pPr marL="0">
+              <a:lnSpc>
+                <a:spcPct val="90000"/>
+              </a:lnSpc>
+            </a:pPr>
+            <a:r>
+              <a:rPr lang="en-US" sz="1600" dirty="0"/>
+              <a:t>I have been working with people in recovery most of my professional life. During this time, I have worked with alcoholics, meth addicts, heroin users, and more. In my experience, nicotine is one of if not the most challenging thing to walk away from. Everyone knows that smoking is harmful or even deadly. So why do we continue to see these products on the selves? </a:t>
+            </a:r>
+          </a:p>
+        </p:txBody>
+      </p:sp>
+      <p:grpSp>
+        <p:nvGrpSpPr>
+          <p:cNvPr id="25" name="Group 24">
+            <a:extLst>
+              <a:ext uri="{FF2B5EF4-FFF2-40B4-BE49-F238E27FC236}">
+                <a16:creationId xmlns:a16="http://schemas.microsoft.com/office/drawing/2014/main" id="{69EC2F64-8F06-4CEE-9EA2-76D0D2124726}"/>
+              </a:ext>
+              <a:ext uri="{C183D7F6-B498-43B3-948B-1728B52AA6E4}">
+                <adec:decorative xmlns:adec="http://schemas.microsoft.com/office/drawing/2017/decorative" val="1"/>
+              </a:ext>
+            </a:extLst>
+          </p:cNvPr>
+          <p:cNvGrpSpPr>
+            <a:grpSpLocks noGrp="1" noUngrp="1" noRot="1" noChangeAspect="1" noMove="1" noResize="1"/>
+          </p:cNvGrpSpPr>
+          <p:nvPr>
+            <p:extLst>
+              <p:ext uri="{386F3935-93C4-4BCD-93E2-E3B085C9AB24}">
+                <p16:designElem xmlns:p16="http://schemas.microsoft.com/office/powerpoint/2015/main" val="1"/>
+              </p:ext>
+            </p:extLst>
+          </p:nvPr>
+        </p:nvGrpSpPr>
+        <p:grpSpPr>
+          <a:xfrm>
+            <a:off x="-61232" y="437141"/>
+            <a:ext cx="631474" cy="634502"/>
+            <a:chOff x="-61232" y="437141"/>
+            <a:chExt cx="631474" cy="634502"/>
+          </a:xfrm>
+        </p:grpSpPr>
+        <p:sp>
+          <p:nvSpPr>
+            <p:cNvPr id="26" name="Freeform: Shape 25">
+              <a:extLst>
+                <a:ext uri="{FF2B5EF4-FFF2-40B4-BE49-F238E27FC236}">
+                  <a16:creationId xmlns:a16="http://schemas.microsoft.com/office/drawing/2014/main" id="{C090B7B3-EF52-4999-A926-D35E4F0C3E0A}"/>
+                </a:ext>
+                <a:ext uri="{C183D7F6-B498-43B3-948B-1728B52AA6E4}">
+                  <adec:decorative xmlns:adec="http://schemas.microsoft.com/office/drawing/2017/decorative" val="1"/>
+                </a:ext>
+              </a:extLst>
+            </p:cNvPr>
+            <p:cNvSpPr>
+              <a:spLocks noChangeAspect="1"/>
+            </p:cNvSpPr>
+            <p:nvPr>
+              <p:extLst>
+                <p:ext uri="{386F3935-93C4-4BCD-93E2-E3B085C9AB24}">
+                  <p16:designElem xmlns:p16="http://schemas.microsoft.com/office/powerpoint/2015/main" val="1"/>
+                </p:ext>
+              </p:extLst>
+            </p:nvPr>
+          </p:nvSpPr>
+          <p:spPr>
+            <a:xfrm rot="2700000">
+              <a:off x="705" y="375204"/>
+              <a:ext cx="507599" cy="631474"/>
+            </a:xfrm>
+            <a:custGeom>
+              <a:avLst/>
+              <a:gdLst>
+                <a:gd name="connsiteX0" fmla="*/ 237599 w 507599"/>
+                <a:gd name="connsiteY0" fmla="*/ 0 h 631474"/>
+                <a:gd name="connsiteX1" fmla="*/ 499786 w 507599"/>
+                <a:gd name="connsiteY1" fmla="*/ 465517 h 631474"/>
+                <a:gd name="connsiteX2" fmla="*/ 502114 w 507599"/>
+                <a:gd name="connsiteY2" fmla="*/ 469267 h 631474"/>
+                <a:gd name="connsiteX3" fmla="*/ 507599 w 507599"/>
+                <a:gd name="connsiteY3" fmla="*/ 496474 h 631474"/>
+                <a:gd name="connsiteX4" fmla="*/ 237599 w 507599"/>
+                <a:gd name="connsiteY4" fmla="*/ 631474 h 631474"/>
+                <a:gd name="connsiteX5" fmla="*/ 206472 w 507599"/>
+                <a:gd name="connsiteY5" fmla="*/ 628332 h 631474"/>
+                <a:gd name="connsiteX6" fmla="*/ 0 w 507599"/>
+                <a:gd name="connsiteY6" fmla="*/ 421860 h 631474"/>
+              </a:gdLst>
+              <a:ahLst/>
+              <a:cxnLst>
+                <a:cxn ang="0">
+                  <a:pos x="connsiteX0" y="connsiteY0"/>
+                </a:cxn>
+                <a:cxn ang="0">
+                  <a:pos x="connsiteX1" y="connsiteY1"/>
+                </a:cxn>
+                <a:cxn ang="0">
+                  <a:pos x="connsiteX2" y="connsiteY2"/>
+                </a:cxn>
+                <a:cxn ang="0">
+                  <a:pos x="connsiteX3" y="connsiteY3"/>
+                </a:cxn>
+                <a:cxn ang="0">
+                  <a:pos x="connsiteX4" y="connsiteY4"/>
+                </a:cxn>
+                <a:cxn ang="0">
+                  <a:pos x="connsiteX5" y="connsiteY5"/>
+                </a:cxn>
+                <a:cxn ang="0">
+                  <a:pos x="connsiteX6" y="connsiteY6"/>
+                </a:cxn>
+              </a:cxnLst>
+              <a:rect l="l" t="t" r="r" b="b"/>
+              <a:pathLst>
+                <a:path w="507599" h="631474">
+                  <a:moveTo>
+                    <a:pt x="237599" y="0"/>
+                  </a:moveTo>
+                  <a:lnTo>
+                    <a:pt x="499786" y="465517"/>
+                  </a:lnTo>
+                  <a:lnTo>
+                    <a:pt x="502114" y="469267"/>
+                  </a:lnTo>
+                  <a:cubicBezTo>
+                    <a:pt x="505711" y="478055"/>
+                    <a:pt x="507599" y="487154"/>
+                    <a:pt x="507599" y="496474"/>
+                  </a:cubicBezTo>
+                  <a:cubicBezTo>
+                    <a:pt x="507599" y="571032"/>
+                    <a:pt x="386716" y="631474"/>
+                    <a:pt x="237599" y="631474"/>
+                  </a:cubicBezTo>
+                  <a:lnTo>
+                    <a:pt x="206472" y="628332"/>
+                  </a:lnTo>
+                  <a:lnTo>
+                    <a:pt x="0" y="421860"/>
+                  </a:lnTo>
+                  <a:close/>
+                </a:path>
+              </a:pathLst>
+            </a:custGeom>
+            <a:gradFill>
+              <a:gsLst>
+                <a:gs pos="60000">
+                  <a:schemeClr val="bg2">
+                    <a:lumMod val="90000"/>
+                    <a:lumOff val="10000"/>
+                  </a:schemeClr>
+                </a:gs>
+                <a:gs pos="30000">
+                  <a:schemeClr val="bg2">
+                    <a:lumMod val="90000"/>
+                    <a:lumOff val="10000"/>
+                  </a:schemeClr>
+                </a:gs>
+                <a:gs pos="40000">
+                  <a:schemeClr val="bg2">
+                    <a:lumMod val="75000"/>
+                    <a:lumOff val="25000"/>
+                  </a:schemeClr>
+                </a:gs>
+                <a:gs pos="100000">
+                  <a:schemeClr val="bg2"/>
+                </a:gs>
+              </a:gsLst>
+              <a:lin ang="600000" scaled="0"/>
+            </a:gradFill>
+            <a:ln>
+              <a:noFill/>
+            </a:ln>
+            <a:effectLst>
+              <a:innerShdw blurRad="254000" dist="101600" dir="2700000">
+                <a:schemeClr val="accent1">
+                  <a:lumMod val="60000"/>
+                  <a:lumOff val="40000"/>
+                  <a:alpha val="20000"/>
+                </a:schemeClr>
+              </a:innerShdw>
+            </a:effectLst>
+          </p:spPr>
+          <p:style>
+            <a:lnRef idx="2">
+              <a:schemeClr val="accent1">
+                <a:shade val="50000"/>
+              </a:schemeClr>
+            </a:lnRef>
+            <a:fillRef idx="1">
+              <a:schemeClr val="accent1"/>
+            </a:fillRef>
+            <a:effectRef idx="0">
+              <a:schemeClr val="accent1"/>
+            </a:effectRef>
+            <a:fontRef idx="minor">
+              <a:schemeClr val="lt1"/>
+            </a:fontRef>
+          </p:style>
+          <p:txBody>
+            <a:bodyPr rot="0" spcFirstLastPara="0" vertOverflow="overflow" horzOverflow="overflow" vert="horz" wrap="square" lIns="91440" tIns="45720" rIns="91440" bIns="45720" numCol="1" spcCol="0" rtlCol="0" fromWordArt="0" anchor="ctr" anchorCtr="0" forceAA="0" compatLnSpc="1">
+              <a:prstTxWarp prst="textNoShape">
+                <a:avLst/>
+              </a:prstTxWarp>
+              <a:noAutofit/>
+            </a:bodyPr>
+            <a:lstStyle/>
+            <a:p>
+              <a:pPr algn="ctr"/>
+              <a:endParaRPr lang="en-US"/>
+            </a:p>
+          </p:txBody>
+        </p:sp>
+        <p:sp>
+          <p:nvSpPr>
+            <p:cNvPr id="27" name="Freeform: Shape 26">
+              <a:extLst>
+                <a:ext uri="{FF2B5EF4-FFF2-40B4-BE49-F238E27FC236}">
+                  <a16:creationId xmlns:a16="http://schemas.microsoft.com/office/drawing/2014/main" id="{B6552C80-AED0-4927-9F36-CD15EC9C4548}"/>
+                </a:ext>
+                <a:ext uri="{C183D7F6-B498-43B3-948B-1728B52AA6E4}">
+                  <adec:decorative xmlns:adec="http://schemas.microsoft.com/office/drawing/2017/decorative" val="1"/>
+                </a:ext>
+              </a:extLst>
+            </p:cNvPr>
+            <p:cNvSpPr/>
+            <p:nvPr>
+              <p:extLst>
+                <p:ext uri="{386F3935-93C4-4BCD-93E2-E3B085C9AB24}">
+                  <p16:designElem xmlns:p16="http://schemas.microsoft.com/office/powerpoint/2015/main" val="1"/>
+                </p:ext>
+              </p:extLst>
+            </p:nvPr>
+          </p:nvSpPr>
+          <p:spPr>
+            <a:xfrm rot="8100000">
+              <a:off x="-6132" y="570168"/>
+              <a:ext cx="270000" cy="501475"/>
+            </a:xfrm>
+            <a:custGeom>
+              <a:avLst/>
+              <a:gdLst>
+                <a:gd name="connsiteX0" fmla="*/ 66509 w 270000"/>
+                <a:gd name="connsiteY0" fmla="*/ 501475 h 501475"/>
+                <a:gd name="connsiteX1" fmla="*/ 59520 w 270000"/>
+                <a:gd name="connsiteY1" fmla="*/ 493888 h 501475"/>
+                <a:gd name="connsiteX2" fmla="*/ 0 w 270000"/>
+                <a:gd name="connsiteY2" fmla="*/ 270000 h 501475"/>
+                <a:gd name="connsiteX3" fmla="*/ 135000 w 270000"/>
+                <a:gd name="connsiteY3" fmla="*/ 0 h 501475"/>
+                <a:gd name="connsiteX4" fmla="*/ 270000 w 270000"/>
+                <a:gd name="connsiteY4" fmla="*/ 270000 h 501475"/>
+                <a:gd name="connsiteX5" fmla="*/ 266858 w 270000"/>
+                <a:gd name="connsiteY5" fmla="*/ 301126 h 501475"/>
+                <a:gd name="connsiteX6" fmla="*/ 144422 w 270000"/>
+                <a:gd name="connsiteY6" fmla="*/ 423562 h 501475"/>
+              </a:gdLst>
+              <a:ahLst/>
+              <a:cxnLst>
+                <a:cxn ang="0">
+                  <a:pos x="connsiteX0" y="connsiteY0"/>
+                </a:cxn>
+                <a:cxn ang="0">
+                  <a:pos x="connsiteX1" y="connsiteY1"/>
+                </a:cxn>
+                <a:cxn ang="0">
+                  <a:pos x="connsiteX2" y="connsiteY2"/>
+                </a:cxn>
+                <a:cxn ang="0">
+                  <a:pos x="connsiteX3" y="connsiteY3"/>
+                </a:cxn>
+                <a:cxn ang="0">
+                  <a:pos x="connsiteX4" y="connsiteY4"/>
+                </a:cxn>
+                <a:cxn ang="0">
+                  <a:pos x="connsiteX5" y="connsiteY5"/>
+                </a:cxn>
+                <a:cxn ang="0">
+                  <a:pos x="connsiteX6" y="connsiteY6"/>
+                </a:cxn>
+              </a:cxnLst>
+              <a:rect l="l" t="t" r="r" b="b"/>
+              <a:pathLst>
+                <a:path w="270000" h="501475">
+                  <a:moveTo>
+                    <a:pt x="66509" y="501475"/>
+                  </a:moveTo>
+                  <a:lnTo>
+                    <a:pt x="59520" y="493888"/>
+                  </a:lnTo>
+                  <a:cubicBezTo>
+                    <a:pt x="23610" y="445367"/>
+                    <a:pt x="0" y="363198"/>
+                    <a:pt x="0" y="270000"/>
+                  </a:cubicBezTo>
+                  <a:cubicBezTo>
+                    <a:pt x="0" y="120883"/>
+                    <a:pt x="60442" y="0"/>
+                    <a:pt x="135000" y="0"/>
+                  </a:cubicBezTo>
+                  <a:cubicBezTo>
+                    <a:pt x="209558" y="0"/>
+                    <a:pt x="270000" y="120883"/>
+                    <a:pt x="270000" y="270000"/>
+                  </a:cubicBezTo>
+                  <a:lnTo>
+                    <a:pt x="266858" y="301126"/>
+                  </a:lnTo>
+                  <a:lnTo>
+                    <a:pt x="144422" y="423562"/>
+                  </a:lnTo>
+                  <a:close/>
+                </a:path>
+              </a:pathLst>
+            </a:custGeom>
+            <a:gradFill>
+              <a:gsLst>
+                <a:gs pos="100000">
+                  <a:schemeClr val="bg2">
+                    <a:lumMod val="90000"/>
+                    <a:lumOff val="10000"/>
+                  </a:schemeClr>
+                </a:gs>
+                <a:gs pos="50000">
+                  <a:schemeClr val="bg2">
+                    <a:lumMod val="95000"/>
+                    <a:lumOff val="5000"/>
+                  </a:schemeClr>
+                </a:gs>
+              </a:gsLst>
+              <a:lin ang="5400000" scaled="0"/>
+            </a:gradFill>
+            <a:ln>
+              <a:noFill/>
+            </a:ln>
+            <a:effectLst>
+              <a:innerShdw blurRad="1270000" dist="2540000">
+                <a:schemeClr val="accent1">
+                  <a:lumMod val="60000"/>
+                  <a:lumOff val="40000"/>
+                  <a:alpha val="0"/>
+                </a:schemeClr>
+              </a:innerShdw>
+            </a:effectLst>
+          </p:spPr>
+          <p:style>
+            <a:lnRef idx="2">
+              <a:schemeClr val="accent1">
+                <a:shade val="50000"/>
+              </a:schemeClr>
+            </a:lnRef>
+            <a:fillRef idx="1">
+              <a:schemeClr val="accent1"/>
+            </a:fillRef>
+            <a:effectRef idx="0">
+              <a:schemeClr val="accent1"/>
+            </a:effectRef>
+            <a:fontRef idx="minor">
+              <a:schemeClr val="lt1"/>
+            </a:fontRef>
+          </p:style>
+          <p:txBody>
+            <a:bodyPr rot="0" spcFirstLastPara="0" vertOverflow="overflow" horzOverflow="overflow" vert="horz" wrap="square" lIns="91440" tIns="45720" rIns="91440" bIns="45720" numCol="1" spcCol="0" rtlCol="0" fromWordArt="0" anchor="ctr" anchorCtr="0" forceAA="0" compatLnSpc="1">
+              <a:prstTxWarp prst="textNoShape">
+                <a:avLst/>
+              </a:prstTxWarp>
+              <a:noAutofit/>
+            </a:bodyPr>
+            <a:lstStyle/>
+            <a:p>
+              <a:pPr algn="ctr"/>
+              <a:endParaRPr lang="en-US"/>
+            </a:p>
+          </p:txBody>
+        </p:sp>
+      </p:grpSp>
+      <p:sp>
+        <p:nvSpPr>
+          <p:cNvPr id="4" name="Title 3">
+            <a:extLst>
+              <a:ext uri="{FF2B5EF4-FFF2-40B4-BE49-F238E27FC236}">
+                <a16:creationId xmlns:a16="http://schemas.microsoft.com/office/drawing/2014/main" id="{88824ACD-37AC-CBF7-D11C-3724DB713211}"/>
+              </a:ext>
+            </a:extLst>
+          </p:cNvPr>
+          <p:cNvSpPr>
+            <a:spLocks noGrp="1"/>
+          </p:cNvSpPr>
+          <p:nvPr>
+            <p:ph type="ctrTitle"/>
+          </p:nvPr>
+        </p:nvSpPr>
+        <p:spPr>
+          <a:xfrm>
+            <a:off x="-82970" y="706746"/>
+            <a:ext cx="3565524" cy="1737853"/>
+          </a:xfrm>
+        </p:spPr>
+        <p:txBody>
+          <a:bodyPr vert="horz" wrap="square" lIns="0" tIns="0" rIns="0" bIns="0" rtlCol="0" anchor="b" anchorCtr="0">
+            <a:normAutofit/>
+          </a:bodyPr>
+          <a:lstStyle/>
+          <a:p>
+            <a:pPr>
+              <a:lnSpc>
+                <a:spcPct val="100000"/>
+              </a:lnSpc>
+            </a:pPr>
+            <a:r>
+              <a:rPr lang="en-US" sz="4800" dirty="0"/>
+              <a:t>Motivation </a:t>
+            </a:r>
+          </a:p>
+        </p:txBody>
+      </p:sp>
+      <p:sp>
+        <p:nvSpPr>
+          <p:cNvPr id="29" name="Oval 28">
+            <a:extLst>
+              <a:ext uri="{FF2B5EF4-FFF2-40B4-BE49-F238E27FC236}">
+                <a16:creationId xmlns:a16="http://schemas.microsoft.com/office/drawing/2014/main" id="{F77FE770-280D-4DDD-96A8-7FD8E9BC312C}"/>
+              </a:ext>
+              <a:ext uri="{C183D7F6-B498-43B3-948B-1728B52AA6E4}">
+                <adec:decorative xmlns:adec="http://schemas.microsoft.com/office/drawing/2017/decorative" val="1"/>
+              </a:ext>
+            </a:extLst>
+          </p:cNvPr>
+          <p:cNvSpPr>
+            <a:spLocks noGrp="1" noRot="1" noChangeAspect="1" noMove="1" noResize="1" noEditPoints="1" noAdjustHandles="1" noChangeArrowheads="1" noChangeShapeType="1" noTextEdit="1"/>
+          </p:cNvSpPr>
+          <p:nvPr>
+            <p:extLst>
+              <p:ext uri="{386F3935-93C4-4BCD-93E2-E3B085C9AB24}">
+                <p16:designElem xmlns:p16="http://schemas.microsoft.com/office/powerpoint/2015/main" val="1"/>
+              </p:ext>
+            </p:extLst>
+          </p:nvPr>
+        </p:nvSpPr>
+        <p:spPr>
+          <a:xfrm>
+            <a:off x="11556566" y="913664"/>
+            <a:ext cx="360000" cy="360000"/>
+          </a:xfrm>
+          <a:prstGeom prst="ellipse">
+            <a:avLst/>
+          </a:prstGeom>
+          <a:gradFill flip="none" rotWithShape="1">
+            <a:gsLst>
+              <a:gs pos="100000">
+                <a:schemeClr val="bg2">
+                  <a:lumMod val="50000"/>
+                  <a:lumOff val="50000"/>
+                </a:schemeClr>
+              </a:gs>
+              <a:gs pos="60000">
+                <a:schemeClr val="bg2"/>
+              </a:gs>
+            </a:gsLst>
+            <a:path path="circle">
+              <a:fillToRect l="100000" b="100000"/>
+            </a:path>
+            <a:tileRect t="-100000" r="-100000"/>
+          </a:gradFill>
+          <a:ln>
+            <a:noFill/>
+          </a:ln>
+          <a:effectLst>
+            <a:innerShdw blurRad="127000" dist="63500" dir="2700000">
+              <a:schemeClr val="accent1">
+                <a:lumMod val="60000"/>
+                <a:lumOff val="40000"/>
+                <a:alpha val="20000"/>
+              </a:schemeClr>
+            </a:innerShdw>
+            <a:softEdge rad="0"/>
+          </a:effectLst>
+        </p:spPr>
+        <p:style>
+          <a:lnRef idx="2">
+            <a:schemeClr val="accent1">
+              <a:shade val="50000"/>
+            </a:schemeClr>
+          </a:lnRef>
+          <a:fillRef idx="1">
+            <a:schemeClr val="accent1"/>
+          </a:fillRef>
+          <a:effectRef idx="0">
+            <a:schemeClr val="accent1"/>
+          </a:effectRef>
+          <a:fontRef idx="minor">
+            <a:schemeClr val="lt1"/>
+          </a:fontRef>
+        </p:style>
+        <p:txBody>
+          <a:bodyPr rot="0" spcFirstLastPara="0" vertOverflow="overflow" horzOverflow="overflow" vert="horz" wrap="square" lIns="91440" tIns="45720" rIns="91440" bIns="45720" numCol="1" spcCol="0" rtlCol="0" fromWordArt="0" anchor="ctr" anchorCtr="0" forceAA="0" compatLnSpc="1">
+            <a:prstTxWarp prst="textNoShape">
+              <a:avLst/>
+            </a:prstTxWarp>
+            <a:noAutofit/>
+          </a:bodyPr>
+          <a:lstStyle/>
+          <a:p>
+            <a:pPr algn="ctr"/>
+            <a:endParaRPr lang="en-US"/>
+          </a:p>
+        </p:txBody>
+      </p:sp>
+      <p:pic>
+        <p:nvPicPr>
+          <p:cNvPr id="6" name="Picture Placeholder 5">
+            <a:extLst>
+              <a:ext uri="{FF2B5EF4-FFF2-40B4-BE49-F238E27FC236}">
+                <a16:creationId xmlns:a16="http://schemas.microsoft.com/office/drawing/2014/main" id="{9515233E-D0F6-7553-3F3A-9D1CF2FE5AF4}"/>
+              </a:ext>
+            </a:extLst>
+          </p:cNvPr>
+          <p:cNvPicPr>
+            <a:picLocks noGrp="1" noChangeAspect="1"/>
+          </p:cNvPicPr>
+          <p:nvPr>
+            <p:ph type="pic" sz="quarter" idx="13"/>
+          </p:nvPr>
+        </p:nvPicPr>
+        <p:blipFill>
+          <a:blip r:embed="rId2"/>
+          <a:srcRect t="7813" b="7813"/>
+          <a:stretch>
+            <a:fillRect/>
+          </a:stretch>
+        </p:blipFill>
+        <p:spPr>
+          <a:xfrm>
+            <a:off x="8653533" y="2918090"/>
+            <a:ext cx="3520907" cy="1982963"/>
+          </a:xfrm>
+          <a:custGeom>
+            <a:avLst/>
+            <a:gdLst/>
+            <a:ahLst/>
+            <a:cxnLst/>
+            <a:rect l="l" t="t" r="r" b="b"/>
+            <a:pathLst>
+              <a:path w="7090239" h="2734921">
+                <a:moveTo>
+                  <a:pt x="0" y="0"/>
+                </a:moveTo>
+                <a:lnTo>
+                  <a:pt x="7090239" y="0"/>
+                </a:lnTo>
+                <a:lnTo>
+                  <a:pt x="7090239" y="2734921"/>
+                </a:lnTo>
+                <a:lnTo>
+                  <a:pt x="0" y="2734921"/>
+                </a:lnTo>
+                <a:close/>
+              </a:path>
+            </a:pathLst>
+          </a:custGeom>
+        </p:spPr>
+      </p:pic>
+      <p:sp>
+        <p:nvSpPr>
+          <p:cNvPr id="31" name="Freeform: Shape 30">
+            <a:extLst>
+              <a:ext uri="{FF2B5EF4-FFF2-40B4-BE49-F238E27FC236}">
+                <a16:creationId xmlns:a16="http://schemas.microsoft.com/office/drawing/2014/main" id="{63437291-597B-452C-9CD1-AAA2D823DF54}"/>
+              </a:ext>
+              <a:ext uri="{C183D7F6-B498-43B3-948B-1728B52AA6E4}">
+                <adec:decorative xmlns:adec="http://schemas.microsoft.com/office/drawing/2017/decorative" val="1"/>
+              </a:ext>
+            </a:extLst>
+          </p:cNvPr>
+          <p:cNvSpPr>
+            <a:spLocks noGrp="1" noRot="1" noChangeAspect="1" noMove="1" noResize="1" noEditPoints="1" noAdjustHandles="1" noChangeArrowheads="1" noChangeShapeType="1" noTextEdit="1"/>
+          </p:cNvSpPr>
+          <p:nvPr>
+            <p:extLst>
+              <p:ext uri="{386F3935-93C4-4BCD-93E2-E3B085C9AB24}">
+                <p16:designElem xmlns:p16="http://schemas.microsoft.com/office/powerpoint/2015/main" val="1"/>
+              </p:ext>
+            </p:extLst>
+          </p:nvPr>
+        </p:nvSpPr>
+        <p:spPr>
+          <a:xfrm rot="18900000">
+            <a:off x="8914626" y="5988981"/>
+            <a:ext cx="1564187" cy="926985"/>
+          </a:xfrm>
+          <a:custGeom>
+            <a:avLst/>
+            <a:gdLst>
+              <a:gd name="connsiteX0" fmla="*/ 1292680 w 1564187"/>
+              <a:gd name="connsiteY0" fmla="*/ 271508 h 926985"/>
+              <a:gd name="connsiteX1" fmla="*/ 1564187 w 1564187"/>
+              <a:gd name="connsiteY1" fmla="*/ 926985 h 926985"/>
+              <a:gd name="connsiteX2" fmla="*/ 1100694 w 1564187"/>
+              <a:gd name="connsiteY2" fmla="*/ 926985 h 926985"/>
+              <a:gd name="connsiteX3" fmla="*/ 637203 w 1564187"/>
+              <a:gd name="connsiteY3" fmla="*/ 463493 h 926985"/>
+              <a:gd name="connsiteX4" fmla="*/ 378060 w 1564187"/>
+              <a:gd name="connsiteY4" fmla="*/ 542650 h 926985"/>
+              <a:gd name="connsiteX5" fmla="*/ 328577 w 1564187"/>
+              <a:gd name="connsiteY5" fmla="*/ 583476 h 926985"/>
+              <a:gd name="connsiteX6" fmla="*/ 0 w 1564187"/>
+              <a:gd name="connsiteY6" fmla="*/ 254899 h 926985"/>
+              <a:gd name="connsiteX7" fmla="*/ 47554 w 1564187"/>
+              <a:gd name="connsiteY7" fmla="*/ 211679 h 926985"/>
+              <a:gd name="connsiteX8" fmla="*/ 637203 w 1564187"/>
+              <a:gd name="connsiteY8" fmla="*/ 0 h 926985"/>
+              <a:gd name="connsiteX9" fmla="*/ 1292680 w 1564187"/>
+              <a:gd name="connsiteY9" fmla="*/ 271508 h 926985"/>
+            </a:gdLst>
+            <a:ahLst/>
+            <a:cxnLst>
+              <a:cxn ang="0">
+                <a:pos x="connsiteX0" y="connsiteY0"/>
+              </a:cxn>
+              <a:cxn ang="0">
+                <a:pos x="connsiteX1" y="connsiteY1"/>
+              </a:cxn>
+              <a:cxn ang="0">
+                <a:pos x="connsiteX2" y="connsiteY2"/>
+              </a:cxn>
+              <a:cxn ang="0">
+                <a:pos x="connsiteX3" y="connsiteY3"/>
+              </a:cxn>
+              <a:cxn ang="0">
+                <a:pos x="connsiteX4" y="connsiteY4"/>
+              </a:cxn>
+              <a:cxn ang="0">
+                <a:pos x="connsiteX5" y="connsiteY5"/>
+              </a:cxn>
+              <a:cxn ang="0">
+                <a:pos x="connsiteX6" y="connsiteY6"/>
+              </a:cxn>
+              <a:cxn ang="0">
+                <a:pos x="connsiteX7" y="connsiteY7"/>
+              </a:cxn>
+              <a:cxn ang="0">
+                <a:pos x="connsiteX8" y="connsiteY8"/>
+              </a:cxn>
+              <a:cxn ang="0">
+                <a:pos x="connsiteX9" y="connsiteY9"/>
+              </a:cxn>
+            </a:cxnLst>
+            <a:rect l="l" t="t" r="r" b="b"/>
+            <a:pathLst>
+              <a:path w="1564187" h="926985">
+                <a:moveTo>
+                  <a:pt x="1292680" y="271508"/>
+                </a:moveTo>
+                <a:cubicBezTo>
+                  <a:pt x="1460431" y="439259"/>
+                  <a:pt x="1564187" y="671005"/>
+                  <a:pt x="1564187" y="926985"/>
+                </a:cubicBezTo>
+                <a:lnTo>
+                  <a:pt x="1100694" y="926985"/>
+                </a:lnTo>
+                <a:cubicBezTo>
+                  <a:pt x="1100694" y="671005"/>
+                  <a:pt x="893182" y="463493"/>
+                  <a:pt x="637203" y="463493"/>
+                </a:cubicBezTo>
+                <a:cubicBezTo>
+                  <a:pt x="541210" y="463493"/>
+                  <a:pt x="452034" y="492674"/>
+                  <a:pt x="378060" y="542650"/>
+                </a:cubicBezTo>
+                <a:lnTo>
+                  <a:pt x="328577" y="583476"/>
+                </a:lnTo>
+                <a:lnTo>
+                  <a:pt x="0" y="254899"/>
+                </a:lnTo>
+                <a:lnTo>
+                  <a:pt x="47554" y="211679"/>
+                </a:lnTo>
+                <a:cubicBezTo>
+                  <a:pt x="207792" y="79438"/>
+                  <a:pt x="413221" y="0"/>
+                  <a:pt x="637203" y="0"/>
+                </a:cubicBezTo>
+                <a:cubicBezTo>
+                  <a:pt x="893182" y="0"/>
+                  <a:pt x="1124928" y="103757"/>
+                  <a:pt x="1292680" y="271508"/>
+                </a:cubicBezTo>
+                <a:close/>
+              </a:path>
+            </a:pathLst>
+          </a:custGeom>
+          <a:solidFill>
+            <a:schemeClr val="bg2"/>
+          </a:solidFill>
+          <a:ln>
+            <a:noFill/>
+          </a:ln>
+          <a:effectLst>
+            <a:innerShdw blurRad="254000" dist="50800" dir="5400000">
+              <a:schemeClr val="accent1">
+                <a:lumMod val="40000"/>
+                <a:lumOff val="60000"/>
+                <a:alpha val="40000"/>
+              </a:schemeClr>
+            </a:innerShdw>
+          </a:effectLst>
+        </p:spPr>
+        <p:style>
+          <a:lnRef idx="2">
+            <a:schemeClr val="accent1">
+              <a:shade val="50000"/>
+            </a:schemeClr>
+          </a:lnRef>
+          <a:fillRef idx="1">
+            <a:schemeClr val="accent1"/>
+          </a:fillRef>
+          <a:effectRef idx="0">
+            <a:schemeClr val="accent1"/>
+          </a:effectRef>
+          <a:fontRef idx="minor">
+            <a:schemeClr val="lt1"/>
+          </a:fontRef>
+        </p:style>
+        <p:txBody>
+          <a:bodyPr wrap="square" rtlCol="0" anchor="ctr">
+            <a:noAutofit/>
+          </a:bodyPr>
+          <a:lstStyle/>
+          <a:p>
+            <a:pPr algn="ctr"/>
+            <a:endParaRPr lang="en-US" dirty="0">
+              <a:solidFill>
+                <a:schemeClr val="tx1"/>
+              </a:solidFill>
+            </a:endParaRPr>
+          </a:p>
+        </p:txBody>
+      </p:sp>
+      <p:sp>
+        <p:nvSpPr>
+          <p:cNvPr id="33" name="Freeform: Shape 32">
+            <a:extLst>
+              <a:ext uri="{FF2B5EF4-FFF2-40B4-BE49-F238E27FC236}">
+                <a16:creationId xmlns:a16="http://schemas.microsoft.com/office/drawing/2014/main" id="{CF07E0C9-4EB6-4A7B-809B-0C5C5E21361A}"/>
+              </a:ext>
+              <a:ext uri="{C183D7F6-B498-43B3-948B-1728B52AA6E4}">
+                <adec:decorative xmlns:adec="http://schemas.microsoft.com/office/drawing/2017/decorative" val="1"/>
+              </a:ext>
+            </a:extLst>
+          </p:cNvPr>
+          <p:cNvSpPr>
+            <a:spLocks noGrp="1" noRot="1" noChangeAspect="1" noMove="1" noResize="1" noEditPoints="1" noAdjustHandles="1" noChangeArrowheads="1" noChangeShapeType="1" noTextEdit="1"/>
+          </p:cNvSpPr>
+          <p:nvPr>
+            <p:extLst>
+              <p:ext uri="{386F3935-93C4-4BCD-93E2-E3B085C9AB24}">
+                <p16:designElem xmlns:p16="http://schemas.microsoft.com/office/powerpoint/2015/main" val="1"/>
+              </p:ext>
+            </p:extLst>
+          </p:nvPr>
+        </p:nvSpPr>
+        <p:spPr>
+          <a:xfrm rot="18900000">
+            <a:off x="9006442" y="5981236"/>
+            <a:ext cx="1534673" cy="1042921"/>
+          </a:xfrm>
+          <a:custGeom>
+            <a:avLst/>
+            <a:gdLst>
+              <a:gd name="connsiteX0" fmla="*/ 1197337 w 1534673"/>
+              <a:gd name="connsiteY0" fmla="*/ 238153 h 1042921"/>
+              <a:gd name="connsiteX1" fmla="*/ 1534673 w 1534673"/>
+              <a:gd name="connsiteY1" fmla="*/ 1042921 h 1042921"/>
+              <a:gd name="connsiteX2" fmla="*/ 1071180 w 1534673"/>
+              <a:gd name="connsiteY2" fmla="*/ 1042921 h 1042921"/>
+              <a:gd name="connsiteX3" fmla="*/ 607688 w 1534673"/>
+              <a:gd name="connsiteY3" fmla="*/ 521461 h 1042921"/>
+              <a:gd name="connsiteX4" fmla="*/ 427277 w 1534673"/>
+              <a:gd name="connsiteY4" fmla="*/ 562440 h 1042921"/>
+              <a:gd name="connsiteX5" fmla="*/ 351882 w 1534673"/>
+              <a:gd name="connsiteY5" fmla="*/ 608481 h 1042921"/>
+              <a:gd name="connsiteX6" fmla="*/ 0 w 1534673"/>
+              <a:gd name="connsiteY6" fmla="*/ 256600 h 1042921"/>
+              <a:gd name="connsiteX7" fmla="*/ 18040 w 1534673"/>
+              <a:gd name="connsiteY7" fmla="*/ 238152 h 1042921"/>
+              <a:gd name="connsiteX8" fmla="*/ 607688 w 1534673"/>
+              <a:gd name="connsiteY8" fmla="*/ 0 h 1042921"/>
+              <a:gd name="connsiteX9" fmla="*/ 1197337 w 1534673"/>
+              <a:gd name="connsiteY9" fmla="*/ 238153 h 1042921"/>
+            </a:gdLst>
+            <a:ahLst/>
+            <a:cxnLst>
+              <a:cxn ang="0">
+                <a:pos x="connsiteX0" y="connsiteY0"/>
+              </a:cxn>
+              <a:cxn ang="0">
+                <a:pos x="connsiteX1" y="connsiteY1"/>
+              </a:cxn>
+              <a:cxn ang="0">
+                <a:pos x="connsiteX2" y="connsiteY2"/>
+              </a:cxn>
+              <a:cxn ang="0">
+                <a:pos x="connsiteX3" y="connsiteY3"/>
+              </a:cxn>
+              <a:cxn ang="0">
+                <a:pos x="connsiteX4" y="connsiteY4"/>
+              </a:cxn>
+              <a:cxn ang="0">
+                <a:pos x="connsiteX5" y="connsiteY5"/>
+              </a:cxn>
+              <a:cxn ang="0">
+                <a:pos x="connsiteX6" y="connsiteY6"/>
+              </a:cxn>
+              <a:cxn ang="0">
+                <a:pos x="connsiteX7" y="connsiteY7"/>
+              </a:cxn>
+              <a:cxn ang="0">
+                <a:pos x="connsiteX8" y="connsiteY8"/>
+              </a:cxn>
+              <a:cxn ang="0">
+                <a:pos x="connsiteX9" y="connsiteY9"/>
+              </a:cxn>
+            </a:cxnLst>
+            <a:rect l="l" t="t" r="r" b="b"/>
+            <a:pathLst>
+              <a:path w="1534673" h="1042921">
+                <a:moveTo>
+                  <a:pt x="1197337" y="238153"/>
+                </a:moveTo>
+                <a:cubicBezTo>
+                  <a:pt x="1403356" y="429440"/>
+                  <a:pt x="1534673" y="718927"/>
+                  <a:pt x="1534673" y="1042921"/>
+                </a:cubicBezTo>
+                <a:lnTo>
+                  <a:pt x="1071180" y="1042921"/>
+                </a:lnTo>
+                <a:cubicBezTo>
+                  <a:pt x="1071180" y="754926"/>
+                  <a:pt x="863668" y="521461"/>
+                  <a:pt x="607688" y="521461"/>
+                </a:cubicBezTo>
+                <a:cubicBezTo>
+                  <a:pt x="543694" y="521461"/>
+                  <a:pt x="482728" y="536052"/>
+                  <a:pt x="427277" y="562440"/>
+                </a:cubicBezTo>
+                <a:lnTo>
+                  <a:pt x="351882" y="608481"/>
+                </a:lnTo>
+                <a:lnTo>
+                  <a:pt x="0" y="256600"/>
+                </a:lnTo>
+                <a:lnTo>
+                  <a:pt x="18040" y="238152"/>
+                </a:lnTo>
+                <a:cubicBezTo>
+                  <a:pt x="178278" y="89374"/>
+                  <a:pt x="383706" y="0"/>
+                  <a:pt x="607688" y="0"/>
+                </a:cubicBezTo>
+                <a:cubicBezTo>
+                  <a:pt x="831670" y="0"/>
+                  <a:pt x="1037099" y="89374"/>
+                  <a:pt x="1197337" y="238153"/>
+                </a:cubicBezTo>
+                <a:close/>
+              </a:path>
+            </a:pathLst>
+          </a:custGeom>
+          <a:solidFill>
+            <a:schemeClr val="bg2">
+              <a:lumMod val="50000"/>
+              <a:lumOff val="50000"/>
+              <a:alpha val="40000"/>
+            </a:schemeClr>
+          </a:solidFill>
+          <a:ln>
+            <a:noFill/>
+          </a:ln>
+          <a:effectLst>
+            <a:softEdge rad="190500"/>
+          </a:effectLst>
+        </p:spPr>
+        <p:style>
+          <a:lnRef idx="2">
+            <a:schemeClr val="accent1">
+              <a:shade val="50000"/>
+            </a:schemeClr>
+          </a:lnRef>
+          <a:fillRef idx="1">
+            <a:schemeClr val="accent1"/>
+          </a:fillRef>
+          <a:effectRef idx="0">
+            <a:schemeClr val="accent1"/>
+          </a:effectRef>
+          <a:fontRef idx="minor">
+            <a:schemeClr val="lt1"/>
+          </a:fontRef>
+        </p:style>
+        <p:txBody>
+          <a:bodyPr wrap="square" rtlCol="0" anchor="ctr">
+            <a:noAutofit/>
+          </a:bodyPr>
+          <a:lstStyle/>
+          <a:p>
+            <a:pPr algn="ctr"/>
+            <a:endParaRPr lang="en-US" dirty="0">
+              <a:solidFill>
+                <a:schemeClr val="tx1"/>
+              </a:solidFill>
+            </a:endParaRPr>
+          </a:p>
+        </p:txBody>
+      </p:sp>
+      <p:sp>
+        <p:nvSpPr>
+          <p:cNvPr id="35" name="Oval 34">
+            <a:extLst>
+              <a:ext uri="{FF2B5EF4-FFF2-40B4-BE49-F238E27FC236}">
+                <a16:creationId xmlns:a16="http://schemas.microsoft.com/office/drawing/2014/main" id="{6D5AEBCB-3691-4336-A5FB-0B0991ADA895}"/>
+              </a:ext>
+              <a:ext uri="{C183D7F6-B498-43B3-948B-1728B52AA6E4}">
+                <adec:decorative xmlns:adec="http://schemas.microsoft.com/office/drawing/2017/decorative" val="1"/>
+              </a:ext>
+            </a:extLst>
+          </p:cNvPr>
+          <p:cNvSpPr>
+            <a:spLocks noGrp="1" noRot="1" noChangeAspect="1" noMove="1" noResize="1" noEditPoints="1" noAdjustHandles="1" noChangeArrowheads="1" noChangeShapeType="1" noTextEdit="1"/>
+          </p:cNvSpPr>
+          <p:nvPr>
+            <p:extLst>
+              <p:ext uri="{386F3935-93C4-4BCD-93E2-E3B085C9AB24}">
+                <p16:designElem xmlns:p16="http://schemas.microsoft.com/office/powerpoint/2015/main" val="1"/>
+              </p:ext>
+            </p:extLst>
+          </p:nvPr>
+        </p:nvSpPr>
+        <p:spPr>
+          <a:xfrm rot="2700000">
+            <a:off x="10360438" y="6160328"/>
+            <a:ext cx="107098" cy="466589"/>
+          </a:xfrm>
+          <a:prstGeom prst="ellipse">
+            <a:avLst/>
+          </a:prstGeom>
+          <a:solidFill>
+            <a:schemeClr val="bg2"/>
+          </a:solidFill>
+          <a:ln>
+            <a:noFill/>
+          </a:ln>
+          <a:effectLst>
+            <a:innerShdw blurRad="63500" dist="2540000">
+              <a:schemeClr val="accent1">
+                <a:lumMod val="40000"/>
+                <a:lumOff val="60000"/>
+                <a:alpha val="20000"/>
+              </a:schemeClr>
+            </a:innerShdw>
+          </a:effectLst>
+        </p:spPr>
+        <p:style>
+          <a:lnRef idx="2">
+            <a:schemeClr val="accent1">
+              <a:shade val="50000"/>
+            </a:schemeClr>
+          </a:lnRef>
+          <a:fillRef idx="1">
+            <a:schemeClr val="accent1"/>
+          </a:fillRef>
+          <a:effectRef idx="0">
+            <a:schemeClr val="accent1"/>
+          </a:effectRef>
+          <a:fontRef idx="minor">
+            <a:schemeClr val="lt1"/>
+          </a:fontRef>
+        </p:style>
+        <p:txBody>
+          <a:bodyPr rot="0" spcFirstLastPara="0" vertOverflow="overflow" horzOverflow="overflow" vert="horz" wrap="square" lIns="91440" tIns="45720" rIns="91440" bIns="45720" numCol="1" spcCol="0" rtlCol="0" fromWordArt="0" anchor="ctr" anchorCtr="0" forceAA="0" compatLnSpc="1">
+            <a:prstTxWarp prst="textNoShape">
+              <a:avLst/>
+            </a:prstTxWarp>
+            <a:noAutofit/>
+          </a:bodyPr>
+          <a:lstStyle/>
+          <a:p>
+            <a:pPr algn="ctr"/>
+            <a:endParaRPr lang="en-US"/>
+          </a:p>
+        </p:txBody>
+      </p:sp>
+      <p:sp>
+        <p:nvSpPr>
+          <p:cNvPr id="7" name="Rectangle 6">
+            <a:extLst>
+              <a:ext uri="{FF2B5EF4-FFF2-40B4-BE49-F238E27FC236}">
+                <a16:creationId xmlns:a16="http://schemas.microsoft.com/office/drawing/2014/main" id="{8D39E671-F20D-F8FD-614A-1B1B28E0B3E5}"/>
+              </a:ext>
+            </a:extLst>
+          </p:cNvPr>
+          <p:cNvSpPr/>
+          <p:nvPr/>
+        </p:nvSpPr>
+        <p:spPr>
+          <a:xfrm>
+            <a:off x="8983980" y="5797135"/>
+            <a:ext cx="2133600" cy="1060865"/>
+          </a:xfrm>
+          <a:prstGeom prst="rect">
+            <a:avLst/>
+          </a:prstGeom>
+          <a:solidFill>
+            <a:schemeClr val="accent6">
+              <a:lumMod val="50000"/>
+            </a:schemeClr>
+          </a:solidFill>
+          <a:ln>
+            <a:noFill/>
+          </a:ln>
+        </p:spPr>
+        <p:style>
+          <a:lnRef idx="2">
+            <a:schemeClr val="accent1">
+              <a:shade val="50000"/>
+            </a:schemeClr>
+          </a:lnRef>
+          <a:fillRef idx="1">
+            <a:schemeClr val="accent1"/>
+          </a:fillRef>
+          <a:effectRef idx="0">
+            <a:schemeClr val="accent1"/>
+          </a:effectRef>
+          <a:fontRef idx="minor">
+            <a:schemeClr val="lt1"/>
+          </a:fontRef>
+        </p:style>
+        <p:txBody>
+          <a:bodyPr rtlCol="0" anchor="ctr"/>
+          <a:lstStyle/>
+          <a:p>
+            <a:pPr algn="ctr"/>
+            <a:endParaRPr lang="en-US"/>
+          </a:p>
+        </p:txBody>
+      </p:sp>
+      <p:sp>
+        <p:nvSpPr>
+          <p:cNvPr id="8" name="Title 3">
+            <a:extLst>
+              <a:ext uri="{FF2B5EF4-FFF2-40B4-BE49-F238E27FC236}">
+                <a16:creationId xmlns:a16="http://schemas.microsoft.com/office/drawing/2014/main" id="{0E542814-8863-0A32-CD9E-DB9B6F22F631}"/>
+              </a:ext>
+            </a:extLst>
+          </p:cNvPr>
+          <p:cNvSpPr txBox="1">
+            <a:spLocks/>
+          </p:cNvSpPr>
+          <p:nvPr/>
+        </p:nvSpPr>
+        <p:spPr>
+          <a:xfrm>
+            <a:off x="7242597" y="735002"/>
+            <a:ext cx="3565524" cy="1737853"/>
+          </a:xfrm>
+          <a:prstGeom prst="rect">
+            <a:avLst/>
+          </a:prstGeom>
+          <a:gradFill flip="none" rotWithShape="1">
+            <a:gsLst>
+              <a:gs pos="0">
+                <a:schemeClr val="bg2">
+                  <a:alpha val="0"/>
+                </a:schemeClr>
+              </a:gs>
+              <a:gs pos="50000">
+                <a:schemeClr val="bg2">
+                  <a:alpha val="70000"/>
+                </a:schemeClr>
+              </a:gs>
+            </a:gsLst>
+            <a:lin ang="10800000" scaled="1"/>
+            <a:tileRect/>
+          </a:gradFill>
+        </p:spPr>
+        <p:txBody>
+          <a:bodyPr vert="horz" wrap="square" lIns="0" tIns="0" rIns="0" bIns="0" rtlCol="0" anchor="b" anchorCtr="0">
+            <a:normAutofit/>
+          </a:bodyPr>
+          <a:lstStyle>
+            <a:lvl1pPr marL="548640" algn="l" defTabSz="914400" rtl="0" eaLnBrk="1" latinLnBrk="0" hangingPunct="1">
+              <a:lnSpc>
+                <a:spcPct val="90000"/>
+              </a:lnSpc>
+              <a:spcBef>
+                <a:spcPct val="0"/>
+              </a:spcBef>
+              <a:spcAft>
+                <a:spcPts val="1200"/>
+              </a:spcAft>
+              <a:buNone/>
+              <a:defRPr lang="en-US" sz="6400" kern="1200">
+                <a:solidFill>
+                  <a:schemeClr val="tx1"/>
+                </a:solidFill>
+                <a:latin typeface="+mj-lt"/>
+                <a:ea typeface="+mj-ea"/>
+                <a:cs typeface="+mj-cs"/>
+              </a:defRPr>
+            </a:lvl1pPr>
+          </a:lstStyle>
+          <a:p>
+            <a:pPr>
+              <a:lnSpc>
+                <a:spcPct val="100000"/>
+              </a:lnSpc>
+            </a:pPr>
+            <a:r>
+              <a:rPr lang="en-US" sz="4800" dirty="0"/>
+              <a:t>Tools Used </a:t>
+            </a:r>
+          </a:p>
+        </p:txBody>
+      </p:sp>
+      <p:cxnSp>
+        <p:nvCxnSpPr>
+          <p:cNvPr id="10" name="Straight Connector 9">
+            <a:extLst>
+              <a:ext uri="{FF2B5EF4-FFF2-40B4-BE49-F238E27FC236}">
+                <a16:creationId xmlns:a16="http://schemas.microsoft.com/office/drawing/2014/main" id="{3BE8EB64-DEEF-AA98-2C07-86615ECDCAE3}"/>
+              </a:ext>
+            </a:extLst>
+          </p:cNvPr>
+          <p:cNvCxnSpPr/>
+          <p:nvPr/>
+        </p:nvCxnSpPr>
+        <p:spPr>
+          <a:xfrm>
+            <a:off x="5593080" y="1326027"/>
+            <a:ext cx="0" cy="5176669"/>
+          </a:xfrm>
+          <a:prstGeom prst="line">
+            <a:avLst/>
+          </a:prstGeom>
+        </p:spPr>
+        <p:style>
+          <a:lnRef idx="2">
+            <a:schemeClr val="accent4"/>
+          </a:lnRef>
+          <a:fillRef idx="0">
+            <a:schemeClr val="accent4"/>
+          </a:fillRef>
+          <a:effectRef idx="1">
+            <a:schemeClr val="accent4"/>
+          </a:effectRef>
+          <a:fontRef idx="minor">
+            <a:schemeClr val="tx1"/>
+          </a:fontRef>
+        </p:style>
+      </p:cxnSp>
+      <p:pic>
+        <p:nvPicPr>
+          <p:cNvPr id="5" name="Picture 4">
+            <a:extLst>
+              <a:ext uri="{FF2B5EF4-FFF2-40B4-BE49-F238E27FC236}">
+                <a16:creationId xmlns:a16="http://schemas.microsoft.com/office/drawing/2014/main" id="{AC370759-652F-83D5-AC20-2A145B5F0DDC}"/>
+              </a:ext>
+            </a:extLst>
+          </p:cNvPr>
+          <p:cNvPicPr>
+            <a:picLocks noChangeAspect="1"/>
+          </p:cNvPicPr>
+          <p:nvPr/>
+        </p:nvPicPr>
+        <p:blipFill>
+          <a:blip r:embed="rId3"/>
+          <a:stretch>
+            <a:fillRect/>
+          </a:stretch>
+        </p:blipFill>
+        <p:spPr>
+          <a:xfrm>
+            <a:off x="6483984" y="2571049"/>
+            <a:ext cx="2750850" cy="2750850"/>
+          </a:xfrm>
+          <a:custGeom>
+            <a:avLst/>
+            <a:gdLst/>
+            <a:ahLst/>
+            <a:cxnLst/>
+            <a:rect l="l" t="t" r="r" b="b"/>
+            <a:pathLst>
+              <a:path w="7090239" h="2734921">
+                <a:moveTo>
+                  <a:pt x="0" y="0"/>
+                </a:moveTo>
+                <a:lnTo>
+                  <a:pt x="7090239" y="0"/>
+                </a:lnTo>
+                <a:lnTo>
+                  <a:pt x="7090239" y="2734921"/>
+                </a:lnTo>
+                <a:lnTo>
+                  <a:pt x="0" y="2734921"/>
+                </a:lnTo>
+                <a:close/>
+              </a:path>
+            </a:pathLst>
+          </a:custGeom>
+        </p:spPr>
+      </p:pic>
+    </p:spTree>
+    <p:extLst>
+      <p:ext uri="{BB962C8B-B14F-4D97-AF65-F5344CB8AC3E}">
+        <p14:creationId xmlns:p14="http://schemas.microsoft.com/office/powerpoint/2010/main" val="1228334974"/>
+      </p:ext>
+    </p:extLst>
+  </p:cSld>
+  <p:clrMapOvr>
+    <a:masterClrMapping/>
+  </p:clrMapOvr>
+</p:sld>
+</file>
+
+<file path=ppt/slides/slide3.xml><?xml version="1.0" encoding="utf-8"?>
 <p:sld xmlns:a="http://schemas.openxmlformats.org/drawingml/2006/main" xmlns:r="http://schemas.openxmlformats.org/officeDocument/2006/relationships" xmlns:p="http://schemas.openxmlformats.org/presentationml/2006/main">
   <p:cSld>
     <p:bg>
@@ -14048,7 +16720,12 @@
             <a:fillRect/>
           </a:stretch>
         </p:blipFill>
-        <p:spPr/>
+        <p:spPr>
+          <a:xfrm>
+            <a:off x="0" y="26110"/>
+            <a:ext cx="12192000" cy="6858000"/>
+          </a:xfrm>
+        </p:spPr>
       </p:pic>
       <p:sp>
         <p:nvSpPr>
@@ -14284,69 +16961,19 @@
               <a:buNone/>
             </a:pPr>
             <a:r>
-              <a:rPr lang="en-US" kern="1200" dirty="0">
-                <a:latin typeface="+mn-lt"/>
-                <a:ea typeface="+mn-ea"/>
-                <a:cs typeface="+mn-cs"/>
+              <a:rPr lang="en-US" sz="1800" dirty="0">
+                <a:effectLst/>
+                <a:latin typeface="Calibri" panose="020F0502020204030204" pitchFamily="34" charset="0"/>
+                <a:ea typeface="Calibri" panose="020F0502020204030204" pitchFamily="34" charset="0"/>
+                <a:cs typeface="Times New Roman" panose="02020603050405020304" pitchFamily="18" charset="0"/>
               </a:rPr>
-              <a:t>Subtitle</a:t>
+              <a:t>How often are tobacco products used in the US? How much is made from said products, and what would the economic impact be if these items were no longer in circulation? What are the current effects of the products on Americans’ health? Is our government doing enough to combat the negative outcomes?</a:t>
             </a:r>
-          </a:p>
-        </p:txBody>
-      </p:sp>
-      <p:sp>
-        <p:nvSpPr>
-          <p:cNvPr id="2" name="Date Placeholder 1">
-            <a:extLst>
-              <a:ext uri="{FF2B5EF4-FFF2-40B4-BE49-F238E27FC236}">
-                <a16:creationId xmlns:a16="http://schemas.microsoft.com/office/drawing/2014/main" id="{2910D835-B454-4270-BB35-86A187307E6F}"/>
-              </a:ext>
-            </a:extLst>
-          </p:cNvPr>
-          <p:cNvSpPr>
-            <a:spLocks noGrp="1"/>
-          </p:cNvSpPr>
-          <p:nvPr>
-            <p:ph type="dt" sz="half" idx="10"/>
-          </p:nvPr>
-        </p:nvSpPr>
-        <p:spPr/>
-        <p:txBody>
-          <a:bodyPr/>
-          <a:lstStyle/>
-          <a:p>
-            <a:r>
-              <a:rPr lang="en-US"/>
-              <a:t>Tuesday, February 2, 20XX</a:t>
-            </a:r>
-          </a:p>
-        </p:txBody>
-      </p:sp>
-      <p:sp>
-        <p:nvSpPr>
-          <p:cNvPr id="3" name="Footer Placeholder 2">
-            <a:extLst>
-              <a:ext uri="{FF2B5EF4-FFF2-40B4-BE49-F238E27FC236}">
-                <a16:creationId xmlns:a16="http://schemas.microsoft.com/office/drawing/2014/main" id="{7F7F653B-90B5-4F47-A33F-93DCB2EF68C2}"/>
-              </a:ext>
-            </a:extLst>
-          </p:cNvPr>
-          <p:cNvSpPr>
-            <a:spLocks noGrp="1"/>
-          </p:cNvSpPr>
-          <p:nvPr>
-            <p:ph type="ftr" sz="quarter" idx="11"/>
-          </p:nvPr>
-        </p:nvSpPr>
-        <p:spPr/>
-        <p:txBody>
-          <a:bodyPr/>
-          <a:lstStyle/>
-          <a:p>
-            <a:r>
-              <a:rPr lang="en-US"/>
-              <a:t>Sample Footer Text</a:t>
-            </a:r>
+            <a:endParaRPr lang="en-US" kern="1200" dirty="0">
+              <a:latin typeface="+mn-lt"/>
+              <a:ea typeface="+mn-ea"/>
+              <a:cs typeface="+mn-cs"/>
+            </a:endParaRPr>
           </a:p>
         </p:txBody>
       </p:sp>
@@ -14373,7 +17000,7 @@
           <a:p>
             <a:fld id="{DBA1B0FB-D917-4C8C-928F-313BD683BF39}" type="slidenum">
               <a:rPr lang="en-US" smtClean="0"/>
-              <a:t>2</a:t>
+              <a:t>3</a:t>
             </a:fld>
             <a:endParaRPr lang="en-US"/>
           </a:p>
@@ -14389,10 +17016,22 @@
   <p:clrMapOvr>
     <a:masterClrMapping/>
   </p:clrMapOvr>
+  <mc:AlternateContent xmlns:mc="http://schemas.openxmlformats.org/markup-compatibility/2006">
+    <mc:Choice xmlns:p14="http://schemas.microsoft.com/office/powerpoint/2010/main" Requires="p14">
+      <p:transition spd="med" p14:dur="700">
+        <p:fade/>
+      </p:transition>
+    </mc:Choice>
+    <mc:Fallback>
+      <p:transition spd="med">
+        <p:fade/>
+      </p:transition>
+    </mc:Fallback>
+  </mc:AlternateContent>
 </p:sld>
 </file>
 
-<file path=ppt/slides/slide3.xml><?xml version="1.0" encoding="utf-8"?>
+<file path=ppt/slides/slide4.xml><?xml version="1.0" encoding="utf-8"?>
 <p:sld xmlns:a="http://schemas.openxmlformats.org/drawingml/2006/main" xmlns:r="http://schemas.openxmlformats.org/officeDocument/2006/relationships" xmlns:p="http://schemas.openxmlformats.org/presentationml/2006/main">
   <p:cSld>
     <p:spTree>
@@ -14409,21 +17048,73 @@
           <a:chExt cx="0" cy="0"/>
         </a:xfrm>
       </p:grpSpPr>
+      <p:sp>
+        <p:nvSpPr>
+          <p:cNvPr id="11" name="Rectangle 10">
+            <a:extLst>
+              <a:ext uri="{FF2B5EF4-FFF2-40B4-BE49-F238E27FC236}">
+                <a16:creationId xmlns:a16="http://schemas.microsoft.com/office/drawing/2014/main" id="{E269C8D4-7177-9B8F-D0A9-33321E9DFF13}"/>
+              </a:ext>
+            </a:extLst>
+          </p:cNvPr>
+          <p:cNvSpPr/>
+          <p:nvPr/>
+        </p:nvSpPr>
+        <p:spPr>
+          <a:xfrm>
+            <a:off x="539688" y="5303520"/>
+            <a:ext cx="946212" cy="944880"/>
+          </a:xfrm>
+          <a:prstGeom prst="rect">
+            <a:avLst/>
+          </a:prstGeom>
+          <a:solidFill>
+            <a:schemeClr val="accent6">
+              <a:lumMod val="50000"/>
+            </a:schemeClr>
+          </a:solidFill>
+          <a:ln>
+            <a:noFill/>
+          </a:ln>
+        </p:spPr>
+        <p:style>
+          <a:lnRef idx="2">
+            <a:schemeClr val="accent1">
+              <a:shade val="50000"/>
+            </a:schemeClr>
+          </a:lnRef>
+          <a:fillRef idx="1">
+            <a:schemeClr val="accent1"/>
+          </a:fillRef>
+          <a:effectRef idx="0">
+            <a:schemeClr val="accent1"/>
+          </a:effectRef>
+          <a:fontRef idx="minor">
+            <a:schemeClr val="lt1"/>
+          </a:fontRef>
+        </p:style>
+        <p:txBody>
+          <a:bodyPr rtlCol="0" anchor="ctr"/>
+          <a:lstStyle/>
+          <a:p>
+            <a:pPr algn="ctr"/>
+            <a:endParaRPr lang="en-US"/>
+          </a:p>
+        </p:txBody>
+      </p:sp>
       <p:pic>
         <p:nvPicPr>
-          <p:cNvPr id="8" name="Content Placeholder 7">
-            <a:extLst>
-              <a:ext uri="{FF2B5EF4-FFF2-40B4-BE49-F238E27FC236}">
-                <a16:creationId xmlns:a16="http://schemas.microsoft.com/office/drawing/2014/main" id="{CC8E8B5E-C551-8B85-9074-7D35595D674E}"/>
+          <p:cNvPr id="14" name="Picture 13">
+            <a:extLst>
+              <a:ext uri="{FF2B5EF4-FFF2-40B4-BE49-F238E27FC236}">
+                <a16:creationId xmlns:a16="http://schemas.microsoft.com/office/drawing/2014/main" id="{B48975E8-4508-0501-37B5-EA26BB5EF7BF}"/>
               </a:ext>
             </a:extLst>
           </p:cNvPr>
           <p:cNvPicPr>
-            <a:picLocks noGrp="1" noChangeAspect="1"/>
+            <a:picLocks noChangeAspect="1"/>
           </p:cNvPicPr>
-          <p:nvPr>
-            <p:ph idx="1"/>
-          </p:nvPr>
+          <p:nvPr/>
         </p:nvPicPr>
         <p:blipFill>
           <a:blip r:embed="rId2"/>
@@ -14433,8 +17124,8 @@
         </p:blipFill>
         <p:spPr>
           <a:xfrm>
-            <a:off x="1647730" y="629170"/>
-            <a:ext cx="8896540" cy="6228830"/>
+            <a:off x="1278049" y="609600"/>
+            <a:ext cx="9031811" cy="6277136"/>
           </a:xfrm>
           <a:prstGeom prst="rect">
             <a:avLst/>
@@ -14464,7 +17155,7 @@
           <a:p>
             <a:fld id="{DBA1B0FB-D917-4C8C-928F-313BD683BF39}" type="slidenum">
               <a:rPr lang="en-US" smtClean="0"/>
-              <a:t>3</a:t>
+              <a:t>4</a:t>
             </a:fld>
             <a:endParaRPr lang="en-US"/>
           </a:p>
@@ -14518,7 +17209,7 @@
         </p:nvSpPr>
         <p:spPr>
           <a:xfrm>
-            <a:off x="8520261" y="6363141"/>
+            <a:off x="8362147" y="6457527"/>
             <a:ext cx="1947713" cy="429209"/>
           </a:xfrm>
           <a:prstGeom prst="rect">
@@ -14569,10 +17260,22 @@
   <p:clrMapOvr>
     <a:masterClrMapping/>
   </p:clrMapOvr>
+  <mc:AlternateContent xmlns:mc="http://schemas.openxmlformats.org/markup-compatibility/2006">
+    <mc:Choice xmlns:p14="http://schemas.microsoft.com/office/powerpoint/2010/main" Requires="p14">
+      <p:transition spd="med" p14:dur="700">
+        <p:fade/>
+      </p:transition>
+    </mc:Choice>
+    <mc:Fallback>
+      <p:transition spd="med">
+        <p:fade/>
+      </p:transition>
+    </mc:Fallback>
+  </mc:AlternateContent>
 </p:sld>
 </file>
 
-<file path=ppt/slides/slide4.xml><?xml version="1.0" encoding="utf-8"?>
+<file path=ppt/slides/slide5.xml><?xml version="1.0" encoding="utf-8"?>
 <p:sld xmlns:a="http://schemas.openxmlformats.org/drawingml/2006/main" xmlns:r="http://schemas.openxmlformats.org/officeDocument/2006/relationships" xmlns:p="http://schemas.openxmlformats.org/presentationml/2006/main">
   <p:cSld>
     <p:spTree>
@@ -14737,7 +17440,7 @@
             <a:fld id="{DBA1B0FB-D917-4C8C-928F-313BD683BF39}" type="slidenum">
               <a:rPr lang="en-US" smtClean="0"/>
               <a:pPr/>
-              <a:t>4</a:t>
+              <a:t>5</a:t>
             </a:fld>
             <a:endParaRPr lang="en-US" dirty="0"/>
           </a:p>
@@ -14808,10 +17511,22 @@
   <p:clrMapOvr>
     <a:masterClrMapping/>
   </p:clrMapOvr>
+  <mc:AlternateContent xmlns:mc="http://schemas.openxmlformats.org/markup-compatibility/2006">
+    <mc:Choice xmlns:p14="http://schemas.microsoft.com/office/powerpoint/2010/main" Requires="p14">
+      <p:transition spd="med" p14:dur="700">
+        <p:fade/>
+      </p:transition>
+    </mc:Choice>
+    <mc:Fallback>
+      <p:transition spd="med">
+        <p:fade/>
+      </p:transition>
+    </mc:Fallback>
+  </mc:AlternateContent>
 </p:sld>
 </file>
 
-<file path=ppt/slides/slide5.xml><?xml version="1.0" encoding="utf-8"?>
+<file path=ppt/slides/slide6.xml><?xml version="1.0" encoding="utf-8"?>
 <p:sld xmlns:a="http://schemas.openxmlformats.org/drawingml/2006/main" xmlns:r="http://schemas.openxmlformats.org/officeDocument/2006/relationships" xmlns:p="http://schemas.openxmlformats.org/presentationml/2006/main">
   <p:cSld>
     <p:spTree>
@@ -14830,6 +17545,60 @@
       </p:grpSpPr>
       <p:sp>
         <p:nvSpPr>
+          <p:cNvPr id="2" name="Rectangle 1">
+            <a:extLst>
+              <a:ext uri="{FF2B5EF4-FFF2-40B4-BE49-F238E27FC236}">
+                <a16:creationId xmlns:a16="http://schemas.microsoft.com/office/drawing/2014/main" id="{96D7E6C4-BF71-4401-E6FD-5D478C626D64}"/>
+              </a:ext>
+            </a:extLst>
+          </p:cNvPr>
+          <p:cNvSpPr/>
+          <p:nvPr/>
+        </p:nvSpPr>
+        <p:spPr>
+          <a:xfrm>
+            <a:off x="539688" y="5303519"/>
+            <a:ext cx="946212" cy="1005205"/>
+          </a:xfrm>
+          <a:prstGeom prst="rect">
+            <a:avLst/>
+          </a:prstGeom>
+          <a:solidFill>
+            <a:schemeClr val="accent6">
+              <a:lumMod val="50000"/>
+            </a:schemeClr>
+          </a:solidFill>
+          <a:ln>
+            <a:noFill/>
+          </a:ln>
+        </p:spPr>
+        <p:style>
+          <a:lnRef idx="2">
+            <a:schemeClr val="accent1">
+              <a:shade val="50000"/>
+            </a:schemeClr>
+          </a:lnRef>
+          <a:fillRef idx="1">
+            <a:schemeClr val="accent1"/>
+          </a:fillRef>
+          <a:effectRef idx="0">
+            <a:schemeClr val="accent1"/>
+          </a:effectRef>
+          <a:fontRef idx="minor">
+            <a:schemeClr val="lt1"/>
+          </a:fontRef>
+        </p:style>
+        <p:txBody>
+          <a:bodyPr rtlCol="0" anchor="ctr"/>
+          <a:lstStyle/>
+          <a:p>
+            <a:pPr algn="ctr"/>
+            <a:endParaRPr lang="en-US"/>
+          </a:p>
+        </p:txBody>
+      </p:sp>
+      <p:sp>
+        <p:nvSpPr>
           <p:cNvPr id="7" name="Title 6">
             <a:extLst>
               <a:ext uri="{FF2B5EF4-FFF2-40B4-BE49-F238E27FC236}">
@@ -14863,73 +17632,6 @@
       </p:sp>
       <p:sp>
         <p:nvSpPr>
-          <p:cNvPr id="4" name="Date Placeholder 3">
-            <a:extLst>
-              <a:ext uri="{FF2B5EF4-FFF2-40B4-BE49-F238E27FC236}">
-                <a16:creationId xmlns:a16="http://schemas.microsoft.com/office/drawing/2014/main" id="{E39EF484-38C8-4EDC-ACF5-695CFB216839}"/>
-              </a:ext>
-            </a:extLst>
-          </p:cNvPr>
-          <p:cNvSpPr>
-            <a:spLocks noGrp="1"/>
-          </p:cNvSpPr>
-          <p:nvPr>
-            <p:ph type="dt" sz="half" idx="10"/>
-          </p:nvPr>
-        </p:nvSpPr>
-        <p:spPr>
-          <a:xfrm>
-            <a:off x="550863" y="6507212"/>
-            <a:ext cx="2628900" cy="153888"/>
-          </a:xfrm>
-        </p:spPr>
-        <p:txBody>
-          <a:bodyPr/>
-          <a:lstStyle/>
-          <a:p>
-            <a:r>
-              <a:rPr lang="en-US"/>
-              <a:t>Tuesday, February 2, 20XX</a:t>
-            </a:r>
-            <a:endParaRPr lang="en-US" dirty="0"/>
-          </a:p>
-        </p:txBody>
-      </p:sp>
-      <p:sp>
-        <p:nvSpPr>
-          <p:cNvPr id="5" name="Footer Placeholder 4">
-            <a:extLst>
-              <a:ext uri="{FF2B5EF4-FFF2-40B4-BE49-F238E27FC236}">
-                <a16:creationId xmlns:a16="http://schemas.microsoft.com/office/drawing/2014/main" id="{AFD183D7-B16E-4A9D-BC4B-D1EC347BF97E}"/>
-              </a:ext>
-            </a:extLst>
-          </p:cNvPr>
-          <p:cNvSpPr>
-            <a:spLocks noGrp="1"/>
-          </p:cNvSpPr>
-          <p:nvPr>
-            <p:ph type="ftr" sz="quarter" idx="11"/>
-          </p:nvPr>
-        </p:nvSpPr>
-        <p:spPr>
-          <a:xfrm>
-            <a:off x="3359150" y="6507212"/>
-            <a:ext cx="6379210" cy="153888"/>
-          </a:xfrm>
-        </p:spPr>
-        <p:txBody>
-          <a:bodyPr/>
-          <a:lstStyle/>
-          <a:p>
-            <a:r>
-              <a:rPr lang="en-US"/>
-              <a:t>Sample Footer Text</a:t>
-            </a:r>
-          </a:p>
-        </p:txBody>
-      </p:sp>
-      <p:sp>
-        <p:nvSpPr>
           <p:cNvPr id="6" name="Slide Number Placeholder 5">
             <a:extLst>
               <a:ext uri="{FF2B5EF4-FFF2-40B4-BE49-F238E27FC236}">
@@ -14957,7 +17659,7 @@
             <a:fld id="{DBA1B0FB-D917-4C8C-928F-313BD683BF39}" type="slidenum">
               <a:rPr lang="en-US" smtClean="0"/>
               <a:pPr/>
-              <a:t>5</a:t>
+              <a:t>6</a:t>
             </a:fld>
             <a:endParaRPr lang="en-US"/>
           </a:p>
@@ -14965,10 +17667,10 @@
       </p:sp>
       <p:pic>
         <p:nvPicPr>
-          <p:cNvPr id="9" name="Picture 8">
-            <a:extLst>
-              <a:ext uri="{FF2B5EF4-FFF2-40B4-BE49-F238E27FC236}">
-                <a16:creationId xmlns:a16="http://schemas.microsoft.com/office/drawing/2014/main" id="{55FF9AD3-770C-E938-AAB2-592E719BF845}"/>
+          <p:cNvPr id="10" name="Picture 9">
+            <a:extLst>
+              <a:ext uri="{FF2B5EF4-FFF2-40B4-BE49-F238E27FC236}">
+                <a16:creationId xmlns:a16="http://schemas.microsoft.com/office/drawing/2014/main" id="{9B9D2667-D711-4832-3A5D-65657E23E3A4}"/>
               </a:ext>
             </a:extLst>
           </p:cNvPr>
@@ -14985,8 +17687,8 @@
         </p:blipFill>
         <p:spPr>
           <a:xfrm>
-            <a:off x="6178824" y="2663687"/>
-            <a:ext cx="6013175" cy="3429137"/>
+            <a:off x="1" y="2293620"/>
+            <a:ext cx="5943599" cy="3799205"/>
           </a:xfrm>
           <a:prstGeom prst="rect">
             <a:avLst/>
@@ -14995,10 +17697,10 @@
       </p:pic>
       <p:pic>
         <p:nvPicPr>
-          <p:cNvPr id="10" name="Picture 9">
-            <a:extLst>
-              <a:ext uri="{FF2B5EF4-FFF2-40B4-BE49-F238E27FC236}">
-                <a16:creationId xmlns:a16="http://schemas.microsoft.com/office/drawing/2014/main" id="{9B9D2667-D711-4832-3A5D-65657E23E3A4}"/>
+          <p:cNvPr id="3" name="Picture 2">
+            <a:extLst>
+              <a:ext uri="{FF2B5EF4-FFF2-40B4-BE49-F238E27FC236}">
+                <a16:creationId xmlns:a16="http://schemas.microsoft.com/office/drawing/2014/main" id="{37444B4D-C5D2-52EE-0520-ECFFAD912FDE}"/>
               </a:ext>
             </a:extLst>
           </p:cNvPr>
@@ -15015,8 +17717,8 @@
         </p:blipFill>
         <p:spPr>
           <a:xfrm>
-            <a:off x="1" y="2663687"/>
-            <a:ext cx="6013174" cy="3429137"/>
+            <a:off x="6013178" y="2293620"/>
+            <a:ext cx="6114826" cy="3799203"/>
           </a:xfrm>
           <a:prstGeom prst="rect">
             <a:avLst/>
@@ -15033,10 +17735,22 @@
   <p:clrMapOvr>
     <a:masterClrMapping/>
   </p:clrMapOvr>
+  <mc:AlternateContent xmlns:mc="http://schemas.openxmlformats.org/markup-compatibility/2006">
+    <mc:Choice xmlns:p14="http://schemas.microsoft.com/office/powerpoint/2010/main" Requires="p14">
+      <p:transition spd="med" p14:dur="700">
+        <p:fade/>
+      </p:transition>
+    </mc:Choice>
+    <mc:Fallback>
+      <p:transition spd="med">
+        <p:fade/>
+      </p:transition>
+    </mc:Fallback>
+  </mc:AlternateContent>
 </p:sld>
 </file>
 
-<file path=ppt/slides/slide6.xml><?xml version="1.0" encoding="utf-8"?>
+<file path=ppt/slides/slide7.xml><?xml version="1.0" encoding="utf-8"?>
 <p:sld xmlns:a="http://schemas.openxmlformats.org/drawingml/2006/main" xmlns:r="http://schemas.openxmlformats.org/officeDocument/2006/relationships" xmlns:p="http://schemas.openxmlformats.org/presentationml/2006/main">
   <p:cSld>
     <p:bg>
@@ -16157,119 +18871,12 @@
           </p:txBody>
         </p:sp>
       </p:grpSp>
-      <p:sp>
-        <p:nvSpPr>
-          <p:cNvPr id="20" name="Footer Placeholder 19">
-            <a:extLst>
-              <a:ext uri="{FF2B5EF4-FFF2-40B4-BE49-F238E27FC236}">
-                <a16:creationId xmlns:a16="http://schemas.microsoft.com/office/drawing/2014/main" id="{C77C6228-C5A8-44DC-ABD7-A22A4475D3DF}"/>
-              </a:ext>
-            </a:extLst>
-          </p:cNvPr>
-          <p:cNvSpPr>
-            <a:spLocks noGrp="1"/>
-          </p:cNvSpPr>
-          <p:nvPr>
-            <p:ph type="ftr" sz="quarter" idx="11"/>
-          </p:nvPr>
-        </p:nvSpPr>
-        <p:spPr>
-          <a:xfrm>
-            <a:off x="3359150" y="6507212"/>
-            <a:ext cx="6379210" cy="153888"/>
-          </a:xfrm>
-        </p:spPr>
-        <p:txBody>
-          <a:bodyPr vert="horz" wrap="square" lIns="0" tIns="0" rIns="0" bIns="0" rtlCol="0" anchor="ctr">
-            <a:normAutofit/>
-          </a:bodyPr>
-          <a:lstStyle/>
-          <a:p>
-            <a:pPr>
-              <a:spcAft>
-                <a:spcPts val="600"/>
-              </a:spcAft>
-            </a:pPr>
-            <a:r>
-              <a:rPr lang="en-US" kern="1200">
-                <a:solidFill>
-                  <a:schemeClr val="tx1">
-                    <a:alpha val="80000"/>
-                  </a:schemeClr>
-                </a:solidFill>
-                <a:latin typeface="+mn-lt"/>
-                <a:ea typeface="+mn-ea"/>
-                <a:cs typeface="+mn-cs"/>
-              </a:rPr>
-              <a:t>Sample Footer Text</a:t>
-            </a:r>
-          </a:p>
-        </p:txBody>
-      </p:sp>
-      <p:sp>
-        <p:nvSpPr>
-          <p:cNvPr id="21" name="Slide Number Placeholder 20">
-            <a:extLst>
-              <a:ext uri="{FF2B5EF4-FFF2-40B4-BE49-F238E27FC236}">
-                <a16:creationId xmlns:a16="http://schemas.microsoft.com/office/drawing/2014/main" id="{1C563B34-DD53-4FB1-B8C2-8914E01C6365}"/>
-              </a:ext>
-            </a:extLst>
-          </p:cNvPr>
-          <p:cNvSpPr>
-            <a:spLocks noGrp="1"/>
-          </p:cNvSpPr>
-          <p:nvPr>
-            <p:ph type="sldNum" sz="quarter" idx="12"/>
-          </p:nvPr>
-        </p:nvSpPr>
-        <p:spPr>
-          <a:xfrm>
-            <a:off x="9948863" y="6507212"/>
-            <a:ext cx="1692274" cy="153888"/>
-          </a:xfrm>
-        </p:spPr>
-        <p:txBody>
-          <a:bodyPr vert="horz" wrap="square" lIns="0" tIns="0" rIns="0" bIns="0" rtlCol="0" anchor="ctr">
-            <a:normAutofit/>
-          </a:bodyPr>
-          <a:lstStyle/>
-          <a:p>
-            <a:pPr>
-              <a:spcAft>
-                <a:spcPts val="600"/>
-              </a:spcAft>
-            </a:pPr>
-            <a:fld id="{DBA1B0FB-D917-4C8C-928F-313BD683BF39}" type="slidenum">
-              <a:rPr lang="en-US" smtClean="0">
-                <a:solidFill>
-                  <a:schemeClr val="tx1">
-                    <a:alpha val="80000"/>
-                  </a:schemeClr>
-                </a:solidFill>
-              </a:rPr>
-              <a:pPr>
-                <a:spcAft>
-                  <a:spcPts val="600"/>
-                </a:spcAft>
-              </a:pPr>
-              <a:t>6</a:t>
-            </a:fld>
-            <a:endParaRPr lang="en-US">
-              <a:solidFill>
-                <a:schemeClr val="tx1">
-                  <a:alpha val="80000"/>
-                </a:schemeClr>
-              </a:solidFill>
-            </a:endParaRPr>
-          </a:p>
-        </p:txBody>
-      </p:sp>
       <p:pic>
         <p:nvPicPr>
-          <p:cNvPr id="2" name="Picture 1">
-            <a:extLst>
-              <a:ext uri="{FF2B5EF4-FFF2-40B4-BE49-F238E27FC236}">
-                <a16:creationId xmlns:a16="http://schemas.microsoft.com/office/drawing/2014/main" id="{D9D7B5E1-1DE6-023D-EF6B-7BB0408B23CF}"/>
+          <p:cNvPr id="4" name="Picture 3">
+            <a:extLst>
+              <a:ext uri="{FF2B5EF4-FFF2-40B4-BE49-F238E27FC236}">
+                <a16:creationId xmlns:a16="http://schemas.microsoft.com/office/drawing/2014/main" id="{E20A50F1-D507-3B08-659E-2984B5310C5E}"/>
               </a:ext>
             </a:extLst>
           </p:cNvPr>
@@ -16286,8 +18893,8 @@
         </p:blipFill>
         <p:spPr>
           <a:xfrm>
-            <a:off x="700935" y="1053718"/>
-            <a:ext cx="10664169" cy="5607382"/>
+            <a:off x="110919" y="1137595"/>
+            <a:ext cx="10989231" cy="5635799"/>
           </a:xfrm>
           <a:prstGeom prst="rect">
             <a:avLst/>
@@ -16304,10 +18911,22 @@
   <p:clrMapOvr>
     <a:masterClrMapping/>
   </p:clrMapOvr>
+  <mc:AlternateContent xmlns:mc="http://schemas.openxmlformats.org/markup-compatibility/2006">
+    <mc:Choice xmlns:p14="http://schemas.microsoft.com/office/powerpoint/2010/main" Requires="p14">
+      <p:transition spd="med" p14:dur="700">
+        <p:fade/>
+      </p:transition>
+    </mc:Choice>
+    <mc:Fallback>
+      <p:transition spd="med">
+        <p:fade/>
+      </p:transition>
+    </mc:Fallback>
+  </mc:AlternateContent>
 </p:sld>
 </file>
 
-<file path=ppt/slides/slide7.xml><?xml version="1.0" encoding="utf-8"?>
+<file path=ppt/slides/slide8.xml><?xml version="1.0" encoding="utf-8"?>
 <p:sld xmlns:a="http://schemas.openxmlformats.org/drawingml/2006/main" xmlns:r="http://schemas.openxmlformats.org/officeDocument/2006/relationships" xmlns:p="http://schemas.openxmlformats.org/presentationml/2006/main">
   <p:cSld>
     <p:spTree>
@@ -16428,7 +19047,7 @@
           <a:p>
             <a:fld id="{DBA1B0FB-D917-4C8C-928F-313BD683BF39}" type="slidenum">
               <a:rPr lang="en-US" smtClean="0"/>
-              <a:t>7</a:t>
+              <a:t>8</a:t>
             </a:fld>
             <a:endParaRPr lang="en-US"/>
           </a:p>
@@ -16464,6 +19083,60 @@
           </a:prstGeom>
         </p:spPr>
       </p:pic>
+      <p:sp>
+        <p:nvSpPr>
+          <p:cNvPr id="9" name="Rectangle 8">
+            <a:extLst>
+              <a:ext uri="{FF2B5EF4-FFF2-40B4-BE49-F238E27FC236}">
+                <a16:creationId xmlns:a16="http://schemas.microsoft.com/office/drawing/2014/main" id="{070B35F6-9224-AF46-F3C1-96CEFF0115AB}"/>
+              </a:ext>
+            </a:extLst>
+          </p:cNvPr>
+          <p:cNvSpPr/>
+          <p:nvPr/>
+        </p:nvSpPr>
+        <p:spPr>
+          <a:xfrm>
+            <a:off x="550862" y="5147944"/>
+            <a:ext cx="946212" cy="1085216"/>
+          </a:xfrm>
+          <a:prstGeom prst="rect">
+            <a:avLst/>
+          </a:prstGeom>
+          <a:solidFill>
+            <a:schemeClr val="accent6">
+              <a:lumMod val="50000"/>
+            </a:schemeClr>
+          </a:solidFill>
+          <a:ln>
+            <a:noFill/>
+          </a:ln>
+        </p:spPr>
+        <p:style>
+          <a:lnRef idx="2">
+            <a:schemeClr val="accent1">
+              <a:shade val="50000"/>
+            </a:schemeClr>
+          </a:lnRef>
+          <a:fillRef idx="1">
+            <a:schemeClr val="accent1"/>
+          </a:fillRef>
+          <a:effectRef idx="0">
+            <a:schemeClr val="accent1"/>
+          </a:effectRef>
+          <a:fontRef idx="minor">
+            <a:schemeClr val="lt1"/>
+          </a:fontRef>
+        </p:style>
+        <p:txBody>
+          <a:bodyPr rtlCol="0" anchor="ctr"/>
+          <a:lstStyle/>
+          <a:p>
+            <a:pPr algn="ctr"/>
+            <a:endParaRPr lang="en-US"/>
+          </a:p>
+        </p:txBody>
+      </p:sp>
     </p:spTree>
     <p:extLst>
       <p:ext uri="{BB962C8B-B14F-4D97-AF65-F5344CB8AC3E}">
@@ -16474,10 +19147,22 @@
   <p:clrMapOvr>
     <a:masterClrMapping/>
   </p:clrMapOvr>
+  <mc:AlternateContent xmlns:mc="http://schemas.openxmlformats.org/markup-compatibility/2006">
+    <mc:Choice xmlns:p14="http://schemas.microsoft.com/office/powerpoint/2010/main" Requires="p14">
+      <p:transition spd="med" p14:dur="700">
+        <p:fade/>
+      </p:transition>
+    </mc:Choice>
+    <mc:Fallback>
+      <p:transition spd="med">
+        <p:fade/>
+      </p:transition>
+    </mc:Fallback>
+  </mc:AlternateContent>
 </p:sld>
 </file>
 
-<file path=ppt/slides/slide8.xml><?xml version="1.0" encoding="utf-8"?>
+<file path=ppt/slides/slide9.xml><?xml version="1.0" encoding="utf-8"?>
 <p:sld xmlns:a="http://schemas.openxmlformats.org/drawingml/2006/main" xmlns:r="http://schemas.openxmlformats.org/officeDocument/2006/relationships" xmlns:p="http://schemas.openxmlformats.org/presentationml/2006/main">
   <p:cSld>
     <p:spTree>
@@ -16910,73 +19595,6 @@
           </a:p>
         </p:txBody>
       </p:sp>
-      <p:sp>
-        <p:nvSpPr>
-          <p:cNvPr id="4" name="Date Placeholder 3">
-            <a:extLst>
-              <a:ext uri="{FF2B5EF4-FFF2-40B4-BE49-F238E27FC236}">
-                <a16:creationId xmlns:a16="http://schemas.microsoft.com/office/drawing/2014/main" id="{0C329F70-04F7-4C70-BCF8-D4371F54EF2F}"/>
-              </a:ext>
-            </a:extLst>
-          </p:cNvPr>
-          <p:cNvSpPr>
-            <a:spLocks noGrp="1"/>
-          </p:cNvSpPr>
-          <p:nvPr>
-            <p:ph type="dt" sz="half" idx="10"/>
-          </p:nvPr>
-        </p:nvSpPr>
-        <p:spPr>
-          <a:xfrm>
-            <a:off x="550863" y="6507212"/>
-            <a:ext cx="2628900" cy="153888"/>
-          </a:xfrm>
-        </p:spPr>
-        <p:txBody>
-          <a:bodyPr/>
-          <a:lstStyle/>
-          <a:p>
-            <a:r>
-              <a:rPr lang="en-US"/>
-              <a:t>Tuesday, February 2, 20XX</a:t>
-            </a:r>
-            <a:endParaRPr lang="en-US" dirty="0"/>
-          </a:p>
-        </p:txBody>
-      </p:sp>
-      <p:sp>
-        <p:nvSpPr>
-          <p:cNvPr id="5" name="Footer Placeholder 4">
-            <a:extLst>
-              <a:ext uri="{FF2B5EF4-FFF2-40B4-BE49-F238E27FC236}">
-                <a16:creationId xmlns:a16="http://schemas.microsoft.com/office/drawing/2014/main" id="{06A3302E-502D-4151-81C9-5FD6AF9596D6}"/>
-              </a:ext>
-            </a:extLst>
-          </p:cNvPr>
-          <p:cNvSpPr>
-            <a:spLocks noGrp="1"/>
-          </p:cNvSpPr>
-          <p:nvPr>
-            <p:ph type="ftr" sz="quarter" idx="11"/>
-          </p:nvPr>
-        </p:nvSpPr>
-        <p:spPr>
-          <a:xfrm>
-            <a:off x="3359150" y="6507212"/>
-            <a:ext cx="6379210" cy="153888"/>
-          </a:xfrm>
-        </p:spPr>
-        <p:txBody>
-          <a:bodyPr/>
-          <a:lstStyle/>
-          <a:p>
-            <a:r>
-              <a:rPr lang="en-US"/>
-              <a:t>Sample Footer Text</a:t>
-            </a:r>
-          </a:p>
-        </p:txBody>
-      </p:sp>
       <p:pic>
         <p:nvPicPr>
           <p:cNvPr id="3" name="Picture 2">
@@ -17036,7 +19654,7 @@
             <a:fld id="{DBA1B0FB-D917-4C8C-928F-313BD683BF39}" type="slidenum">
               <a:rPr lang="en-US" smtClean="0"/>
               <a:pPr/>
-              <a:t>8</a:t>
+              <a:t>9</a:t>
             </a:fld>
             <a:endParaRPr lang="en-US"/>
           </a:p>
@@ -17213,283 +19831,18 @@
   <p:clrMapOvr>
     <a:masterClrMapping/>
   </p:clrMapOvr>
-</p:sld>
-</file>
-
-<file path=ppt/slides/slide9.xml><?xml version="1.0" encoding="utf-8"?>
-<p:sld xmlns:a="http://schemas.openxmlformats.org/drawingml/2006/main" xmlns:r="http://schemas.openxmlformats.org/officeDocument/2006/relationships" xmlns:p="http://schemas.openxmlformats.org/presentationml/2006/main">
-  <p:cSld>
-    <p:spTree>
-      <p:nvGrpSpPr>
-        <p:cNvPr id="1" name=""/>
-        <p:cNvGrpSpPr/>
-        <p:nvPr/>
-      </p:nvGrpSpPr>
-      <p:grpSpPr>
-        <a:xfrm>
-          <a:off x="0" y="0"/>
-          <a:ext cx="0" cy="0"/>
-          <a:chOff x="0" y="0"/>
-          <a:chExt cx="0" cy="0"/>
-        </a:xfrm>
-      </p:grpSpPr>
-      <p:sp>
-        <p:nvSpPr>
-          <p:cNvPr id="22" name="Title 21">
-            <a:extLst>
-              <a:ext uri="{FF2B5EF4-FFF2-40B4-BE49-F238E27FC236}">
-                <a16:creationId xmlns:a16="http://schemas.microsoft.com/office/drawing/2014/main" id="{F8FAEED9-1ECD-45F9-87A0-9394BAEABB79}"/>
-              </a:ext>
-            </a:extLst>
-          </p:cNvPr>
-          <p:cNvSpPr>
-            <a:spLocks noGrp="1"/>
-          </p:cNvSpPr>
-          <p:nvPr>
-            <p:ph type="ctrTitle"/>
-          </p:nvPr>
-        </p:nvSpPr>
-        <p:spPr>
-          <a:xfrm>
-            <a:off x="550863" y="549275"/>
-            <a:ext cx="5437187" cy="2986234"/>
-          </a:xfrm>
-        </p:spPr>
-        <p:txBody>
-          <a:bodyPr/>
-          <a:lstStyle/>
-          <a:p>
-            <a:r>
-              <a:rPr lang="en-US" dirty="0"/>
-              <a:t>Thank You</a:t>
-            </a:r>
-          </a:p>
-        </p:txBody>
-      </p:sp>
-      <p:sp>
-        <p:nvSpPr>
-          <p:cNvPr id="23" name="Subtitle 22">
-            <a:extLst>
-              <a:ext uri="{FF2B5EF4-FFF2-40B4-BE49-F238E27FC236}">
-                <a16:creationId xmlns:a16="http://schemas.microsoft.com/office/drawing/2014/main" id="{8E5E4638-9BCB-4C2E-914F-CC868E2020D5}"/>
-              </a:ext>
-            </a:extLst>
-          </p:cNvPr>
-          <p:cNvSpPr>
-            <a:spLocks noGrp="1"/>
-          </p:cNvSpPr>
-          <p:nvPr>
-            <p:ph type="subTitle" idx="1"/>
-          </p:nvPr>
-        </p:nvSpPr>
-        <p:spPr>
-          <a:xfrm>
-            <a:off x="550863" y="3827610"/>
-            <a:ext cx="5437187" cy="2265216"/>
-          </a:xfrm>
-        </p:spPr>
-        <p:txBody>
-          <a:bodyPr/>
-          <a:lstStyle/>
-          <a:p>
-            <a:r>
-              <a:rPr lang="en-US" dirty="0"/>
-              <a:t>Presenter name</a:t>
-            </a:r>
-          </a:p>
-          <a:p>
-            <a:r>
-              <a:rPr lang="en-US" dirty="0"/>
-              <a:t>Email address</a:t>
-            </a:r>
-          </a:p>
-          <a:p>
-            <a:r>
-              <a:rPr lang="en-US" dirty="0"/>
-              <a:t>Website address</a:t>
-            </a:r>
-          </a:p>
-        </p:txBody>
-      </p:sp>
-      <p:pic>
-        <p:nvPicPr>
-          <p:cNvPr id="27" name="Picture Placeholder 26" descr="Data Points Digital background">
-            <a:extLst>
-              <a:ext uri="{FF2B5EF4-FFF2-40B4-BE49-F238E27FC236}">
-                <a16:creationId xmlns:a16="http://schemas.microsoft.com/office/drawing/2014/main" id="{9E660784-34E2-4CDA-926A-DDD6AAF35046}"/>
-              </a:ext>
-            </a:extLst>
-          </p:cNvPr>
-          <p:cNvPicPr>
-            <a:picLocks noGrp="1" noChangeAspect="1"/>
-          </p:cNvPicPr>
-          <p:nvPr>
-            <p:ph type="pic" sz="quarter" idx="15"/>
-          </p:nvPr>
-        </p:nvPicPr>
-        <p:blipFill rotWithShape="1">
-          <a:blip r:embed="rId2" cstate="screen">
-            <a:extLst>
-              <a:ext uri="{28A0092B-C50C-407E-A947-70E740481C1C}">
-                <a14:useLocalDpi xmlns:a14="http://schemas.microsoft.com/office/drawing/2010/main" val="0"/>
-              </a:ext>
-            </a:extLst>
-          </a:blip>
-          <a:srcRect/>
-          <a:stretch/>
-        </p:blipFill>
-        <p:spPr>
-          <a:xfrm>
-            <a:off x="6556248" y="548640"/>
-            <a:ext cx="5084064" cy="2880360"/>
-          </a:xfrm>
-        </p:spPr>
-      </p:pic>
-      <p:pic>
-        <p:nvPicPr>
-          <p:cNvPr id="33" name="Picture Placeholder 32" descr="Data Points Digital background">
-            <a:extLst>
-              <a:ext uri="{FF2B5EF4-FFF2-40B4-BE49-F238E27FC236}">
-                <a16:creationId xmlns:a16="http://schemas.microsoft.com/office/drawing/2014/main" id="{48106962-23C6-4DFE-BB3A-E5FFF03F38CE}"/>
-              </a:ext>
-            </a:extLst>
-          </p:cNvPr>
-          <p:cNvPicPr>
-            <a:picLocks noGrp="1" noChangeAspect="1"/>
-          </p:cNvPicPr>
-          <p:nvPr>
-            <p:ph type="pic" sz="quarter" idx="16"/>
-          </p:nvPr>
-        </p:nvPicPr>
-        <p:blipFill rotWithShape="1">
-          <a:blip r:embed="rId3" cstate="screen">
-            <a:extLst>
-              <a:ext uri="{28A0092B-C50C-407E-A947-70E740481C1C}">
-                <a14:useLocalDpi xmlns:a14="http://schemas.microsoft.com/office/drawing/2010/main" val="0"/>
-              </a:ext>
-            </a:extLst>
-          </a:blip>
-          <a:srcRect/>
-          <a:stretch/>
-        </p:blipFill>
-        <p:spPr>
-          <a:xfrm>
-            <a:off x="6556248" y="3429000"/>
-            <a:ext cx="5084064" cy="2880360"/>
-          </a:xfrm>
-        </p:spPr>
-      </p:pic>
-      <p:sp>
-        <p:nvSpPr>
-          <p:cNvPr id="4" name="Date Placeholder 3">
-            <a:extLst>
-              <a:ext uri="{FF2B5EF4-FFF2-40B4-BE49-F238E27FC236}">
-                <a16:creationId xmlns:a16="http://schemas.microsoft.com/office/drawing/2014/main" id="{7823E305-6365-4345-8BD1-4A31C61D96CB}"/>
-              </a:ext>
-            </a:extLst>
-          </p:cNvPr>
-          <p:cNvSpPr>
-            <a:spLocks noGrp="1"/>
-          </p:cNvSpPr>
-          <p:nvPr>
-            <p:ph type="dt" sz="half" idx="10"/>
-          </p:nvPr>
-        </p:nvSpPr>
-        <p:spPr>
-          <a:xfrm>
-            <a:off x="550863" y="6507212"/>
-            <a:ext cx="2628900" cy="153888"/>
-          </a:xfrm>
-        </p:spPr>
-        <p:txBody>
-          <a:bodyPr/>
-          <a:lstStyle/>
-          <a:p>
-            <a:r>
-              <a:rPr lang="en-US"/>
-              <a:t>Tuesday, February 2, 20XX</a:t>
-            </a:r>
-          </a:p>
-        </p:txBody>
-      </p:sp>
-      <p:sp>
-        <p:nvSpPr>
-          <p:cNvPr id="5" name="Footer Placeholder 4">
-            <a:extLst>
-              <a:ext uri="{FF2B5EF4-FFF2-40B4-BE49-F238E27FC236}">
-                <a16:creationId xmlns:a16="http://schemas.microsoft.com/office/drawing/2014/main" id="{0B37A3FF-ED32-4C4A-A21F-848A3BF6F896}"/>
-              </a:ext>
-            </a:extLst>
-          </p:cNvPr>
-          <p:cNvSpPr>
-            <a:spLocks noGrp="1"/>
-          </p:cNvSpPr>
-          <p:nvPr>
-            <p:ph type="ftr" sz="quarter" idx="11"/>
-          </p:nvPr>
-        </p:nvSpPr>
-        <p:spPr>
-          <a:xfrm>
-            <a:off x="3359150" y="6507212"/>
-            <a:ext cx="6379210" cy="153888"/>
-          </a:xfrm>
-        </p:spPr>
-        <p:txBody>
-          <a:bodyPr/>
-          <a:lstStyle/>
-          <a:p>
-            <a:r>
-              <a:rPr lang="en-US"/>
-              <a:t>Sample Footer Text</a:t>
-            </a:r>
-          </a:p>
-        </p:txBody>
-      </p:sp>
-      <p:sp>
-        <p:nvSpPr>
-          <p:cNvPr id="6" name="Slide Number Placeholder 5">
-            <a:extLst>
-              <a:ext uri="{FF2B5EF4-FFF2-40B4-BE49-F238E27FC236}">
-                <a16:creationId xmlns:a16="http://schemas.microsoft.com/office/drawing/2014/main" id="{36E60F23-FB58-4EF8-82FD-E86CED25FDD4}"/>
-              </a:ext>
-            </a:extLst>
-          </p:cNvPr>
-          <p:cNvSpPr>
-            <a:spLocks noGrp="1"/>
-          </p:cNvSpPr>
-          <p:nvPr>
-            <p:ph type="sldNum" sz="quarter" idx="12"/>
-          </p:nvPr>
-        </p:nvSpPr>
-        <p:spPr>
-          <a:xfrm>
-            <a:off x="9948863" y="6507212"/>
-            <a:ext cx="1692274" cy="153888"/>
-          </a:xfrm>
-        </p:spPr>
-        <p:txBody>
-          <a:bodyPr/>
-          <a:lstStyle/>
-          <a:p>
-            <a:fld id="{DBA1B0FB-D917-4C8C-928F-313BD683BF39}" type="slidenum">
-              <a:rPr lang="en-US" smtClean="0"/>
-              <a:pPr/>
-              <a:t>9</a:t>
-            </a:fld>
-            <a:endParaRPr lang="en-US"/>
-          </a:p>
-        </p:txBody>
-      </p:sp>
-    </p:spTree>
-    <p:extLst>
-      <p:ext uri="{BB962C8B-B14F-4D97-AF65-F5344CB8AC3E}">
-        <p14:creationId xmlns:p14="http://schemas.microsoft.com/office/powerpoint/2010/main" val="3247798845"/>
-      </p:ext>
-    </p:extLst>
-  </p:cSld>
-  <p:clrMapOvr>
-    <a:masterClrMapping/>
-  </p:clrMapOvr>
+  <mc:AlternateContent xmlns:mc="http://schemas.openxmlformats.org/markup-compatibility/2006">
+    <mc:Choice xmlns:p14="http://schemas.microsoft.com/office/powerpoint/2010/main" Requires="p14">
+      <p:transition spd="med" p14:dur="700">
+        <p:fade/>
+      </p:transition>
+    </mc:Choice>
+    <mc:Fallback>
+      <p:transition spd="med">
+        <p:fade/>
+      </p:transition>
+    </mc:Fallback>
+  </mc:AlternateContent>
 </p:sld>
 </file>
 
